--- a/Code/Slides/Academy PGH 1.1.pptx
+++ b/Code/Slides/Academy PGH 1.1.pptx
@@ -7,43 +7,50 @@
   <p:sldIdLst>
     <p:sldId id="256" r:id="rId2"/>
     <p:sldId id="291" r:id="rId3"/>
-    <p:sldId id="294" r:id="rId4"/>
-    <p:sldId id="257" r:id="rId5"/>
-    <p:sldId id="258" r:id="rId6"/>
-    <p:sldId id="259" r:id="rId7"/>
-    <p:sldId id="260" r:id="rId8"/>
-    <p:sldId id="261" r:id="rId9"/>
-    <p:sldId id="262" r:id="rId10"/>
-    <p:sldId id="263" r:id="rId11"/>
-    <p:sldId id="264" r:id="rId12"/>
-    <p:sldId id="269" r:id="rId13"/>
-    <p:sldId id="295" r:id="rId14"/>
-    <p:sldId id="265" r:id="rId15"/>
-    <p:sldId id="267" r:id="rId16"/>
-    <p:sldId id="266" r:id="rId17"/>
-    <p:sldId id="268" r:id="rId18"/>
-    <p:sldId id="271" r:id="rId19"/>
-    <p:sldId id="270" r:id="rId20"/>
-    <p:sldId id="272" r:id="rId21"/>
-    <p:sldId id="273" r:id="rId22"/>
-    <p:sldId id="274" r:id="rId23"/>
-    <p:sldId id="275" r:id="rId24"/>
-    <p:sldId id="276" r:id="rId25"/>
-    <p:sldId id="277" r:id="rId26"/>
-    <p:sldId id="278" r:id="rId27"/>
-    <p:sldId id="279" r:id="rId28"/>
-    <p:sldId id="280" r:id="rId29"/>
-    <p:sldId id="281" r:id="rId30"/>
-    <p:sldId id="282" r:id="rId31"/>
-    <p:sldId id="283" r:id="rId32"/>
-    <p:sldId id="284" r:id="rId33"/>
-    <p:sldId id="285" r:id="rId34"/>
-    <p:sldId id="286" r:id="rId35"/>
-    <p:sldId id="287" r:id="rId36"/>
-    <p:sldId id="288" r:id="rId37"/>
-    <p:sldId id="289" r:id="rId38"/>
-    <p:sldId id="293" r:id="rId39"/>
-    <p:sldId id="292" r:id="rId40"/>
+    <p:sldId id="301" r:id="rId4"/>
+    <p:sldId id="302" r:id="rId5"/>
+    <p:sldId id="294" r:id="rId6"/>
+    <p:sldId id="257" r:id="rId7"/>
+    <p:sldId id="258" r:id="rId8"/>
+    <p:sldId id="259" r:id="rId9"/>
+    <p:sldId id="260" r:id="rId10"/>
+    <p:sldId id="261" r:id="rId11"/>
+    <p:sldId id="262" r:id="rId12"/>
+    <p:sldId id="263" r:id="rId13"/>
+    <p:sldId id="264" r:id="rId14"/>
+    <p:sldId id="269" r:id="rId15"/>
+    <p:sldId id="295" r:id="rId16"/>
+    <p:sldId id="265" r:id="rId17"/>
+    <p:sldId id="267" r:id="rId18"/>
+    <p:sldId id="266" r:id="rId19"/>
+    <p:sldId id="268" r:id="rId20"/>
+    <p:sldId id="271" r:id="rId21"/>
+    <p:sldId id="270" r:id="rId22"/>
+    <p:sldId id="272" r:id="rId23"/>
+    <p:sldId id="273" r:id="rId24"/>
+    <p:sldId id="274" r:id="rId25"/>
+    <p:sldId id="275" r:id="rId26"/>
+    <p:sldId id="276" r:id="rId27"/>
+    <p:sldId id="277" r:id="rId28"/>
+    <p:sldId id="278" r:id="rId29"/>
+    <p:sldId id="279" r:id="rId30"/>
+    <p:sldId id="280" r:id="rId31"/>
+    <p:sldId id="281" r:id="rId32"/>
+    <p:sldId id="282" r:id="rId33"/>
+    <p:sldId id="283" r:id="rId34"/>
+    <p:sldId id="284" r:id="rId35"/>
+    <p:sldId id="285" r:id="rId36"/>
+    <p:sldId id="286" r:id="rId37"/>
+    <p:sldId id="287" r:id="rId38"/>
+    <p:sldId id="288" r:id="rId39"/>
+    <p:sldId id="289" r:id="rId40"/>
+    <p:sldId id="293" r:id="rId41"/>
+    <p:sldId id="292" r:id="rId42"/>
+    <p:sldId id="296" r:id="rId43"/>
+    <p:sldId id="298" r:id="rId44"/>
+    <p:sldId id="299" r:id="rId45"/>
+    <p:sldId id="300" r:id="rId46"/>
+    <p:sldId id="297" r:id="rId47"/>
   </p:sldIdLst>
   <p:sldSz cx="12192000" cy="6858000"/>
   <p:notesSz cx="6858000" cy="9144000"/>
@@ -149,6 +156,8 @@
           <p14:sldIdLst>
             <p14:sldId id="256"/>
             <p14:sldId id="291"/>
+            <p14:sldId id="301"/>
+            <p14:sldId id="302"/>
             <p14:sldId id="294"/>
             <p14:sldId id="257"/>
             <p14:sldId id="258"/>
@@ -228,6 +237,15 @@
             <p14:sldId id="292"/>
           </p14:sldIdLst>
         </p14:section>
+        <p14:section name="7.1 Classes" id="{3E0E143E-C877-45A0-8119-700CCB1C4ABC}">
+          <p14:sldIdLst>
+            <p14:sldId id="296"/>
+            <p14:sldId id="298"/>
+            <p14:sldId id="299"/>
+            <p14:sldId id="300"/>
+            <p14:sldId id="297"/>
+          </p14:sldIdLst>
+        </p14:section>
       </p14:sectionLst>
     </p:ext>
     <p:ext uri="{EFAFB233-063F-42B5-8137-9DF3F51BA10A}">
@@ -279,10 +297,9 @@
           </a:lstStyle>
           <a:p>
             <a:r>
-              <a:rPr lang="en-US" smtClean="0"/>
+              <a:rPr lang="en-US"/>
               <a:t>Click to edit Master title style</a:t>
             </a:r>
-            <a:endParaRPr lang="en-US"/>
           </a:p>
         </p:txBody>
       </p:sp>
@@ -344,10 +361,9 @@
           </a:lstStyle>
           <a:p>
             <a:r>
-              <a:rPr lang="en-US" smtClean="0"/>
+              <a:rPr lang="en-US"/>
               <a:t>Click to edit Master subtitle style</a:t>
             </a:r>
-            <a:endParaRPr lang="en-US"/>
           </a:p>
         </p:txBody>
       </p:sp>
@@ -368,7 +384,7 @@
           <a:p>
             <a:fld id="{A0D5A457-80BB-4542-9113-D0F48A70DEEA}" type="datetimeFigureOut">
               <a:rPr lang="en-US" smtClean="0"/>
-              <a:t>4/22/2016</a:t>
+              <a:t>9/18/2016</a:t>
             </a:fld>
             <a:endParaRPr lang="en-US"/>
           </a:p>
@@ -462,10 +478,9 @@
           <a:lstStyle/>
           <a:p>
             <a:r>
-              <a:rPr lang="en-US" smtClean="0"/>
+              <a:rPr lang="en-US"/>
               <a:t>Click to edit Master title style</a:t>
             </a:r>
-            <a:endParaRPr lang="en-US"/>
           </a:p>
         </p:txBody>
       </p:sp>
@@ -486,38 +501,37 @@
           <a:p>
             <a:pPr lvl="0"/>
             <a:r>
-              <a:rPr lang="en-US" smtClean="0"/>
+              <a:rPr lang="en-US"/>
               <a:t>Click to edit Master text styles</a:t>
             </a:r>
           </a:p>
           <a:p>
             <a:pPr lvl="1"/>
             <a:r>
-              <a:rPr lang="en-US" smtClean="0"/>
+              <a:rPr lang="en-US"/>
               <a:t>Second level</a:t>
             </a:r>
           </a:p>
           <a:p>
             <a:pPr lvl="2"/>
             <a:r>
-              <a:rPr lang="en-US" smtClean="0"/>
+              <a:rPr lang="en-US"/>
               <a:t>Third level</a:t>
             </a:r>
           </a:p>
           <a:p>
             <a:pPr lvl="3"/>
             <a:r>
-              <a:rPr lang="en-US" smtClean="0"/>
+              <a:rPr lang="en-US"/>
               <a:t>Fourth level</a:t>
             </a:r>
           </a:p>
           <a:p>
             <a:pPr lvl="4"/>
             <a:r>
-              <a:rPr lang="en-US" smtClean="0"/>
+              <a:rPr lang="en-US"/>
               <a:t>Fifth level</a:t>
             </a:r>
-            <a:endParaRPr lang="en-US"/>
           </a:p>
         </p:txBody>
       </p:sp>
@@ -538,7 +552,7 @@
           <a:p>
             <a:fld id="{A0D5A457-80BB-4542-9113-D0F48A70DEEA}" type="datetimeFigureOut">
               <a:rPr lang="en-US" smtClean="0"/>
-              <a:t>4/22/2016</a:t>
+              <a:t>9/18/2016</a:t>
             </a:fld>
             <a:endParaRPr lang="en-US"/>
           </a:p>
@@ -637,10 +651,9 @@
           <a:lstStyle/>
           <a:p>
             <a:r>
-              <a:rPr lang="en-US" smtClean="0"/>
+              <a:rPr lang="en-US"/>
               <a:t>Click to edit Master title style</a:t>
             </a:r>
-            <a:endParaRPr lang="en-US"/>
           </a:p>
         </p:txBody>
       </p:sp>
@@ -666,38 +679,37 @@
           <a:p>
             <a:pPr lvl="0"/>
             <a:r>
-              <a:rPr lang="en-US" smtClean="0"/>
+              <a:rPr lang="en-US"/>
               <a:t>Click to edit Master text styles</a:t>
             </a:r>
           </a:p>
           <a:p>
             <a:pPr lvl="1"/>
             <a:r>
-              <a:rPr lang="en-US" smtClean="0"/>
+              <a:rPr lang="en-US"/>
               <a:t>Second level</a:t>
             </a:r>
           </a:p>
           <a:p>
             <a:pPr lvl="2"/>
             <a:r>
-              <a:rPr lang="en-US" smtClean="0"/>
+              <a:rPr lang="en-US"/>
               <a:t>Third level</a:t>
             </a:r>
           </a:p>
           <a:p>
             <a:pPr lvl="3"/>
             <a:r>
-              <a:rPr lang="en-US" smtClean="0"/>
+              <a:rPr lang="en-US"/>
               <a:t>Fourth level</a:t>
             </a:r>
           </a:p>
           <a:p>
             <a:pPr lvl="4"/>
             <a:r>
-              <a:rPr lang="en-US" smtClean="0"/>
+              <a:rPr lang="en-US"/>
               <a:t>Fifth level</a:t>
             </a:r>
-            <a:endParaRPr lang="en-US"/>
           </a:p>
         </p:txBody>
       </p:sp>
@@ -718,7 +730,7 @@
           <a:p>
             <a:fld id="{A0D5A457-80BB-4542-9113-D0F48A70DEEA}" type="datetimeFigureOut">
               <a:rPr lang="en-US" smtClean="0"/>
-              <a:t>4/22/2016</a:t>
+              <a:t>9/18/2016</a:t>
             </a:fld>
             <a:endParaRPr lang="en-US"/>
           </a:p>
@@ -812,10 +824,9 @@
           <a:lstStyle/>
           <a:p>
             <a:r>
-              <a:rPr lang="en-US" smtClean="0"/>
+              <a:rPr lang="en-US"/>
               <a:t>Click to edit Master title style</a:t>
             </a:r>
-            <a:endParaRPr lang="en-US"/>
           </a:p>
         </p:txBody>
       </p:sp>
@@ -836,38 +847,37 @@
           <a:p>
             <a:pPr lvl="0"/>
             <a:r>
-              <a:rPr lang="en-US" smtClean="0"/>
+              <a:rPr lang="en-US"/>
               <a:t>Click to edit Master text styles</a:t>
             </a:r>
           </a:p>
           <a:p>
             <a:pPr lvl="1"/>
             <a:r>
-              <a:rPr lang="en-US" smtClean="0"/>
+              <a:rPr lang="en-US"/>
               <a:t>Second level</a:t>
             </a:r>
           </a:p>
           <a:p>
             <a:pPr lvl="2"/>
             <a:r>
-              <a:rPr lang="en-US" smtClean="0"/>
+              <a:rPr lang="en-US"/>
               <a:t>Third level</a:t>
             </a:r>
           </a:p>
           <a:p>
             <a:pPr lvl="3"/>
             <a:r>
-              <a:rPr lang="en-US" smtClean="0"/>
+              <a:rPr lang="en-US"/>
               <a:t>Fourth level</a:t>
             </a:r>
           </a:p>
           <a:p>
             <a:pPr lvl="4"/>
             <a:r>
-              <a:rPr lang="en-US" smtClean="0"/>
+              <a:rPr lang="en-US"/>
               <a:t>Fifth level</a:t>
             </a:r>
-            <a:endParaRPr lang="en-US"/>
           </a:p>
         </p:txBody>
       </p:sp>
@@ -888,7 +898,7 @@
           <a:p>
             <a:fld id="{A0D5A457-80BB-4542-9113-D0F48A70DEEA}" type="datetimeFigureOut">
               <a:rPr lang="en-US" smtClean="0"/>
-              <a:t>4/22/2016</a:t>
+              <a:t>9/18/2016</a:t>
             </a:fld>
             <a:endParaRPr lang="en-US"/>
           </a:p>
@@ -991,10 +1001,9 @@
           </a:lstStyle>
           <a:p>
             <a:r>
-              <a:rPr lang="en-US" smtClean="0"/>
+              <a:rPr lang="en-US"/>
               <a:t>Click to edit Master title style</a:t>
             </a:r>
-            <a:endParaRPr lang="en-US"/>
           </a:p>
         </p:txBody>
       </p:sp>
@@ -1111,7 +1120,7 @@
           <a:p>
             <a:pPr lvl="0"/>
             <a:r>
-              <a:rPr lang="en-US" smtClean="0"/>
+              <a:rPr lang="en-US"/>
               <a:t>Click to edit Master text styles</a:t>
             </a:r>
           </a:p>
@@ -1134,7 +1143,7 @@
           <a:p>
             <a:fld id="{A0D5A457-80BB-4542-9113-D0F48A70DEEA}" type="datetimeFigureOut">
               <a:rPr lang="en-US" smtClean="0"/>
-              <a:t>4/22/2016</a:t>
+              <a:t>9/18/2016</a:t>
             </a:fld>
             <a:endParaRPr lang="en-US"/>
           </a:p>
@@ -1228,10 +1237,9 @@
           <a:lstStyle/>
           <a:p>
             <a:r>
-              <a:rPr lang="en-US" smtClean="0"/>
+              <a:rPr lang="en-US"/>
               <a:t>Click to edit Master title style</a:t>
             </a:r>
-            <a:endParaRPr lang="en-US"/>
           </a:p>
         </p:txBody>
       </p:sp>
@@ -1257,38 +1265,37 @@
           <a:p>
             <a:pPr lvl="0"/>
             <a:r>
-              <a:rPr lang="en-US" smtClean="0"/>
+              <a:rPr lang="en-US"/>
               <a:t>Click to edit Master text styles</a:t>
             </a:r>
           </a:p>
           <a:p>
             <a:pPr lvl="1"/>
             <a:r>
-              <a:rPr lang="en-US" smtClean="0"/>
+              <a:rPr lang="en-US"/>
               <a:t>Second level</a:t>
             </a:r>
           </a:p>
           <a:p>
             <a:pPr lvl="2"/>
             <a:r>
-              <a:rPr lang="en-US" smtClean="0"/>
+              <a:rPr lang="en-US"/>
               <a:t>Third level</a:t>
             </a:r>
           </a:p>
           <a:p>
             <a:pPr lvl="3"/>
             <a:r>
-              <a:rPr lang="en-US" smtClean="0"/>
+              <a:rPr lang="en-US"/>
               <a:t>Fourth level</a:t>
             </a:r>
           </a:p>
           <a:p>
             <a:pPr lvl="4"/>
             <a:r>
-              <a:rPr lang="en-US" smtClean="0"/>
+              <a:rPr lang="en-US"/>
               <a:t>Fifth level</a:t>
             </a:r>
-            <a:endParaRPr lang="en-US"/>
           </a:p>
         </p:txBody>
       </p:sp>
@@ -1314,38 +1321,37 @@
           <a:p>
             <a:pPr lvl="0"/>
             <a:r>
-              <a:rPr lang="en-US" smtClean="0"/>
+              <a:rPr lang="en-US"/>
               <a:t>Click to edit Master text styles</a:t>
             </a:r>
           </a:p>
           <a:p>
             <a:pPr lvl="1"/>
             <a:r>
-              <a:rPr lang="en-US" smtClean="0"/>
+              <a:rPr lang="en-US"/>
               <a:t>Second level</a:t>
             </a:r>
           </a:p>
           <a:p>
             <a:pPr lvl="2"/>
             <a:r>
-              <a:rPr lang="en-US" smtClean="0"/>
+              <a:rPr lang="en-US"/>
               <a:t>Third level</a:t>
             </a:r>
           </a:p>
           <a:p>
             <a:pPr lvl="3"/>
             <a:r>
-              <a:rPr lang="en-US" smtClean="0"/>
+              <a:rPr lang="en-US"/>
               <a:t>Fourth level</a:t>
             </a:r>
           </a:p>
           <a:p>
             <a:pPr lvl="4"/>
             <a:r>
-              <a:rPr lang="en-US" smtClean="0"/>
+              <a:rPr lang="en-US"/>
               <a:t>Fifth level</a:t>
             </a:r>
-            <a:endParaRPr lang="en-US"/>
           </a:p>
         </p:txBody>
       </p:sp>
@@ -1366,7 +1372,7 @@
           <a:p>
             <a:fld id="{A0D5A457-80BB-4542-9113-D0F48A70DEEA}" type="datetimeFigureOut">
               <a:rPr lang="en-US" smtClean="0"/>
-              <a:t>4/22/2016</a:t>
+              <a:t>9/18/2016</a:t>
             </a:fld>
             <a:endParaRPr lang="en-US"/>
           </a:p>
@@ -1465,10 +1471,9 @@
           <a:lstStyle/>
           <a:p>
             <a:r>
-              <a:rPr lang="en-US" smtClean="0"/>
+              <a:rPr lang="en-US"/>
               <a:t>Click to edit Master title style</a:t>
             </a:r>
-            <a:endParaRPr lang="en-US"/>
           </a:p>
         </p:txBody>
       </p:sp>
@@ -1531,7 +1536,7 @@
           <a:p>
             <a:pPr lvl="0"/>
             <a:r>
-              <a:rPr lang="en-US" smtClean="0"/>
+              <a:rPr lang="en-US"/>
               <a:t>Click to edit Master text styles</a:t>
             </a:r>
           </a:p>
@@ -1559,38 +1564,37 @@
           <a:p>
             <a:pPr lvl="0"/>
             <a:r>
-              <a:rPr lang="en-US" smtClean="0"/>
+              <a:rPr lang="en-US"/>
               <a:t>Click to edit Master text styles</a:t>
             </a:r>
           </a:p>
           <a:p>
             <a:pPr lvl="1"/>
             <a:r>
-              <a:rPr lang="en-US" smtClean="0"/>
+              <a:rPr lang="en-US"/>
               <a:t>Second level</a:t>
             </a:r>
           </a:p>
           <a:p>
             <a:pPr lvl="2"/>
             <a:r>
-              <a:rPr lang="en-US" smtClean="0"/>
+              <a:rPr lang="en-US"/>
               <a:t>Third level</a:t>
             </a:r>
           </a:p>
           <a:p>
             <a:pPr lvl="3"/>
             <a:r>
-              <a:rPr lang="en-US" smtClean="0"/>
+              <a:rPr lang="en-US"/>
               <a:t>Fourth level</a:t>
             </a:r>
           </a:p>
           <a:p>
             <a:pPr lvl="4"/>
             <a:r>
-              <a:rPr lang="en-US" smtClean="0"/>
+              <a:rPr lang="en-US"/>
               <a:t>Fifth level</a:t>
             </a:r>
-            <a:endParaRPr lang="en-US"/>
           </a:p>
         </p:txBody>
       </p:sp>
@@ -1653,7 +1657,7 @@
           <a:p>
             <a:pPr lvl="0"/>
             <a:r>
-              <a:rPr lang="en-US" smtClean="0"/>
+              <a:rPr lang="en-US"/>
               <a:t>Click to edit Master text styles</a:t>
             </a:r>
           </a:p>
@@ -1681,38 +1685,37 @@
           <a:p>
             <a:pPr lvl="0"/>
             <a:r>
-              <a:rPr lang="en-US" smtClean="0"/>
+              <a:rPr lang="en-US"/>
               <a:t>Click to edit Master text styles</a:t>
             </a:r>
           </a:p>
           <a:p>
             <a:pPr lvl="1"/>
             <a:r>
-              <a:rPr lang="en-US" smtClean="0"/>
+              <a:rPr lang="en-US"/>
               <a:t>Second level</a:t>
             </a:r>
           </a:p>
           <a:p>
             <a:pPr lvl="2"/>
             <a:r>
-              <a:rPr lang="en-US" smtClean="0"/>
+              <a:rPr lang="en-US"/>
               <a:t>Third level</a:t>
             </a:r>
           </a:p>
           <a:p>
             <a:pPr lvl="3"/>
             <a:r>
-              <a:rPr lang="en-US" smtClean="0"/>
+              <a:rPr lang="en-US"/>
               <a:t>Fourth level</a:t>
             </a:r>
           </a:p>
           <a:p>
             <a:pPr lvl="4"/>
             <a:r>
-              <a:rPr lang="en-US" smtClean="0"/>
+              <a:rPr lang="en-US"/>
               <a:t>Fifth level</a:t>
             </a:r>
-            <a:endParaRPr lang="en-US"/>
           </a:p>
         </p:txBody>
       </p:sp>
@@ -1733,7 +1736,7 @@
           <a:p>
             <a:fld id="{A0D5A457-80BB-4542-9113-D0F48A70DEEA}" type="datetimeFigureOut">
               <a:rPr lang="en-US" smtClean="0"/>
-              <a:t>4/22/2016</a:t>
+              <a:t>9/18/2016</a:t>
             </a:fld>
             <a:endParaRPr lang="en-US"/>
           </a:p>
@@ -1827,10 +1830,9 @@
           <a:lstStyle/>
           <a:p>
             <a:r>
-              <a:rPr lang="en-US" smtClean="0"/>
+              <a:rPr lang="en-US"/>
               <a:t>Click to edit Master title style</a:t>
             </a:r>
-            <a:endParaRPr lang="en-US"/>
           </a:p>
         </p:txBody>
       </p:sp>
@@ -1851,7 +1853,7 @@
           <a:p>
             <a:fld id="{A0D5A457-80BB-4542-9113-D0F48A70DEEA}" type="datetimeFigureOut">
               <a:rPr lang="en-US" smtClean="0"/>
-              <a:t>4/22/2016</a:t>
+              <a:t>9/18/2016</a:t>
             </a:fld>
             <a:endParaRPr lang="en-US"/>
           </a:p>
@@ -1946,7 +1948,7 @@
           <a:p>
             <a:fld id="{A0D5A457-80BB-4542-9113-D0F48A70DEEA}" type="datetimeFigureOut">
               <a:rPr lang="en-US" smtClean="0"/>
-              <a:t>4/22/2016</a:t>
+              <a:t>9/18/2016</a:t>
             </a:fld>
             <a:endParaRPr lang="en-US"/>
           </a:p>
@@ -2049,10 +2051,9 @@
           </a:lstStyle>
           <a:p>
             <a:r>
-              <a:rPr lang="en-US" smtClean="0"/>
+              <a:rPr lang="en-US"/>
               <a:t>Click to edit Master title style</a:t>
             </a:r>
-            <a:endParaRPr lang="en-US"/>
           </a:p>
         </p:txBody>
       </p:sp>
@@ -2106,38 +2107,37 @@
           <a:p>
             <a:pPr lvl="0"/>
             <a:r>
-              <a:rPr lang="en-US" smtClean="0"/>
+              <a:rPr lang="en-US"/>
               <a:t>Click to edit Master text styles</a:t>
             </a:r>
           </a:p>
           <a:p>
             <a:pPr lvl="1"/>
             <a:r>
-              <a:rPr lang="en-US" smtClean="0"/>
+              <a:rPr lang="en-US"/>
               <a:t>Second level</a:t>
             </a:r>
           </a:p>
           <a:p>
             <a:pPr lvl="2"/>
             <a:r>
-              <a:rPr lang="en-US" smtClean="0"/>
+              <a:rPr lang="en-US"/>
               <a:t>Third level</a:t>
             </a:r>
           </a:p>
           <a:p>
             <a:pPr lvl="3"/>
             <a:r>
-              <a:rPr lang="en-US" smtClean="0"/>
+              <a:rPr lang="en-US"/>
               <a:t>Fourth level</a:t>
             </a:r>
           </a:p>
           <a:p>
             <a:pPr lvl="4"/>
             <a:r>
-              <a:rPr lang="en-US" smtClean="0"/>
+              <a:rPr lang="en-US"/>
               <a:t>Fifth level</a:t>
             </a:r>
-            <a:endParaRPr lang="en-US"/>
           </a:p>
         </p:txBody>
       </p:sp>
@@ -2200,7 +2200,7 @@
           <a:p>
             <a:pPr lvl="0"/>
             <a:r>
-              <a:rPr lang="en-US" smtClean="0"/>
+              <a:rPr lang="en-US"/>
               <a:t>Click to edit Master text styles</a:t>
             </a:r>
           </a:p>
@@ -2223,7 +2223,7 @@
           <a:p>
             <a:fld id="{A0D5A457-80BB-4542-9113-D0F48A70DEEA}" type="datetimeFigureOut">
               <a:rPr lang="en-US" smtClean="0"/>
-              <a:t>4/22/2016</a:t>
+              <a:t>9/18/2016</a:t>
             </a:fld>
             <a:endParaRPr lang="en-US"/>
           </a:p>
@@ -2326,10 +2326,9 @@
           </a:lstStyle>
           <a:p>
             <a:r>
-              <a:rPr lang="en-US" smtClean="0"/>
+              <a:rPr lang="en-US"/>
               <a:t>Click to edit Master title style</a:t>
             </a:r>
-            <a:endParaRPr lang="en-US"/>
           </a:p>
         </p:txBody>
       </p:sp>
@@ -2453,7 +2452,7 @@
           <a:p>
             <a:pPr lvl="0"/>
             <a:r>
-              <a:rPr lang="en-US" smtClean="0"/>
+              <a:rPr lang="en-US"/>
               <a:t>Click to edit Master text styles</a:t>
             </a:r>
           </a:p>
@@ -2476,7 +2475,7 @@
           <a:p>
             <a:fld id="{A0D5A457-80BB-4542-9113-D0F48A70DEEA}" type="datetimeFigureOut">
               <a:rPr lang="en-US" smtClean="0"/>
-              <a:t>4/22/2016</a:t>
+              <a:t>9/18/2016</a:t>
             </a:fld>
             <a:endParaRPr lang="en-US"/>
           </a:p>
@@ -2585,10 +2584,9 @@
           <a:lstStyle/>
           <a:p>
             <a:r>
-              <a:rPr lang="en-US" smtClean="0"/>
+              <a:rPr lang="en-US"/>
               <a:t>Click to edit Master title style</a:t>
             </a:r>
-            <a:endParaRPr lang="en-US"/>
           </a:p>
         </p:txBody>
       </p:sp>
@@ -2619,38 +2617,37 @@
           <a:p>
             <a:pPr lvl="0"/>
             <a:r>
-              <a:rPr lang="en-US" smtClean="0"/>
+              <a:rPr lang="en-US"/>
               <a:t>Click to edit Master text styles</a:t>
             </a:r>
           </a:p>
           <a:p>
             <a:pPr lvl="1"/>
             <a:r>
-              <a:rPr lang="en-US" smtClean="0"/>
+              <a:rPr lang="en-US"/>
               <a:t>Second level</a:t>
             </a:r>
           </a:p>
           <a:p>
             <a:pPr lvl="2"/>
             <a:r>
-              <a:rPr lang="en-US" smtClean="0"/>
+              <a:rPr lang="en-US"/>
               <a:t>Third level</a:t>
             </a:r>
           </a:p>
           <a:p>
             <a:pPr lvl="3"/>
             <a:r>
-              <a:rPr lang="en-US" smtClean="0"/>
+              <a:rPr lang="en-US"/>
               <a:t>Fourth level</a:t>
             </a:r>
           </a:p>
           <a:p>
             <a:pPr lvl="4"/>
             <a:r>
-              <a:rPr lang="en-US" smtClean="0"/>
+              <a:rPr lang="en-US"/>
               <a:t>Fifth level</a:t>
             </a:r>
-            <a:endParaRPr lang="en-US"/>
           </a:p>
         </p:txBody>
       </p:sp>
@@ -2689,7 +2686,7 @@
           <a:p>
             <a:fld id="{A0D5A457-80BB-4542-9113-D0F48A70DEEA}" type="datetimeFigureOut">
               <a:rPr lang="en-US" smtClean="0"/>
-              <a:t>4/22/2016</a:t>
+              <a:t>9/18/2016</a:t>
             </a:fld>
             <a:endParaRPr lang="en-US"/>
           </a:p>
@@ -3110,10 +3107,9 @@
           <a:lstStyle/>
           <a:p>
             <a:r>
-              <a:rPr lang="en-US" dirty="0" smtClean="0"/>
-              <a:t>Academy PGH</a:t>
-            </a:r>
-            <a:endParaRPr lang="en-US" dirty="0"/>
+              <a:rPr lang="en-US" dirty="0"/>
+              <a:t>Academy PGH Session 2!</a:t>
+            </a:r>
           </a:p>
         </p:txBody>
       </p:sp>
@@ -3133,10 +3129,15 @@
           <a:lstStyle/>
           <a:p>
             <a:r>
-              <a:rPr lang="en-US" dirty="0" smtClean="0"/>
+              <a:rPr lang="en-US" dirty="0"/>
               <a:t>Development Bootcamp</a:t>
             </a:r>
-            <a:endParaRPr lang="en-US" dirty="0"/>
+          </a:p>
+          <a:p>
+            <a:r>
+              <a:rPr lang="en-US" dirty="0"/>
+              <a:t>#AcademyPgh2 if you want to do the twitter things</a:t>
+            </a:r>
           </a:p>
         </p:txBody>
       </p:sp>
@@ -3150,13 +3151,6 @@
   <p:clrMapOvr>
     <a:masterClrMapping/>
   </p:clrMapOvr>
-  <p:timing>
-    <p:tnLst>
-      <p:par>
-        <p:cTn id="1" dur="indefinite" restart="never" nodeType="tmRoot"/>
-      </p:par>
-    </p:tnLst>
-  </p:timing>
 </p:sld>
 </file>
 
@@ -3193,10 +3187,9 @@
           <a:lstStyle/>
           <a:p>
             <a:r>
-              <a:rPr lang="en-US" dirty="0" smtClean="0"/>
-              <a:t>More Advanced Topics</a:t>
-            </a:r>
-            <a:endParaRPr lang="en-US" dirty="0"/>
+              <a:rPr lang="en-US" dirty="0"/>
+              <a:t>Math in Programming</a:t>
+            </a:r>
           </a:p>
         </p:txBody>
       </p:sp>
@@ -3216,32 +3209,57 @@
           <a:lstStyle/>
           <a:p>
             <a:r>
-              <a:rPr lang="en-US" dirty="0" smtClean="0"/>
-              <a:t>Variables</a:t>
-            </a:r>
-          </a:p>
-          <a:p>
-            <a:r>
-              <a:rPr lang="en-US" dirty="0" smtClean="0"/>
-              <a:t>Conditionals</a:t>
-            </a:r>
-          </a:p>
-          <a:p>
-            <a:r>
-              <a:rPr lang="en-US" dirty="0" smtClean="0"/>
-              <a:t>Loops</a:t>
-            </a:r>
-          </a:p>
-          <a:p>
-            <a:r>
-              <a:rPr lang="en-US" dirty="0" smtClean="0"/>
-              <a:t>Arrays</a:t>
-            </a:r>
-          </a:p>
-          <a:p>
-            <a:r>
-              <a:rPr lang="en-US" dirty="0" smtClean="0"/>
-              <a:t>Even More Advanced Topics</a:t>
+              <a:rPr lang="en-US" dirty="0"/>
+              <a:t>Uses the normal mathematical symbols</a:t>
+            </a:r>
+          </a:p>
+          <a:p>
+            <a:pPr lvl="1"/>
+            <a:r>
+              <a:rPr lang="en-US" dirty="0"/>
+              <a:t>+, -, * (multiply), / (divide), ^ (exponent), % (modulus)</a:t>
+            </a:r>
+          </a:p>
+          <a:p>
+            <a:pPr lvl="1"/>
+            <a:r>
+              <a:rPr lang="en-US" dirty="0"/>
+              <a:t>= is the assignment operator, we will talk about it in the next section</a:t>
+            </a:r>
+          </a:p>
+          <a:p>
+            <a:pPr lvl="1"/>
+            <a:r>
+              <a:rPr lang="en-US" dirty="0"/>
+              <a:t>There are a few special operators, ++, +=, --, -=, *= and /= which are used in the next section as well</a:t>
+            </a:r>
+          </a:p>
+          <a:p>
+            <a:r>
+              <a:rPr lang="en-US" dirty="0"/>
+              <a:t>Uses the normal order of operations</a:t>
+            </a:r>
+          </a:p>
+          <a:p>
+            <a:pPr lvl="1"/>
+            <a:r>
+              <a:rPr lang="en-US" dirty="0"/>
+              <a:t>(</a:t>
+            </a:r>
+            <a:r>
+              <a:rPr lang="en-US" dirty="0" err="1"/>
+              <a:t>parens</a:t>
+            </a:r>
+            <a:r>
+              <a:rPr lang="en-US" dirty="0"/>
+              <a:t>) first, then multiply/divide, finally add/subtract</a:t>
+            </a:r>
+          </a:p>
+          <a:p>
+            <a:pPr lvl="1"/>
+            <a:r>
+              <a:rPr lang="en-US" dirty="0"/>
+              <a:t>While it will normally not matter, if everything else is equal, each symbol will be evaluated left to right (2 + 2 – 2) the + will happen first, then the -.</a:t>
             </a:r>
           </a:p>
         </p:txBody>
@@ -3249,20 +3267,13 @@
     </p:spTree>
     <p:extLst>
       <p:ext uri="{BB962C8B-B14F-4D97-AF65-F5344CB8AC3E}">
-        <p14:creationId xmlns:p14="http://schemas.microsoft.com/office/powerpoint/2010/main" val="2538538351"/>
+        <p14:creationId xmlns:p14="http://schemas.microsoft.com/office/powerpoint/2010/main" val="684662386"/>
       </p:ext>
     </p:extLst>
   </p:cSld>
   <p:clrMapOvr>
     <a:masterClrMapping/>
   </p:clrMapOvr>
-  <p:timing>
-    <p:tnLst>
-      <p:par>
-        <p:cTn id="1" dur="indefinite" restart="never" nodeType="tmRoot"/>
-      </p:par>
-    </p:tnLst>
-  </p:timing>
 </p:sld>
 </file>
 
@@ -3299,8 +3310,12 @@
           <a:lstStyle/>
           <a:p>
             <a:r>
-              <a:rPr lang="en-US" dirty="0" smtClean="0"/>
-              <a:t>Variables</a:t>
+              <a:rPr lang="en-US" dirty="0"/>
+              <a:t>Exercise - </a:t>
+            </a:r>
+            <a:r>
+              <a:rPr lang="en-US" dirty="0" err="1"/>
+              <a:t>Maths</a:t>
             </a:r>
             <a:endParaRPr lang="en-US" dirty="0"/>
           </a:p>
@@ -3322,39 +3337,29 @@
           <a:lstStyle/>
           <a:p>
             <a:r>
-              <a:rPr lang="en-US" dirty="0" smtClean="0"/>
-              <a:t>Variables are a name for a value or object</a:t>
-            </a:r>
-          </a:p>
-          <a:p>
-            <a:r>
-              <a:rPr lang="en-US" dirty="0" smtClean="0"/>
-              <a:t>In C#, a variable can only have one type in its lifetime</a:t>
-            </a:r>
-          </a:p>
-          <a:p>
-            <a:pPr lvl="1"/>
-            <a:r>
-              <a:rPr lang="en-US" dirty="0" smtClean="0"/>
-              <a:t>If you say variable x is a string, x will always be a string</a:t>
-            </a:r>
-          </a:p>
-          <a:p>
-            <a:r>
-              <a:rPr lang="en-US" dirty="0" smtClean="0"/>
-              <a:t>C# requires you to declare what variables you are going to use</a:t>
-            </a:r>
-          </a:p>
-          <a:p>
-            <a:r>
-              <a:rPr lang="en-US" dirty="0" smtClean="0"/>
-              <a:t>Variables can (normally) be assigned new values</a:t>
-            </a:r>
-          </a:p>
-          <a:p>
-            <a:r>
-              <a:rPr lang="en-US" dirty="0" smtClean="0"/>
-              <a:t>To the IDE!</a:t>
+              <a:rPr lang="en-US" dirty="0"/>
+              <a:t>Write down some common math formulas you may remember from school or have used before</a:t>
+            </a:r>
+          </a:p>
+          <a:p>
+            <a:pPr lvl="1"/>
+            <a:r>
+              <a:rPr lang="en-US" dirty="0"/>
+              <a:t>You may use things like Pi</a:t>
+            </a:r>
+          </a:p>
+          <a:p>
+            <a:pPr lvl="1"/>
+            <a:r>
+              <a:rPr lang="en-US" dirty="0"/>
+              <a:t>It’s ok if you don’t remember exact formulas for things</a:t>
+            </a:r>
+          </a:p>
+          <a:p>
+            <a:pPr lvl="1"/>
+            <a:r>
+              <a:rPr lang="en-US" dirty="0"/>
+              <a:t>Make some up</a:t>
             </a:r>
           </a:p>
         </p:txBody>
@@ -3362,20 +3367,13 @@
     </p:spTree>
     <p:extLst>
       <p:ext uri="{BB962C8B-B14F-4D97-AF65-F5344CB8AC3E}">
-        <p14:creationId xmlns:p14="http://schemas.microsoft.com/office/powerpoint/2010/main" val="2366292587"/>
+        <p14:creationId xmlns:p14="http://schemas.microsoft.com/office/powerpoint/2010/main" val="2295995555"/>
       </p:ext>
     </p:extLst>
   </p:cSld>
   <p:clrMapOvr>
     <a:masterClrMapping/>
   </p:clrMapOvr>
-  <p:timing>
-    <p:tnLst>
-      <p:par>
-        <p:cTn id="1" dur="indefinite" restart="never" nodeType="tmRoot"/>
-      </p:par>
-    </p:tnLst>
-  </p:timing>
 </p:sld>
 </file>
 
@@ -3412,10 +3410,9 @@
           <a:lstStyle/>
           <a:p>
             <a:r>
-              <a:rPr lang="en-US" dirty="0" smtClean="0"/>
-              <a:t>Exercises</a:t>
-            </a:r>
-            <a:endParaRPr lang="en-US" dirty="0"/>
+              <a:rPr lang="en-US" dirty="0"/>
+              <a:t>More Advanced Topics</a:t>
+            </a:r>
           </a:p>
         </p:txBody>
       </p:sp>
@@ -3434,68 +3431,47 @@
           <a:bodyPr/>
           <a:lstStyle/>
           <a:p>
-            <a:pPr fontAlgn="ctr"/>
-            <a:r>
-              <a:rPr lang="en-US" dirty="0"/>
-              <a:t>Can you read in someone's name and print it back to them?</a:t>
-            </a:r>
-          </a:p>
-          <a:p>
-            <a:pPr fontAlgn="ctr"/>
-            <a:r>
-              <a:rPr lang="en-US" dirty="0"/>
-              <a:t>What about adding their age?</a:t>
-            </a:r>
-          </a:p>
-          <a:p>
-            <a:pPr fontAlgn="ctr"/>
-            <a:r>
-              <a:rPr lang="en-US" dirty="0"/>
-              <a:t>What happens when you try to ask for an age and do </a:t>
-            </a:r>
-            <a:r>
-              <a:rPr lang="en-US" dirty="0" err="1"/>
-              <a:t>int</a:t>
-            </a:r>
-            <a:r>
-              <a:rPr lang="en-US" dirty="0"/>
-              <a:t> age = </a:t>
-            </a:r>
-            <a:r>
-              <a:rPr lang="en-US" dirty="0" err="1"/>
-              <a:t>Console.ReadLine</a:t>
-            </a:r>
-            <a:r>
-              <a:rPr lang="en-US" dirty="0"/>
-              <a:t>()?</a:t>
-            </a:r>
-          </a:p>
-          <a:p>
-            <a:r>
-              <a:rPr lang="en-US" dirty="0" smtClean="0"/>
-              <a:t>Extra – Tell them how old they’ll be in 5 years</a:t>
-            </a:r>
-            <a:endParaRPr lang="en-US" dirty="0"/>
+            <a:r>
+              <a:rPr lang="en-US" dirty="0"/>
+              <a:t>Variables</a:t>
+            </a:r>
+          </a:p>
+          <a:p>
+            <a:r>
+              <a:rPr lang="en-US" dirty="0"/>
+              <a:t>Conditionals</a:t>
+            </a:r>
+          </a:p>
+          <a:p>
+            <a:r>
+              <a:rPr lang="en-US" dirty="0"/>
+              <a:t>Loops</a:t>
+            </a:r>
+          </a:p>
+          <a:p>
+            <a:r>
+              <a:rPr lang="en-US" dirty="0"/>
+              <a:t>Arrays</a:t>
+            </a:r>
+          </a:p>
+          <a:p>
+            <a:r>
+              <a:rPr lang="en-US" dirty="0"/>
+              <a:t>Even More Advanced Topics</a:t>
+            </a:r>
           </a:p>
         </p:txBody>
       </p:sp>
     </p:spTree>
     <p:extLst>
       <p:ext uri="{BB962C8B-B14F-4D97-AF65-F5344CB8AC3E}">
-        <p14:creationId xmlns:p14="http://schemas.microsoft.com/office/powerpoint/2010/main" val="1405807983"/>
+        <p14:creationId xmlns:p14="http://schemas.microsoft.com/office/powerpoint/2010/main" val="2538538351"/>
       </p:ext>
     </p:extLst>
   </p:cSld>
   <p:clrMapOvr>
     <a:masterClrMapping/>
   </p:clrMapOvr>
-  <p:timing>
-    <p:tnLst>
-      <p:par>
-        <p:cTn id="1" dur="indefinite" restart="never" nodeType="tmRoot"/>
-      </p:par>
-    </p:tnLst>
-  </p:timing>
 </p:sld>
 </file>
 
@@ -3532,10 +3508,9 @@
           <a:lstStyle/>
           <a:p>
             <a:r>
-              <a:rPr lang="en-US" dirty="0" smtClean="0"/>
-              <a:t>Second Exercise</a:t>
-            </a:r>
-            <a:endParaRPr lang="en-US" dirty="0"/>
+              <a:rPr lang="en-US" dirty="0"/>
+              <a:t>Variables</a:t>
+            </a:r>
           </a:p>
         </p:txBody>
       </p:sp>
@@ -3555,77 +3530,53 @@
           <a:lstStyle/>
           <a:p>
             <a:r>
-              <a:rPr lang="en-US" dirty="0" smtClean="0"/>
-              <a:t>Ask a user for the length and width of their garden box</a:t>
-            </a:r>
-          </a:p>
-          <a:p>
-            <a:r>
-              <a:rPr lang="en-US" dirty="0" smtClean="0"/>
-              <a:t>Tell them the area of the box</a:t>
-            </a:r>
-          </a:p>
-          <a:p>
-            <a:r>
-              <a:rPr lang="en-US" dirty="0" smtClean="0"/>
-              <a:t>Tell them the perimeter of the box</a:t>
-            </a:r>
-          </a:p>
-          <a:p>
-            <a:r>
-              <a:rPr lang="en-US" dirty="0" smtClean="0"/>
-              <a:t>Tell them how many carrots/beets/corn they can plant</a:t>
-            </a:r>
-          </a:p>
-          <a:p>
-            <a:pPr lvl="1"/>
-            <a:r>
-              <a:rPr lang="en-US" dirty="0" smtClean="0"/>
-              <a:t>Carrots = 16 per 4x4 square (1 per </a:t>
-            </a:r>
-            <a:r>
-              <a:rPr lang="en-US" dirty="0" err="1" smtClean="0"/>
-              <a:t>sq</a:t>
-            </a:r>
-            <a:r>
-              <a:rPr lang="en-US" dirty="0" smtClean="0"/>
-              <a:t> foot)</a:t>
-            </a:r>
-          </a:p>
-          <a:p>
-            <a:pPr lvl="1"/>
-            <a:r>
-              <a:rPr lang="en-US" dirty="0" smtClean="0"/>
-              <a:t>Corn = 3 per 4x4 square</a:t>
-            </a:r>
-          </a:p>
-          <a:p>
-            <a:pPr lvl="1"/>
-            <a:r>
-              <a:rPr lang="en-US" dirty="0" smtClean="0"/>
-              <a:t>Beets = 9 per 4x4 square</a:t>
-            </a:r>
-            <a:endParaRPr lang="en-US" dirty="0"/>
+              <a:rPr lang="en-US" dirty="0"/>
+              <a:t>Variables are a name for a value or object</a:t>
+            </a:r>
+          </a:p>
+          <a:p>
+            <a:r>
+              <a:rPr lang="en-US" dirty="0"/>
+              <a:t>In C#, a variable can only have one type in its lifetime</a:t>
+            </a:r>
+          </a:p>
+          <a:p>
+            <a:pPr lvl="1"/>
+            <a:r>
+              <a:rPr lang="en-US" dirty="0"/>
+              <a:t>If you say variable x is a string, x will always be a string</a:t>
+            </a:r>
+          </a:p>
+          <a:p>
+            <a:r>
+              <a:rPr lang="en-US" dirty="0"/>
+              <a:t>C# requires you to declare what variables you are going to use</a:t>
+            </a:r>
+          </a:p>
+          <a:p>
+            <a:r>
+              <a:rPr lang="en-US" dirty="0"/>
+              <a:t>Variables can (normally) be assigned new values</a:t>
+            </a:r>
+          </a:p>
+          <a:p>
+            <a:r>
+              <a:rPr lang="en-US" dirty="0"/>
+              <a:t>To the IDE!</a:t>
+            </a:r>
           </a:p>
         </p:txBody>
       </p:sp>
     </p:spTree>
     <p:extLst>
       <p:ext uri="{BB962C8B-B14F-4D97-AF65-F5344CB8AC3E}">
-        <p14:creationId xmlns:p14="http://schemas.microsoft.com/office/powerpoint/2010/main" val="503862978"/>
+        <p14:creationId xmlns:p14="http://schemas.microsoft.com/office/powerpoint/2010/main" val="2366292587"/>
       </p:ext>
     </p:extLst>
   </p:cSld>
   <p:clrMapOvr>
     <a:masterClrMapping/>
   </p:clrMapOvr>
-  <p:timing>
-    <p:tnLst>
-      <p:par>
-        <p:cTn id="1" dur="indefinite" restart="never" nodeType="tmRoot"/>
-      </p:par>
-    </p:tnLst>
-  </p:timing>
 </p:sld>
 </file>
 
@@ -3662,10 +3613,9 @@
           <a:lstStyle/>
           <a:p>
             <a:r>
-              <a:rPr lang="en-US" dirty="0" smtClean="0"/>
-              <a:t>Conditionals</a:t>
-            </a:r>
-            <a:endParaRPr lang="en-US" dirty="0"/>
+              <a:rPr lang="en-US" dirty="0"/>
+              <a:t>Exercises</a:t>
+            </a:r>
           </a:p>
         </p:txBody>
       </p:sp>
@@ -3684,40 +3634,46 @@
           <a:bodyPr/>
           <a:lstStyle/>
           <a:p>
-            <a:r>
-              <a:rPr lang="en-US" dirty="0" smtClean="0"/>
-              <a:t>Conditionals let you make blocks of code optional, based on a condition that you put on that code</a:t>
-            </a:r>
-          </a:p>
-          <a:p>
-            <a:r>
-              <a:rPr lang="en-US" dirty="0" smtClean="0"/>
-              <a:t>The condition must be TRUE or FALSE</a:t>
-            </a:r>
-          </a:p>
-          <a:p>
-            <a:r>
-              <a:rPr lang="en-US" dirty="0" smtClean="0"/>
-              <a:t>Our first bit of flow control</a:t>
-            </a:r>
-          </a:p>
-          <a:p>
-            <a:pPr lvl="1"/>
-            <a:r>
-              <a:rPr lang="en-US" dirty="0" smtClean="0"/>
-              <a:t>Until now, all of our programs have been going straight from the top to bottom, this doesn’t always have to happen</a:t>
-            </a:r>
-          </a:p>
-          <a:p>
-            <a:r>
-              <a:rPr lang="en-US" dirty="0" smtClean="0"/>
-              <a:t>Basic Syntax:  If (conditional is true) { // do this code }</a:t>
-            </a:r>
-          </a:p>
-          <a:p>
-            <a:r>
-              <a:rPr lang="en-US" dirty="0" smtClean="0"/>
-              <a:t>To the IDE for a basic example!</a:t>
+            <a:pPr fontAlgn="ctr"/>
+            <a:r>
+              <a:rPr lang="en-US" dirty="0"/>
+              <a:t>Can you read in someone's name and print it back to them?</a:t>
+            </a:r>
+          </a:p>
+          <a:p>
+            <a:pPr fontAlgn="ctr"/>
+            <a:r>
+              <a:rPr lang="en-US" dirty="0"/>
+              <a:t>What about adding their age?</a:t>
+            </a:r>
+          </a:p>
+          <a:p>
+            <a:pPr fontAlgn="ctr"/>
+            <a:r>
+              <a:rPr lang="en-US" dirty="0"/>
+              <a:t>What happens when you try to ask for an age and do </a:t>
+            </a:r>
+            <a:r>
+              <a:rPr lang="en-US" dirty="0" err="1"/>
+              <a:t>int</a:t>
+            </a:r>
+            <a:r>
+              <a:rPr lang="en-US" dirty="0"/>
+              <a:t> age = </a:t>
+            </a:r>
+            <a:r>
+              <a:rPr lang="en-US" dirty="0" err="1"/>
+              <a:t>Console.ReadLine</a:t>
+            </a:r>
+            <a:r>
+              <a:rPr lang="en-US" dirty="0"/>
+              <a:t>()?</a:t>
+            </a:r>
+          </a:p>
+          <a:p>
+            <a:r>
+              <a:rPr lang="en-US" dirty="0"/>
+              <a:t>Extra – Tell them how old they’ll be in 5 years</a:t>
             </a:r>
           </a:p>
         </p:txBody>
@@ -3725,20 +3681,13 @@
     </p:spTree>
     <p:extLst>
       <p:ext uri="{BB962C8B-B14F-4D97-AF65-F5344CB8AC3E}">
-        <p14:creationId xmlns:p14="http://schemas.microsoft.com/office/powerpoint/2010/main" val="1313797817"/>
+        <p14:creationId xmlns:p14="http://schemas.microsoft.com/office/powerpoint/2010/main" val="1405807983"/>
       </p:ext>
     </p:extLst>
   </p:cSld>
   <p:clrMapOvr>
     <a:masterClrMapping/>
   </p:clrMapOvr>
-  <p:timing>
-    <p:tnLst>
-      <p:par>
-        <p:cTn id="1" dur="indefinite" restart="never" nodeType="tmRoot"/>
-      </p:par>
-    </p:tnLst>
-  </p:timing>
 </p:sld>
 </file>
 
@@ -3775,10 +3724,9 @@
           <a:lstStyle/>
           <a:p>
             <a:r>
-              <a:rPr lang="en-US" dirty="0" smtClean="0"/>
-              <a:t>Conditional Operators</a:t>
-            </a:r>
-            <a:endParaRPr lang="en-US" dirty="0"/>
+              <a:rPr lang="en-US" dirty="0"/>
+              <a:t>Second Exercise</a:t>
+            </a:r>
           </a:p>
         </p:txBody>
       </p:sp>
@@ -3798,78 +3746,69 @@
           <a:lstStyle/>
           <a:p>
             <a:r>
-              <a:rPr lang="en-US" dirty="0" smtClean="0"/>
-              <a:t>There are a series of conditional operators for comparing values</a:t>
-            </a:r>
-          </a:p>
-          <a:p>
-            <a:pPr lvl="1"/>
-            <a:r>
-              <a:rPr lang="en-US" dirty="0" smtClean="0"/>
-              <a:t>&lt; (is less than)</a:t>
-            </a:r>
-          </a:p>
-          <a:p>
-            <a:pPr lvl="1"/>
-            <a:r>
-              <a:rPr lang="en-US" dirty="0" smtClean="0"/>
-              <a:t>&gt; (is greater than)</a:t>
-            </a:r>
-          </a:p>
-          <a:p>
-            <a:pPr lvl="1"/>
-            <a:r>
-              <a:rPr lang="en-US" dirty="0" smtClean="0"/>
-              <a:t>&lt;= (is less than or equal to)</a:t>
-            </a:r>
-          </a:p>
-          <a:p>
-            <a:pPr lvl="1"/>
-            <a:r>
-              <a:rPr lang="en-US" dirty="0" smtClean="0"/>
-              <a:t>&gt;= (is greater than or equal to)</a:t>
-            </a:r>
-          </a:p>
-          <a:p>
-            <a:pPr lvl="1"/>
-            <a:r>
-              <a:rPr lang="en-US" dirty="0" smtClean="0"/>
-              <a:t>== (is equal to)</a:t>
-            </a:r>
-          </a:p>
-          <a:p>
-            <a:pPr lvl="1"/>
-            <a:r>
-              <a:rPr lang="en-US" dirty="0" smtClean="0"/>
-              <a:t>!= (is not equal to)</a:t>
-            </a:r>
-          </a:p>
-          <a:p>
-            <a:r>
-              <a:rPr lang="en-US" dirty="0" smtClean="0"/>
-              <a:t>These are the same as you expect from your math classes you’ve taken before: x &lt;= y, 5 &gt; 2, “hello” == “hello”, “A” != “a”</a:t>
-            </a:r>
-            <a:endParaRPr lang="en-US" dirty="0"/>
+              <a:rPr lang="en-US" dirty="0"/>
+              <a:t>Ask a user for the length and width of their garden box</a:t>
+            </a:r>
+          </a:p>
+          <a:p>
+            <a:r>
+              <a:rPr lang="en-US" dirty="0"/>
+              <a:t>Tell them the area of the box</a:t>
+            </a:r>
+          </a:p>
+          <a:p>
+            <a:r>
+              <a:rPr lang="en-US" dirty="0"/>
+              <a:t>Tell them the perimeter of the box</a:t>
+            </a:r>
+          </a:p>
+          <a:p>
+            <a:r>
+              <a:rPr lang="en-US" dirty="0"/>
+              <a:t>Tell them how many carrots/beets/corn they can plant</a:t>
+            </a:r>
+          </a:p>
+          <a:p>
+            <a:pPr lvl="1"/>
+            <a:r>
+              <a:rPr lang="en-US" dirty="0"/>
+              <a:t>Carrots = 16 per 4x4 square (1 per </a:t>
+            </a:r>
+            <a:r>
+              <a:rPr lang="en-US" dirty="0" err="1"/>
+              <a:t>sq</a:t>
+            </a:r>
+            <a:r>
+              <a:rPr lang="en-US" dirty="0"/>
+              <a:t> foot)</a:t>
+            </a:r>
+          </a:p>
+          <a:p>
+            <a:pPr lvl="1"/>
+            <a:r>
+              <a:rPr lang="en-US" dirty="0"/>
+              <a:t>Corn = 3 per 4x4 square</a:t>
+            </a:r>
+          </a:p>
+          <a:p>
+            <a:pPr lvl="1"/>
+            <a:r>
+              <a:rPr lang="en-US" dirty="0"/>
+              <a:t>Beets = 9 per 4x4 square</a:t>
+            </a:r>
           </a:p>
         </p:txBody>
       </p:sp>
     </p:spTree>
     <p:extLst>
       <p:ext uri="{BB962C8B-B14F-4D97-AF65-F5344CB8AC3E}">
-        <p14:creationId xmlns:p14="http://schemas.microsoft.com/office/powerpoint/2010/main" val="3135880666"/>
+        <p14:creationId xmlns:p14="http://schemas.microsoft.com/office/powerpoint/2010/main" val="503862978"/>
       </p:ext>
     </p:extLst>
   </p:cSld>
   <p:clrMapOvr>
     <a:masterClrMapping/>
   </p:clrMapOvr>
-  <p:timing>
-    <p:tnLst>
-      <p:par>
-        <p:cTn id="1" dur="indefinite" restart="never" nodeType="tmRoot"/>
-      </p:par>
-    </p:tnLst>
-  </p:timing>
 </p:sld>
 </file>
 
@@ -3906,10 +3845,9 @@
           <a:lstStyle/>
           <a:p>
             <a:r>
-              <a:rPr lang="en-US" dirty="0" smtClean="0"/>
-              <a:t>Boolean Logic</a:t>
-            </a:r>
-            <a:endParaRPr lang="en-US" dirty="0"/>
+              <a:rPr lang="en-US" dirty="0"/>
+              <a:t>Conditionals</a:t>
+            </a:r>
           </a:p>
         </p:txBody>
       </p:sp>
@@ -3929,87 +3867,53 @@
           <a:lstStyle/>
           <a:p>
             <a:r>
-              <a:rPr lang="en-US" dirty="0" smtClean="0"/>
-              <a:t>Conditionals work by using true/false conditions.</a:t>
-            </a:r>
-          </a:p>
-          <a:p>
-            <a:r>
-              <a:rPr lang="en-US" dirty="0" smtClean="0"/>
-              <a:t>There are ways to combine conditions with terms like and, or, and not</a:t>
-            </a:r>
-          </a:p>
-          <a:p>
-            <a:r>
-              <a:rPr lang="en-US" dirty="0" smtClean="0"/>
-              <a:t>C# uses special characters for these</a:t>
-            </a:r>
-          </a:p>
-          <a:p>
-            <a:pPr lvl="1"/>
-            <a:r>
-              <a:rPr lang="en-US" dirty="0" smtClean="0"/>
-              <a:t>== is Equal To</a:t>
-            </a:r>
-          </a:p>
-          <a:p>
-            <a:pPr lvl="1"/>
-            <a:r>
-              <a:rPr lang="en-US" dirty="0" smtClean="0"/>
-              <a:t>&amp;&amp; is And</a:t>
-            </a:r>
-          </a:p>
-          <a:p>
-            <a:pPr lvl="1"/>
-            <a:r>
-              <a:rPr lang="en-US" dirty="0" smtClean="0"/>
-              <a:t>|| is Or</a:t>
-            </a:r>
-          </a:p>
-          <a:p>
-            <a:pPr lvl="1"/>
-            <a:r>
-              <a:rPr lang="en-US" dirty="0" smtClean="0"/>
-              <a:t>! is Not</a:t>
-            </a:r>
-          </a:p>
-          <a:p>
-            <a:r>
-              <a:rPr lang="en-US" dirty="0" smtClean="0"/>
-              <a:t>These combined conditionals are resolved with (</a:t>
-            </a:r>
-            <a:r>
-              <a:rPr lang="en-US" dirty="0" err="1" smtClean="0"/>
-              <a:t>parens</a:t>
-            </a:r>
-            <a:r>
-              <a:rPr lang="en-US" dirty="0" smtClean="0"/>
-              <a:t>) first then left to right</a:t>
-            </a:r>
-          </a:p>
-          <a:p>
-            <a:pPr lvl="1"/>
-            <a:endParaRPr lang="en-US" dirty="0"/>
+              <a:rPr lang="en-US" dirty="0"/>
+              <a:t>Conditionals let you make blocks of code optional, based on a condition that you put on that code</a:t>
+            </a:r>
+          </a:p>
+          <a:p>
+            <a:r>
+              <a:rPr lang="en-US" dirty="0"/>
+              <a:t>The condition must be TRUE or FALSE</a:t>
+            </a:r>
+          </a:p>
+          <a:p>
+            <a:r>
+              <a:rPr lang="en-US" dirty="0"/>
+              <a:t>Our first bit of flow control</a:t>
+            </a:r>
+          </a:p>
+          <a:p>
+            <a:pPr lvl="1"/>
+            <a:r>
+              <a:rPr lang="en-US" dirty="0"/>
+              <a:t>Until now, all of our programs have been going straight from the top to bottom, this doesn’t always have to happen</a:t>
+            </a:r>
+          </a:p>
+          <a:p>
+            <a:r>
+              <a:rPr lang="en-US" dirty="0"/>
+              <a:t>Basic Syntax:  If (conditional is true) { // do this code }</a:t>
+            </a:r>
+          </a:p>
+          <a:p>
+            <a:r>
+              <a:rPr lang="en-US" dirty="0"/>
+              <a:t>To the IDE for a basic example!</a:t>
+            </a:r>
           </a:p>
         </p:txBody>
       </p:sp>
     </p:spTree>
     <p:extLst>
       <p:ext uri="{BB962C8B-B14F-4D97-AF65-F5344CB8AC3E}">
-        <p14:creationId xmlns:p14="http://schemas.microsoft.com/office/powerpoint/2010/main" val="3655090119"/>
+        <p14:creationId xmlns:p14="http://schemas.microsoft.com/office/powerpoint/2010/main" val="1313797817"/>
       </p:ext>
     </p:extLst>
   </p:cSld>
   <p:clrMapOvr>
     <a:masterClrMapping/>
   </p:clrMapOvr>
-  <p:timing>
-    <p:tnLst>
-      <p:par>
-        <p:cTn id="1" dur="indefinite" restart="never" nodeType="tmRoot"/>
-      </p:par>
-    </p:tnLst>
-  </p:timing>
 </p:sld>
 </file>
 
@@ -4046,10 +3950,9 @@
           <a:lstStyle/>
           <a:p>
             <a:r>
-              <a:rPr lang="en-US" dirty="0" smtClean="0"/>
-              <a:t>Exercises</a:t>
-            </a:r>
-            <a:endParaRPr lang="en-US" dirty="0"/>
+              <a:rPr lang="en-US" dirty="0"/>
+              <a:t>Conditional Operators</a:t>
+            </a:r>
           </a:p>
         </p:txBody>
       </p:sp>
@@ -4068,79 +3971,71 @@
           <a:bodyPr/>
           <a:lstStyle/>
           <a:p>
-            <a:pPr fontAlgn="ctr"/>
-            <a:r>
-              <a:rPr lang="en-US" dirty="0"/>
-              <a:t>Can we take </a:t>
-            </a:r>
-            <a:r>
-              <a:rPr lang="en-US" dirty="0" smtClean="0"/>
-              <a:t>conditionals and </a:t>
-            </a:r>
-            <a:r>
-              <a:rPr lang="en-US" dirty="0"/>
-              <a:t>update our previous program that took in someone's name and do something specific with it?</a:t>
-            </a:r>
-          </a:p>
-          <a:p>
-            <a:pPr lvl="1" fontAlgn="ctr"/>
-            <a:r>
-              <a:rPr lang="en-US" dirty="0"/>
-              <a:t>Does their name contain a certain letter?</a:t>
-            </a:r>
-          </a:p>
-          <a:p>
-            <a:pPr lvl="1" fontAlgn="ctr"/>
-            <a:r>
-              <a:rPr lang="en-US" dirty="0"/>
-              <a:t>Is their name more than 10 characters long?</a:t>
-            </a:r>
-          </a:p>
-          <a:p>
-            <a:pPr fontAlgn="ctr"/>
-            <a:r>
-              <a:rPr lang="en-US" dirty="0"/>
-              <a:t>Can you make something more complex with what you have</a:t>
-            </a:r>
-            <a:r>
-              <a:rPr lang="en-US" dirty="0" smtClean="0"/>
-              <a:t>?</a:t>
-            </a:r>
-          </a:p>
-          <a:p>
-            <a:pPr fontAlgn="ctr"/>
-            <a:r>
-              <a:rPr lang="en-US" dirty="0" smtClean="0"/>
-              <a:t>Garden Boxes:</a:t>
-            </a:r>
-          </a:p>
-          <a:p>
-            <a:pPr lvl="1" fontAlgn="ctr"/>
-            <a:r>
-              <a:rPr lang="en-US" dirty="0" smtClean="0"/>
-              <a:t>Ask the user what they want to plant and only show that option</a:t>
-            </a:r>
-            <a:endParaRPr lang="en-US" dirty="0"/>
+            <a:r>
+              <a:rPr lang="en-US" dirty="0"/>
+              <a:t>There are a series of conditional operators for comparing values</a:t>
+            </a:r>
+          </a:p>
+          <a:p>
+            <a:pPr lvl="1"/>
+            <a:r>
+              <a:rPr lang="en-US" dirty="0"/>
+              <a:t>&lt; (is less than)</a:t>
+            </a:r>
+          </a:p>
+          <a:p>
+            <a:pPr lvl="1"/>
+            <a:r>
+              <a:rPr lang="en-US" dirty="0"/>
+              <a:t>&gt; (is greater than)</a:t>
+            </a:r>
+          </a:p>
+          <a:p>
+            <a:pPr lvl="1"/>
+            <a:r>
+              <a:rPr lang="en-US" dirty="0"/>
+              <a:t>&lt;= (is less than or equal to)</a:t>
+            </a:r>
+          </a:p>
+          <a:p>
+            <a:pPr lvl="1"/>
+            <a:r>
+              <a:rPr lang="en-US" dirty="0"/>
+              <a:t>&gt;= (is greater than or equal to)</a:t>
+            </a:r>
+          </a:p>
+          <a:p>
+            <a:pPr lvl="1"/>
+            <a:r>
+              <a:rPr lang="en-US" dirty="0"/>
+              <a:t>== (is equal to)</a:t>
+            </a:r>
+          </a:p>
+          <a:p>
+            <a:pPr lvl="1"/>
+            <a:r>
+              <a:rPr lang="en-US" dirty="0"/>
+              <a:t>!= (is not equal to)</a:t>
+            </a:r>
+          </a:p>
+          <a:p>
+            <a:r>
+              <a:rPr lang="en-US" dirty="0"/>
+              <a:t>These are the same as you expect from your math classes you’ve taken before: x &lt;= y, 5 &gt; 2, “hello” == “hello”, “A” != “a”</a:t>
+            </a:r>
           </a:p>
         </p:txBody>
       </p:sp>
     </p:spTree>
     <p:extLst>
       <p:ext uri="{BB962C8B-B14F-4D97-AF65-F5344CB8AC3E}">
-        <p14:creationId xmlns:p14="http://schemas.microsoft.com/office/powerpoint/2010/main" val="3877207781"/>
+        <p14:creationId xmlns:p14="http://schemas.microsoft.com/office/powerpoint/2010/main" val="3135880666"/>
       </p:ext>
     </p:extLst>
   </p:cSld>
   <p:clrMapOvr>
     <a:masterClrMapping/>
   </p:clrMapOvr>
-  <p:timing>
-    <p:tnLst>
-      <p:par>
-        <p:cTn id="1" dur="indefinite" restart="never" nodeType="tmRoot"/>
-      </p:par>
-    </p:tnLst>
-  </p:timing>
 </p:sld>
 </file>
 
@@ -4177,10 +4072,9 @@
           <a:lstStyle/>
           <a:p>
             <a:r>
-              <a:rPr lang="en-US" dirty="0" smtClean="0"/>
-              <a:t>An Aside: Scope</a:t>
-            </a:r>
-            <a:endParaRPr lang="en-US" dirty="0"/>
+              <a:rPr lang="en-US" dirty="0"/>
+              <a:t>Boolean Logic</a:t>
+            </a:r>
           </a:p>
         </p:txBody>
       </p:sp>
@@ -4200,27 +4094,66 @@
           <a:lstStyle/>
           <a:p>
             <a:r>
-              <a:rPr lang="en-US" dirty="0" smtClean="0"/>
-              <a:t>A conditional contains a block of code inside a larger block of code</a:t>
-            </a:r>
-          </a:p>
-          <a:p>
-            <a:r>
-              <a:rPr lang="en-US" dirty="0" smtClean="0"/>
-              <a:t>Inner blocks of code have access to all of the variables within the parent scope</a:t>
-            </a:r>
-          </a:p>
-          <a:p>
-            <a:r>
-              <a:rPr lang="en-US" dirty="0" smtClean="0"/>
-              <a:t>Variables declared in an inner scope are only available to that scope and child scopes</a:t>
-            </a:r>
-          </a:p>
-          <a:p>
-            <a:r>
-              <a:rPr lang="en-US" dirty="0" smtClean="0"/>
-              <a:t>IDE Example</a:t>
-            </a:r>
+              <a:rPr lang="en-US" dirty="0"/>
+              <a:t>Conditionals work by using true/false conditions.</a:t>
+            </a:r>
+          </a:p>
+          <a:p>
+            <a:r>
+              <a:rPr lang="en-US" dirty="0"/>
+              <a:t>There are ways to combine conditions with terms like and, or, and not</a:t>
+            </a:r>
+          </a:p>
+          <a:p>
+            <a:r>
+              <a:rPr lang="en-US" dirty="0"/>
+              <a:t>C# uses special characters for these</a:t>
+            </a:r>
+          </a:p>
+          <a:p>
+            <a:pPr lvl="1"/>
+            <a:r>
+              <a:rPr lang="en-US" dirty="0"/>
+              <a:t>== is Equal To</a:t>
+            </a:r>
+          </a:p>
+          <a:p>
+            <a:pPr lvl="1"/>
+            <a:r>
+              <a:rPr lang="en-US" dirty="0"/>
+              <a:t>&amp;&amp; is And</a:t>
+            </a:r>
+          </a:p>
+          <a:p>
+            <a:pPr lvl="1"/>
+            <a:r>
+              <a:rPr lang="en-US" dirty="0"/>
+              <a:t>|| is Or</a:t>
+            </a:r>
+          </a:p>
+          <a:p>
+            <a:pPr lvl="1"/>
+            <a:r>
+              <a:rPr lang="en-US" dirty="0"/>
+              <a:t>! is Not</a:t>
+            </a:r>
+          </a:p>
+          <a:p>
+            <a:r>
+              <a:rPr lang="en-US" dirty="0"/>
+              <a:t>These combined conditionals are resolved with (</a:t>
+            </a:r>
+            <a:r>
+              <a:rPr lang="en-US" dirty="0" err="1"/>
+              <a:t>parens</a:t>
+            </a:r>
+            <a:r>
+              <a:rPr lang="en-US" dirty="0"/>
+              <a:t>) first then left to right</a:t>
+            </a:r>
+          </a:p>
+          <a:p>
+            <a:pPr lvl="1"/>
             <a:endParaRPr lang="en-US" dirty="0"/>
           </a:p>
         </p:txBody>
@@ -4228,20 +4161,13 @@
     </p:spTree>
     <p:extLst>
       <p:ext uri="{BB962C8B-B14F-4D97-AF65-F5344CB8AC3E}">
-        <p14:creationId xmlns:p14="http://schemas.microsoft.com/office/powerpoint/2010/main" val="3886521494"/>
+        <p14:creationId xmlns:p14="http://schemas.microsoft.com/office/powerpoint/2010/main" val="3655090119"/>
       </p:ext>
     </p:extLst>
   </p:cSld>
   <p:clrMapOvr>
     <a:masterClrMapping/>
   </p:clrMapOvr>
-  <p:timing>
-    <p:tnLst>
-      <p:par>
-        <p:cTn id="1" dur="indefinite" restart="never" nodeType="tmRoot"/>
-      </p:par>
-    </p:tnLst>
-  </p:timing>
 </p:sld>
 </file>
 
@@ -4278,10 +4204,9 @@
           <a:lstStyle/>
           <a:p>
             <a:r>
-              <a:rPr lang="en-US" dirty="0" smtClean="0"/>
-              <a:t>If, Else If, Else</a:t>
-            </a:r>
-            <a:endParaRPr lang="en-US" dirty="0"/>
+              <a:rPr lang="en-US" dirty="0"/>
+              <a:t>Exercises</a:t>
+            </a:r>
           </a:p>
         </p:txBody>
       </p:sp>
@@ -4297,80 +4222,48 @@
         </p:nvSpPr>
         <p:spPr/>
         <p:txBody>
-          <a:bodyPr>
-            <a:normAutofit/>
-          </a:bodyPr>
-          <a:lstStyle/>
-          <a:p>
-            <a:r>
-              <a:rPr lang="en-US" dirty="0" smtClean="0"/>
-              <a:t>If statements can be strung together logically</a:t>
-            </a:r>
-          </a:p>
-          <a:p>
-            <a:pPr marL="457200" lvl="1" indent="0">
-              <a:buNone/>
-            </a:pPr>
-            <a:r>
-              <a:rPr lang="en-US" dirty="0" smtClean="0"/>
-              <a:t>If (condition is true) { // do this }</a:t>
-            </a:r>
-          </a:p>
-          <a:p>
-            <a:pPr marL="457200" lvl="1" indent="0">
-              <a:buNone/>
-            </a:pPr>
-            <a:r>
-              <a:rPr lang="en-US" dirty="0" smtClean="0"/>
-              <a:t>Else { // do this if the original condition is false }</a:t>
-            </a:r>
-          </a:p>
-          <a:p>
-            <a:pPr marL="457200" lvl="1" indent="0">
-              <a:buNone/>
-            </a:pPr>
-            <a:endParaRPr lang="en-US" dirty="0"/>
-          </a:p>
-          <a:p>
-            <a:r>
-              <a:rPr lang="en-US" dirty="0" smtClean="0"/>
-              <a:t>Multiple If statements can be strung together, the first one that is true is executed</a:t>
-            </a:r>
-          </a:p>
-          <a:p>
-            <a:pPr marL="457200" lvl="1" indent="0">
-              <a:buNone/>
-            </a:pPr>
-            <a:r>
-              <a:rPr lang="en-US" dirty="0" smtClean="0"/>
-              <a:t>If (condition is true) { // do this }</a:t>
-            </a:r>
-          </a:p>
-          <a:p>
-            <a:pPr marL="457200" lvl="1" indent="0">
-              <a:buNone/>
-            </a:pPr>
-            <a:r>
-              <a:rPr lang="en-US" dirty="0" smtClean="0"/>
-              <a:t>Else if (first condition is false, this condition is true) { // do this instead }</a:t>
-            </a:r>
-          </a:p>
-          <a:p>
-            <a:pPr marL="457200" lvl="1" indent="0">
-              <a:buNone/>
-            </a:pPr>
-            <a:r>
-              <a:rPr lang="en-US" dirty="0" smtClean="0"/>
-              <a:t>Else if (previous conditions are false, this condition is true) { // do this instead }</a:t>
-            </a:r>
-          </a:p>
-          <a:p>
-            <a:pPr marL="457200" lvl="1" indent="0">
-              <a:buNone/>
-            </a:pPr>
-            <a:r>
-              <a:rPr lang="en-US" dirty="0" smtClean="0"/>
-              <a:t>Else { // do this if all previous conditions are false }</a:t>
+          <a:bodyPr/>
+          <a:lstStyle/>
+          <a:p>
+            <a:pPr fontAlgn="ctr"/>
+            <a:r>
+              <a:rPr lang="en-US" dirty="0"/>
+              <a:t>Can we take conditionals and update our previous program that took in someone's name and do something specific with it?</a:t>
+            </a:r>
+          </a:p>
+          <a:p>
+            <a:pPr lvl="1" fontAlgn="ctr"/>
+            <a:r>
+              <a:rPr lang="en-US" dirty="0"/>
+              <a:t>Does their name contain a certain letter?</a:t>
+            </a:r>
+          </a:p>
+          <a:p>
+            <a:pPr lvl="1" fontAlgn="ctr"/>
+            <a:r>
+              <a:rPr lang="en-US" dirty="0"/>
+              <a:t>Is their name more than 10 characters long?</a:t>
+            </a:r>
+          </a:p>
+          <a:p>
+            <a:pPr fontAlgn="ctr"/>
+            <a:r>
+              <a:rPr lang="en-US" dirty="0"/>
+              <a:t>Can you make something more complex with what you have?</a:t>
+            </a:r>
+          </a:p>
+          <a:p>
+            <a:pPr fontAlgn="ctr"/>
+            <a:r>
+              <a:rPr lang="en-US" dirty="0"/>
+              <a:t>Garden Boxes:</a:t>
+            </a:r>
+          </a:p>
+          <a:p>
+            <a:pPr lvl="1" fontAlgn="ctr"/>
+            <a:r>
+              <a:rPr lang="en-US" dirty="0"/>
+              <a:t>Ask the user what they want to plant and only show that option</a:t>
             </a:r>
           </a:p>
         </p:txBody>
@@ -4378,20 +4271,13 @@
     </p:spTree>
     <p:extLst>
       <p:ext uri="{BB962C8B-B14F-4D97-AF65-F5344CB8AC3E}">
-        <p14:creationId xmlns:p14="http://schemas.microsoft.com/office/powerpoint/2010/main" val="1980659546"/>
+        <p14:creationId xmlns:p14="http://schemas.microsoft.com/office/powerpoint/2010/main" val="3877207781"/>
       </p:ext>
     </p:extLst>
   </p:cSld>
   <p:clrMapOvr>
     <a:masterClrMapping/>
   </p:clrMapOvr>
-  <p:timing>
-    <p:tnLst>
-      <p:par>
-        <p:cTn id="1" dur="indefinite" restart="never" nodeType="tmRoot"/>
-      </p:par>
-    </p:tnLst>
-  </p:timing>
 </p:sld>
 </file>
 
@@ -4428,72 +4314,75 @@
           <a:lstStyle/>
           <a:p>
             <a:r>
-              <a:rPr lang="en-US" dirty="0" smtClean="0"/>
+              <a:rPr lang="en-US" dirty="0"/>
               <a:t>Quick Info</a:t>
             </a:r>
+          </a:p>
+        </p:txBody>
+      </p:sp>
+      <p:sp>
+        <p:nvSpPr>
+          <p:cNvPr id="3" name="Content Placeholder 2"/>
+          <p:cNvSpPr>
+            <a:spLocks noGrp="1"/>
+          </p:cNvSpPr>
+          <p:nvPr>
+            <p:ph idx="1"/>
+          </p:nvPr>
+        </p:nvSpPr>
+        <p:spPr/>
+        <p:txBody>
+          <a:bodyPr/>
+          <a:lstStyle/>
+          <a:p>
+            <a:r>
+              <a:rPr lang="en-US" dirty="0" err="1"/>
+              <a:t>Wifi</a:t>
+            </a:r>
             <a:endParaRPr lang="en-US" dirty="0"/>
           </a:p>
-        </p:txBody>
-      </p:sp>
-      <p:sp>
-        <p:nvSpPr>
-          <p:cNvPr id="3" name="Content Placeholder 2"/>
-          <p:cNvSpPr>
-            <a:spLocks noGrp="1"/>
-          </p:cNvSpPr>
-          <p:nvPr>
-            <p:ph idx="1"/>
-          </p:nvPr>
-        </p:nvSpPr>
-        <p:spPr/>
-        <p:txBody>
-          <a:bodyPr/>
-          <a:lstStyle/>
-          <a:p>
-            <a:r>
-              <a:rPr lang="en-US" dirty="0" err="1" smtClean="0"/>
-              <a:t>Wifi</a:t>
-            </a:r>
-            <a:endParaRPr lang="en-US" dirty="0" smtClean="0"/>
-          </a:p>
-          <a:p>
-            <a:pPr lvl="1"/>
-            <a:r>
-              <a:rPr lang="en-US" dirty="0" smtClean="0"/>
-              <a:t>SSID: CBC1-CB47</a:t>
-            </a:r>
-          </a:p>
-          <a:p>
-            <a:pPr lvl="1"/>
-            <a:r>
-              <a:rPr lang="en-US" dirty="0" smtClean="0"/>
-              <a:t>Password: 47C7AR3TCCCAAE3L</a:t>
-            </a:r>
-          </a:p>
-          <a:p>
-            <a:r>
-              <a:rPr lang="en-US" dirty="0" smtClean="0"/>
+          <a:p>
+            <a:pPr lvl="1"/>
+            <a:r>
+              <a:rPr lang="en-US" dirty="0"/>
+              <a:t>SSID: </a:t>
+            </a:r>
+            <a:r>
+              <a:rPr lang="en-US" dirty="0" err="1"/>
+              <a:t>AcademyPGH-wifi</a:t>
+            </a:r>
+            <a:endParaRPr lang="en-US" dirty="0"/>
+          </a:p>
+          <a:p>
+            <a:pPr lvl="1"/>
+            <a:r>
+              <a:rPr lang="en-US" dirty="0"/>
+              <a:t>Password: 753eastwarrington</a:t>
+            </a:r>
+          </a:p>
+          <a:p>
+            <a:r>
+              <a:rPr lang="en-US" dirty="0"/>
               <a:t>Restrooms</a:t>
             </a:r>
           </a:p>
           <a:p>
             <a:r>
-              <a:rPr lang="en-US" dirty="0" smtClean="0"/>
+              <a:rPr lang="en-US" dirty="0"/>
               <a:t>Coffee</a:t>
             </a:r>
           </a:p>
           <a:p>
             <a:r>
-              <a:rPr lang="en-US" dirty="0" smtClean="0"/>
+              <a:rPr lang="en-US" dirty="0"/>
               <a:t>Bagels</a:t>
             </a:r>
           </a:p>
           <a:p>
             <a:r>
-              <a:rPr lang="en-US" dirty="0" smtClean="0"/>
+              <a:rPr lang="en-US" dirty="0"/>
               <a:t>Work Hard (across the street)</a:t>
             </a:r>
-            <a:endParaRPr lang="en-US" dirty="0"/>
           </a:p>
         </p:txBody>
       </p:sp>
@@ -4507,13 +4396,6 @@
   <p:clrMapOvr>
     <a:masterClrMapping/>
   </p:clrMapOvr>
-  <p:timing>
-    <p:tnLst>
-      <p:par>
-        <p:cTn id="1" dur="indefinite" restart="never" nodeType="tmRoot"/>
-      </p:par>
-    </p:tnLst>
-  </p:timing>
 </p:sld>
 </file>
 
@@ -4550,10 +4432,9 @@
           <a:lstStyle/>
           <a:p>
             <a:r>
-              <a:rPr lang="en-US" dirty="0" smtClean="0"/>
-              <a:t>Case/Switch</a:t>
-            </a:r>
-            <a:endParaRPr lang="en-US" dirty="0"/>
+              <a:rPr lang="en-US" dirty="0"/>
+              <a:t>An Aside: Scope</a:t>
+            </a:r>
           </a:p>
         </p:txBody>
       </p:sp>
@@ -4569,125 +4450,30 @@
         </p:nvSpPr>
         <p:spPr/>
         <p:txBody>
-          <a:bodyPr>
-            <a:normAutofit fontScale="92500"/>
-          </a:bodyPr>
-          <a:lstStyle/>
-          <a:p>
-            <a:r>
-              <a:rPr lang="en-US" dirty="0" smtClean="0"/>
-              <a:t>Case/Switch is another way to show a long series of if/else if statements.</a:t>
-            </a:r>
-          </a:p>
-          <a:p>
-            <a:r>
-              <a:rPr lang="en-US" dirty="0" smtClean="0"/>
-              <a:t>Syntax:</a:t>
-            </a:r>
-          </a:p>
-          <a:p>
-            <a:pPr marL="457200" lvl="1" indent="0">
-              <a:buNone/>
-            </a:pPr>
-            <a:r>
-              <a:rPr lang="en-US" dirty="0" smtClean="0"/>
-              <a:t>Switch (value)</a:t>
-            </a:r>
-          </a:p>
-          <a:p>
-            <a:pPr marL="457200" lvl="1" indent="0">
-              <a:buNone/>
-            </a:pPr>
-            <a:r>
-              <a:rPr lang="en-US" dirty="0" smtClean="0"/>
-              <a:t>{</a:t>
-            </a:r>
-          </a:p>
-          <a:p>
-            <a:pPr marL="457200" lvl="1" indent="0">
-              <a:buNone/>
-            </a:pPr>
-            <a:r>
-              <a:rPr lang="en-US" dirty="0"/>
-              <a:t>	</a:t>
-            </a:r>
-            <a:r>
-              <a:rPr lang="en-US" dirty="0" smtClean="0"/>
-              <a:t>case 1: // do something if value == 1</a:t>
-            </a:r>
-          </a:p>
-          <a:p>
-            <a:pPr marL="457200" lvl="1" indent="0">
-              <a:buNone/>
-            </a:pPr>
-            <a:r>
-              <a:rPr lang="en-US" dirty="0"/>
-              <a:t>	</a:t>
-            </a:r>
-            <a:r>
-              <a:rPr lang="en-US" dirty="0" smtClean="0"/>
-              <a:t>	break;</a:t>
-            </a:r>
-          </a:p>
-          <a:p>
-            <a:pPr marL="457200" lvl="1" indent="0">
-              <a:buNone/>
-            </a:pPr>
-            <a:r>
-              <a:rPr lang="en-US" dirty="0"/>
-              <a:t>	</a:t>
-            </a:r>
-            <a:r>
-              <a:rPr lang="en-US" dirty="0" smtClean="0"/>
-              <a:t>case 2: // do something if value == 2</a:t>
-            </a:r>
-          </a:p>
-          <a:p>
-            <a:pPr marL="457200" lvl="1" indent="0">
-              <a:buNone/>
-            </a:pPr>
-            <a:r>
-              <a:rPr lang="en-US" dirty="0"/>
-              <a:t>	</a:t>
-            </a:r>
-            <a:r>
-              <a:rPr lang="en-US" dirty="0" smtClean="0"/>
-              <a:t>	break;</a:t>
-            </a:r>
-          </a:p>
-          <a:p>
-            <a:pPr marL="457200" lvl="1" indent="0">
-              <a:buNone/>
-            </a:pPr>
-            <a:r>
-              <a:rPr lang="en-US" dirty="0"/>
-              <a:t>	</a:t>
-            </a:r>
-            <a:r>
-              <a:rPr lang="en-US" dirty="0" smtClean="0"/>
-              <a:t>default: // do something if none of the previous ones are true</a:t>
-            </a:r>
-          </a:p>
-          <a:p>
-            <a:pPr marL="457200" lvl="1" indent="0">
-              <a:buNone/>
-            </a:pPr>
-            <a:r>
-              <a:rPr lang="en-US" dirty="0"/>
-              <a:t>	</a:t>
-            </a:r>
-            <a:r>
-              <a:rPr lang="en-US" dirty="0" smtClean="0"/>
-              <a:t>	break;</a:t>
-            </a:r>
-          </a:p>
-          <a:p>
-            <a:pPr marL="457200" lvl="1" indent="0">
-              <a:buNone/>
-            </a:pPr>
-            <a:r>
-              <a:rPr lang="en-US" dirty="0"/>
-              <a:t>}</a:t>
+          <a:bodyPr/>
+          <a:lstStyle/>
+          <a:p>
+            <a:r>
+              <a:rPr lang="en-US" dirty="0"/>
+              <a:t>A conditional contains a block of code inside a larger block of code</a:t>
+            </a:r>
+          </a:p>
+          <a:p>
+            <a:r>
+              <a:rPr lang="en-US" dirty="0"/>
+              <a:t>Inner blocks of code have access to all of the variables within the parent scope</a:t>
+            </a:r>
+          </a:p>
+          <a:p>
+            <a:r>
+              <a:rPr lang="en-US" dirty="0"/>
+              <a:t>Variables declared in an inner scope are only available to that scope and child scopes</a:t>
+            </a:r>
+          </a:p>
+          <a:p>
+            <a:r>
+              <a:rPr lang="en-US" dirty="0"/>
+              <a:t>IDE Example</a:t>
             </a:r>
           </a:p>
         </p:txBody>
@@ -4695,20 +4481,13 @@
     </p:spTree>
     <p:extLst>
       <p:ext uri="{BB962C8B-B14F-4D97-AF65-F5344CB8AC3E}">
-        <p14:creationId xmlns:p14="http://schemas.microsoft.com/office/powerpoint/2010/main" val="180814205"/>
+        <p14:creationId xmlns:p14="http://schemas.microsoft.com/office/powerpoint/2010/main" val="3886521494"/>
       </p:ext>
     </p:extLst>
   </p:cSld>
   <p:clrMapOvr>
     <a:masterClrMapping/>
   </p:clrMapOvr>
-  <p:timing>
-    <p:tnLst>
-      <p:par>
-        <p:cTn id="1" dur="indefinite" restart="never" nodeType="tmRoot"/>
-      </p:par>
-    </p:tnLst>
-  </p:timing>
 </p:sld>
 </file>
 
@@ -4745,156 +4524,112 @@
           <a:lstStyle/>
           <a:p>
             <a:r>
-              <a:rPr lang="en-US" dirty="0" smtClean="0"/>
-              <a:t>Switch Specifics</a:t>
-            </a:r>
+              <a:rPr lang="en-US" dirty="0"/>
+              <a:t>If, Else If, Else</a:t>
+            </a:r>
+          </a:p>
+        </p:txBody>
+      </p:sp>
+      <p:sp>
+        <p:nvSpPr>
+          <p:cNvPr id="3" name="Content Placeholder 2"/>
+          <p:cNvSpPr>
+            <a:spLocks noGrp="1"/>
+          </p:cNvSpPr>
+          <p:nvPr>
+            <p:ph idx="1"/>
+          </p:nvPr>
+        </p:nvSpPr>
+        <p:spPr/>
+        <p:txBody>
+          <a:bodyPr>
+            <a:normAutofit/>
+          </a:bodyPr>
+          <a:lstStyle/>
+          <a:p>
+            <a:r>
+              <a:rPr lang="en-US" dirty="0"/>
+              <a:t>If statements can be strung together logically</a:t>
+            </a:r>
+          </a:p>
+          <a:p>
+            <a:pPr marL="457200" lvl="1" indent="0">
+              <a:buNone/>
+            </a:pPr>
+            <a:r>
+              <a:rPr lang="en-US" dirty="0"/>
+              <a:t>If (condition is true) { // do this }</a:t>
+            </a:r>
+          </a:p>
+          <a:p>
+            <a:pPr marL="457200" lvl="1" indent="0">
+              <a:buNone/>
+            </a:pPr>
+            <a:r>
+              <a:rPr lang="en-US" dirty="0"/>
+              <a:t>Else { // do this if the original condition is false }</a:t>
+            </a:r>
+          </a:p>
+          <a:p>
+            <a:pPr marL="457200" lvl="1" indent="0">
+              <a:buNone/>
+            </a:pPr>
             <a:endParaRPr lang="en-US" dirty="0"/>
           </a:p>
-        </p:txBody>
-      </p:sp>
-      <p:sp>
-        <p:nvSpPr>
-          <p:cNvPr id="3" name="Content Placeholder 2"/>
-          <p:cNvSpPr>
-            <a:spLocks noGrp="1"/>
-          </p:cNvSpPr>
-          <p:nvPr>
-            <p:ph idx="1"/>
-          </p:nvPr>
-        </p:nvSpPr>
-        <p:spPr/>
-        <p:txBody>
-          <a:bodyPr/>
-          <a:lstStyle/>
-          <a:p>
-            <a:pPr fontAlgn="ctr"/>
-            <a:r>
-              <a:rPr lang="en-US" dirty="0" smtClean="0"/>
-              <a:t>Switch statements allow for “fall through”</a:t>
-            </a:r>
-          </a:p>
-          <a:p>
-            <a:pPr marL="457200" lvl="1" indent="0" fontAlgn="ctr">
+          <a:p>
+            <a:r>
+              <a:rPr lang="en-US" dirty="0"/>
+              <a:t>Multiple If statements can be strung together, the first one that is true is executed</a:t>
+            </a:r>
+          </a:p>
+          <a:p>
+            <a:pPr marL="457200" lvl="1" indent="0">
               <a:buNone/>
             </a:pPr>
             <a:r>
-              <a:rPr lang="en-US" dirty="0" smtClean="0"/>
-              <a:t>Switch (value)</a:t>
-            </a:r>
-          </a:p>
-          <a:p>
-            <a:pPr marL="457200" lvl="1" indent="0" fontAlgn="ctr">
+              <a:rPr lang="en-US" dirty="0"/>
+              <a:t>If (condition is true) { // do this }</a:t>
+            </a:r>
+          </a:p>
+          <a:p>
+            <a:pPr marL="457200" lvl="1" indent="0">
               <a:buNone/>
             </a:pPr>
             <a:r>
-              <a:rPr lang="en-US" dirty="0" smtClean="0"/>
-              <a:t>{</a:t>
-            </a:r>
-          </a:p>
-          <a:p>
-            <a:pPr marL="457200" lvl="1" indent="0" fontAlgn="ctr">
+              <a:rPr lang="en-US" dirty="0"/>
+              <a:t>Else if (first condition is false, this condition is true) { // do this instead }</a:t>
+            </a:r>
+          </a:p>
+          <a:p>
+            <a:pPr marL="457200" lvl="1" indent="0">
               <a:buNone/>
             </a:pPr>
             <a:r>
               <a:rPr lang="en-US" dirty="0"/>
-              <a:t>	</a:t>
-            </a:r>
-            <a:r>
-              <a:rPr lang="en-US" dirty="0" smtClean="0"/>
-              <a:t>case 1:</a:t>
-            </a:r>
-          </a:p>
-          <a:p>
-            <a:pPr marL="457200" lvl="1" indent="0" fontAlgn="ctr">
+              <a:t>Else if (previous conditions are false, this condition is true) { // do this instead }</a:t>
+            </a:r>
+          </a:p>
+          <a:p>
+            <a:pPr marL="457200" lvl="1" indent="0">
               <a:buNone/>
             </a:pPr>
             <a:r>
               <a:rPr lang="en-US" dirty="0"/>
-              <a:t>	</a:t>
-            </a:r>
-            <a:r>
-              <a:rPr lang="en-US" dirty="0" smtClean="0"/>
-              <a:t>case 2: // some code that will run for 1 or 2</a:t>
-            </a:r>
-          </a:p>
-          <a:p>
-            <a:pPr marL="457200" lvl="1" indent="0" fontAlgn="ctr">
-              <a:buNone/>
-            </a:pPr>
-            <a:r>
-              <a:rPr lang="en-US" dirty="0"/>
-              <a:t>	</a:t>
-            </a:r>
-            <a:r>
-              <a:rPr lang="en-US" dirty="0" smtClean="0"/>
-              <a:t>	break;</a:t>
-            </a:r>
-          </a:p>
-          <a:p>
-            <a:pPr marL="457200" lvl="1" indent="0" fontAlgn="ctr">
-              <a:buNone/>
-            </a:pPr>
-            <a:r>
-              <a:rPr lang="en-US" dirty="0"/>
-              <a:t>	</a:t>
-            </a:r>
-            <a:r>
-              <a:rPr lang="en-US" dirty="0" smtClean="0"/>
-              <a:t>default: // code that will run for anything not 1 or 2</a:t>
-            </a:r>
-          </a:p>
-          <a:p>
-            <a:pPr marL="457200" lvl="1" indent="0" fontAlgn="ctr">
-              <a:buNone/>
-            </a:pPr>
-            <a:r>
-              <a:rPr lang="en-US" dirty="0"/>
-              <a:t>	</a:t>
-            </a:r>
-            <a:r>
-              <a:rPr lang="en-US" dirty="0" smtClean="0"/>
-              <a:t>	break;</a:t>
-            </a:r>
-          </a:p>
-          <a:p>
-            <a:pPr marL="457200" lvl="1" indent="0" fontAlgn="ctr">
-              <a:buNone/>
-            </a:pPr>
-            <a:r>
-              <a:rPr lang="en-US" dirty="0"/>
-              <a:t>}</a:t>
-            </a:r>
-          </a:p>
-          <a:p>
-            <a:pPr fontAlgn="ctr"/>
-            <a:r>
-              <a:rPr lang="en-US" dirty="0" smtClean="0"/>
-              <a:t>Keep your switch (and if statements) short and readable</a:t>
-            </a:r>
-            <a:endParaRPr lang="en-US" dirty="0"/>
-          </a:p>
-          <a:p>
-            <a:endParaRPr lang="en-US" dirty="0"/>
+              <a:t>Else { // do this if all previous conditions are false }</a:t>
+            </a:r>
           </a:p>
         </p:txBody>
       </p:sp>
     </p:spTree>
     <p:extLst>
       <p:ext uri="{BB962C8B-B14F-4D97-AF65-F5344CB8AC3E}">
-        <p14:creationId xmlns:p14="http://schemas.microsoft.com/office/powerpoint/2010/main" val="3711762067"/>
+        <p14:creationId xmlns:p14="http://schemas.microsoft.com/office/powerpoint/2010/main" val="1980659546"/>
       </p:ext>
     </p:extLst>
   </p:cSld>
   <p:clrMapOvr>
     <a:masterClrMapping/>
   </p:clrMapOvr>
-  <p:timing>
-    <p:tnLst>
-      <p:par>
-        <p:cTn id="1" dur="indefinite" restart="never" nodeType="tmRoot"/>
-      </p:par>
-    </p:tnLst>
-  </p:timing>
 </p:sld>
 </file>
 
@@ -4931,10 +4666,9 @@
           <a:lstStyle/>
           <a:p>
             <a:r>
-              <a:rPr lang="en-US" dirty="0" smtClean="0"/>
-              <a:t>Recap</a:t>
-            </a:r>
-            <a:endParaRPr lang="en-US" dirty="0"/>
+              <a:rPr lang="en-US" dirty="0"/>
+              <a:t>Case/Switch</a:t>
+            </a:r>
           </a:p>
         </p:txBody>
       </p:sp>
@@ -4950,123 +4684,101 @@
         </p:nvSpPr>
         <p:spPr/>
         <p:txBody>
-          <a:bodyPr/>
-          <a:lstStyle/>
-          <a:p>
-            <a:r>
-              <a:rPr lang="en-US" dirty="0" smtClean="0"/>
-              <a:t>We currently know how to:</a:t>
-            </a:r>
-          </a:p>
-          <a:p>
-            <a:pPr lvl="1"/>
-            <a:r>
-              <a:rPr lang="en-US" dirty="0"/>
-              <a:t>take in input from the </a:t>
-            </a:r>
-            <a:r>
-              <a:rPr lang="en-US" dirty="0" smtClean="0"/>
-              <a:t>console</a:t>
-            </a:r>
-          </a:p>
-          <a:p>
-            <a:pPr lvl="1"/>
-            <a:r>
-              <a:rPr lang="en-US" dirty="0" smtClean="0"/>
-              <a:t>write </a:t>
-            </a:r>
-            <a:r>
-              <a:rPr lang="en-US" dirty="0"/>
-              <a:t>info to the </a:t>
-            </a:r>
-            <a:r>
-              <a:rPr lang="en-US" dirty="0" smtClean="0"/>
-              <a:t>console</a:t>
-            </a:r>
-          </a:p>
-          <a:p>
-            <a:pPr lvl="1"/>
-            <a:r>
-              <a:rPr lang="en-US" dirty="0" smtClean="0"/>
-              <a:t>test </a:t>
-            </a:r>
-            <a:r>
-              <a:rPr lang="en-US" dirty="0"/>
-              <a:t>for </a:t>
-            </a:r>
-            <a:r>
-              <a:rPr lang="en-US" dirty="0" smtClean="0"/>
-              <a:t>string length </a:t>
-            </a:r>
-            <a:r>
-              <a:rPr lang="en-US" dirty="0"/>
-              <a:t>(and find more info about strings</a:t>
-            </a:r>
-            <a:r>
-              <a:rPr lang="en-US" dirty="0" smtClean="0"/>
-              <a:t>)</a:t>
-            </a:r>
-          </a:p>
-          <a:p>
-            <a:pPr lvl="1"/>
-            <a:r>
-              <a:rPr lang="en-US" dirty="0" smtClean="0"/>
-              <a:t>perform </a:t>
-            </a:r>
-            <a:r>
-              <a:rPr lang="en-US" dirty="0"/>
-              <a:t>certain code in certain </a:t>
-            </a:r>
-            <a:r>
-              <a:rPr lang="en-US" dirty="0" smtClean="0"/>
-              <a:t>conditions</a:t>
-            </a:r>
-          </a:p>
-          <a:p>
-            <a:pPr lvl="1"/>
-            <a:r>
-              <a:rPr lang="en-US" dirty="0" smtClean="0"/>
-              <a:t>save </a:t>
-            </a:r>
-            <a:r>
-              <a:rPr lang="en-US" dirty="0"/>
-              <a:t>values in named </a:t>
-            </a:r>
-            <a:r>
-              <a:rPr lang="en-US" dirty="0" smtClean="0"/>
-              <a:t>variables</a:t>
-            </a:r>
-          </a:p>
-          <a:p>
-            <a:pPr lvl="1"/>
-            <a:r>
-              <a:rPr lang="en-US" dirty="0" smtClean="0"/>
-              <a:t>put </a:t>
-            </a:r>
-            <a:r>
-              <a:rPr lang="en-US" dirty="0"/>
-              <a:t>together complex </a:t>
-            </a:r>
-            <a:r>
-              <a:rPr lang="en-US" dirty="0" smtClean="0"/>
-              <a:t>strings</a:t>
-            </a:r>
-          </a:p>
-          <a:p>
-            <a:pPr lvl="1"/>
-            <a:r>
-              <a:rPr lang="en-US" dirty="0" smtClean="0"/>
-              <a:t>More</a:t>
-            </a:r>
-          </a:p>
-          <a:p>
-            <a:r>
-              <a:rPr lang="en-US" dirty="0" smtClean="0"/>
-              <a:t>This </a:t>
-            </a:r>
-            <a:r>
-              <a:rPr lang="en-US" dirty="0"/>
-              <a:t>is enough to do nearly anything we want to do in a program, once.</a:t>
+          <a:bodyPr>
+            <a:normAutofit fontScale="92500"/>
+          </a:bodyPr>
+          <a:lstStyle/>
+          <a:p>
+            <a:r>
+              <a:rPr lang="en-US" dirty="0"/>
+              <a:t>Case/Switch is another way to show a long series of if/else if statements.</a:t>
+            </a:r>
+          </a:p>
+          <a:p>
+            <a:r>
+              <a:rPr lang="en-US" dirty="0"/>
+              <a:t>Syntax:</a:t>
+            </a:r>
+          </a:p>
+          <a:p>
+            <a:pPr marL="457200" lvl="1" indent="0">
+              <a:buNone/>
+            </a:pPr>
+            <a:r>
+              <a:rPr lang="en-US" dirty="0"/>
+              <a:t>Switch (value)</a:t>
+            </a:r>
+          </a:p>
+          <a:p>
+            <a:pPr marL="457200" lvl="1" indent="0">
+              <a:buNone/>
+            </a:pPr>
+            <a:r>
+              <a:rPr lang="en-US" dirty="0"/>
+              <a:t>{</a:t>
+            </a:r>
+          </a:p>
+          <a:p>
+            <a:pPr marL="457200" lvl="1" indent="0">
+              <a:buNone/>
+            </a:pPr>
+            <a:r>
+              <a:rPr lang="en-US" dirty="0"/>
+              <a:t>	case 1: // do something if value == 1</a:t>
+            </a:r>
+          </a:p>
+          <a:p>
+            <a:pPr marL="457200" lvl="1" indent="0">
+              <a:buNone/>
+            </a:pPr>
+            <a:r>
+              <a:rPr lang="en-US" dirty="0"/>
+              <a:t>		break;</a:t>
+            </a:r>
+          </a:p>
+          <a:p>
+            <a:pPr marL="457200" lvl="1" indent="0">
+              <a:buNone/>
+            </a:pPr>
+            <a:r>
+              <a:rPr lang="en-US" dirty="0"/>
+              <a:t>	case 2: // do something if value == 2</a:t>
+            </a:r>
+          </a:p>
+          <a:p>
+            <a:pPr marL="457200" lvl="1" indent="0">
+              <a:buNone/>
+            </a:pPr>
+            <a:r>
+              <a:rPr lang="en-US" dirty="0"/>
+              <a:t>		break;</a:t>
+            </a:r>
+          </a:p>
+          <a:p>
+            <a:pPr marL="457200" lvl="1" indent="0">
+              <a:buNone/>
+            </a:pPr>
+            <a:r>
+              <a:rPr lang="en-US" dirty="0"/>
+              <a:t>	default: // do something if none of the previous ones are true</a:t>
+            </a:r>
+          </a:p>
+          <a:p>
+            <a:pPr marL="457200" lvl="1" indent="0">
+              <a:buNone/>
+            </a:pPr>
+            <a:r>
+              <a:rPr lang="en-US" dirty="0"/>
+              <a:t>		break;</a:t>
+            </a:r>
+          </a:p>
+          <a:p>
+            <a:pPr marL="457200" lvl="1" indent="0">
+              <a:buNone/>
+            </a:pPr>
+            <a:r>
+              <a:rPr lang="en-US" dirty="0"/>
+              <a:t>}</a:t>
             </a:r>
           </a:p>
         </p:txBody>
@@ -5074,20 +4786,13 @@
     </p:spTree>
     <p:extLst>
       <p:ext uri="{BB962C8B-B14F-4D97-AF65-F5344CB8AC3E}">
-        <p14:creationId xmlns:p14="http://schemas.microsoft.com/office/powerpoint/2010/main" val="665086064"/>
+        <p14:creationId xmlns:p14="http://schemas.microsoft.com/office/powerpoint/2010/main" val="180814205"/>
       </p:ext>
     </p:extLst>
   </p:cSld>
   <p:clrMapOvr>
     <a:masterClrMapping/>
   </p:clrMapOvr>
-  <p:timing>
-    <p:tnLst>
-      <p:par>
-        <p:cTn id="1" dur="indefinite" restart="never" nodeType="tmRoot"/>
-      </p:par>
-    </p:tnLst>
-  </p:timing>
 </p:sld>
 </file>
 
@@ -5124,66 +4829,127 @@
           <a:lstStyle/>
           <a:p>
             <a:r>
-              <a:rPr lang="en-US" dirty="0" smtClean="0"/>
-              <a:t>Exercise</a:t>
-            </a:r>
+              <a:rPr lang="en-US" dirty="0"/>
+              <a:t>Switch Specifics</a:t>
+            </a:r>
+          </a:p>
+        </p:txBody>
+      </p:sp>
+      <p:sp>
+        <p:nvSpPr>
+          <p:cNvPr id="3" name="Content Placeholder 2"/>
+          <p:cNvSpPr>
+            <a:spLocks noGrp="1"/>
+          </p:cNvSpPr>
+          <p:nvPr>
+            <p:ph idx="1"/>
+          </p:nvPr>
+        </p:nvSpPr>
+        <p:spPr/>
+        <p:txBody>
+          <a:bodyPr/>
+          <a:lstStyle/>
+          <a:p>
+            <a:pPr fontAlgn="ctr"/>
+            <a:r>
+              <a:rPr lang="en-US" dirty="0"/>
+              <a:t>Switch statements allow for “fall through”</a:t>
+            </a:r>
+          </a:p>
+          <a:p>
+            <a:pPr marL="457200" lvl="1" indent="0" fontAlgn="ctr">
+              <a:buNone/>
+            </a:pPr>
+            <a:r>
+              <a:rPr lang="en-US" dirty="0"/>
+              <a:t>Switch (value)</a:t>
+            </a:r>
+          </a:p>
+          <a:p>
+            <a:pPr marL="457200" lvl="1" indent="0" fontAlgn="ctr">
+              <a:buNone/>
+            </a:pPr>
+            <a:r>
+              <a:rPr lang="en-US" dirty="0"/>
+              <a:t>{</a:t>
+            </a:r>
+          </a:p>
+          <a:p>
+            <a:pPr marL="457200" lvl="1" indent="0" fontAlgn="ctr">
+              <a:buNone/>
+            </a:pPr>
+            <a:r>
+              <a:rPr lang="en-US" dirty="0"/>
+              <a:t>	case 1:</a:t>
+            </a:r>
+          </a:p>
+          <a:p>
+            <a:pPr marL="457200" lvl="1" indent="0" fontAlgn="ctr">
+              <a:buNone/>
+            </a:pPr>
+            <a:r>
+              <a:rPr lang="en-US" dirty="0"/>
+              <a:t>	case 2: // some code that will run for 1 or 2</a:t>
+            </a:r>
+          </a:p>
+          <a:p>
+            <a:pPr marL="457200" lvl="1" indent="0" fontAlgn="ctr">
+              <a:buNone/>
+            </a:pPr>
+            <a:r>
+              <a:rPr lang="en-US" dirty="0"/>
+              <a:t>		break;</a:t>
+            </a:r>
+          </a:p>
+          <a:p>
+            <a:pPr marL="457200" lvl="1" indent="0" fontAlgn="ctr">
+              <a:buNone/>
+            </a:pPr>
+            <a:r>
+              <a:rPr lang="en-US" dirty="0"/>
+              <a:t>	default: // code that will run for anything not 1 or 2</a:t>
+            </a:r>
+          </a:p>
+          <a:p>
+            <a:pPr marL="457200" lvl="1" indent="0" fontAlgn="ctr">
+              <a:buNone/>
+            </a:pPr>
+            <a:r>
+              <a:rPr lang="en-US" dirty="0"/>
+              <a:t>		break;</a:t>
+            </a:r>
+          </a:p>
+          <a:p>
+            <a:pPr marL="457200" lvl="1" indent="0" fontAlgn="ctr">
+              <a:buNone/>
+            </a:pPr>
+            <a:r>
+              <a:rPr lang="en-US" dirty="0"/>
+              <a:t>}</a:t>
+            </a:r>
+          </a:p>
+          <a:p>
+            <a:pPr fontAlgn="ctr"/>
+            <a:r>
+              <a:rPr lang="en-US" dirty="0"/>
+              <a:t>Keep your switch (and if statements) short and readable</a:t>
+            </a:r>
+          </a:p>
+          <a:p>
             <a:endParaRPr lang="en-US" dirty="0"/>
-          </a:p>
-        </p:txBody>
-      </p:sp>
-      <p:sp>
-        <p:nvSpPr>
-          <p:cNvPr id="3" name="Content Placeholder 2"/>
-          <p:cNvSpPr>
-            <a:spLocks noGrp="1"/>
-          </p:cNvSpPr>
-          <p:nvPr>
-            <p:ph idx="1"/>
-          </p:nvPr>
-        </p:nvSpPr>
-        <p:spPr/>
-        <p:txBody>
-          <a:bodyPr/>
-          <a:lstStyle/>
-          <a:p>
-            <a:r>
-              <a:rPr lang="en-US" dirty="0" smtClean="0"/>
-              <a:t>Write </a:t>
-            </a:r>
-            <a:r>
-              <a:rPr lang="en-US" dirty="0"/>
-              <a:t>a program that asks a person for the month they were born and tell them what season they were born </a:t>
-            </a:r>
-            <a:r>
-              <a:rPr lang="en-US" dirty="0" smtClean="0"/>
-              <a:t>in.</a:t>
-            </a:r>
-          </a:p>
-          <a:p>
-            <a:r>
-              <a:rPr lang="en-US" dirty="0" smtClean="0"/>
-              <a:t>Questions?</a:t>
-            </a:r>
           </a:p>
         </p:txBody>
       </p:sp>
     </p:spTree>
     <p:extLst>
       <p:ext uri="{BB962C8B-B14F-4D97-AF65-F5344CB8AC3E}">
-        <p14:creationId xmlns:p14="http://schemas.microsoft.com/office/powerpoint/2010/main" val="600274619"/>
+        <p14:creationId xmlns:p14="http://schemas.microsoft.com/office/powerpoint/2010/main" val="3711762067"/>
       </p:ext>
     </p:extLst>
   </p:cSld>
   <p:clrMapOvr>
     <a:masterClrMapping/>
   </p:clrMapOvr>
-  <p:timing>
-    <p:tnLst>
-      <p:par>
-        <p:cTn id="1" dur="indefinite" restart="never" nodeType="tmRoot"/>
-      </p:par>
-    </p:tnLst>
-  </p:timing>
 </p:sld>
 </file>
 
@@ -5220,10 +4986,9 @@
           <a:lstStyle/>
           <a:p>
             <a:r>
-              <a:rPr lang="en-US" dirty="0" smtClean="0"/>
-              <a:t>Exercise</a:t>
-            </a:r>
-            <a:endParaRPr lang="en-US" dirty="0"/>
+              <a:rPr lang="en-US" dirty="0"/>
+              <a:t>Recap</a:t>
+            </a:r>
           </a:p>
         </p:txBody>
       </p:sp>
@@ -5242,42 +5007,72 @@
           <a:bodyPr/>
           <a:lstStyle/>
           <a:p>
-            <a:pPr fontAlgn="ctr"/>
-            <a:r>
-              <a:rPr lang="en-US" dirty="0"/>
-              <a:t>Can you write a program that asks a person for the month they were born and tell them what season they were born in?</a:t>
-            </a:r>
-          </a:p>
-          <a:p>
-            <a:pPr lvl="1" fontAlgn="ctr"/>
-            <a:r>
-              <a:rPr lang="en-US" dirty="0"/>
-              <a:t>Is month enough to know this?</a:t>
-            </a:r>
-          </a:p>
-          <a:p>
-            <a:pPr lvl="1" fontAlgn="ctr"/>
-            <a:r>
-              <a:rPr lang="en-US" dirty="0"/>
-              <a:t>What if you wanted to check based on day?</a:t>
-            </a:r>
-          </a:p>
-          <a:p>
-            <a:pPr lvl="1" fontAlgn="ctr"/>
-            <a:r>
-              <a:rPr lang="en-US" dirty="0"/>
-              <a:t>Is there a type that would make this easier? Is an integer easier to work with than a string? Is there something even easier for this problem than an integer?</a:t>
-            </a:r>
-          </a:p>
-          <a:p>
-            <a:endParaRPr lang="en-US" dirty="0"/>
+            <a:r>
+              <a:rPr lang="en-US" dirty="0"/>
+              <a:t>We currently know how to:</a:t>
+            </a:r>
+          </a:p>
+          <a:p>
+            <a:pPr lvl="1"/>
+            <a:r>
+              <a:rPr lang="en-US" dirty="0"/>
+              <a:t>take in input from the console</a:t>
+            </a:r>
+          </a:p>
+          <a:p>
+            <a:pPr lvl="1"/>
+            <a:r>
+              <a:rPr lang="en-US" dirty="0"/>
+              <a:t>write info to the console</a:t>
+            </a:r>
+          </a:p>
+          <a:p>
+            <a:pPr lvl="1"/>
+            <a:r>
+              <a:rPr lang="en-US" dirty="0"/>
+              <a:t>test for string length (and find more info about strings)</a:t>
+            </a:r>
+          </a:p>
+          <a:p>
+            <a:pPr lvl="1"/>
+            <a:r>
+              <a:rPr lang="en-US" dirty="0"/>
+              <a:t>perform certain code in certain conditions</a:t>
+            </a:r>
+          </a:p>
+          <a:p>
+            <a:pPr lvl="1"/>
+            <a:r>
+              <a:rPr lang="en-US" dirty="0"/>
+              <a:t>save values in named variables</a:t>
+            </a:r>
+          </a:p>
+          <a:p>
+            <a:pPr lvl="1"/>
+            <a:r>
+              <a:rPr lang="en-US" dirty="0"/>
+              <a:t>put together complex strings</a:t>
+            </a:r>
+          </a:p>
+          <a:p>
+            <a:pPr lvl="1"/>
+            <a:r>
+              <a:rPr lang="en-US" dirty="0"/>
+              <a:t>More</a:t>
+            </a:r>
+          </a:p>
+          <a:p>
+            <a:r>
+              <a:rPr lang="en-US" dirty="0"/>
+              <a:t>This is enough to do nearly anything we want to do in a program, once.</a:t>
+            </a:r>
           </a:p>
         </p:txBody>
       </p:sp>
     </p:spTree>
     <p:extLst>
       <p:ext uri="{BB962C8B-B14F-4D97-AF65-F5344CB8AC3E}">
-        <p14:creationId xmlns:p14="http://schemas.microsoft.com/office/powerpoint/2010/main" val="1851446555"/>
+        <p14:creationId xmlns:p14="http://schemas.microsoft.com/office/powerpoint/2010/main" val="665086064"/>
       </p:ext>
     </p:extLst>
   </p:cSld>
@@ -5320,10 +5115,9 @@
           <a:lstStyle/>
           <a:p>
             <a:r>
-              <a:rPr lang="en-US" dirty="0" smtClean="0"/>
-              <a:t>Loops</a:t>
-            </a:r>
-            <a:endParaRPr lang="en-US" dirty="0"/>
+              <a:rPr lang="en-US" dirty="0"/>
+              <a:t>Exercise</a:t>
+            </a:r>
           </a:p>
         </p:txBody>
       </p:sp>
@@ -5344,74 +5138,27 @@
           <a:p>
             <a:r>
               <a:rPr lang="en-US" dirty="0"/>
-              <a:t>A loop is a block of code that has a conditional wrapped around it and will </a:t>
-            </a:r>
-            <a:r>
-              <a:rPr lang="en-US" dirty="0" smtClean="0"/>
-              <a:t>repeat as </a:t>
-            </a:r>
-            <a:r>
-              <a:rPr lang="en-US" dirty="0"/>
-              <a:t>long as that condition is </a:t>
-            </a:r>
-            <a:r>
-              <a:rPr lang="en-US" dirty="0" smtClean="0"/>
-              <a:t>true</a:t>
-            </a:r>
-          </a:p>
-          <a:p>
-            <a:r>
-              <a:rPr lang="en-US" dirty="0" smtClean="0"/>
-              <a:t>At its most basic, it is just an if statement that repeats</a:t>
-            </a:r>
-          </a:p>
-          <a:p>
-            <a:endParaRPr lang="en-US" dirty="0" smtClean="0"/>
-          </a:p>
-          <a:p>
-            <a:pPr marL="457200" lvl="1" indent="0">
-              <a:buNone/>
-            </a:pPr>
-            <a:r>
-              <a:rPr lang="en-US" dirty="0" smtClean="0"/>
-              <a:t>If (true) { // do some code }</a:t>
-            </a:r>
-          </a:p>
-          <a:p>
-            <a:pPr marL="457200" lvl="1" indent="0">
-              <a:buNone/>
-            </a:pPr>
-            <a:r>
-              <a:rPr lang="en-US" dirty="0" smtClean="0"/>
-              <a:t>While (true) { // repeat this code forever }</a:t>
-            </a:r>
-            <a:endParaRPr lang="en-US" dirty="0"/>
-          </a:p>
-          <a:p>
-            <a:pPr marL="0" indent="0">
-              <a:buNone/>
-            </a:pPr>
-            <a:endParaRPr lang="en-US" dirty="0"/>
+              <a:t>Write a program that asks a person for the month they were born and tell them what season they were born in.</a:t>
+            </a:r>
+          </a:p>
+          <a:p>
+            <a:r>
+              <a:rPr lang="en-US" dirty="0"/>
+              <a:t>Questions?</a:t>
+            </a:r>
           </a:p>
         </p:txBody>
       </p:sp>
     </p:spTree>
     <p:extLst>
       <p:ext uri="{BB962C8B-B14F-4D97-AF65-F5344CB8AC3E}">
-        <p14:creationId xmlns:p14="http://schemas.microsoft.com/office/powerpoint/2010/main" val="3236788663"/>
+        <p14:creationId xmlns:p14="http://schemas.microsoft.com/office/powerpoint/2010/main" val="600274619"/>
       </p:ext>
     </p:extLst>
   </p:cSld>
   <p:clrMapOvr>
     <a:masterClrMapping/>
   </p:clrMapOvr>
-  <p:timing>
-    <p:tnLst>
-      <p:par>
-        <p:cTn id="1" dur="indefinite" restart="never" nodeType="tmRoot"/>
-      </p:par>
-    </p:tnLst>
-  </p:timing>
 </p:sld>
 </file>
 
@@ -5448,10 +5195,9 @@
           <a:lstStyle/>
           <a:p>
             <a:r>
-              <a:rPr lang="en-US" dirty="0" smtClean="0"/>
-              <a:t>While Loop</a:t>
-            </a:r>
-            <a:endParaRPr lang="en-US" dirty="0"/>
+              <a:rPr lang="en-US" dirty="0"/>
+              <a:t>Exercise</a:t>
+            </a:r>
           </a:p>
         </p:txBody>
       </p:sp>
@@ -5473,41 +5219,28 @@
             <a:pPr fontAlgn="ctr"/>
             <a:r>
               <a:rPr lang="en-US" dirty="0"/>
-              <a:t>While (conditional) { </a:t>
-            </a:r>
-            <a:r>
-              <a:rPr lang="en-US" dirty="0" smtClean="0"/>
-              <a:t>// perform this code }</a:t>
-            </a:r>
-            <a:endParaRPr lang="en-US" dirty="0"/>
-          </a:p>
-          <a:p>
-            <a:pPr fontAlgn="ctr"/>
-            <a:r>
-              <a:rPr lang="en-US" dirty="0"/>
-              <a:t>This code will repeat over and over again until the conditional is false</a:t>
-            </a:r>
-          </a:p>
-          <a:p>
-            <a:pPr fontAlgn="ctr"/>
-            <a:r>
-              <a:rPr lang="en-US" dirty="0"/>
-              <a:t>You should probably have something in the </a:t>
-            </a:r>
-            <a:r>
-              <a:rPr lang="en-US" dirty="0" smtClean="0"/>
-              <a:t>{} code block </a:t>
-            </a:r>
-            <a:r>
-              <a:rPr lang="en-US" dirty="0"/>
-              <a:t>that will eventually end up with the conditional becoming false</a:t>
-            </a:r>
-          </a:p>
-          <a:p>
-            <a:pPr fontAlgn="ctr"/>
-            <a:r>
-              <a:rPr lang="en-US" dirty="0"/>
-              <a:t>If you don't do that, you have an infinite loop which should be avoided at all times (seriously, always have an out, even if it is hitting alt+f4)</a:t>
+              <a:t>Can you write a program that asks a person for the month they were born and tell them what season they were born in?</a:t>
+            </a:r>
+          </a:p>
+          <a:p>
+            <a:pPr lvl="1" fontAlgn="ctr"/>
+            <a:r>
+              <a:rPr lang="en-US" dirty="0"/>
+              <a:t>Is month enough to know this?</a:t>
+            </a:r>
+          </a:p>
+          <a:p>
+            <a:pPr lvl="1" fontAlgn="ctr"/>
+            <a:r>
+              <a:rPr lang="en-US" dirty="0"/>
+              <a:t>What if you wanted to check based on day?</a:t>
+            </a:r>
+          </a:p>
+          <a:p>
+            <a:pPr lvl="1" fontAlgn="ctr"/>
+            <a:r>
+              <a:rPr lang="en-US" dirty="0"/>
+              <a:t>Is there a type that would make this easier? Is an integer easier to work with than a string? Is there something even easier for this problem than an integer?</a:t>
             </a:r>
           </a:p>
           <a:p>
@@ -5518,20 +5251,13 @@
     </p:spTree>
     <p:extLst>
       <p:ext uri="{BB962C8B-B14F-4D97-AF65-F5344CB8AC3E}">
-        <p14:creationId xmlns:p14="http://schemas.microsoft.com/office/powerpoint/2010/main" val="1866306954"/>
+        <p14:creationId xmlns:p14="http://schemas.microsoft.com/office/powerpoint/2010/main" val="1851446555"/>
       </p:ext>
     </p:extLst>
   </p:cSld>
   <p:clrMapOvr>
     <a:masterClrMapping/>
   </p:clrMapOvr>
-  <p:timing>
-    <p:tnLst>
-      <p:par>
-        <p:cTn id="1" dur="indefinite" restart="never" nodeType="tmRoot"/>
-      </p:par>
-    </p:tnLst>
-  </p:timing>
 </p:sld>
 </file>
 
@@ -5568,56 +5294,63 @@
           <a:lstStyle/>
           <a:p>
             <a:r>
-              <a:rPr lang="en-US" dirty="0" smtClean="0"/>
-              <a:t>While Exercise</a:t>
-            </a:r>
+              <a:rPr lang="en-US" dirty="0"/>
+              <a:t>Loops</a:t>
+            </a:r>
+          </a:p>
+        </p:txBody>
+      </p:sp>
+      <p:sp>
+        <p:nvSpPr>
+          <p:cNvPr id="3" name="Content Placeholder 2"/>
+          <p:cNvSpPr>
+            <a:spLocks noGrp="1"/>
+          </p:cNvSpPr>
+          <p:nvPr>
+            <p:ph idx="1"/>
+          </p:nvPr>
+        </p:nvSpPr>
+        <p:spPr/>
+        <p:txBody>
+          <a:bodyPr/>
+          <a:lstStyle/>
+          <a:p>
+            <a:r>
+              <a:rPr lang="en-US" dirty="0"/>
+              <a:t>A loop is a block of code that has a conditional wrapped around it and will repeat as long as that condition is true</a:t>
+            </a:r>
+          </a:p>
+          <a:p>
+            <a:r>
+              <a:rPr lang="en-US" dirty="0"/>
+              <a:t>At its most basic, it is just an if statement that repeats</a:t>
+            </a:r>
+          </a:p>
+          <a:p>
             <a:endParaRPr lang="en-US" dirty="0"/>
           </a:p>
-        </p:txBody>
-      </p:sp>
-      <p:sp>
-        <p:nvSpPr>
-          <p:cNvPr id="3" name="Content Placeholder 2"/>
-          <p:cNvSpPr>
-            <a:spLocks noGrp="1"/>
-          </p:cNvSpPr>
-          <p:nvPr>
-            <p:ph idx="1"/>
-          </p:nvPr>
-        </p:nvSpPr>
-        <p:spPr/>
-        <p:txBody>
-          <a:bodyPr/>
-          <a:lstStyle/>
-          <a:p>
-            <a:pPr fontAlgn="ctr"/>
-            <a:r>
-              <a:rPr lang="en-US" dirty="0"/>
-              <a:t>Let's go back to our previous problem with the birthday - can you put it into a loop that will ask the question over and over again until they enter certain text?</a:t>
-            </a:r>
-          </a:p>
-          <a:p>
-            <a:pPr fontAlgn="ctr"/>
-            <a:r>
-              <a:rPr lang="en-US" dirty="0"/>
-              <a:t>What if you wanted to have it run 10 times only? How would you do that?</a:t>
-            </a:r>
-          </a:p>
-          <a:p>
-            <a:pPr lvl="1" fontAlgn="ctr"/>
-            <a:r>
-              <a:rPr lang="en-US" dirty="0"/>
-              <a:t>Can you print out how many times they've gone through so far?</a:t>
-            </a:r>
-          </a:p>
-          <a:p>
-            <a:pPr fontAlgn="ctr"/>
-            <a:r>
-              <a:rPr lang="en-US" dirty="0"/>
-              <a:t>What about a yes/no option to let the person exit?</a:t>
-            </a:r>
-          </a:p>
-          <a:p>
+          <a:p>
+            <a:pPr marL="457200" lvl="1" indent="0">
+              <a:buNone/>
+            </a:pPr>
+            <a:r>
+              <a:rPr lang="en-US" dirty="0"/>
+              <a:t>If (true) { // do some code }</a:t>
+            </a:r>
+          </a:p>
+          <a:p>
+            <a:pPr marL="457200" lvl="1" indent="0">
+              <a:buNone/>
+            </a:pPr>
+            <a:r>
+              <a:rPr lang="en-US" dirty="0"/>
+              <a:t>While (true) { // repeat this code forever }</a:t>
+            </a:r>
+          </a:p>
+          <a:p>
+            <a:pPr marL="0" indent="0">
+              <a:buNone/>
+            </a:pPr>
             <a:endParaRPr lang="en-US" dirty="0"/>
           </a:p>
         </p:txBody>
@@ -5625,20 +5358,13 @@
     </p:spTree>
     <p:extLst>
       <p:ext uri="{BB962C8B-B14F-4D97-AF65-F5344CB8AC3E}">
-        <p14:creationId xmlns:p14="http://schemas.microsoft.com/office/powerpoint/2010/main" val="3515779852"/>
+        <p14:creationId xmlns:p14="http://schemas.microsoft.com/office/powerpoint/2010/main" val="3236788663"/>
       </p:ext>
     </p:extLst>
   </p:cSld>
   <p:clrMapOvr>
     <a:masterClrMapping/>
   </p:clrMapOvr>
-  <p:timing>
-    <p:tnLst>
-      <p:par>
-        <p:cTn id="1" dur="indefinite" restart="never" nodeType="tmRoot"/>
-      </p:par>
-    </p:tnLst>
-  </p:timing>
 </p:sld>
 </file>
 
@@ -5675,10 +5401,9 @@
           <a:lstStyle/>
           <a:p>
             <a:r>
-              <a:rPr lang="en-US" dirty="0" smtClean="0"/>
-              <a:t>For Loop</a:t>
-            </a:r>
-            <a:endParaRPr lang="en-US" dirty="0"/>
+              <a:rPr lang="en-US" dirty="0"/>
+              <a:t>While Loop</a:t>
+            </a:r>
           </a:p>
         </p:txBody>
       </p:sp>
@@ -5697,142 +5422,34 @@
           <a:bodyPr/>
           <a:lstStyle/>
           <a:p>
-            <a:r>
-              <a:rPr lang="en-US" dirty="0" smtClean="0"/>
-              <a:t>For Loops are a loop that has a bit of special formatting at the beginning that lets you easily set up a counting conditional</a:t>
-            </a:r>
-          </a:p>
-          <a:p>
-            <a:pPr marL="457200" lvl="1" indent="0" fontAlgn="ctr">
-              <a:buNone/>
-            </a:pPr>
-            <a:r>
-              <a:rPr lang="en-US" dirty="0" smtClean="0"/>
-              <a:t>for </a:t>
-            </a:r>
-            <a:r>
-              <a:rPr lang="en-US" dirty="0"/>
-              <a:t>(</a:t>
-            </a:r>
-            <a:r>
-              <a:rPr lang="en-US" dirty="0" err="1"/>
-              <a:t>int</a:t>
-            </a:r>
-            <a:r>
-              <a:rPr lang="en-US" dirty="0"/>
-              <a:t> </a:t>
-            </a:r>
-            <a:r>
-              <a:rPr lang="en-US" dirty="0" err="1" smtClean="0"/>
-              <a:t>i</a:t>
-            </a:r>
-            <a:r>
-              <a:rPr lang="en-US" dirty="0" smtClean="0"/>
-              <a:t>; </a:t>
-            </a:r>
-            <a:r>
-              <a:rPr lang="en-US" dirty="0" err="1" smtClean="0"/>
-              <a:t>i</a:t>
-            </a:r>
-            <a:r>
-              <a:rPr lang="en-US" dirty="0" smtClean="0"/>
-              <a:t> </a:t>
-            </a:r>
-            <a:r>
-              <a:rPr lang="en-US" dirty="0"/>
-              <a:t>&lt; 10; </a:t>
-            </a:r>
-            <a:r>
-              <a:rPr lang="en-US" dirty="0" err="1"/>
-              <a:t>i</a:t>
-            </a:r>
-            <a:r>
-              <a:rPr lang="en-US" dirty="0"/>
-              <a:t>++)</a:t>
-            </a:r>
-          </a:p>
-          <a:p>
-            <a:pPr marL="457200" lvl="1" indent="0" fontAlgn="ctr">
-              <a:buNone/>
-            </a:pPr>
-            <a:r>
-              <a:rPr lang="en-US" dirty="0"/>
-              <a:t>{ </a:t>
-            </a:r>
-            <a:r>
-              <a:rPr lang="en-US" dirty="0" smtClean="0"/>
-              <a:t>// perform this code </a:t>
-            </a:r>
-            <a:r>
-              <a:rPr lang="en-US" dirty="0"/>
-              <a:t>}</a:t>
-            </a:r>
-          </a:p>
-          <a:p>
-            <a:r>
-              <a:rPr lang="en-US" dirty="0" smtClean="0"/>
-              <a:t>There are three parts to the for statement. The setup (</a:t>
-            </a:r>
-            <a:r>
-              <a:rPr lang="en-US" dirty="0" err="1" smtClean="0"/>
-              <a:t>int</a:t>
-            </a:r>
-            <a:r>
-              <a:rPr lang="en-US" dirty="0" smtClean="0"/>
-              <a:t> </a:t>
-            </a:r>
-            <a:r>
-              <a:rPr lang="en-US" dirty="0" err="1" smtClean="0"/>
-              <a:t>i</a:t>
-            </a:r>
-            <a:r>
-              <a:rPr lang="en-US" dirty="0" smtClean="0"/>
-              <a:t>), the conditional (</a:t>
-            </a:r>
-            <a:r>
-              <a:rPr lang="en-US" dirty="0" err="1" smtClean="0"/>
-              <a:t>i</a:t>
-            </a:r>
-            <a:r>
-              <a:rPr lang="en-US" dirty="0" smtClean="0"/>
-              <a:t> &lt; 10) and the iterator (</a:t>
-            </a:r>
-            <a:r>
-              <a:rPr lang="en-US" dirty="0" err="1" smtClean="0"/>
-              <a:t>i</a:t>
-            </a:r>
-            <a:r>
-              <a:rPr lang="en-US" dirty="0" smtClean="0"/>
-              <a:t>++)</a:t>
-            </a:r>
-          </a:p>
-          <a:p>
-            <a:pPr lvl="1"/>
-            <a:r>
-              <a:rPr lang="en-US" dirty="0" smtClean="0"/>
-              <a:t>The setup is run once at the beginning of the statement</a:t>
-            </a:r>
-          </a:p>
-          <a:p>
-            <a:pPr lvl="1"/>
-            <a:r>
-              <a:rPr lang="en-US" dirty="0" smtClean="0"/>
-              <a:t>The conditional is checked before the block is run</a:t>
-            </a:r>
-          </a:p>
-          <a:p>
-            <a:pPr lvl="1"/>
-            <a:r>
-              <a:rPr lang="en-US" dirty="0" smtClean="0"/>
-              <a:t>The iterator runs each time the block of code is completed</a:t>
-            </a:r>
-            <a:endParaRPr lang="en-US" dirty="0"/>
-          </a:p>
-          <a:p>
-            <a:r>
-              <a:rPr lang="en-US" dirty="0" smtClean="0"/>
-              <a:t>This is a little cleaner than using a while loop for everything</a:t>
-            </a:r>
+            <a:pPr fontAlgn="ctr"/>
+            <a:r>
+              <a:rPr lang="en-US" dirty="0"/>
+              <a:t>While (conditional) { // perform this code }</a:t>
+            </a:r>
+          </a:p>
+          <a:p>
+            <a:pPr fontAlgn="ctr"/>
+            <a:r>
+              <a:rPr lang="en-US" dirty="0"/>
+              <a:t>This code will repeat over and over again until the conditional is false</a:t>
+            </a:r>
+          </a:p>
+          <a:p>
+            <a:pPr fontAlgn="ctr"/>
+            <a:r>
+              <a:rPr lang="en-US" dirty="0"/>
+              <a:t>You should probably have something in the {} code block that will eventually end up with the conditional becoming false</a:t>
+            </a:r>
+          </a:p>
+          <a:p>
+            <a:pPr fontAlgn="ctr"/>
+            <a:r>
+              <a:rPr lang="en-US" dirty="0"/>
+              <a:t>If you don't do that, you have an infinite loop which should be avoided at all times (seriously, always have an out, even if it is hitting alt+f4)</a:t>
+            </a:r>
+          </a:p>
+          <a:p>
             <a:endParaRPr lang="en-US" dirty="0"/>
           </a:p>
         </p:txBody>
@@ -5840,20 +5457,13 @@
     </p:spTree>
     <p:extLst>
       <p:ext uri="{BB962C8B-B14F-4D97-AF65-F5344CB8AC3E}">
-        <p14:creationId xmlns:p14="http://schemas.microsoft.com/office/powerpoint/2010/main" val="1213380622"/>
+        <p14:creationId xmlns:p14="http://schemas.microsoft.com/office/powerpoint/2010/main" val="1866306954"/>
       </p:ext>
     </p:extLst>
   </p:cSld>
   <p:clrMapOvr>
     <a:masterClrMapping/>
   </p:clrMapOvr>
-  <p:timing>
-    <p:tnLst>
-      <p:par>
-        <p:cTn id="1" dur="indefinite" restart="never" nodeType="tmRoot"/>
-      </p:par>
-    </p:tnLst>
-  </p:timing>
 </p:sld>
 </file>
 
@@ -5890,10 +5500,9 @@
           <a:lstStyle/>
           <a:p>
             <a:r>
-              <a:rPr lang="en-US" dirty="0" smtClean="0"/>
-              <a:t>Exercise</a:t>
-            </a:r>
-            <a:endParaRPr lang="en-US" dirty="0"/>
+              <a:rPr lang="en-US" dirty="0"/>
+              <a:t>While Exercise</a:t>
+            </a:r>
           </a:p>
         </p:txBody>
       </p:sp>
@@ -5909,97 +5518,35 @@
         </p:nvSpPr>
         <p:spPr/>
         <p:txBody>
-          <a:bodyPr>
-            <a:normAutofit/>
-          </a:bodyPr>
+          <a:bodyPr/>
           <a:lstStyle/>
           <a:p>
             <a:pPr fontAlgn="ctr"/>
             <a:r>
               <a:rPr lang="en-US" dirty="0"/>
-              <a:t>Can you write a loop that doesn't count by ones?</a:t>
+              <a:t>Let's go back to our previous problem with the birthday - can you put it into a loop that will ask the question over and over again until they enter certain text?</a:t>
             </a:r>
           </a:p>
           <a:p>
             <a:pPr fontAlgn="ctr"/>
             <a:r>
               <a:rPr lang="en-US" dirty="0"/>
-              <a:t>What about one that loops backward?</a:t>
-            </a:r>
-          </a:p>
-          <a:p>
-            <a:r>
-              <a:rPr lang="en-US" dirty="0" err="1" smtClean="0"/>
-              <a:t>FizzBuzz</a:t>
-            </a:r>
-            <a:r>
-              <a:rPr lang="en-US" dirty="0" smtClean="0"/>
-              <a:t>:</a:t>
+              <a:t>What if you wanted to have it run 10 times only? How would you do that?</a:t>
             </a:r>
           </a:p>
           <a:p>
             <a:pPr lvl="1" fontAlgn="ctr"/>
             <a:r>
-              <a:rPr lang="en-US" dirty="0" smtClean="0"/>
-              <a:t>Print the numbers 1-100</a:t>
-            </a:r>
-          </a:p>
-          <a:p>
-            <a:pPr lvl="1" fontAlgn="ctr"/>
-            <a:r>
-              <a:rPr lang="en-US" dirty="0" smtClean="0"/>
-              <a:t>If the number is a multiple of 3, instead of the number, print “fizz”</a:t>
-            </a:r>
-          </a:p>
-          <a:p>
-            <a:pPr lvl="1" fontAlgn="ctr"/>
-            <a:r>
-              <a:rPr lang="en-US" dirty="0" smtClean="0"/>
-              <a:t>If the number is a multiple of 5, instead of the number, print “buzz”</a:t>
-            </a:r>
-          </a:p>
-          <a:p>
-            <a:pPr lvl="1" fontAlgn="ctr"/>
-            <a:r>
-              <a:rPr lang="en-US" dirty="0" smtClean="0"/>
-              <a:t>If the number is a multiple of both, print “</a:t>
-            </a:r>
-            <a:r>
-              <a:rPr lang="en-US" dirty="0" err="1" smtClean="0"/>
-              <a:t>fizzbuzz</a:t>
-            </a:r>
-            <a:r>
-              <a:rPr lang="en-US" dirty="0" smtClean="0"/>
-              <a:t>”</a:t>
-            </a:r>
-            <a:endParaRPr lang="en-US" dirty="0"/>
+              <a:rPr lang="en-US" dirty="0"/>
+              <a:t>Can you print out how many times they've gone through so far?</a:t>
+            </a:r>
           </a:p>
           <a:p>
             <a:pPr fontAlgn="ctr"/>
             <a:r>
               <a:rPr lang="en-US" dirty="0"/>
-              <a:t>Let's do </a:t>
-            </a:r>
-            <a:r>
-              <a:rPr lang="en-US" dirty="0" err="1"/>
-              <a:t>fizzbuzz</a:t>
-            </a:r>
-            <a:r>
-              <a:rPr lang="en-US" dirty="0"/>
-              <a:t> and make it </a:t>
-            </a:r>
-            <a:r>
-              <a:rPr lang="en-US" dirty="0" smtClean="0"/>
-              <a:t>work</a:t>
-            </a:r>
-          </a:p>
-          <a:p>
-            <a:pPr fontAlgn="ctr"/>
-            <a:r>
-              <a:rPr lang="en-US" dirty="0" smtClean="0"/>
-              <a:t>This is a test that is still regularly used in programming tests</a:t>
-            </a:r>
-            <a:endParaRPr lang="en-US" dirty="0"/>
+              <a:t>What about a yes/no option to let the person exit?</a:t>
+            </a:r>
           </a:p>
           <a:p>
             <a:endParaRPr lang="en-US" dirty="0"/>
@@ -6009,20 +5556,13 @@
     </p:spTree>
     <p:extLst>
       <p:ext uri="{BB962C8B-B14F-4D97-AF65-F5344CB8AC3E}">
-        <p14:creationId xmlns:p14="http://schemas.microsoft.com/office/powerpoint/2010/main" val="1613013352"/>
+        <p14:creationId xmlns:p14="http://schemas.microsoft.com/office/powerpoint/2010/main" val="3515779852"/>
       </p:ext>
     </p:extLst>
   </p:cSld>
   <p:clrMapOvr>
     <a:masterClrMapping/>
   </p:clrMapOvr>
-  <p:timing>
-    <p:tnLst>
-      <p:par>
-        <p:cTn id="1" dur="indefinite" restart="never" nodeType="tmRoot"/>
-      </p:par>
-    </p:tnLst>
-  </p:timing>
 </p:sld>
 </file>
 
@@ -6059,93 +5599,96 @@
           <a:lstStyle/>
           <a:p>
             <a:r>
-              <a:rPr lang="en-US" dirty="0" smtClean="0"/>
-              <a:t>12 Week Roadmap</a:t>
+              <a:rPr lang="en-US" dirty="0"/>
+              <a:t>What is Academy </a:t>
+            </a:r>
+            <a:r>
+              <a:rPr lang="en-US" dirty="0" err="1"/>
+              <a:t>Pgh</a:t>
+            </a:r>
+            <a:r>
+              <a:rPr lang="en-US" dirty="0"/>
+              <a:t>?</a:t>
+            </a:r>
+          </a:p>
+        </p:txBody>
+      </p:sp>
+      <p:sp>
+        <p:nvSpPr>
+          <p:cNvPr id="3" name="Content Placeholder 2"/>
+          <p:cNvSpPr>
+            <a:spLocks noGrp="1"/>
+          </p:cNvSpPr>
+          <p:nvPr>
+            <p:ph idx="1"/>
+          </p:nvPr>
+        </p:nvSpPr>
+        <p:spPr/>
+        <p:txBody>
+          <a:bodyPr/>
+          <a:lstStyle/>
+          <a:p>
+            <a:r>
+              <a:rPr lang="en-US" dirty="0"/>
+              <a:t>Locally created and owned web developer </a:t>
+            </a:r>
+            <a:r>
+              <a:rPr lang="en-US" dirty="0" err="1"/>
+              <a:t>bootcamp</a:t>
             </a:r>
             <a:endParaRPr lang="en-US" dirty="0"/>
           </a:p>
-        </p:txBody>
-      </p:sp>
-      <p:sp>
-        <p:nvSpPr>
-          <p:cNvPr id="3" name="Content Placeholder 2"/>
-          <p:cNvSpPr>
-            <a:spLocks noGrp="1"/>
-          </p:cNvSpPr>
-          <p:nvPr>
-            <p:ph idx="1"/>
-          </p:nvPr>
-        </p:nvSpPr>
-        <p:spPr/>
-        <p:txBody>
-          <a:bodyPr/>
-          <a:lstStyle/>
-          <a:p>
-            <a:r>
-              <a:rPr lang="en-US" dirty="0" smtClean="0"/>
-              <a:t>C# and beginning programming</a:t>
-            </a:r>
-          </a:p>
-          <a:p>
-            <a:r>
-              <a:rPr lang="en-US" dirty="0" smtClean="0"/>
-              <a:t>Ruby and TDD</a:t>
-            </a:r>
-          </a:p>
-          <a:p>
-            <a:r>
-              <a:rPr lang="en-US" dirty="0" smtClean="0"/>
-              <a:t>Data Structures and DBs</a:t>
-            </a:r>
-          </a:p>
-          <a:p>
-            <a:r>
-              <a:rPr lang="en-US" dirty="0" smtClean="0"/>
-              <a:t>Beginning Web Sites</a:t>
-            </a:r>
-          </a:p>
-          <a:p>
-            <a:r>
-              <a:rPr lang="en-US" dirty="0" smtClean="0"/>
-              <a:t>HTML/CSS</a:t>
-            </a:r>
-          </a:p>
-          <a:p>
-            <a:r>
-              <a:rPr lang="en-US" dirty="0" err="1" smtClean="0"/>
-              <a:t>Javascript</a:t>
-            </a:r>
-            <a:r>
-              <a:rPr lang="en-US" dirty="0" smtClean="0"/>
-              <a:t> and Angular</a:t>
-            </a:r>
-          </a:p>
-          <a:p>
-            <a:r>
-              <a:rPr lang="en-US" dirty="0" smtClean="0"/>
-              <a:t>Projects</a:t>
-            </a:r>
-            <a:endParaRPr lang="en-US" dirty="0"/>
+          <a:p>
+            <a:r>
+              <a:rPr lang="en-US" dirty="0"/>
+              <a:t>Our mission is to get you a job in tech</a:t>
+            </a:r>
+          </a:p>
+          <a:p>
+            <a:pPr lvl="1"/>
+            <a:r>
+              <a:rPr lang="en-US" dirty="0"/>
+              <a:t>Jr. Developer</a:t>
+            </a:r>
+          </a:p>
+          <a:p>
+            <a:pPr lvl="1"/>
+            <a:r>
+              <a:rPr lang="en-US" dirty="0"/>
+              <a:t>Intern</a:t>
+            </a:r>
+          </a:p>
+          <a:p>
+            <a:pPr lvl="1"/>
+            <a:r>
+              <a:rPr lang="en-US" dirty="0"/>
+              <a:t>Other</a:t>
+            </a:r>
+          </a:p>
+          <a:p>
+            <a:r>
+              <a:rPr lang="en-US" dirty="0"/>
+              <a:t>Our first session has been successful for our students, many of whom you will meet</a:t>
+            </a:r>
+          </a:p>
+          <a:p>
+            <a:r>
+              <a:rPr lang="en-US" dirty="0"/>
+              <a:t>You will learn how to learn to program</a:t>
+            </a:r>
           </a:p>
         </p:txBody>
       </p:sp>
     </p:spTree>
     <p:extLst>
       <p:ext uri="{BB962C8B-B14F-4D97-AF65-F5344CB8AC3E}">
-        <p14:creationId xmlns:p14="http://schemas.microsoft.com/office/powerpoint/2010/main" val="4273971886"/>
+        <p14:creationId xmlns:p14="http://schemas.microsoft.com/office/powerpoint/2010/main" val="4196945730"/>
       </p:ext>
     </p:extLst>
   </p:cSld>
   <p:clrMapOvr>
     <a:masterClrMapping/>
   </p:clrMapOvr>
-  <p:timing>
-    <p:tnLst>
-      <p:par>
-        <p:cTn id="1" dur="indefinite" restart="never" nodeType="tmRoot"/>
-      </p:par>
-    </p:tnLst>
-  </p:timing>
 </p:sld>
 </file>
 
@@ -6182,10 +5725,9 @@
           <a:lstStyle/>
           <a:p>
             <a:r>
-              <a:rPr lang="en-US" dirty="0" smtClean="0"/>
-              <a:t>More Exercise</a:t>
-            </a:r>
-            <a:endParaRPr lang="en-US" dirty="0"/>
+              <a:rPr lang="en-US" dirty="0"/>
+              <a:t>For Loop</a:t>
+            </a:r>
           </a:p>
         </p:txBody>
       </p:sp>
@@ -6204,54 +5746,138 @@
           <a:bodyPr/>
           <a:lstStyle/>
           <a:p>
-            <a:pPr marL="0" indent="0">
+            <a:r>
+              <a:rPr lang="en-US" dirty="0"/>
+              <a:t>For Loops are a loop that has a bit of special formatting at the beginning that lets you easily set up a counting conditional</a:t>
+            </a:r>
+          </a:p>
+          <a:p>
+            <a:pPr marL="457200" lvl="1" indent="0" fontAlgn="ctr">
               <a:buNone/>
             </a:pPr>
             <a:r>
-              <a:rPr lang="en-US" dirty="0" smtClean="0"/>
-              <a:t>Return to the birthday problem. Can you make it work for 2 users? 3?</a:t>
-            </a:r>
-          </a:p>
-          <a:p>
-            <a:r>
-              <a:rPr lang="en-US" dirty="0" smtClean="0"/>
-              <a:t>“Person 1 was born in ____ “ and “Person 2 was born in _____”</a:t>
-            </a:r>
-          </a:p>
-          <a:p>
-            <a:pPr marL="0" indent="0">
+              <a:rPr lang="en-US" dirty="0"/>
+              <a:t>for (</a:t>
+            </a:r>
+            <a:r>
+              <a:rPr lang="en-US" dirty="0" err="1"/>
+              <a:t>int</a:t>
+            </a:r>
+            <a:r>
+              <a:rPr lang="en-US" dirty="0"/>
+              <a:t> </a:t>
+            </a:r>
+            <a:r>
+              <a:rPr lang="en-US" dirty="0" err="1"/>
+              <a:t>i</a:t>
+            </a:r>
+            <a:r>
+              <a:rPr lang="en-US" dirty="0"/>
+              <a:t>; </a:t>
+            </a:r>
+            <a:r>
+              <a:rPr lang="en-US" dirty="0" err="1"/>
+              <a:t>i</a:t>
+            </a:r>
+            <a:r>
+              <a:rPr lang="en-US" dirty="0"/>
+              <a:t> &lt; 10; </a:t>
+            </a:r>
+            <a:r>
+              <a:rPr lang="en-US" dirty="0" err="1"/>
+              <a:t>i</a:t>
+            </a:r>
+            <a:r>
+              <a:rPr lang="en-US" dirty="0"/>
+              <a:t>++)</a:t>
+            </a:r>
+          </a:p>
+          <a:p>
+            <a:pPr marL="457200" lvl="1" indent="0" fontAlgn="ctr">
               <a:buNone/>
             </a:pPr>
             <a:r>
-              <a:rPr lang="en-US" dirty="0" smtClean="0"/>
-              <a:t>What about 50?</a:t>
-            </a:r>
-          </a:p>
-          <a:p>
-            <a:pPr marL="0" indent="0">
-              <a:buNone/>
-            </a:pPr>
-            <a:endParaRPr lang="en-US" dirty="0"/>
+              <a:rPr lang="en-US" dirty="0"/>
+              <a:t>{ // perform this code }</a:t>
+            </a:r>
+          </a:p>
+          <a:p>
+            <a:r>
+              <a:rPr lang="en-US" dirty="0"/>
+              <a:t>There are three parts to the for statement. The setup (</a:t>
+            </a:r>
+            <a:r>
+              <a:rPr lang="en-US" dirty="0" err="1"/>
+              <a:t>int</a:t>
+            </a:r>
+            <a:r>
+              <a:rPr lang="en-US" dirty="0"/>
+              <a:t> </a:t>
+            </a:r>
+            <a:r>
+              <a:rPr lang="en-US" dirty="0" err="1"/>
+              <a:t>i</a:t>
+            </a:r>
+            <a:r>
+              <a:rPr lang="en-US" dirty="0"/>
+              <a:t>), the conditional (</a:t>
+            </a:r>
+            <a:r>
+              <a:rPr lang="en-US" dirty="0" err="1"/>
+              <a:t>i</a:t>
+            </a:r>
+            <a:r>
+              <a:rPr lang="en-US" dirty="0"/>
+              <a:t> &lt; 10) and the iterator (</a:t>
+            </a:r>
+            <a:r>
+              <a:rPr lang="en-US" dirty="0" err="1"/>
+              <a:t>i</a:t>
+            </a:r>
+            <a:r>
+              <a:rPr lang="en-US" dirty="0"/>
+              <a:t>++)</a:t>
+            </a:r>
+          </a:p>
+          <a:p>
+            <a:pPr lvl="1"/>
+            <a:r>
+              <a:rPr lang="en-US" dirty="0"/>
+              <a:t>The setup is run once at the beginning of the statement</a:t>
+            </a:r>
+          </a:p>
+          <a:p>
+            <a:pPr lvl="1"/>
+            <a:r>
+              <a:rPr lang="en-US" dirty="0"/>
+              <a:t>The conditional is checked before the block is run</a:t>
+            </a:r>
+          </a:p>
+          <a:p>
+            <a:pPr lvl="1"/>
+            <a:r>
+              <a:rPr lang="en-US" dirty="0"/>
+              <a:t>The iterator runs each time the block of code is completed</a:t>
+            </a:r>
+          </a:p>
+          <a:p>
+            <a:r>
+              <a:rPr lang="en-US" dirty="0"/>
+              <a:t>This is a little cleaner than using a while loop for everything</a:t>
+            </a:r>
           </a:p>
         </p:txBody>
       </p:sp>
     </p:spTree>
     <p:extLst>
       <p:ext uri="{BB962C8B-B14F-4D97-AF65-F5344CB8AC3E}">
-        <p14:creationId xmlns:p14="http://schemas.microsoft.com/office/powerpoint/2010/main" val="2405895386"/>
+        <p14:creationId xmlns:p14="http://schemas.microsoft.com/office/powerpoint/2010/main" val="1213380622"/>
       </p:ext>
     </p:extLst>
   </p:cSld>
   <p:clrMapOvr>
     <a:masterClrMapping/>
   </p:clrMapOvr>
-  <p:timing>
-    <p:tnLst>
-      <p:par>
-        <p:cTn id="1" dur="indefinite" restart="never" nodeType="tmRoot"/>
-      </p:par>
-    </p:tnLst>
-  </p:timing>
 </p:sld>
 </file>
 
@@ -6288,10 +5914,9 @@
           <a:lstStyle/>
           <a:p>
             <a:r>
-              <a:rPr lang="en-US" dirty="0" smtClean="0"/>
-              <a:t>Well…that wasn’t pretty</a:t>
-            </a:r>
-            <a:endParaRPr lang="en-US" dirty="0"/>
+              <a:rPr lang="en-US" dirty="0"/>
+              <a:t>Exercise</a:t>
+            </a:r>
           </a:p>
         </p:txBody>
       </p:sp>
@@ -6307,79 +5932,93 @@
         </p:nvSpPr>
         <p:spPr/>
         <p:txBody>
-          <a:bodyPr/>
-          <a:lstStyle/>
-          <a:p>
-            <a:r>
-              <a:rPr lang="en-US" dirty="0" smtClean="0"/>
-              <a:t>For limited numbers of items, you can do things like this</a:t>
-            </a:r>
-          </a:p>
-          <a:p>
-            <a:pPr lvl="1"/>
-            <a:r>
-              <a:rPr lang="en-US" dirty="0" err="1" smtClean="0"/>
-              <a:t>Var</a:t>
-            </a:r>
-            <a:r>
-              <a:rPr lang="en-US" dirty="0" smtClean="0"/>
-              <a:t> Person1</a:t>
-            </a:r>
-          </a:p>
-          <a:p>
-            <a:pPr lvl="1"/>
-            <a:r>
-              <a:rPr lang="en-US" dirty="0" err="1" smtClean="0"/>
-              <a:t>Var</a:t>
-            </a:r>
-            <a:r>
-              <a:rPr lang="en-US" dirty="0" smtClean="0"/>
-              <a:t> Person2</a:t>
-            </a:r>
-          </a:p>
-          <a:p>
-            <a:pPr lvl="1"/>
-            <a:r>
-              <a:rPr lang="en-US" dirty="0" err="1" smtClean="0"/>
-              <a:t>Var</a:t>
-            </a:r>
-            <a:r>
-              <a:rPr lang="en-US" dirty="0" smtClean="0"/>
-              <a:t> Person3</a:t>
-            </a:r>
-          </a:p>
-          <a:p>
-            <a:r>
-              <a:rPr lang="en-US" dirty="0" smtClean="0"/>
-              <a:t>There are some inherent issues here:</a:t>
-            </a:r>
-          </a:p>
-          <a:p>
-            <a:pPr lvl="1"/>
-            <a:r>
-              <a:rPr lang="en-US" dirty="0" smtClean="0"/>
-              <a:t>Scaling – your program can only do as many as you hard code in</a:t>
-            </a:r>
-          </a:p>
-          <a:p>
-            <a:pPr lvl="1"/>
-            <a:r>
-              <a:rPr lang="en-US" dirty="0" smtClean="0"/>
-              <a:t>As you add more, code becomes harder to read and fix</a:t>
-            </a:r>
-          </a:p>
-          <a:p>
-            <a:pPr lvl="1"/>
-            <a:r>
-              <a:rPr lang="en-US" dirty="0" smtClean="0"/>
-              <a:t>Non-Dry Code: each block of code must be copied for each individual variable</a:t>
-            </a:r>
-          </a:p>
-          <a:p>
-            <a:r>
-              <a:rPr lang="en-US" dirty="0" smtClean="0"/>
-              <a:t>Obviously there is a better way</a:t>
-            </a:r>
+          <a:bodyPr>
+            <a:normAutofit/>
+          </a:bodyPr>
+          <a:lstStyle/>
+          <a:p>
+            <a:pPr fontAlgn="ctr"/>
+            <a:r>
+              <a:rPr lang="en-US" dirty="0"/>
+              <a:t>Can you write a loop that doesn't count by ones?</a:t>
+            </a:r>
+          </a:p>
+          <a:p>
+            <a:pPr fontAlgn="ctr"/>
+            <a:r>
+              <a:rPr lang="en-US" dirty="0"/>
+              <a:t>What about one that loops backward?</a:t>
+            </a:r>
+          </a:p>
+          <a:p>
+            <a:r>
+              <a:rPr lang="en-US" dirty="0" err="1"/>
+              <a:t>FizzBuzz</a:t>
+            </a:r>
+            <a:r>
+              <a:rPr lang="en-US" dirty="0"/>
+              <a:t>:</a:t>
+            </a:r>
+          </a:p>
+          <a:p>
+            <a:pPr lvl="1" fontAlgn="ctr"/>
+            <a:r>
+              <a:rPr lang="en-US" dirty="0"/>
+              <a:t>Print the numbers 1-100</a:t>
+            </a:r>
+          </a:p>
+          <a:p>
+            <a:pPr lvl="1" fontAlgn="ctr"/>
+            <a:r>
+              <a:rPr lang="en-US" dirty="0"/>
+              <a:t>If the number is a multiple of 3, instead of the number, print “fizz”</a:t>
+            </a:r>
+          </a:p>
+          <a:p>
+            <a:pPr lvl="1" fontAlgn="ctr"/>
+            <a:r>
+              <a:rPr lang="en-US" dirty="0"/>
+              <a:t>If the number is a multiple of 5, instead of the number, print “buzz”</a:t>
+            </a:r>
+          </a:p>
+          <a:p>
+            <a:pPr lvl="1" fontAlgn="ctr"/>
+            <a:r>
+              <a:rPr lang="en-US" dirty="0"/>
+              <a:t>If the number is a multiple of both, print “</a:t>
+            </a:r>
+            <a:r>
+              <a:rPr lang="en-US" dirty="0" err="1"/>
+              <a:t>fizzbuzz</a:t>
+            </a:r>
+            <a:r>
+              <a:rPr lang="en-US" dirty="0"/>
+              <a:t>”</a:t>
+            </a:r>
+          </a:p>
+          <a:p>
+            <a:pPr fontAlgn="ctr"/>
+            <a:r>
+              <a:rPr lang="en-US" dirty="0"/>
+              <a:t>Let's do </a:t>
+            </a:r>
+            <a:r>
+              <a:rPr lang="en-US" dirty="0" err="1"/>
+              <a:t>fizzbuzz</a:t>
+            </a:r>
+            <a:r>
+              <a:rPr lang="en-US" dirty="0"/>
+              <a:t> and make it work</a:t>
+            </a:r>
+          </a:p>
+          <a:p>
+            <a:pPr fontAlgn="ctr"/>
+            <a:r>
+              <a:rPr lang="en-US" dirty="0"/>
+              <a:t>This is a test that is still regularly used in programming tests</a:t>
+            </a:r>
+          </a:p>
+          <a:p>
             <a:endParaRPr lang="en-US" dirty="0"/>
           </a:p>
         </p:txBody>
@@ -6387,20 +6026,13 @@
     </p:spTree>
     <p:extLst>
       <p:ext uri="{BB962C8B-B14F-4D97-AF65-F5344CB8AC3E}">
-        <p14:creationId xmlns:p14="http://schemas.microsoft.com/office/powerpoint/2010/main" val="2768694916"/>
+        <p14:creationId xmlns:p14="http://schemas.microsoft.com/office/powerpoint/2010/main" val="1613013352"/>
       </p:ext>
     </p:extLst>
   </p:cSld>
   <p:clrMapOvr>
     <a:masterClrMapping/>
   </p:clrMapOvr>
-  <p:timing>
-    <p:tnLst>
-      <p:par>
-        <p:cTn id="1" dur="indefinite" restart="never" nodeType="tmRoot"/>
-      </p:par>
-    </p:tnLst>
-  </p:timing>
 </p:sld>
 </file>
 
@@ -6437,118 +6069,68 @@
           <a:lstStyle/>
           <a:p>
             <a:r>
-              <a:rPr lang="en-US" dirty="0" smtClean="0"/>
-              <a:t>Arrays</a:t>
-            </a:r>
+              <a:rPr lang="en-US" dirty="0"/>
+              <a:t>More Exercise</a:t>
+            </a:r>
+          </a:p>
+        </p:txBody>
+      </p:sp>
+      <p:sp>
+        <p:nvSpPr>
+          <p:cNvPr id="3" name="Content Placeholder 2"/>
+          <p:cNvSpPr>
+            <a:spLocks noGrp="1"/>
+          </p:cNvSpPr>
+          <p:nvPr>
+            <p:ph idx="1"/>
+          </p:nvPr>
+        </p:nvSpPr>
+        <p:spPr/>
+        <p:txBody>
+          <a:bodyPr/>
+          <a:lstStyle/>
+          <a:p>
+            <a:pPr marL="0" indent="0">
+              <a:buNone/>
+            </a:pPr>
+            <a:r>
+              <a:rPr lang="en-US" dirty="0"/>
+              <a:t>Return to the birthday problem. Can you make it work for 2 users? 3?</a:t>
+            </a:r>
+          </a:p>
+          <a:p>
+            <a:r>
+              <a:rPr lang="en-US" dirty="0"/>
+              <a:t>“Person 1 was born in ____ “ and “Person 2 was born in _____”</a:t>
+            </a:r>
+          </a:p>
+          <a:p>
+            <a:pPr marL="0" indent="0">
+              <a:buNone/>
+            </a:pPr>
+            <a:r>
+              <a:rPr lang="en-US" dirty="0"/>
+              <a:t>What about 50?</a:t>
+            </a:r>
+          </a:p>
+          <a:p>
+            <a:pPr marL="0" indent="0">
+              <a:buNone/>
+            </a:pPr>
             <a:endParaRPr lang="en-US" dirty="0"/>
-          </a:p>
-        </p:txBody>
-      </p:sp>
-      <p:sp>
-        <p:nvSpPr>
-          <p:cNvPr id="3" name="Content Placeholder 2"/>
-          <p:cNvSpPr>
-            <a:spLocks noGrp="1"/>
-          </p:cNvSpPr>
-          <p:nvPr>
-            <p:ph idx="1"/>
-          </p:nvPr>
-        </p:nvSpPr>
-        <p:spPr/>
-        <p:txBody>
-          <a:bodyPr/>
-          <a:lstStyle/>
-          <a:p>
-            <a:r>
-              <a:rPr lang="en-US" dirty="0"/>
-              <a:t>Arrays allow for a list or collection of items to be named under the </a:t>
-            </a:r>
-            <a:r>
-              <a:rPr lang="en-US"/>
-              <a:t>same </a:t>
-            </a:r>
-            <a:r>
-              <a:rPr lang="en-US" smtClean="0"/>
-              <a:t>identifier. </a:t>
-            </a:r>
-            <a:r>
-              <a:rPr lang="en-US" dirty="0"/>
-              <a:t>Each item in the list is then referenced by number.</a:t>
-            </a:r>
-          </a:p>
-          <a:p>
-            <a:pPr lvl="1"/>
-            <a:r>
-              <a:rPr lang="en-US" dirty="0"/>
-              <a:t>String[] </a:t>
-            </a:r>
-            <a:r>
-              <a:rPr lang="en-US" dirty="0" err="1"/>
-              <a:t>someString</a:t>
-            </a:r>
-            <a:r>
-              <a:rPr lang="en-US" dirty="0"/>
-              <a:t> = { “First one”, “Second One”, “Third One” }</a:t>
-            </a:r>
-          </a:p>
-          <a:p>
-            <a:pPr lvl="1"/>
-            <a:r>
-              <a:rPr lang="en-US" dirty="0" err="1"/>
-              <a:t>Console.WriteLine</a:t>
-            </a:r>
-            <a:r>
-              <a:rPr lang="en-US" dirty="0"/>
-              <a:t>(</a:t>
-            </a:r>
-            <a:r>
-              <a:rPr lang="en-US" dirty="0" err="1"/>
-              <a:t>someString</a:t>
-            </a:r>
-            <a:r>
-              <a:rPr lang="en-US" dirty="0"/>
-              <a:t>[1]); // what will print? (semi-trick question)</a:t>
-            </a:r>
-          </a:p>
-          <a:p>
-            <a:r>
-              <a:rPr lang="en-US" dirty="0"/>
-              <a:t>The references can be a separate variable, such as the </a:t>
-            </a:r>
-            <a:r>
-              <a:rPr lang="en-US" dirty="0" err="1"/>
-              <a:t>i</a:t>
-            </a:r>
-            <a:r>
-              <a:rPr lang="en-US" dirty="0"/>
-              <a:t> you are using to go through a for loop.</a:t>
-            </a:r>
-          </a:p>
-          <a:p>
-            <a:r>
-              <a:rPr lang="en-US" dirty="0"/>
-              <a:t>Now, you can loop through a lot of variables with the exact same code</a:t>
-            </a:r>
           </a:p>
         </p:txBody>
       </p:sp>
     </p:spTree>
     <p:extLst>
       <p:ext uri="{BB962C8B-B14F-4D97-AF65-F5344CB8AC3E}">
-        <p14:creationId xmlns:p14="http://schemas.microsoft.com/office/powerpoint/2010/main" val="3306674978"/>
+        <p14:creationId xmlns:p14="http://schemas.microsoft.com/office/powerpoint/2010/main" val="2405895386"/>
       </p:ext>
     </p:extLst>
   </p:cSld>
   <p:clrMapOvr>
     <a:masterClrMapping/>
   </p:clrMapOvr>
-  <p:timing>
-    <p:tnLst>
-      <p:par>
-        <p:cTn id="1" dur="indefinite" restart="never" nodeType="tmRoot"/>
-      </p:par>
-    </p:tnLst>
-  </p:timing>
 </p:sld>
 </file>
 
@@ -6585,10 +6167,9 @@
           <a:lstStyle/>
           <a:p>
             <a:r>
-              <a:rPr lang="en-US" dirty="0" smtClean="0"/>
-              <a:t>Visual Concept of Arrays</a:t>
-            </a:r>
-            <a:endParaRPr lang="en-US" dirty="0"/>
+              <a:rPr lang="en-US" dirty="0"/>
+              <a:t>Well…that wasn’t pretty</a:t>
+            </a:r>
           </a:p>
         </p:txBody>
       </p:sp>
@@ -6608,30 +6189,88 @@
           <a:lstStyle/>
           <a:p>
             <a:r>
-              <a:rPr lang="en-US" dirty="0" smtClean="0"/>
-              <a:t>Let’s go play with some blocks for a moment</a:t>
-            </a:r>
-            <a:endParaRPr lang="en-US" dirty="0"/>
+              <a:rPr lang="en-US" dirty="0"/>
+              <a:t>For limited numbers of items, you can do things like this</a:t>
+            </a:r>
+          </a:p>
+          <a:p>
+            <a:pPr lvl="1"/>
+            <a:r>
+              <a:rPr lang="en-US" dirty="0" err="1"/>
+              <a:t>Var</a:t>
+            </a:r>
+            <a:r>
+              <a:rPr lang="en-US" dirty="0"/>
+              <a:t> Person1</a:t>
+            </a:r>
+          </a:p>
+          <a:p>
+            <a:pPr lvl="1"/>
+            <a:r>
+              <a:rPr lang="en-US" dirty="0" err="1"/>
+              <a:t>Var</a:t>
+            </a:r>
+            <a:r>
+              <a:rPr lang="en-US" dirty="0"/>
+              <a:t> Person2</a:t>
+            </a:r>
+          </a:p>
+          <a:p>
+            <a:pPr lvl="1"/>
+            <a:r>
+              <a:rPr lang="en-US" dirty="0" err="1"/>
+              <a:t>Var</a:t>
+            </a:r>
+            <a:r>
+              <a:rPr lang="en-US" dirty="0"/>
+              <a:t> Person3</a:t>
+            </a:r>
+          </a:p>
+          <a:p>
+            <a:r>
+              <a:rPr lang="en-US" dirty="0"/>
+              <a:t>There are some inherent issues here:</a:t>
+            </a:r>
+          </a:p>
+          <a:p>
+            <a:pPr lvl="1"/>
+            <a:r>
+              <a:rPr lang="en-US" dirty="0"/>
+              <a:t>Scaling – your program can only do as many as you hard code in</a:t>
+            </a:r>
+          </a:p>
+          <a:p>
+            <a:pPr lvl="1"/>
+            <a:r>
+              <a:rPr lang="en-US" dirty="0"/>
+              <a:t>As you add more, code becomes harder to read and fix</a:t>
+            </a:r>
+          </a:p>
+          <a:p>
+            <a:pPr lvl="1"/>
+            <a:r>
+              <a:rPr lang="en-US" dirty="0"/>
+              <a:t>Non-Dry Code: each block of code must be copied for each individual variable</a:t>
+            </a:r>
+          </a:p>
+          <a:p>
+            <a:r>
+              <a:rPr lang="en-US" dirty="0"/>
+              <a:t>Obviously there is a better way</a:t>
+            </a:r>
           </a:p>
         </p:txBody>
       </p:sp>
     </p:spTree>
     <p:extLst>
       <p:ext uri="{BB962C8B-B14F-4D97-AF65-F5344CB8AC3E}">
-        <p14:creationId xmlns:p14="http://schemas.microsoft.com/office/powerpoint/2010/main" val="1651731348"/>
+        <p14:creationId xmlns:p14="http://schemas.microsoft.com/office/powerpoint/2010/main" val="2768694916"/>
       </p:ext>
     </p:extLst>
   </p:cSld>
   <p:clrMapOvr>
     <a:masterClrMapping/>
   </p:clrMapOvr>
-  <p:timing>
-    <p:tnLst>
-      <p:par>
-        <p:cTn id="1" dur="indefinite" restart="never" nodeType="tmRoot"/>
-      </p:par>
-    </p:tnLst>
-  </p:timing>
 </p:sld>
 </file>
 
@@ -6668,10 +6307,9 @@
           <a:lstStyle/>
           <a:p>
             <a:r>
-              <a:rPr lang="en-US" dirty="0" smtClean="0"/>
-              <a:t>Other Array Bits</a:t>
-            </a:r>
-            <a:endParaRPr lang="en-US" dirty="0"/>
+              <a:rPr lang="en-US" dirty="0"/>
+              <a:t>Arrays</a:t>
+            </a:r>
           </a:p>
         </p:txBody>
       </p:sp>
@@ -6691,58 +6329,84 @@
           <a:lstStyle/>
           <a:p>
             <a:r>
-              <a:rPr lang="en-US" dirty="0" smtClean="0"/>
-              <a:t>Arrays can be multi-dimensional: string[][]</a:t>
-            </a:r>
-          </a:p>
-          <a:p>
-            <a:r>
-              <a:rPr lang="en-US" dirty="0" smtClean="0"/>
-              <a:t>When using the [] notation, you are telling C# that this array will only have a single type</a:t>
-            </a:r>
-          </a:p>
-          <a:p>
-            <a:pPr lvl="1"/>
-            <a:r>
-              <a:rPr lang="en-US" dirty="0" smtClean="0"/>
-              <a:t>It is possible to have mixed arrays/collections</a:t>
-            </a:r>
-          </a:p>
-          <a:p>
-            <a:pPr lvl="1"/>
-            <a:r>
-              <a:rPr lang="en-US" dirty="0" smtClean="0"/>
-              <a:t>We will cover this but not yet</a:t>
-            </a:r>
-          </a:p>
-          <a:p>
-            <a:r>
-              <a:rPr lang="en-US" dirty="0" smtClean="0"/>
-              <a:t>There are other objects that work enough like arrays as to be mostly interchangeable – we will cover these soon</a:t>
-            </a:r>
-          </a:p>
-          <a:p>
-            <a:endParaRPr lang="en-US" dirty="0" smtClean="0"/>
+              <a:rPr lang="en-US" dirty="0"/>
+              <a:t>Arrays allow for a list or collection of items to be named under the </a:t>
+            </a:r>
+            <a:r>
+              <a:rPr lang="en-US"/>
+              <a:t>same identifier. </a:t>
+            </a:r>
+            <a:r>
+              <a:rPr lang="en-US" dirty="0"/>
+              <a:t>Each item in the list is then referenced by number.</a:t>
+            </a:r>
+          </a:p>
+          <a:p>
+            <a:pPr lvl="1"/>
+            <a:r>
+              <a:rPr lang="en-US" dirty="0"/>
+              <a:t>String[] </a:t>
+            </a:r>
+            <a:r>
+              <a:rPr lang="en-US" dirty="0" err="1"/>
+              <a:t>someString</a:t>
+            </a:r>
+            <a:r>
+              <a:rPr lang="en-US" dirty="0"/>
+              <a:t> = { “First one”, “Second One”, “Third One” }</a:t>
+            </a:r>
+          </a:p>
+          <a:p>
+            <a:pPr lvl="1"/>
+            <a:r>
+              <a:rPr lang="en-US" dirty="0" err="1"/>
+              <a:t>Console.WriteLine</a:t>
+            </a:r>
+            <a:r>
+              <a:rPr lang="en-US" dirty="0"/>
+              <a:t>(</a:t>
+            </a:r>
+            <a:r>
+              <a:rPr lang="en-US" dirty="0" err="1"/>
+              <a:t>someString</a:t>
+            </a:r>
+            <a:r>
+              <a:rPr lang="en-US" dirty="0"/>
+              <a:t>[1]); // what will print? (semi-trick question)</a:t>
+            </a:r>
+          </a:p>
+          <a:p>
+            <a:r>
+              <a:rPr lang="en-US" dirty="0"/>
+              <a:t>The references can be a separate variable, such as the </a:t>
+            </a:r>
+            <a:r>
+              <a:rPr lang="en-US" dirty="0" err="1"/>
+              <a:t>i</a:t>
+            </a:r>
+            <a:r>
+              <a:rPr lang="en-US" dirty="0"/>
+              <a:t> you are using to go through a for loop.</a:t>
+            </a:r>
+          </a:p>
+          <a:p>
+            <a:r>
+              <a:rPr lang="en-US" dirty="0"/>
+              <a:t>Now, you can loop through a lot of variables with the exact same code</a:t>
+            </a:r>
           </a:p>
         </p:txBody>
       </p:sp>
     </p:spTree>
     <p:extLst>
       <p:ext uri="{BB962C8B-B14F-4D97-AF65-F5344CB8AC3E}">
-        <p14:creationId xmlns:p14="http://schemas.microsoft.com/office/powerpoint/2010/main" val="2886529965"/>
+        <p14:creationId xmlns:p14="http://schemas.microsoft.com/office/powerpoint/2010/main" val="3306674978"/>
       </p:ext>
     </p:extLst>
   </p:cSld>
   <p:clrMapOvr>
     <a:masterClrMapping/>
   </p:clrMapOvr>
-  <p:timing>
-    <p:tnLst>
-      <p:par>
-        <p:cTn id="1" dur="indefinite" restart="never" nodeType="tmRoot"/>
-      </p:par>
-    </p:tnLst>
-  </p:timing>
 </p:sld>
 </file>
 
@@ -6779,10 +6443,9 @@
           <a:lstStyle/>
           <a:p>
             <a:r>
-              <a:rPr lang="en-US" dirty="0" smtClean="0"/>
-              <a:t>Exercises</a:t>
-            </a:r>
-            <a:endParaRPr lang="en-US" dirty="0"/>
+              <a:rPr lang="en-US" dirty="0"/>
+              <a:t>Visual Concept of Arrays</a:t>
+            </a:r>
           </a:p>
         </p:txBody>
       </p:sp>
@@ -6802,51 +6465,22 @@
           <a:lstStyle/>
           <a:p>
             <a:r>
-              <a:rPr lang="en-US" dirty="0" smtClean="0"/>
-              <a:t>Messaging System</a:t>
-            </a:r>
-          </a:p>
-          <a:p>
-            <a:pPr lvl="1"/>
-            <a:r>
-              <a:rPr lang="en-US" dirty="0" smtClean="0"/>
-              <a:t>Make a system that allows you to either a) save a message or b) retrieve a message</a:t>
-            </a:r>
-          </a:p>
-          <a:p>
-            <a:pPr lvl="2"/>
-            <a:r>
-              <a:rPr lang="en-US" dirty="0" smtClean="0"/>
-              <a:t>When saving, return a # that the user can use to retrieve a message</a:t>
-            </a:r>
-          </a:p>
-          <a:p>
-            <a:pPr lvl="2"/>
-            <a:r>
-              <a:rPr lang="en-US" dirty="0" smtClean="0"/>
-              <a:t>When retrieving, allow a user to put in a # to see the message saved</a:t>
-            </a:r>
-            <a:endParaRPr lang="en-US" dirty="0"/>
+              <a:rPr lang="en-US" dirty="0"/>
+              <a:t>Let’s go play with some blocks for a moment</a:t>
+            </a:r>
           </a:p>
         </p:txBody>
       </p:sp>
     </p:spTree>
     <p:extLst>
       <p:ext uri="{BB962C8B-B14F-4D97-AF65-F5344CB8AC3E}">
-        <p14:creationId xmlns:p14="http://schemas.microsoft.com/office/powerpoint/2010/main" val="1674474070"/>
+        <p14:creationId xmlns:p14="http://schemas.microsoft.com/office/powerpoint/2010/main" val="1651731348"/>
       </p:ext>
     </p:extLst>
   </p:cSld>
   <p:clrMapOvr>
     <a:masterClrMapping/>
   </p:clrMapOvr>
-  <p:timing>
-    <p:tnLst>
-      <p:par>
-        <p:cTn id="1" dur="indefinite" restart="never" nodeType="tmRoot"/>
-      </p:par>
-    </p:tnLst>
-  </p:timing>
 </p:sld>
 </file>
 
@@ -6883,10 +6517,9 @@
           <a:lstStyle/>
           <a:p>
             <a:r>
-              <a:rPr lang="en-US" dirty="0" smtClean="0"/>
-              <a:t>Functions</a:t>
-            </a:r>
-            <a:endParaRPr lang="en-US" dirty="0"/>
+              <a:rPr lang="en-US" dirty="0"/>
+              <a:t>Other Array Bits</a:t>
+            </a:r>
           </a:p>
         </p:txBody>
       </p:sp>
@@ -6907,35 +6540,34 @@
           <a:p>
             <a:r>
               <a:rPr lang="en-US" dirty="0"/>
-              <a:t>A function is a block of code that can be called with a single line from another block of code. </a:t>
-            </a:r>
-            <a:endParaRPr lang="en-US" dirty="0" smtClean="0"/>
-          </a:p>
-          <a:p>
-            <a:r>
-              <a:rPr lang="en-US" dirty="0" smtClean="0"/>
-              <a:t>Functions </a:t>
-            </a:r>
-            <a:r>
-              <a:rPr lang="en-US" dirty="0"/>
-              <a:t>can take in a number of parameters (including none) and can but doesn't have to return a value. </a:t>
-            </a:r>
-            <a:endParaRPr lang="en-US" dirty="0" smtClean="0"/>
-          </a:p>
-          <a:p>
-            <a:r>
-              <a:rPr lang="en-US" dirty="0" smtClean="0"/>
-              <a:t>Within </a:t>
-            </a:r>
-            <a:r>
-              <a:rPr lang="en-US" dirty="0"/>
-              <a:t>C#, you must declare the </a:t>
-            </a:r>
-            <a:r>
-              <a:rPr lang="en-US" dirty="0" smtClean="0"/>
-              <a:t>function before using it.</a:t>
-            </a:r>
-            <a:endParaRPr lang="en-US" dirty="0"/>
+              <a:t>Arrays can be multi-dimensional: string[][]</a:t>
+            </a:r>
+          </a:p>
+          <a:p>
+            <a:r>
+              <a:rPr lang="en-US" dirty="0"/>
+              <a:t>When using the [] notation, you are telling C# that this array will only have a single type</a:t>
+            </a:r>
+          </a:p>
+          <a:p>
+            <a:pPr lvl="1"/>
+            <a:r>
+              <a:rPr lang="en-US" dirty="0"/>
+              <a:t>It is possible to have mixed arrays/collections</a:t>
+            </a:r>
+          </a:p>
+          <a:p>
+            <a:pPr lvl="1"/>
+            <a:r>
+              <a:rPr lang="en-US" dirty="0"/>
+              <a:t>We will cover this but not yet</a:t>
+            </a:r>
+          </a:p>
+          <a:p>
+            <a:r>
+              <a:rPr lang="en-US" dirty="0"/>
+              <a:t>There are other objects that work enough like arrays as to be mostly interchangeable – we will cover these soon</a:t>
+            </a:r>
           </a:p>
           <a:p>
             <a:endParaRPr lang="en-US" dirty="0"/>
@@ -6945,20 +6577,13 @@
     </p:spTree>
     <p:extLst>
       <p:ext uri="{BB962C8B-B14F-4D97-AF65-F5344CB8AC3E}">
-        <p14:creationId xmlns:p14="http://schemas.microsoft.com/office/powerpoint/2010/main" val="4013525080"/>
+        <p14:creationId xmlns:p14="http://schemas.microsoft.com/office/powerpoint/2010/main" val="2886529965"/>
       </p:ext>
     </p:extLst>
   </p:cSld>
   <p:clrMapOvr>
     <a:masterClrMapping/>
   </p:clrMapOvr>
-  <p:timing>
-    <p:tnLst>
-      <p:par>
-        <p:cTn id="1" dur="indefinite" restart="never" nodeType="tmRoot"/>
-      </p:par>
-    </p:tnLst>
-  </p:timing>
 </p:sld>
 </file>
 
@@ -6995,10 +6620,9 @@
           <a:lstStyle/>
           <a:p>
             <a:r>
-              <a:rPr lang="en-US" dirty="0" smtClean="0"/>
-              <a:t>Syntax</a:t>
-            </a:r>
-            <a:endParaRPr lang="en-US" dirty="0"/>
+              <a:rPr lang="en-US" dirty="0"/>
+              <a:t>Exercises</a:t>
+            </a:r>
           </a:p>
         </p:txBody>
       </p:sp>
@@ -7018,83 +6642,37 @@
           <a:lstStyle/>
           <a:p>
             <a:r>
-              <a:rPr lang="en-US" dirty="0" smtClean="0"/>
-              <a:t>To declare:</a:t>
-            </a:r>
-          </a:p>
-          <a:p>
-            <a:pPr lvl="1"/>
-            <a:r>
-              <a:rPr lang="en-US" dirty="0" smtClean="0"/>
-              <a:t>String </a:t>
-            </a:r>
-            <a:r>
-              <a:rPr lang="en-US" dirty="0" err="1" smtClean="0"/>
-              <a:t>SomeFunction</a:t>
-            </a:r>
-            <a:r>
-              <a:rPr lang="en-US" dirty="0" smtClean="0"/>
-              <a:t>(string a, string b) { // code }</a:t>
-            </a:r>
-          </a:p>
-          <a:p>
-            <a:r>
-              <a:rPr lang="en-US" dirty="0" smtClean="0"/>
-              <a:t>To Use:</a:t>
-            </a:r>
-          </a:p>
-          <a:p>
-            <a:pPr lvl="1"/>
-            <a:r>
-              <a:rPr lang="en-US" dirty="0" err="1" smtClean="0"/>
-              <a:t>SomeFunction</a:t>
-            </a:r>
-            <a:r>
-              <a:rPr lang="en-US" dirty="0" smtClean="0"/>
-              <a:t>(x, y);</a:t>
-            </a:r>
-          </a:p>
-          <a:p>
-            <a:pPr lvl="1"/>
-            <a:r>
-              <a:rPr lang="en-US" dirty="0" smtClean="0"/>
-              <a:t>Z = </a:t>
-            </a:r>
-            <a:r>
-              <a:rPr lang="en-US" dirty="0" err="1" smtClean="0"/>
-              <a:t>SomeFunction</a:t>
-            </a:r>
-            <a:r>
-              <a:rPr lang="en-US" dirty="0" smtClean="0"/>
-              <a:t>(x, y);</a:t>
-            </a:r>
-          </a:p>
-          <a:p>
-            <a:pPr lvl="1"/>
-            <a:r>
-              <a:rPr lang="en-US" dirty="0" err="1" smtClean="0"/>
-              <a:t>Console.WriteLine</a:t>
-            </a:r>
-            <a:r>
-              <a:rPr lang="en-US" dirty="0" smtClean="0"/>
-              <a:t>(</a:t>
-            </a:r>
-            <a:r>
-              <a:rPr lang="en-US" dirty="0" err="1" smtClean="0"/>
-              <a:t>SomeFunction</a:t>
-            </a:r>
-            <a:r>
-              <a:rPr lang="en-US" dirty="0" smtClean="0"/>
-              <a:t>(x, y));</a:t>
-            </a:r>
-            <a:endParaRPr lang="en-US" dirty="0"/>
+              <a:rPr lang="en-US" dirty="0"/>
+              <a:t>Messaging System</a:t>
+            </a:r>
+          </a:p>
+          <a:p>
+            <a:pPr lvl="1"/>
+            <a:r>
+              <a:rPr lang="en-US" dirty="0"/>
+              <a:t>Make a system that allows you to either a) save a message or b) retrieve a message</a:t>
+            </a:r>
+          </a:p>
+          <a:p>
+            <a:pPr lvl="2"/>
+            <a:r>
+              <a:rPr lang="en-US" dirty="0"/>
+              <a:t>When saving, return a # that the user can use to retrieve a message</a:t>
+            </a:r>
+          </a:p>
+          <a:p>
+            <a:pPr lvl="2"/>
+            <a:r>
+              <a:rPr lang="en-US" dirty="0"/>
+              <a:t>When retrieving, allow a user to put in a # to see the message saved</a:t>
+            </a:r>
           </a:p>
         </p:txBody>
       </p:sp>
     </p:spTree>
     <p:extLst>
       <p:ext uri="{BB962C8B-B14F-4D97-AF65-F5344CB8AC3E}">
-        <p14:creationId xmlns:p14="http://schemas.microsoft.com/office/powerpoint/2010/main" val="221460350"/>
+        <p14:creationId xmlns:p14="http://schemas.microsoft.com/office/powerpoint/2010/main" val="1674474070"/>
       </p:ext>
     </p:extLst>
   </p:cSld>
@@ -7137,10 +6715,9 @@
           <a:lstStyle/>
           <a:p>
             <a:r>
-              <a:rPr lang="en-US" dirty="0" smtClean="0"/>
-              <a:t>Built In Functions</a:t>
-            </a:r>
-            <a:endParaRPr lang="en-US" dirty="0"/>
+              <a:rPr lang="en-US" dirty="0"/>
+              <a:t>Functions</a:t>
+            </a:r>
           </a:p>
         </p:txBody>
       </p:sp>
@@ -7160,120 +6737,23 @@
           <a:lstStyle/>
           <a:p>
             <a:r>
-              <a:rPr lang="en-US" dirty="0" smtClean="0"/>
-              <a:t>Reading in a file:</a:t>
-            </a:r>
-          </a:p>
-          <a:p>
-            <a:pPr lvl="1"/>
-            <a:r>
-              <a:rPr lang="en-US" dirty="0" smtClean="0"/>
-              <a:t>All of a file, all at once:</a:t>
-            </a:r>
-          </a:p>
-          <a:p>
-            <a:pPr lvl="2"/>
-            <a:r>
-              <a:rPr lang="en-US" dirty="0" smtClean="0"/>
-              <a:t>string </a:t>
-            </a:r>
-            <a:r>
-              <a:rPr lang="en-US" dirty="0"/>
-              <a:t>text = </a:t>
-            </a:r>
-            <a:r>
-              <a:rPr lang="en-US" dirty="0" err="1"/>
-              <a:t>System.IO.File.ReadAllText</a:t>
-            </a:r>
-            <a:r>
-              <a:rPr lang="en-US" dirty="0"/>
-              <a:t>(@"C</a:t>
-            </a:r>
-            <a:r>
-              <a:rPr lang="en-US" dirty="0" smtClean="0"/>
-              <a:t>:\WriteText.txt");</a:t>
-            </a:r>
-          </a:p>
-          <a:p>
-            <a:pPr lvl="1"/>
-            <a:r>
-              <a:rPr lang="en-US" dirty="0" smtClean="0"/>
-              <a:t>One line at a time:</a:t>
-            </a:r>
-          </a:p>
-          <a:p>
-            <a:pPr lvl="2"/>
-            <a:r>
-              <a:rPr lang="en-US" dirty="0" err="1"/>
-              <a:t>System.IO.StreamReader</a:t>
-            </a:r>
-            <a:r>
-              <a:rPr lang="en-US" dirty="0"/>
-              <a:t> file = </a:t>
-            </a:r>
-          </a:p>
-          <a:p>
-            <a:pPr lvl="2"/>
-            <a:r>
-              <a:rPr lang="en-US" dirty="0"/>
-              <a:t>   new </a:t>
-            </a:r>
-            <a:r>
-              <a:rPr lang="en-US" dirty="0" err="1"/>
-              <a:t>System.IO.StreamReader</a:t>
-            </a:r>
-            <a:r>
-              <a:rPr lang="en-US" dirty="0"/>
-              <a:t>("c:\\test.txt");</a:t>
-            </a:r>
-          </a:p>
-          <a:p>
-            <a:pPr lvl="2"/>
-            <a:r>
-              <a:rPr lang="en-US" dirty="0"/>
-              <a:t>while((line = </a:t>
-            </a:r>
-            <a:r>
-              <a:rPr lang="en-US" dirty="0" err="1"/>
-              <a:t>file.ReadLine</a:t>
-            </a:r>
-            <a:r>
-              <a:rPr lang="en-US" dirty="0"/>
-              <a:t>()) != null)</a:t>
-            </a:r>
-          </a:p>
-          <a:p>
-            <a:pPr lvl="2"/>
-            <a:r>
-              <a:rPr lang="en-US" dirty="0"/>
-              <a:t>{</a:t>
-            </a:r>
-          </a:p>
-          <a:p>
-            <a:pPr lvl="2"/>
-            <a:r>
-              <a:rPr lang="en-US" dirty="0"/>
-              <a:t>   </a:t>
-            </a:r>
-            <a:r>
-              <a:rPr lang="en-US" dirty="0" smtClean="0"/>
-              <a:t>// your code such as </a:t>
-            </a:r>
-            <a:r>
-              <a:rPr lang="en-US" dirty="0" err="1" smtClean="0"/>
-              <a:t>Console.WriteLine</a:t>
-            </a:r>
-            <a:r>
-              <a:rPr lang="en-US" dirty="0" smtClean="0"/>
-              <a:t>(line);</a:t>
-            </a:r>
-          </a:p>
-          <a:p>
-            <a:pPr lvl="2"/>
-            <a:r>
-              <a:rPr lang="en-US" dirty="0" smtClean="0"/>
-              <a:t>}</a:t>
-            </a:r>
+              <a:rPr lang="en-US" dirty="0"/>
+              <a:t>A function is a block of code that can be called with a single line from another block of code. </a:t>
+            </a:r>
+          </a:p>
+          <a:p>
+            <a:r>
+              <a:rPr lang="en-US" dirty="0"/>
+              <a:t>Functions can take in a number of parameters (including none) and can but doesn't have to return a value. </a:t>
+            </a:r>
+          </a:p>
+          <a:p>
+            <a:r>
+              <a:rPr lang="en-US" dirty="0"/>
+              <a:t>Within C#, you must declare the function before using it.</a:t>
+            </a:r>
+          </a:p>
+          <a:p>
             <a:endParaRPr lang="en-US" dirty="0"/>
           </a:p>
         </p:txBody>
@@ -7281,7 +6761,7 @@
     </p:spTree>
     <p:extLst>
       <p:ext uri="{BB962C8B-B14F-4D97-AF65-F5344CB8AC3E}">
-        <p14:creationId xmlns:p14="http://schemas.microsoft.com/office/powerpoint/2010/main" val="23507557"/>
+        <p14:creationId xmlns:p14="http://schemas.microsoft.com/office/powerpoint/2010/main" val="4013525080"/>
       </p:ext>
     </p:extLst>
   </p:cSld>
@@ -7324,10 +6804,9 @@
           <a:lstStyle/>
           <a:p>
             <a:r>
-              <a:rPr lang="en-US" dirty="0" smtClean="0"/>
-              <a:t>String Formatting</a:t>
-            </a:r>
-            <a:endParaRPr lang="en-US" dirty="0"/>
+              <a:rPr lang="en-US" dirty="0"/>
+              <a:t>Syntax</a:t>
+            </a:r>
           </a:p>
         </p:txBody>
       </p:sp>
@@ -7347,64 +6826,82 @@
           <a:lstStyle/>
           <a:p>
             <a:r>
-              <a:rPr lang="en-US" dirty="0" smtClean="0"/>
-              <a:t>Sometimes there is a better way than doing “string 1” + “string 2”</a:t>
-            </a:r>
-          </a:p>
-          <a:p>
-            <a:r>
-              <a:rPr lang="en-US" dirty="0" smtClean="0"/>
-              <a:t>And there are way better ways than having a line of code that looks like this:</a:t>
-            </a:r>
-          </a:p>
-          <a:p>
-            <a:pPr lvl="1"/>
-            <a:r>
-              <a:rPr lang="en-US" dirty="0" err="1" smtClean="0"/>
+              <a:rPr lang="en-US" dirty="0"/>
+              <a:t>To declare:</a:t>
+            </a:r>
+          </a:p>
+          <a:p>
+            <a:pPr lvl="1"/>
+            <a:r>
+              <a:rPr lang="en-US" dirty="0"/>
+              <a:t>String </a:t>
+            </a:r>
+            <a:r>
+              <a:rPr lang="en-US" dirty="0" err="1"/>
+              <a:t>SomeFunction</a:t>
+            </a:r>
+            <a:r>
+              <a:rPr lang="en-US" dirty="0"/>
+              <a:t>(string a, string b) { // code }</a:t>
+            </a:r>
+          </a:p>
+          <a:p>
+            <a:r>
+              <a:rPr lang="en-US" dirty="0"/>
+              <a:t>To Use:</a:t>
+            </a:r>
+          </a:p>
+          <a:p>
+            <a:pPr lvl="1"/>
+            <a:r>
+              <a:rPr lang="en-US" dirty="0" err="1"/>
+              <a:t>SomeFunction</a:t>
+            </a:r>
+            <a:r>
+              <a:rPr lang="en-US" dirty="0"/>
+              <a:t>(x, y);</a:t>
+            </a:r>
+          </a:p>
+          <a:p>
+            <a:pPr lvl="1"/>
+            <a:r>
+              <a:rPr lang="en-US" dirty="0"/>
+              <a:t>Z = </a:t>
+            </a:r>
+            <a:r>
+              <a:rPr lang="en-US" dirty="0" err="1"/>
+              <a:t>SomeFunction</a:t>
+            </a:r>
+            <a:r>
+              <a:rPr lang="en-US" dirty="0"/>
+              <a:t>(x, y);</a:t>
+            </a:r>
+          </a:p>
+          <a:p>
+            <a:pPr lvl="1"/>
+            <a:r>
+              <a:rPr lang="en-US" dirty="0" err="1"/>
               <a:t>Console.WriteLine</a:t>
             </a:r>
             <a:r>
-              <a:rPr lang="en-US" dirty="0" smtClean="0"/>
-              <a:t>(“The length is “ + length + “ and the width is “ + width + “ so the area is “ + length * width “.”);</a:t>
-            </a:r>
-          </a:p>
-          <a:p>
-            <a:r>
-              <a:rPr lang="en-US" dirty="0" smtClean="0"/>
-              <a:t>You can rewrite that line as:</a:t>
-            </a:r>
-          </a:p>
-          <a:p>
-            <a:pPr lvl="1"/>
-            <a:r>
-              <a:rPr lang="en-US" dirty="0" err="1" smtClean="0"/>
-              <a:t>Console.WriteLine</a:t>
-            </a:r>
-            <a:r>
-              <a:rPr lang="en-US" dirty="0" smtClean="0"/>
-              <a:t>(“The length is {0} and the width is {1} so the area is {2}”, width, length, length * width);</a:t>
-            </a:r>
-          </a:p>
-          <a:p>
-            <a:r>
-              <a:rPr lang="en-US" dirty="0" smtClean="0"/>
-              <a:t>There are other formatting options in strings, such as \n creating a </a:t>
-            </a:r>
-            <a:r>
-              <a:rPr lang="en-US" smtClean="0"/>
-              <a:t>new line</a:t>
-            </a:r>
-            <a:endParaRPr lang="en-US" dirty="0" smtClean="0"/>
-          </a:p>
-          <a:p>
-            <a:endParaRPr lang="en-US" dirty="0"/>
+              <a:rPr lang="en-US" dirty="0"/>
+              <a:t>(</a:t>
+            </a:r>
+            <a:r>
+              <a:rPr lang="en-US" dirty="0" err="1"/>
+              <a:t>SomeFunction</a:t>
+            </a:r>
+            <a:r>
+              <a:rPr lang="en-US" dirty="0"/>
+              <a:t>(x, y));</a:t>
+            </a:r>
           </a:p>
         </p:txBody>
       </p:sp>
     </p:spTree>
     <p:extLst>
       <p:ext uri="{BB962C8B-B14F-4D97-AF65-F5344CB8AC3E}">
-        <p14:creationId xmlns:p14="http://schemas.microsoft.com/office/powerpoint/2010/main" val="3548428133"/>
+        <p14:creationId xmlns:p14="http://schemas.microsoft.com/office/powerpoint/2010/main" val="221460350"/>
       </p:ext>
     </p:extLst>
   </p:cSld>
@@ -7447,86 +6944,983 @@
           <a:lstStyle/>
           <a:p>
             <a:r>
-              <a:rPr lang="en-US" dirty="0" smtClean="0"/>
-              <a:t>Today’s Roadmap</a:t>
-            </a:r>
-            <a:endParaRPr lang="en-US" dirty="0"/>
-          </a:p>
-        </p:txBody>
-      </p:sp>
-      <p:sp>
-        <p:nvSpPr>
-          <p:cNvPr id="3" name="Content Placeholder 2"/>
-          <p:cNvSpPr>
-            <a:spLocks noGrp="1"/>
-          </p:cNvSpPr>
+              <a:rPr lang="en-US" dirty="0"/>
+              <a:t>Last Session</a:t>
+            </a:r>
+          </a:p>
+        </p:txBody>
+      </p:sp>
+      <p:pic>
+        <p:nvPicPr>
+          <p:cNvPr id="1026" name="Picture 2" descr="Academy Pittsburgh Session 1 Graduates"/>
+          <p:cNvPicPr>
+            <a:picLocks noGrp="1" noChangeAspect="1" noChangeArrowheads="1"/>
+          </p:cNvPicPr>
           <p:nvPr>
             <p:ph idx="1"/>
           </p:nvPr>
-        </p:nvSpPr>
-        <p:spPr/>
-        <p:txBody>
-          <a:bodyPr/>
-          <a:lstStyle/>
-          <a:p>
-            <a:r>
-              <a:rPr lang="en-US" dirty="0" smtClean="0"/>
-              <a:t>Get the IDE up and running</a:t>
-            </a:r>
-          </a:p>
-          <a:p>
-            <a:r>
-              <a:rPr lang="en-US" dirty="0" smtClean="0"/>
-              <a:t>Learn the basics of programming</a:t>
-            </a:r>
-          </a:p>
-          <a:p>
-            <a:pPr lvl="1"/>
-            <a:r>
-              <a:rPr lang="en-US" dirty="0" smtClean="0"/>
-              <a:t>Commands</a:t>
-            </a:r>
-          </a:p>
-          <a:p>
-            <a:pPr lvl="1"/>
-            <a:r>
-              <a:rPr lang="en-US" dirty="0" smtClean="0"/>
-              <a:t>Basic math</a:t>
-            </a:r>
-          </a:p>
-          <a:p>
-            <a:pPr lvl="1"/>
-            <a:r>
-              <a:rPr lang="en-US" dirty="0" smtClean="0"/>
-              <a:t>Basic string manipulation</a:t>
-            </a:r>
-          </a:p>
-          <a:p>
-            <a:r>
-              <a:rPr lang="en-US" dirty="0" smtClean="0"/>
-              <a:t>Move to more advanced subjects</a:t>
-            </a:r>
-            <a:endParaRPr lang="en-US" dirty="0"/>
-          </a:p>
-        </p:txBody>
-      </p:sp>
+        </p:nvPicPr>
+        <p:blipFill>
+          <a:blip r:embed="rId2">
+            <a:extLst>
+              <a:ext uri="{28A0092B-C50C-407E-A947-70E740481C1C}">
+                <a14:useLocalDpi xmlns:a14="http://schemas.microsoft.com/office/drawing/2010/main" val="0"/>
+              </a:ext>
+            </a:extLst>
+          </a:blip>
+          <a:srcRect/>
+          <a:stretch>
+            <a:fillRect/>
+          </a:stretch>
+        </p:blipFill>
+        <p:spPr bwMode="auto">
+          <a:xfrm>
+            <a:off x="2138833" y="1825625"/>
+            <a:ext cx="7914334" cy="4351338"/>
+          </a:xfrm>
+          <a:prstGeom prst="rect">
+            <a:avLst/>
+          </a:prstGeom>
+          <a:noFill/>
+          <a:extLst>
+            <a:ext uri="{909E8E84-426E-40DD-AFC4-6F175D3DCCD1}">
+              <a14:hiddenFill xmlns:a14="http://schemas.microsoft.com/office/drawing/2010/main">
+                <a:solidFill>
+                  <a:srgbClr val="FFFFFF"/>
+                </a:solidFill>
+              </a14:hiddenFill>
+            </a:ext>
+          </a:extLst>
+        </p:spPr>
+      </p:pic>
     </p:spTree>
     <p:extLst>
       <p:ext uri="{BB962C8B-B14F-4D97-AF65-F5344CB8AC3E}">
-        <p14:creationId xmlns:p14="http://schemas.microsoft.com/office/powerpoint/2010/main" val="2525517531"/>
+        <p14:creationId xmlns:p14="http://schemas.microsoft.com/office/powerpoint/2010/main" val="2089201575"/>
       </p:ext>
     </p:extLst>
   </p:cSld>
   <p:clrMapOvr>
     <a:masterClrMapping/>
   </p:clrMapOvr>
-  <p:timing>
-    <p:tnLst>
-      <p:par>
-        <p:cTn id="1" dur="indefinite" restart="never" nodeType="tmRoot"/>
-      </p:par>
-    </p:tnLst>
-  </p:timing>
+</p:sld>
+</file>
+
+<file path=ppt/slides/slide40.xml><?xml version="1.0" encoding="utf-8"?>
+<p:sld xmlns:a="http://schemas.openxmlformats.org/drawingml/2006/main" xmlns:r="http://schemas.openxmlformats.org/officeDocument/2006/relationships" xmlns:p="http://schemas.openxmlformats.org/presentationml/2006/main">
+  <p:cSld>
+    <p:spTree>
+      <p:nvGrpSpPr>
+        <p:cNvPr id="1" name=""/>
+        <p:cNvGrpSpPr/>
+        <p:nvPr/>
+      </p:nvGrpSpPr>
+      <p:grpSpPr>
+        <a:xfrm>
+          <a:off x="0" y="0"/>
+          <a:ext cx="0" cy="0"/>
+          <a:chOff x="0" y="0"/>
+          <a:chExt cx="0" cy="0"/>
+        </a:xfrm>
+      </p:grpSpPr>
+      <p:sp>
+        <p:nvSpPr>
+          <p:cNvPr id="2" name="Title 1"/>
+          <p:cNvSpPr>
+            <a:spLocks noGrp="1"/>
+          </p:cNvSpPr>
+          <p:nvPr>
+            <p:ph type="title"/>
+          </p:nvPr>
+        </p:nvSpPr>
+        <p:spPr/>
+        <p:txBody>
+          <a:bodyPr/>
+          <a:lstStyle/>
+          <a:p>
+            <a:r>
+              <a:rPr lang="en-US" dirty="0"/>
+              <a:t>Built In Functions</a:t>
+            </a:r>
+          </a:p>
+        </p:txBody>
+      </p:sp>
+      <p:sp>
+        <p:nvSpPr>
+          <p:cNvPr id="3" name="Content Placeholder 2"/>
+          <p:cNvSpPr>
+            <a:spLocks noGrp="1"/>
+          </p:cNvSpPr>
+          <p:nvPr>
+            <p:ph idx="1"/>
+          </p:nvPr>
+        </p:nvSpPr>
+        <p:spPr/>
+        <p:txBody>
+          <a:bodyPr/>
+          <a:lstStyle/>
+          <a:p>
+            <a:r>
+              <a:rPr lang="en-US" dirty="0"/>
+              <a:t>Reading in a file:</a:t>
+            </a:r>
+          </a:p>
+          <a:p>
+            <a:pPr lvl="1"/>
+            <a:r>
+              <a:rPr lang="en-US" dirty="0"/>
+              <a:t>All of a file, all at once:</a:t>
+            </a:r>
+          </a:p>
+          <a:p>
+            <a:pPr lvl="2"/>
+            <a:r>
+              <a:rPr lang="en-US" dirty="0"/>
+              <a:t>string text = </a:t>
+            </a:r>
+            <a:r>
+              <a:rPr lang="en-US" dirty="0" err="1"/>
+              <a:t>System.IO.File.ReadAllText</a:t>
+            </a:r>
+            <a:r>
+              <a:rPr lang="en-US" dirty="0"/>
+              <a:t>(@"C:\WriteText.txt");</a:t>
+            </a:r>
+          </a:p>
+          <a:p>
+            <a:pPr lvl="1"/>
+            <a:r>
+              <a:rPr lang="en-US" dirty="0"/>
+              <a:t>One line at a time:</a:t>
+            </a:r>
+          </a:p>
+          <a:p>
+            <a:pPr lvl="2"/>
+            <a:r>
+              <a:rPr lang="en-US" dirty="0" err="1"/>
+              <a:t>System.IO.StreamReader</a:t>
+            </a:r>
+            <a:r>
+              <a:rPr lang="en-US" dirty="0"/>
+              <a:t> file = </a:t>
+            </a:r>
+          </a:p>
+          <a:p>
+            <a:pPr lvl="2"/>
+            <a:r>
+              <a:rPr lang="en-US" dirty="0"/>
+              <a:t>   new </a:t>
+            </a:r>
+            <a:r>
+              <a:rPr lang="en-US" dirty="0" err="1"/>
+              <a:t>System.IO.StreamReader</a:t>
+            </a:r>
+            <a:r>
+              <a:rPr lang="en-US" dirty="0"/>
+              <a:t>("c:\\test.txt");</a:t>
+            </a:r>
+          </a:p>
+          <a:p>
+            <a:pPr lvl="2"/>
+            <a:r>
+              <a:rPr lang="en-US" dirty="0"/>
+              <a:t>while((line = </a:t>
+            </a:r>
+            <a:r>
+              <a:rPr lang="en-US" dirty="0" err="1"/>
+              <a:t>file.ReadLine</a:t>
+            </a:r>
+            <a:r>
+              <a:rPr lang="en-US" dirty="0"/>
+              <a:t>()) != null)</a:t>
+            </a:r>
+          </a:p>
+          <a:p>
+            <a:pPr lvl="2"/>
+            <a:r>
+              <a:rPr lang="en-US" dirty="0"/>
+              <a:t>{</a:t>
+            </a:r>
+          </a:p>
+          <a:p>
+            <a:pPr lvl="2"/>
+            <a:r>
+              <a:rPr lang="en-US" dirty="0"/>
+              <a:t>   // your code such as </a:t>
+            </a:r>
+            <a:r>
+              <a:rPr lang="en-US" dirty="0" err="1"/>
+              <a:t>Console.WriteLine</a:t>
+            </a:r>
+            <a:r>
+              <a:rPr lang="en-US" dirty="0"/>
+              <a:t>(line);</a:t>
+            </a:r>
+          </a:p>
+          <a:p>
+            <a:pPr lvl="2"/>
+            <a:r>
+              <a:rPr lang="en-US" dirty="0"/>
+              <a:t>}</a:t>
+            </a:r>
+          </a:p>
+        </p:txBody>
+      </p:sp>
+    </p:spTree>
+    <p:extLst>
+      <p:ext uri="{BB962C8B-B14F-4D97-AF65-F5344CB8AC3E}">
+        <p14:creationId xmlns:p14="http://schemas.microsoft.com/office/powerpoint/2010/main" val="23507557"/>
+      </p:ext>
+    </p:extLst>
+  </p:cSld>
+  <p:clrMapOvr>
+    <a:masterClrMapping/>
+  </p:clrMapOvr>
+</p:sld>
+</file>
+
+<file path=ppt/slides/slide41.xml><?xml version="1.0" encoding="utf-8"?>
+<p:sld xmlns:a="http://schemas.openxmlformats.org/drawingml/2006/main" xmlns:r="http://schemas.openxmlformats.org/officeDocument/2006/relationships" xmlns:p="http://schemas.openxmlformats.org/presentationml/2006/main">
+  <p:cSld>
+    <p:spTree>
+      <p:nvGrpSpPr>
+        <p:cNvPr id="1" name=""/>
+        <p:cNvGrpSpPr/>
+        <p:nvPr/>
+      </p:nvGrpSpPr>
+      <p:grpSpPr>
+        <a:xfrm>
+          <a:off x="0" y="0"/>
+          <a:ext cx="0" cy="0"/>
+          <a:chOff x="0" y="0"/>
+          <a:chExt cx="0" cy="0"/>
+        </a:xfrm>
+      </p:grpSpPr>
+      <p:sp>
+        <p:nvSpPr>
+          <p:cNvPr id="2" name="Title 1"/>
+          <p:cNvSpPr>
+            <a:spLocks noGrp="1"/>
+          </p:cNvSpPr>
+          <p:nvPr>
+            <p:ph type="title"/>
+          </p:nvPr>
+        </p:nvSpPr>
+        <p:spPr/>
+        <p:txBody>
+          <a:bodyPr/>
+          <a:lstStyle/>
+          <a:p>
+            <a:r>
+              <a:rPr lang="en-US" dirty="0"/>
+              <a:t>String Formatting</a:t>
+            </a:r>
+          </a:p>
+        </p:txBody>
+      </p:sp>
+      <p:sp>
+        <p:nvSpPr>
+          <p:cNvPr id="3" name="Content Placeholder 2"/>
+          <p:cNvSpPr>
+            <a:spLocks noGrp="1"/>
+          </p:cNvSpPr>
+          <p:nvPr>
+            <p:ph idx="1"/>
+          </p:nvPr>
+        </p:nvSpPr>
+        <p:spPr/>
+        <p:txBody>
+          <a:bodyPr/>
+          <a:lstStyle/>
+          <a:p>
+            <a:r>
+              <a:rPr lang="en-US" dirty="0"/>
+              <a:t>Sometimes there is a better way than doing “string 1” + “string 2”</a:t>
+            </a:r>
+          </a:p>
+          <a:p>
+            <a:r>
+              <a:rPr lang="en-US" dirty="0"/>
+              <a:t>And there are way better ways than having a line of code that looks like this:</a:t>
+            </a:r>
+          </a:p>
+          <a:p>
+            <a:pPr lvl="1"/>
+            <a:r>
+              <a:rPr lang="en-US" dirty="0" err="1"/>
+              <a:t>Console.WriteLine</a:t>
+            </a:r>
+            <a:r>
+              <a:rPr lang="en-US" dirty="0"/>
+              <a:t>(“The length is “ + length + “ and the width is “ + width + “ so the area is “ + length * width “.”);</a:t>
+            </a:r>
+          </a:p>
+          <a:p>
+            <a:r>
+              <a:rPr lang="en-US" dirty="0"/>
+              <a:t>You can rewrite that line as:</a:t>
+            </a:r>
+          </a:p>
+          <a:p>
+            <a:pPr lvl="1"/>
+            <a:r>
+              <a:rPr lang="en-US" dirty="0" err="1"/>
+              <a:t>Console.WriteLine</a:t>
+            </a:r>
+            <a:r>
+              <a:rPr lang="en-US" dirty="0"/>
+              <a:t>(“The length is {0} and the width is {1} so the area is {2}”, width, length, length * width);</a:t>
+            </a:r>
+          </a:p>
+          <a:p>
+            <a:r>
+              <a:rPr lang="en-US" dirty="0"/>
+              <a:t>There are other formatting options in strings, such as \n creating a </a:t>
+            </a:r>
+            <a:r>
+              <a:rPr lang="en-US"/>
+              <a:t>new line</a:t>
+            </a:r>
+            <a:endParaRPr lang="en-US" dirty="0"/>
+          </a:p>
+          <a:p>
+            <a:endParaRPr lang="en-US" dirty="0"/>
+          </a:p>
+        </p:txBody>
+      </p:sp>
+    </p:spTree>
+    <p:extLst>
+      <p:ext uri="{BB962C8B-B14F-4D97-AF65-F5344CB8AC3E}">
+        <p14:creationId xmlns:p14="http://schemas.microsoft.com/office/powerpoint/2010/main" val="3548428133"/>
+      </p:ext>
+    </p:extLst>
+  </p:cSld>
+  <p:clrMapOvr>
+    <a:masterClrMapping/>
+  </p:clrMapOvr>
+</p:sld>
+</file>
+
+<file path=ppt/slides/slide42.xml><?xml version="1.0" encoding="utf-8"?>
+<p:sld xmlns:a="http://schemas.openxmlformats.org/drawingml/2006/main" xmlns:r="http://schemas.openxmlformats.org/officeDocument/2006/relationships" xmlns:p="http://schemas.openxmlformats.org/presentationml/2006/main">
+  <p:cSld>
+    <p:spTree>
+      <p:nvGrpSpPr>
+        <p:cNvPr id="1" name=""/>
+        <p:cNvGrpSpPr/>
+        <p:nvPr/>
+      </p:nvGrpSpPr>
+      <p:grpSpPr>
+        <a:xfrm>
+          <a:off x="0" y="0"/>
+          <a:ext cx="0" cy="0"/>
+          <a:chOff x="0" y="0"/>
+          <a:chExt cx="0" cy="0"/>
+        </a:xfrm>
+      </p:grpSpPr>
+      <p:sp>
+        <p:nvSpPr>
+          <p:cNvPr id="2" name="Title 1"/>
+          <p:cNvSpPr>
+            <a:spLocks noGrp="1"/>
+          </p:cNvSpPr>
+          <p:nvPr>
+            <p:ph type="title"/>
+          </p:nvPr>
+        </p:nvSpPr>
+        <p:spPr/>
+        <p:txBody>
+          <a:bodyPr/>
+          <a:lstStyle/>
+          <a:p>
+            <a:r>
+              <a:rPr lang="en-US" dirty="0"/>
+              <a:t>Classes</a:t>
+            </a:r>
+          </a:p>
+        </p:txBody>
+      </p:sp>
+      <p:sp>
+        <p:nvSpPr>
+          <p:cNvPr id="3" name="Content Placeholder 2"/>
+          <p:cNvSpPr>
+            <a:spLocks noGrp="1"/>
+          </p:cNvSpPr>
+          <p:nvPr>
+            <p:ph idx="1"/>
+          </p:nvPr>
+        </p:nvSpPr>
+        <p:spPr/>
+        <p:txBody>
+          <a:bodyPr/>
+          <a:lstStyle/>
+          <a:p>
+            <a:r>
+              <a:rPr lang="en-US" dirty="0"/>
+              <a:t>A logical arrangement of variables and/or functions</a:t>
+            </a:r>
+          </a:p>
+          <a:p>
+            <a:r>
+              <a:rPr lang="en-US" dirty="0"/>
+              <a:t>Self Contained</a:t>
+            </a:r>
+          </a:p>
+          <a:p>
+            <a:r>
+              <a:rPr lang="en-US" dirty="0"/>
+              <a:t>(somewhat) make sense together</a:t>
+            </a:r>
+          </a:p>
+          <a:p>
+            <a:r>
+              <a:rPr lang="en-US" dirty="0"/>
+              <a:t>Useful for</a:t>
+            </a:r>
+          </a:p>
+          <a:p>
+            <a:pPr lvl="1"/>
+            <a:r>
+              <a:rPr lang="en-US" dirty="0"/>
+              <a:t>Structuring data together</a:t>
+            </a:r>
+          </a:p>
+          <a:p>
+            <a:pPr lvl="1"/>
+            <a:r>
+              <a:rPr lang="en-US" dirty="0"/>
+              <a:t>Doing complex work behind function calls</a:t>
+            </a:r>
+          </a:p>
+          <a:p>
+            <a:pPr lvl="1"/>
+            <a:r>
+              <a:rPr lang="en-US" dirty="0"/>
+              <a:t>Organizing code</a:t>
+            </a:r>
+          </a:p>
+          <a:p>
+            <a:pPr lvl="1"/>
+            <a:r>
+              <a:rPr lang="en-US" dirty="0"/>
+              <a:t>Sharing code/functionality</a:t>
+            </a:r>
+          </a:p>
+          <a:p>
+            <a:pPr lvl="1"/>
+            <a:r>
+              <a:rPr lang="en-US" dirty="0"/>
+              <a:t>Reusing code (very easy to copy a class to a new project)</a:t>
+            </a:r>
+          </a:p>
+        </p:txBody>
+      </p:sp>
+    </p:spTree>
+    <p:extLst>
+      <p:ext uri="{BB962C8B-B14F-4D97-AF65-F5344CB8AC3E}">
+        <p14:creationId xmlns:p14="http://schemas.microsoft.com/office/powerpoint/2010/main" val="2400996428"/>
+      </p:ext>
+    </p:extLst>
+  </p:cSld>
+  <p:clrMapOvr>
+    <a:masterClrMapping/>
+  </p:clrMapOvr>
+</p:sld>
+</file>
+
+<file path=ppt/slides/slide43.xml><?xml version="1.0" encoding="utf-8"?>
+<p:sld xmlns:a="http://schemas.openxmlformats.org/drawingml/2006/main" xmlns:r="http://schemas.openxmlformats.org/officeDocument/2006/relationships" xmlns:p="http://schemas.openxmlformats.org/presentationml/2006/main">
+  <p:cSld>
+    <p:spTree>
+      <p:nvGrpSpPr>
+        <p:cNvPr id="1" name=""/>
+        <p:cNvGrpSpPr/>
+        <p:nvPr/>
+      </p:nvGrpSpPr>
+      <p:grpSpPr>
+        <a:xfrm>
+          <a:off x="0" y="0"/>
+          <a:ext cx="0" cy="0"/>
+          <a:chOff x="0" y="0"/>
+          <a:chExt cx="0" cy="0"/>
+        </a:xfrm>
+      </p:grpSpPr>
+      <p:sp>
+        <p:nvSpPr>
+          <p:cNvPr id="2" name="Title 1"/>
+          <p:cNvSpPr>
+            <a:spLocks noGrp="1"/>
+          </p:cNvSpPr>
+          <p:nvPr>
+            <p:ph type="title"/>
+          </p:nvPr>
+        </p:nvSpPr>
+        <p:spPr/>
+        <p:txBody>
+          <a:bodyPr/>
+          <a:lstStyle/>
+          <a:p>
+            <a:r>
+              <a:rPr lang="en-US" dirty="0"/>
+              <a:t>Sections of a Class</a:t>
+            </a:r>
+          </a:p>
+        </p:txBody>
+      </p:sp>
+      <p:sp>
+        <p:nvSpPr>
+          <p:cNvPr id="3" name="Content Placeholder 2"/>
+          <p:cNvSpPr>
+            <a:spLocks noGrp="1"/>
+          </p:cNvSpPr>
+          <p:nvPr>
+            <p:ph idx="1"/>
+          </p:nvPr>
+        </p:nvSpPr>
+        <p:spPr/>
+        <p:txBody>
+          <a:bodyPr/>
+          <a:lstStyle/>
+          <a:p>
+            <a:r>
+              <a:rPr lang="en-US" dirty="0"/>
+              <a:t>Variables (aka Members)</a:t>
+            </a:r>
+          </a:p>
+          <a:p>
+            <a:r>
+              <a:rPr lang="en-US" dirty="0"/>
+              <a:t>Functions(aka Methods)</a:t>
+            </a:r>
+          </a:p>
+          <a:p>
+            <a:r>
+              <a:rPr lang="en-US" dirty="0"/>
+              <a:t>Members/Methods can be public or private (or protected, not used as much)</a:t>
+            </a:r>
+          </a:p>
+          <a:p>
+            <a:r>
+              <a:rPr lang="en-US" dirty="0"/>
+              <a:t>Special Function – Constructor</a:t>
+            </a:r>
+          </a:p>
+          <a:p>
+            <a:pPr lvl="1"/>
+            <a:r>
+              <a:rPr lang="en-US" dirty="0"/>
+              <a:t>Used to initialize a class so it is ready to use</a:t>
+            </a:r>
+          </a:p>
+          <a:p>
+            <a:pPr lvl="1"/>
+            <a:r>
+              <a:rPr lang="en-US" dirty="0"/>
+              <a:t>This is what is called when you say class something = new class();</a:t>
+            </a:r>
+          </a:p>
+          <a:p>
+            <a:endParaRPr lang="en-US" dirty="0"/>
+          </a:p>
+        </p:txBody>
+      </p:sp>
+    </p:spTree>
+    <p:extLst>
+      <p:ext uri="{BB962C8B-B14F-4D97-AF65-F5344CB8AC3E}">
+        <p14:creationId xmlns:p14="http://schemas.microsoft.com/office/powerpoint/2010/main" val="3293854445"/>
+      </p:ext>
+    </p:extLst>
+  </p:cSld>
+  <p:clrMapOvr>
+    <a:masterClrMapping/>
+  </p:clrMapOvr>
+</p:sld>
+</file>
+
+<file path=ppt/slides/slide44.xml><?xml version="1.0" encoding="utf-8"?>
+<p:sld xmlns:a="http://schemas.openxmlformats.org/drawingml/2006/main" xmlns:r="http://schemas.openxmlformats.org/officeDocument/2006/relationships" xmlns:p="http://schemas.openxmlformats.org/presentationml/2006/main">
+  <p:cSld>
+    <p:spTree>
+      <p:nvGrpSpPr>
+        <p:cNvPr id="1" name=""/>
+        <p:cNvGrpSpPr/>
+        <p:nvPr/>
+      </p:nvGrpSpPr>
+      <p:grpSpPr>
+        <a:xfrm>
+          <a:off x="0" y="0"/>
+          <a:ext cx="0" cy="0"/>
+          <a:chOff x="0" y="0"/>
+          <a:chExt cx="0" cy="0"/>
+        </a:xfrm>
+      </p:grpSpPr>
+      <p:sp>
+        <p:nvSpPr>
+          <p:cNvPr id="2" name="Title 1"/>
+          <p:cNvSpPr>
+            <a:spLocks noGrp="1"/>
+          </p:cNvSpPr>
+          <p:nvPr>
+            <p:ph type="title"/>
+          </p:nvPr>
+        </p:nvSpPr>
+        <p:spPr/>
+        <p:txBody>
+          <a:bodyPr/>
+          <a:lstStyle/>
+          <a:p>
+            <a:r>
+              <a:rPr lang="en-US" dirty="0"/>
+              <a:t>Syntax</a:t>
+            </a:r>
+          </a:p>
+        </p:txBody>
+      </p:sp>
+      <p:sp>
+        <p:nvSpPr>
+          <p:cNvPr id="3" name="Content Placeholder 2"/>
+          <p:cNvSpPr>
+            <a:spLocks noGrp="1"/>
+          </p:cNvSpPr>
+          <p:nvPr>
+            <p:ph idx="1"/>
+          </p:nvPr>
+        </p:nvSpPr>
+        <p:spPr/>
+        <p:txBody>
+          <a:bodyPr/>
+          <a:lstStyle/>
+          <a:p>
+            <a:r>
+              <a:rPr lang="en-US" dirty="0"/>
+              <a:t>class Name</a:t>
+            </a:r>
+          </a:p>
+          <a:p>
+            <a:r>
+              <a:rPr lang="en-US" dirty="0"/>
+              <a:t>{</a:t>
+            </a:r>
+          </a:p>
+          <a:p>
+            <a:pPr lvl="1"/>
+            <a:r>
+              <a:rPr lang="en-US" dirty="0"/>
+              <a:t>public </a:t>
+            </a:r>
+            <a:r>
+              <a:rPr lang="en-US" dirty="0" err="1"/>
+              <a:t>int</a:t>
+            </a:r>
+            <a:r>
+              <a:rPr lang="en-US" dirty="0"/>
+              <a:t> </a:t>
+            </a:r>
+            <a:r>
+              <a:rPr lang="en-US" dirty="0" err="1"/>
+              <a:t>someVariables</a:t>
+            </a:r>
+            <a:r>
+              <a:rPr lang="en-US" dirty="0"/>
+              <a:t>;</a:t>
+            </a:r>
+          </a:p>
+          <a:p>
+            <a:pPr lvl="1"/>
+            <a:r>
+              <a:rPr lang="en-US" dirty="0"/>
+              <a:t>public </a:t>
+            </a:r>
+            <a:r>
+              <a:rPr lang="en-US" dirty="0" err="1"/>
+              <a:t>int</a:t>
+            </a:r>
+            <a:r>
+              <a:rPr lang="en-US" dirty="0"/>
+              <a:t> </a:t>
+            </a:r>
+            <a:r>
+              <a:rPr lang="en-US" dirty="0" err="1"/>
+              <a:t>someFunction</a:t>
+            </a:r>
+            <a:r>
+              <a:rPr lang="en-US" dirty="0"/>
+              <a:t>() { return 0; }</a:t>
+            </a:r>
+          </a:p>
+          <a:p>
+            <a:pPr lvl="1"/>
+            <a:r>
+              <a:rPr lang="en-US" dirty="0"/>
+              <a:t>Public Name() { //I am the constructor }</a:t>
+            </a:r>
+          </a:p>
+          <a:p>
+            <a:r>
+              <a:rPr lang="en-US" dirty="0"/>
+              <a:t>}</a:t>
+            </a:r>
+          </a:p>
+        </p:txBody>
+      </p:sp>
+    </p:spTree>
+    <p:extLst>
+      <p:ext uri="{BB962C8B-B14F-4D97-AF65-F5344CB8AC3E}">
+        <p14:creationId xmlns:p14="http://schemas.microsoft.com/office/powerpoint/2010/main" val="2340521166"/>
+      </p:ext>
+    </p:extLst>
+  </p:cSld>
+  <p:clrMapOvr>
+    <a:masterClrMapping/>
+  </p:clrMapOvr>
+</p:sld>
+</file>
+
+<file path=ppt/slides/slide45.xml><?xml version="1.0" encoding="utf-8"?>
+<p:sld xmlns:a="http://schemas.openxmlformats.org/drawingml/2006/main" xmlns:r="http://schemas.openxmlformats.org/officeDocument/2006/relationships" xmlns:p="http://schemas.openxmlformats.org/presentationml/2006/main">
+  <p:cSld>
+    <p:spTree>
+      <p:nvGrpSpPr>
+        <p:cNvPr id="1" name=""/>
+        <p:cNvGrpSpPr/>
+        <p:nvPr/>
+      </p:nvGrpSpPr>
+      <p:grpSpPr>
+        <a:xfrm>
+          <a:off x="0" y="0"/>
+          <a:ext cx="0" cy="0"/>
+          <a:chOff x="0" y="0"/>
+          <a:chExt cx="0" cy="0"/>
+        </a:xfrm>
+      </p:grpSpPr>
+      <p:sp>
+        <p:nvSpPr>
+          <p:cNvPr id="2" name="Title 1"/>
+          <p:cNvSpPr>
+            <a:spLocks noGrp="1"/>
+          </p:cNvSpPr>
+          <p:nvPr>
+            <p:ph type="title"/>
+          </p:nvPr>
+        </p:nvSpPr>
+        <p:spPr/>
+        <p:txBody>
+          <a:bodyPr/>
+          <a:lstStyle/>
+          <a:p>
+            <a:r>
+              <a:rPr lang="en-US" dirty="0"/>
+              <a:t>To Use</a:t>
+            </a:r>
+          </a:p>
+        </p:txBody>
+      </p:sp>
+      <p:sp>
+        <p:nvSpPr>
+          <p:cNvPr id="3" name="Content Placeholder 2"/>
+          <p:cNvSpPr>
+            <a:spLocks noGrp="1"/>
+          </p:cNvSpPr>
+          <p:nvPr>
+            <p:ph idx="1"/>
+          </p:nvPr>
+        </p:nvSpPr>
+        <p:spPr/>
+        <p:txBody>
+          <a:bodyPr/>
+          <a:lstStyle/>
+          <a:p>
+            <a:r>
+              <a:rPr lang="en-US" dirty="0"/>
+              <a:t>Classes must be instantiated, often with “new” before being used</a:t>
+            </a:r>
+          </a:p>
+          <a:p>
+            <a:pPr lvl="1"/>
+            <a:r>
+              <a:rPr lang="en-US" dirty="0"/>
+              <a:t>(Remember our Random class for random numbers)</a:t>
+            </a:r>
+          </a:p>
+          <a:p>
+            <a:r>
+              <a:rPr lang="en-US" dirty="0"/>
+              <a:t>Looks just like any other variable:</a:t>
+            </a:r>
+          </a:p>
+          <a:p>
+            <a:pPr lvl="1"/>
+            <a:r>
+              <a:rPr lang="en-US" dirty="0" err="1"/>
+              <a:t>SomeClass</a:t>
+            </a:r>
+            <a:r>
+              <a:rPr lang="en-US" dirty="0"/>
+              <a:t> </a:t>
+            </a:r>
+            <a:r>
+              <a:rPr lang="en-US" dirty="0" err="1"/>
+              <a:t>myClass</a:t>
+            </a:r>
+            <a:r>
+              <a:rPr lang="en-US" dirty="0"/>
+              <a:t> = new </a:t>
+            </a:r>
+            <a:r>
+              <a:rPr lang="en-US" dirty="0" err="1"/>
+              <a:t>SomeClass</a:t>
+            </a:r>
+            <a:r>
+              <a:rPr lang="en-US" dirty="0"/>
+              <a:t>();</a:t>
+            </a:r>
+          </a:p>
+          <a:p>
+            <a:pPr lvl="1"/>
+            <a:r>
+              <a:rPr lang="en-US" dirty="0" err="1"/>
+              <a:t>myClass.someFunction</a:t>
+            </a:r>
+            <a:r>
+              <a:rPr lang="en-US" dirty="0"/>
+              <a:t>(); // this calls the function that you declared in </a:t>
+            </a:r>
+            <a:r>
+              <a:rPr lang="en-US" dirty="0" err="1"/>
+              <a:t>SomeClass</a:t>
+            </a:r>
+            <a:endParaRPr lang="en-US" dirty="0"/>
+          </a:p>
+        </p:txBody>
+      </p:sp>
+    </p:spTree>
+    <p:extLst>
+      <p:ext uri="{BB962C8B-B14F-4D97-AF65-F5344CB8AC3E}">
+        <p14:creationId xmlns:p14="http://schemas.microsoft.com/office/powerpoint/2010/main" val="1597270187"/>
+      </p:ext>
+    </p:extLst>
+  </p:cSld>
+  <p:clrMapOvr>
+    <a:masterClrMapping/>
+  </p:clrMapOvr>
+</p:sld>
+</file>
+
+<file path=ppt/slides/slide46.xml><?xml version="1.0" encoding="utf-8"?>
+<p:sld xmlns:a="http://schemas.openxmlformats.org/drawingml/2006/main" xmlns:r="http://schemas.openxmlformats.org/officeDocument/2006/relationships" xmlns:p="http://schemas.openxmlformats.org/presentationml/2006/main">
+  <p:cSld>
+    <p:spTree>
+      <p:nvGrpSpPr>
+        <p:cNvPr id="1" name=""/>
+        <p:cNvGrpSpPr/>
+        <p:nvPr/>
+      </p:nvGrpSpPr>
+      <p:grpSpPr>
+        <a:xfrm>
+          <a:off x="0" y="0"/>
+          <a:ext cx="0" cy="0"/>
+          <a:chOff x="0" y="0"/>
+          <a:chExt cx="0" cy="0"/>
+        </a:xfrm>
+      </p:grpSpPr>
+      <p:sp>
+        <p:nvSpPr>
+          <p:cNvPr id="2" name="Title 1"/>
+          <p:cNvSpPr>
+            <a:spLocks noGrp="1"/>
+          </p:cNvSpPr>
+          <p:nvPr>
+            <p:ph type="title"/>
+          </p:nvPr>
+        </p:nvSpPr>
+        <p:spPr/>
+        <p:txBody>
+          <a:bodyPr/>
+          <a:lstStyle/>
+          <a:p>
+            <a:r>
+              <a:rPr lang="en-US" dirty="0"/>
+              <a:t>Important Concepts Behind Classes</a:t>
+            </a:r>
+          </a:p>
+        </p:txBody>
+      </p:sp>
+      <p:sp>
+        <p:nvSpPr>
+          <p:cNvPr id="3" name="Content Placeholder 2"/>
+          <p:cNvSpPr>
+            <a:spLocks noGrp="1"/>
+          </p:cNvSpPr>
+          <p:nvPr>
+            <p:ph idx="1"/>
+          </p:nvPr>
+        </p:nvSpPr>
+        <p:spPr/>
+        <p:txBody>
+          <a:bodyPr/>
+          <a:lstStyle/>
+          <a:p>
+            <a:r>
+              <a:rPr lang="en-US" dirty="0"/>
+              <a:t>Abstraction</a:t>
+            </a:r>
+          </a:p>
+          <a:p>
+            <a:pPr lvl="1"/>
+            <a:r>
+              <a:rPr lang="en-US" dirty="0"/>
+              <a:t>Your class does not have to do things in any specific way</a:t>
+            </a:r>
+          </a:p>
+          <a:p>
+            <a:pPr lvl="1"/>
+            <a:r>
+              <a:rPr lang="en-US" dirty="0"/>
+              <a:t>Your class only has to work via its interface (the public variables/functions)</a:t>
+            </a:r>
+          </a:p>
+          <a:p>
+            <a:r>
+              <a:rPr lang="en-US" dirty="0"/>
+              <a:t>Inheritance</a:t>
+            </a:r>
+          </a:p>
+          <a:p>
+            <a:pPr lvl="1"/>
+            <a:r>
+              <a:rPr lang="en-US" dirty="0"/>
+              <a:t>Your class can be based on another class: animal -&gt; dog, person-&gt;customer</a:t>
+            </a:r>
+          </a:p>
+          <a:p>
+            <a:r>
+              <a:rPr lang="en-US" dirty="0"/>
+              <a:t>Polymorphism</a:t>
+            </a:r>
+          </a:p>
+          <a:p>
+            <a:pPr lvl="1"/>
+            <a:r>
+              <a:rPr lang="en-US" dirty="0"/>
+              <a:t>You can request a base class in a function/variable and use a child class instead</a:t>
+            </a:r>
+          </a:p>
+          <a:p>
+            <a:pPr lvl="1"/>
+            <a:endParaRPr lang="en-US" dirty="0"/>
+          </a:p>
+        </p:txBody>
+      </p:sp>
+    </p:spTree>
+    <p:extLst>
+      <p:ext uri="{BB962C8B-B14F-4D97-AF65-F5344CB8AC3E}">
+        <p14:creationId xmlns:p14="http://schemas.microsoft.com/office/powerpoint/2010/main" val="2466040959"/>
+      </p:ext>
+    </p:extLst>
+  </p:cSld>
+  <p:clrMapOvr>
+    <a:masterClrMapping/>
+  </p:clrMapOvr>
 </p:sld>
 </file>
 
@@ -7563,10 +7957,9 @@
           <a:lstStyle/>
           <a:p>
             <a:r>
-              <a:rPr lang="en-US" dirty="0" smtClean="0"/>
-              <a:t>Getting your IDE</a:t>
-            </a:r>
-            <a:endParaRPr lang="en-US" dirty="0"/>
+              <a:rPr lang="en-US" dirty="0"/>
+              <a:t>12 Week Roadmap</a:t>
+            </a:r>
           </a:p>
         </p:txBody>
       </p:sp>
@@ -7586,44 +7979,62 @@
           <a:lstStyle/>
           <a:p>
             <a:r>
-              <a:rPr lang="en-US" dirty="0" smtClean="0"/>
-              <a:t>See instructions on how to download Visual Studio 2015 Community edition and </a:t>
-            </a:r>
-            <a:r>
-              <a:rPr lang="en-US" dirty="0" err="1" smtClean="0"/>
-              <a:t>Git</a:t>
-            </a:r>
-            <a:r>
-              <a:rPr lang="en-US" dirty="0" smtClean="0"/>
-              <a:t>.</a:t>
-            </a:r>
-          </a:p>
-          <a:p>
-            <a:r>
-              <a:rPr lang="en-US" dirty="0" smtClean="0"/>
-              <a:t>Let’s get it up and running and make sure everyone can open the IDE, you’ll need it for the next section</a:t>
-            </a:r>
-            <a:endParaRPr lang="en-US" dirty="0"/>
+              <a:rPr lang="en-US" dirty="0"/>
+              <a:t>C# and beginning programming</a:t>
+            </a:r>
+          </a:p>
+          <a:p>
+            <a:r>
+              <a:rPr lang="en-US" dirty="0"/>
+              <a:t>Ruby and TDD</a:t>
+            </a:r>
+          </a:p>
+          <a:p>
+            <a:r>
+              <a:rPr lang="en-US" dirty="0"/>
+              <a:t>Data Structures and DBs</a:t>
+            </a:r>
+          </a:p>
+          <a:p>
+            <a:r>
+              <a:rPr lang="en-US" dirty="0"/>
+              <a:t>Beginning Web Sites</a:t>
+            </a:r>
+          </a:p>
+          <a:p>
+            <a:r>
+              <a:rPr lang="en-US" dirty="0"/>
+              <a:t>HTML/CSS</a:t>
+            </a:r>
+          </a:p>
+          <a:p>
+            <a:r>
+              <a:rPr lang="en-US" dirty="0" err="1"/>
+              <a:t>Javascript</a:t>
+            </a:r>
+            <a:r>
+              <a:rPr lang="en-US" dirty="0"/>
+              <a:t> and Angular</a:t>
+            </a:r>
+          </a:p>
+          <a:p>
+            <a:r>
+              <a:rPr lang="en-US" dirty="0"/>
+              <a:t>Projects</a:t>
+            </a:r>
           </a:p>
         </p:txBody>
       </p:sp>
     </p:spTree>
     <p:extLst>
       <p:ext uri="{BB962C8B-B14F-4D97-AF65-F5344CB8AC3E}">
-        <p14:creationId xmlns:p14="http://schemas.microsoft.com/office/powerpoint/2010/main" val="2531107031"/>
+        <p14:creationId xmlns:p14="http://schemas.microsoft.com/office/powerpoint/2010/main" val="4273971886"/>
       </p:ext>
     </p:extLst>
   </p:cSld>
   <p:clrMapOvr>
     <a:masterClrMapping/>
   </p:clrMapOvr>
-  <p:timing>
-    <p:tnLst>
-      <p:par>
-        <p:cTn id="1" dur="indefinite" restart="never" nodeType="tmRoot"/>
-      </p:par>
-    </p:tnLst>
-  </p:timing>
 </p:sld>
 </file>
 
@@ -7660,10 +8071,9 @@
           <a:lstStyle/>
           <a:p>
             <a:r>
-              <a:rPr lang="en-US" dirty="0" smtClean="0"/>
-              <a:t>What is Programming?</a:t>
-            </a:r>
-            <a:endParaRPr lang="en-US" dirty="0"/>
+              <a:rPr lang="en-US" dirty="0"/>
+              <a:t>Today’s Roadmap</a:t>
+            </a:r>
           </a:p>
         </p:txBody>
       </p:sp>
@@ -7682,46 +8092,62 @@
           <a:bodyPr/>
           <a:lstStyle/>
           <a:p>
-            <a:pPr fontAlgn="base"/>
-            <a:r>
-              <a:rPr lang="en-US" dirty="0"/>
-              <a:t>How to solve problems using specific, repeatable instructions </a:t>
-            </a:r>
-          </a:p>
-          <a:p>
-            <a:pPr fontAlgn="base"/>
-            <a:r>
-              <a:rPr lang="en-US" dirty="0"/>
-              <a:t>How to take the complex, abstract real world and represent it in concrete ways in </a:t>
-            </a:r>
-            <a:r>
-              <a:rPr lang="en-US" dirty="0" smtClean="0"/>
-              <a:t>code</a:t>
-            </a:r>
-            <a:endParaRPr lang="en-US" dirty="0"/>
-          </a:p>
-          <a:p>
-            <a:endParaRPr lang="en-US" dirty="0"/>
+            <a:r>
+              <a:rPr lang="en-US" dirty="0"/>
+              <a:t>Get the IDE up and running</a:t>
+            </a:r>
+          </a:p>
+          <a:p>
+            <a:r>
+              <a:rPr lang="en-US" dirty="0"/>
+              <a:t>Perform a Kata</a:t>
+            </a:r>
+          </a:p>
+          <a:p>
+            <a:r>
+              <a:rPr lang="en-US" dirty="0"/>
+              <a:t>Learn the basics of programming</a:t>
+            </a:r>
+          </a:p>
+          <a:p>
+            <a:pPr lvl="1"/>
+            <a:r>
+              <a:rPr lang="en-US" dirty="0"/>
+              <a:t>Commands</a:t>
+            </a:r>
+          </a:p>
+          <a:p>
+            <a:pPr lvl="1"/>
+            <a:r>
+              <a:rPr lang="en-US" dirty="0"/>
+              <a:t>Basic math</a:t>
+            </a:r>
+          </a:p>
+          <a:p>
+            <a:pPr lvl="1"/>
+            <a:r>
+              <a:rPr lang="en-US" dirty="0"/>
+              <a:t>Basic string manipulation</a:t>
+            </a:r>
+          </a:p>
+          <a:p>
+            <a:r>
+              <a:rPr lang="en-US" dirty="0"/>
+              <a:t>Move to more advanced subjects</a:t>
+            </a:r>
           </a:p>
         </p:txBody>
       </p:sp>
     </p:spTree>
     <p:extLst>
       <p:ext uri="{BB962C8B-B14F-4D97-AF65-F5344CB8AC3E}">
-        <p14:creationId xmlns:p14="http://schemas.microsoft.com/office/powerpoint/2010/main" val="2758694795"/>
+        <p14:creationId xmlns:p14="http://schemas.microsoft.com/office/powerpoint/2010/main" val="2525517531"/>
       </p:ext>
     </p:extLst>
   </p:cSld>
   <p:clrMapOvr>
     <a:masterClrMapping/>
   </p:clrMapOvr>
-  <p:timing>
-    <p:tnLst>
-      <p:par>
-        <p:cTn id="1" dur="indefinite" restart="never" nodeType="tmRoot"/>
-      </p:par>
-    </p:tnLst>
-  </p:timing>
 </p:sld>
 </file>
 
@@ -7758,10 +8184,9 @@
           <a:lstStyle/>
           <a:p>
             <a:r>
-              <a:rPr lang="en-US" dirty="0" smtClean="0"/>
-              <a:t>And now…</a:t>
-            </a:r>
-            <a:endParaRPr lang="en-US" dirty="0"/>
+              <a:rPr lang="en-US" dirty="0"/>
+              <a:t>Getting your IDE</a:t>
+            </a:r>
           </a:p>
         </p:txBody>
       </p:sp>
@@ -7781,30 +8206,36 @@
           <a:lstStyle/>
           <a:p>
             <a:r>
-              <a:rPr lang="en-US" dirty="0" smtClean="0"/>
-              <a:t>To the IDE!</a:t>
-            </a:r>
-            <a:endParaRPr lang="en-US" dirty="0"/>
+              <a:rPr lang="en-US" dirty="0"/>
+              <a:t>See instructions on how to download Visual Studio 2015 Community edition and </a:t>
+            </a:r>
+            <a:r>
+              <a:rPr lang="en-US" dirty="0" err="1"/>
+              <a:t>Git</a:t>
+            </a:r>
+            <a:r>
+              <a:rPr lang="en-US" dirty="0"/>
+              <a:t>.</a:t>
+            </a:r>
+          </a:p>
+          <a:p>
+            <a:r>
+              <a:rPr lang="en-US" dirty="0"/>
+              <a:t>Let’s get it up and running and make sure everyone can open the IDE, you’ll need it for the next section</a:t>
+            </a:r>
           </a:p>
         </p:txBody>
       </p:sp>
     </p:spTree>
     <p:extLst>
       <p:ext uri="{BB962C8B-B14F-4D97-AF65-F5344CB8AC3E}">
-        <p14:creationId xmlns:p14="http://schemas.microsoft.com/office/powerpoint/2010/main" val="3691190770"/>
+        <p14:creationId xmlns:p14="http://schemas.microsoft.com/office/powerpoint/2010/main" val="2531107031"/>
       </p:ext>
     </p:extLst>
   </p:cSld>
   <p:clrMapOvr>
     <a:masterClrMapping/>
   </p:clrMapOvr>
-  <p:timing>
-    <p:tnLst>
-      <p:par>
-        <p:cTn id="1" dur="indefinite" restart="never" nodeType="tmRoot"/>
-      </p:par>
-    </p:tnLst>
-  </p:timing>
 </p:sld>
 </file>
 
@@ -7841,10 +8272,9 @@
           <a:lstStyle/>
           <a:p>
             <a:r>
-              <a:rPr lang="en-US" dirty="0" smtClean="0"/>
-              <a:t>Math in Programming</a:t>
-            </a:r>
-            <a:endParaRPr lang="en-US" dirty="0"/>
+              <a:rPr lang="en-US" dirty="0"/>
+              <a:t>What is Programming?</a:t>
+            </a:r>
           </a:p>
         </p:txBody>
       </p:sp>
@@ -7863,59 +8293,20 @@
           <a:bodyPr/>
           <a:lstStyle/>
           <a:p>
-            <a:r>
-              <a:rPr lang="en-US" dirty="0" smtClean="0"/>
-              <a:t>Uses the normal mathematical symbols</a:t>
-            </a:r>
-          </a:p>
-          <a:p>
-            <a:pPr lvl="1"/>
-            <a:r>
-              <a:rPr lang="en-US" dirty="0" smtClean="0"/>
-              <a:t>+, -, * (multiply), / (divide), ^ (exponent), % (modulus)</a:t>
-            </a:r>
-          </a:p>
-          <a:p>
-            <a:pPr lvl="1"/>
-            <a:r>
-              <a:rPr lang="en-US" dirty="0" smtClean="0"/>
-              <a:t>= is the assignment operator, we will talk about it in the next section</a:t>
-            </a:r>
-          </a:p>
-          <a:p>
-            <a:pPr lvl="1"/>
-            <a:r>
-              <a:rPr lang="en-US" dirty="0" smtClean="0"/>
-              <a:t>There are a few special operators, ++, +=, --, -=, *= and /= which are used in the next section as well</a:t>
-            </a:r>
-          </a:p>
-          <a:p>
-            <a:r>
-              <a:rPr lang="en-US" dirty="0" smtClean="0"/>
-              <a:t>Uses the normal order of operations</a:t>
-            </a:r>
-          </a:p>
-          <a:p>
-            <a:pPr lvl="1"/>
-            <a:r>
-              <a:rPr lang="en-US" dirty="0" smtClean="0"/>
-              <a:t>(</a:t>
-            </a:r>
-            <a:r>
-              <a:rPr lang="en-US" dirty="0" err="1" smtClean="0"/>
-              <a:t>parens</a:t>
-            </a:r>
-            <a:r>
-              <a:rPr lang="en-US" dirty="0" smtClean="0"/>
-              <a:t>) first, then multiply/divide, finally add/subtract</a:t>
-            </a:r>
-          </a:p>
-          <a:p>
-            <a:pPr lvl="1"/>
-            <a:r>
-              <a:rPr lang="en-US" dirty="0" smtClean="0"/>
-              <a:t>While it will normally not matter, if everything else is equal, each symbol will be evaluated left to right (2 + 2 – 2) the + will happen first, then the -.</a:t>
-            </a:r>
+            <a:pPr fontAlgn="base"/>
+            <a:r>
+              <a:rPr lang="en-US" dirty="0"/>
+              <a:t>How to solve problems using specific, repeatable instructions </a:t>
+            </a:r>
+          </a:p>
+          <a:p>
+            <a:pPr fontAlgn="base"/>
+            <a:r>
+              <a:rPr lang="en-US" dirty="0"/>
+              <a:t>How to take the complex, abstract real world and represent it in concrete ways in code</a:t>
+            </a:r>
+          </a:p>
+          <a:p>
             <a:endParaRPr lang="en-US" dirty="0"/>
           </a:p>
         </p:txBody>
@@ -7923,20 +8314,13 @@
     </p:spTree>
     <p:extLst>
       <p:ext uri="{BB962C8B-B14F-4D97-AF65-F5344CB8AC3E}">
-        <p14:creationId xmlns:p14="http://schemas.microsoft.com/office/powerpoint/2010/main" val="684662386"/>
+        <p14:creationId xmlns:p14="http://schemas.microsoft.com/office/powerpoint/2010/main" val="2758694795"/>
       </p:ext>
     </p:extLst>
   </p:cSld>
   <p:clrMapOvr>
     <a:masterClrMapping/>
   </p:clrMapOvr>
-  <p:timing>
-    <p:tnLst>
-      <p:par>
-        <p:cTn id="1" dur="indefinite" restart="never" nodeType="tmRoot"/>
-      </p:par>
-    </p:tnLst>
-  </p:timing>
 </p:sld>
 </file>
 
@@ -7973,14 +8357,9 @@
           <a:lstStyle/>
           <a:p>
             <a:r>
-              <a:rPr lang="en-US" dirty="0" smtClean="0"/>
-              <a:t>Exercise - </a:t>
-            </a:r>
-            <a:r>
-              <a:rPr lang="en-US" dirty="0" err="1" smtClean="0"/>
-              <a:t>Maths</a:t>
-            </a:r>
-            <a:endParaRPr lang="en-US" dirty="0"/>
+              <a:rPr lang="en-US" dirty="0"/>
+              <a:t>And now…</a:t>
+            </a:r>
           </a:p>
         </p:txBody>
       </p:sp>
@@ -8000,51 +8379,22 @@
           <a:lstStyle/>
           <a:p>
             <a:r>
-              <a:rPr lang="en-US" dirty="0" smtClean="0"/>
-              <a:t>Write down some common math formulas you may remember from school or have used before</a:t>
-            </a:r>
-          </a:p>
-          <a:p>
-            <a:pPr lvl="1"/>
-            <a:r>
-              <a:rPr lang="en-US" dirty="0" smtClean="0"/>
-              <a:t>You may use things like Pi</a:t>
-            </a:r>
-          </a:p>
-          <a:p>
-            <a:pPr lvl="1"/>
-            <a:r>
-              <a:rPr lang="en-US" dirty="0" smtClean="0"/>
-              <a:t>It’s ok if you don’t remember exact formulas for things</a:t>
-            </a:r>
-          </a:p>
-          <a:p>
-            <a:pPr lvl="1"/>
-            <a:r>
-              <a:rPr lang="en-US" dirty="0" smtClean="0"/>
-              <a:t>Make some up</a:t>
-            </a:r>
-            <a:endParaRPr lang="en-US" dirty="0"/>
+              <a:rPr lang="en-US" dirty="0"/>
+              <a:t>To the IDE!</a:t>
+            </a:r>
           </a:p>
         </p:txBody>
       </p:sp>
     </p:spTree>
     <p:extLst>
       <p:ext uri="{BB962C8B-B14F-4D97-AF65-F5344CB8AC3E}">
-        <p14:creationId xmlns:p14="http://schemas.microsoft.com/office/powerpoint/2010/main" val="2295995555"/>
+        <p14:creationId xmlns:p14="http://schemas.microsoft.com/office/powerpoint/2010/main" val="3691190770"/>
       </p:ext>
     </p:extLst>
   </p:cSld>
   <p:clrMapOvr>
     <a:masterClrMapping/>
   </p:clrMapOvr>
-  <p:timing>
-    <p:tnLst>
-      <p:par>
-        <p:cTn id="1" dur="indefinite" restart="never" nodeType="tmRoot"/>
-      </p:par>
-    </p:tnLst>
-  </p:timing>
 </p:sld>
 </file>
 

--- a/Code/Slides/Academy PGH 1.1.pptx
+++ b/Code/Slides/Academy PGH 1.1.pptx
@@ -4,53 +4,57 @@
   <p:sldMasterIdLst>
     <p:sldMasterId id="2147483648" r:id="rId1"/>
   </p:sldMasterIdLst>
+  <p:notesMasterIdLst>
+    <p:notesMasterId r:id="rId49"/>
+  </p:notesMasterIdLst>
   <p:sldIdLst>
     <p:sldId id="256" r:id="rId2"/>
     <p:sldId id="291" r:id="rId3"/>
     <p:sldId id="301" r:id="rId4"/>
     <p:sldId id="302" r:id="rId5"/>
-    <p:sldId id="294" r:id="rId6"/>
-    <p:sldId id="257" r:id="rId7"/>
-    <p:sldId id="258" r:id="rId8"/>
-    <p:sldId id="259" r:id="rId9"/>
-    <p:sldId id="260" r:id="rId10"/>
-    <p:sldId id="261" r:id="rId11"/>
-    <p:sldId id="262" r:id="rId12"/>
-    <p:sldId id="263" r:id="rId13"/>
-    <p:sldId id="264" r:id="rId14"/>
-    <p:sldId id="269" r:id="rId15"/>
-    <p:sldId id="295" r:id="rId16"/>
-    <p:sldId id="265" r:id="rId17"/>
-    <p:sldId id="267" r:id="rId18"/>
-    <p:sldId id="266" r:id="rId19"/>
-    <p:sldId id="268" r:id="rId20"/>
-    <p:sldId id="271" r:id="rId21"/>
-    <p:sldId id="270" r:id="rId22"/>
-    <p:sldId id="272" r:id="rId23"/>
-    <p:sldId id="273" r:id="rId24"/>
-    <p:sldId id="274" r:id="rId25"/>
-    <p:sldId id="275" r:id="rId26"/>
-    <p:sldId id="276" r:id="rId27"/>
-    <p:sldId id="277" r:id="rId28"/>
-    <p:sldId id="278" r:id="rId29"/>
-    <p:sldId id="279" r:id="rId30"/>
-    <p:sldId id="280" r:id="rId31"/>
-    <p:sldId id="281" r:id="rId32"/>
-    <p:sldId id="282" r:id="rId33"/>
-    <p:sldId id="283" r:id="rId34"/>
-    <p:sldId id="284" r:id="rId35"/>
-    <p:sldId id="285" r:id="rId36"/>
-    <p:sldId id="286" r:id="rId37"/>
-    <p:sldId id="287" r:id="rId38"/>
-    <p:sldId id="288" r:id="rId39"/>
-    <p:sldId id="289" r:id="rId40"/>
-    <p:sldId id="293" r:id="rId41"/>
-    <p:sldId id="292" r:id="rId42"/>
-    <p:sldId id="296" r:id="rId43"/>
-    <p:sldId id="298" r:id="rId44"/>
-    <p:sldId id="299" r:id="rId45"/>
-    <p:sldId id="300" r:id="rId46"/>
-    <p:sldId id="297" r:id="rId47"/>
+    <p:sldId id="303" r:id="rId6"/>
+    <p:sldId id="294" r:id="rId7"/>
+    <p:sldId id="257" r:id="rId8"/>
+    <p:sldId id="258" r:id="rId9"/>
+    <p:sldId id="259" r:id="rId10"/>
+    <p:sldId id="260" r:id="rId11"/>
+    <p:sldId id="261" r:id="rId12"/>
+    <p:sldId id="262" r:id="rId13"/>
+    <p:sldId id="263" r:id="rId14"/>
+    <p:sldId id="264" r:id="rId15"/>
+    <p:sldId id="269" r:id="rId16"/>
+    <p:sldId id="295" r:id="rId17"/>
+    <p:sldId id="265" r:id="rId18"/>
+    <p:sldId id="267" r:id="rId19"/>
+    <p:sldId id="266" r:id="rId20"/>
+    <p:sldId id="268" r:id="rId21"/>
+    <p:sldId id="271" r:id="rId22"/>
+    <p:sldId id="270" r:id="rId23"/>
+    <p:sldId id="272" r:id="rId24"/>
+    <p:sldId id="273" r:id="rId25"/>
+    <p:sldId id="274" r:id="rId26"/>
+    <p:sldId id="275" r:id="rId27"/>
+    <p:sldId id="276" r:id="rId28"/>
+    <p:sldId id="277" r:id="rId29"/>
+    <p:sldId id="278" r:id="rId30"/>
+    <p:sldId id="279" r:id="rId31"/>
+    <p:sldId id="280" r:id="rId32"/>
+    <p:sldId id="281" r:id="rId33"/>
+    <p:sldId id="282" r:id="rId34"/>
+    <p:sldId id="283" r:id="rId35"/>
+    <p:sldId id="284" r:id="rId36"/>
+    <p:sldId id="285" r:id="rId37"/>
+    <p:sldId id="286" r:id="rId38"/>
+    <p:sldId id="287" r:id="rId39"/>
+    <p:sldId id="288" r:id="rId40"/>
+    <p:sldId id="289" r:id="rId41"/>
+    <p:sldId id="293" r:id="rId42"/>
+    <p:sldId id="292" r:id="rId43"/>
+    <p:sldId id="296" r:id="rId44"/>
+    <p:sldId id="298" r:id="rId45"/>
+    <p:sldId id="299" r:id="rId46"/>
+    <p:sldId id="300" r:id="rId47"/>
+    <p:sldId id="297" r:id="rId48"/>
   </p:sldIdLst>
   <p:sldSz cx="12192000" cy="6858000"/>
   <p:notesSz cx="6858000" cy="9144000"/>
@@ -158,6 +162,7 @@
             <p14:sldId id="291"/>
             <p14:sldId id="301"/>
             <p14:sldId id="302"/>
+            <p14:sldId id="303"/>
             <p14:sldId id="294"/>
             <p14:sldId id="257"/>
             <p14:sldId id="258"/>
@@ -255,6 +260,442 @@
 </p:presentation>
 </file>
 
+<file path=ppt/notesMasters/notesMaster1.xml><?xml version="1.0" encoding="utf-8"?>
+<p:notesMaster xmlns:a="http://schemas.openxmlformats.org/drawingml/2006/main" xmlns:r="http://schemas.openxmlformats.org/officeDocument/2006/relationships" xmlns:p="http://schemas.openxmlformats.org/presentationml/2006/main">
+  <p:cSld>
+    <p:bg>
+      <p:bgRef idx="1001">
+        <a:schemeClr val="bg1"/>
+      </p:bgRef>
+    </p:bg>
+    <p:spTree>
+      <p:nvGrpSpPr>
+        <p:cNvPr id="1" name=""/>
+        <p:cNvGrpSpPr/>
+        <p:nvPr/>
+      </p:nvGrpSpPr>
+      <p:grpSpPr>
+        <a:xfrm>
+          <a:off x="0" y="0"/>
+          <a:ext cx="0" cy="0"/>
+          <a:chOff x="0" y="0"/>
+          <a:chExt cx="0" cy="0"/>
+        </a:xfrm>
+      </p:grpSpPr>
+      <p:sp>
+        <p:nvSpPr>
+          <p:cNvPr id="2" name="Header Placeholder 1"/>
+          <p:cNvSpPr>
+            <a:spLocks noGrp="1"/>
+          </p:cNvSpPr>
+          <p:nvPr>
+            <p:ph type="hdr" sz="quarter"/>
+          </p:nvPr>
+        </p:nvSpPr>
+        <p:spPr>
+          <a:xfrm>
+            <a:off x="0" y="0"/>
+            <a:ext cx="2971800" cy="458788"/>
+          </a:xfrm>
+          <a:prstGeom prst="rect">
+            <a:avLst/>
+          </a:prstGeom>
+        </p:spPr>
+        <p:txBody>
+          <a:bodyPr vert="horz" lIns="91440" tIns="45720" rIns="91440" bIns="45720" rtlCol="0"/>
+          <a:lstStyle>
+            <a:lvl1pPr algn="l">
+              <a:defRPr sz="1200"/>
+            </a:lvl1pPr>
+          </a:lstStyle>
+          <a:p>
+            <a:endParaRPr lang="en-US"/>
+          </a:p>
+        </p:txBody>
+      </p:sp>
+      <p:sp>
+        <p:nvSpPr>
+          <p:cNvPr id="3" name="Date Placeholder 2"/>
+          <p:cNvSpPr>
+            <a:spLocks noGrp="1"/>
+          </p:cNvSpPr>
+          <p:nvPr>
+            <p:ph type="dt" idx="1"/>
+          </p:nvPr>
+        </p:nvSpPr>
+        <p:spPr>
+          <a:xfrm>
+            <a:off x="3884613" y="0"/>
+            <a:ext cx="2971800" cy="458788"/>
+          </a:xfrm>
+          <a:prstGeom prst="rect">
+            <a:avLst/>
+          </a:prstGeom>
+        </p:spPr>
+        <p:txBody>
+          <a:bodyPr vert="horz" lIns="91440" tIns="45720" rIns="91440" bIns="45720" rtlCol="0"/>
+          <a:lstStyle>
+            <a:lvl1pPr algn="r">
+              <a:defRPr sz="1200"/>
+            </a:lvl1pPr>
+          </a:lstStyle>
+          <a:p>
+            <a:fld id="{298EE10B-319A-4315-8B9F-0D9CA3A07412}" type="datetimeFigureOut">
+              <a:rPr lang="en-US"/>
+              <a:t>9/18/2017</a:t>
+            </a:fld>
+            <a:endParaRPr lang="en-US"/>
+          </a:p>
+        </p:txBody>
+      </p:sp>
+      <p:sp>
+        <p:nvSpPr>
+          <p:cNvPr id="4" name="Slide Image Placeholder 3"/>
+          <p:cNvSpPr>
+            <a:spLocks noGrp="1" noRot="1" noChangeAspect="1"/>
+          </p:cNvSpPr>
+          <p:nvPr>
+            <p:ph type="sldImg" idx="2"/>
+          </p:nvPr>
+        </p:nvSpPr>
+        <p:spPr>
+          <a:xfrm>
+            <a:off x="685800" y="1143000"/>
+            <a:ext cx="5486400" cy="3086100"/>
+          </a:xfrm>
+          <a:prstGeom prst="rect">
+            <a:avLst/>
+          </a:prstGeom>
+          <a:noFill/>
+          <a:ln w="12700">
+            <a:solidFill>
+              <a:prstClr val="black"/>
+            </a:solidFill>
+          </a:ln>
+        </p:spPr>
+        <p:txBody>
+          <a:bodyPr vert="horz" lIns="91440" tIns="45720" rIns="91440" bIns="45720" rtlCol="0" anchor="ctr"/>
+          <a:lstStyle/>
+          <a:p>
+            <a:endParaRPr lang="en-US"/>
+          </a:p>
+        </p:txBody>
+      </p:sp>
+      <p:sp>
+        <p:nvSpPr>
+          <p:cNvPr id="5" name="Notes Placeholder 4"/>
+          <p:cNvSpPr>
+            <a:spLocks noGrp="1"/>
+          </p:cNvSpPr>
+          <p:nvPr>
+            <p:ph type="body" sz="quarter" idx="3"/>
+          </p:nvPr>
+        </p:nvSpPr>
+        <p:spPr>
+          <a:xfrm>
+            <a:off x="685800" y="4400550"/>
+            <a:ext cx="5486400" cy="3600450"/>
+          </a:xfrm>
+          <a:prstGeom prst="rect">
+            <a:avLst/>
+          </a:prstGeom>
+        </p:spPr>
+        <p:txBody>
+          <a:bodyPr vert="horz" lIns="91440" tIns="45720" rIns="91440" bIns="45720" rtlCol="0"/>
+          <a:lstStyle/>
+          <a:p>
+            <a:pPr lvl="0"/>
+            <a:r>
+              <a:rPr lang="en-US"/>
+              <a:t>Edit Master text styles</a:t>
+            </a:r>
+          </a:p>
+          <a:p>
+            <a:pPr lvl="1"/>
+            <a:r>
+              <a:rPr lang="en-US"/>
+              <a:t>Second level</a:t>
+            </a:r>
+          </a:p>
+          <a:p>
+            <a:pPr lvl="2"/>
+            <a:r>
+              <a:rPr lang="en-US"/>
+              <a:t>Third level</a:t>
+            </a:r>
+          </a:p>
+          <a:p>
+            <a:pPr lvl="3"/>
+            <a:r>
+              <a:rPr lang="en-US"/>
+              <a:t>Fourth level</a:t>
+            </a:r>
+          </a:p>
+          <a:p>
+            <a:pPr lvl="4"/>
+            <a:r>
+              <a:rPr lang="en-US"/>
+              <a:t>Fifth level</a:t>
+            </a:r>
+          </a:p>
+        </p:txBody>
+      </p:sp>
+      <p:sp>
+        <p:nvSpPr>
+          <p:cNvPr id="6" name="Footer Placeholder 5"/>
+          <p:cNvSpPr>
+            <a:spLocks noGrp="1"/>
+          </p:cNvSpPr>
+          <p:nvPr>
+            <p:ph type="ftr" sz="quarter" idx="4"/>
+          </p:nvPr>
+        </p:nvSpPr>
+        <p:spPr>
+          <a:xfrm>
+            <a:off x="0" y="8685213"/>
+            <a:ext cx="2971800" cy="458787"/>
+          </a:xfrm>
+          <a:prstGeom prst="rect">
+            <a:avLst/>
+          </a:prstGeom>
+        </p:spPr>
+        <p:txBody>
+          <a:bodyPr vert="horz" lIns="91440" tIns="45720" rIns="91440" bIns="45720" rtlCol="0" anchor="b"/>
+          <a:lstStyle>
+            <a:lvl1pPr algn="l">
+              <a:defRPr sz="1200"/>
+            </a:lvl1pPr>
+          </a:lstStyle>
+          <a:p>
+            <a:endParaRPr lang="en-US"/>
+          </a:p>
+        </p:txBody>
+      </p:sp>
+      <p:sp>
+        <p:nvSpPr>
+          <p:cNvPr id="7" name="Slide Number Placeholder 6"/>
+          <p:cNvSpPr>
+            <a:spLocks noGrp="1"/>
+          </p:cNvSpPr>
+          <p:nvPr>
+            <p:ph type="sldNum" sz="quarter" idx="5"/>
+          </p:nvPr>
+        </p:nvSpPr>
+        <p:spPr>
+          <a:xfrm>
+            <a:off x="3884613" y="8685213"/>
+            <a:ext cx="2971800" cy="458787"/>
+          </a:xfrm>
+          <a:prstGeom prst="rect">
+            <a:avLst/>
+          </a:prstGeom>
+        </p:spPr>
+        <p:txBody>
+          <a:bodyPr vert="horz" lIns="91440" tIns="45720" rIns="91440" bIns="45720" rtlCol="0" anchor="b"/>
+          <a:lstStyle>
+            <a:lvl1pPr algn="r">
+              <a:defRPr sz="1200"/>
+            </a:lvl1pPr>
+          </a:lstStyle>
+          <a:p>
+            <a:fld id="{B329B12C-377E-4E21-8AE2-D4755D32B594}" type="slidenum">
+              <a:rPr lang="en-US"/>
+              <a:t>‹#›</a:t>
+            </a:fld>
+            <a:endParaRPr lang="en-US"/>
+          </a:p>
+        </p:txBody>
+      </p:sp>
+    </p:spTree>
+    <p:extLst>
+      <p:ext uri="{BB962C8B-B14F-4D97-AF65-F5344CB8AC3E}">
+        <p14:creationId xmlns:p14="http://schemas.microsoft.com/office/powerpoint/2010/main" val="3192624373"/>
+      </p:ext>
+    </p:extLst>
+  </p:cSld>
+  <p:clrMap bg1="lt1" tx1="dk1" bg2="lt2" tx2="dk2" accent1="accent1" accent2="accent2" accent3="accent3" accent4="accent4" accent5="accent5" accent6="accent6" hlink="hlink" folHlink="folHlink"/>
+  <p:notesStyle>
+    <a:lvl1pPr marL="0" algn="l" defTabSz="914400" rtl="0" eaLnBrk="1" latinLnBrk="0" hangingPunct="1">
+      <a:defRPr sz="1200" kern="1200">
+        <a:solidFill>
+          <a:schemeClr val="tx1"/>
+        </a:solidFill>
+        <a:latin typeface="+mn-lt"/>
+        <a:ea typeface="+mn-ea"/>
+        <a:cs typeface="+mn-cs"/>
+      </a:defRPr>
+    </a:lvl1pPr>
+    <a:lvl2pPr marL="457200" algn="l" defTabSz="914400" rtl="0" eaLnBrk="1" latinLnBrk="0" hangingPunct="1">
+      <a:defRPr sz="1200" kern="1200">
+        <a:solidFill>
+          <a:schemeClr val="tx1"/>
+        </a:solidFill>
+        <a:latin typeface="+mn-lt"/>
+        <a:ea typeface="+mn-ea"/>
+        <a:cs typeface="+mn-cs"/>
+      </a:defRPr>
+    </a:lvl2pPr>
+    <a:lvl3pPr marL="914400" algn="l" defTabSz="914400" rtl="0" eaLnBrk="1" latinLnBrk="0" hangingPunct="1">
+      <a:defRPr sz="1200" kern="1200">
+        <a:solidFill>
+          <a:schemeClr val="tx1"/>
+        </a:solidFill>
+        <a:latin typeface="+mn-lt"/>
+        <a:ea typeface="+mn-ea"/>
+        <a:cs typeface="+mn-cs"/>
+      </a:defRPr>
+    </a:lvl3pPr>
+    <a:lvl4pPr marL="1371600" algn="l" defTabSz="914400" rtl="0" eaLnBrk="1" latinLnBrk="0" hangingPunct="1">
+      <a:defRPr sz="1200" kern="1200">
+        <a:solidFill>
+          <a:schemeClr val="tx1"/>
+        </a:solidFill>
+        <a:latin typeface="+mn-lt"/>
+        <a:ea typeface="+mn-ea"/>
+        <a:cs typeface="+mn-cs"/>
+      </a:defRPr>
+    </a:lvl4pPr>
+    <a:lvl5pPr marL="1828800" algn="l" defTabSz="914400" rtl="0" eaLnBrk="1" latinLnBrk="0" hangingPunct="1">
+      <a:defRPr sz="1200" kern="1200">
+        <a:solidFill>
+          <a:schemeClr val="tx1"/>
+        </a:solidFill>
+        <a:latin typeface="+mn-lt"/>
+        <a:ea typeface="+mn-ea"/>
+        <a:cs typeface="+mn-cs"/>
+      </a:defRPr>
+    </a:lvl5pPr>
+    <a:lvl6pPr marL="2286000" algn="l" defTabSz="914400" rtl="0" eaLnBrk="1" latinLnBrk="0" hangingPunct="1">
+      <a:defRPr sz="1200" kern="1200">
+        <a:solidFill>
+          <a:schemeClr val="tx1"/>
+        </a:solidFill>
+        <a:latin typeface="+mn-lt"/>
+        <a:ea typeface="+mn-ea"/>
+        <a:cs typeface="+mn-cs"/>
+      </a:defRPr>
+    </a:lvl6pPr>
+    <a:lvl7pPr marL="2743200" algn="l" defTabSz="914400" rtl="0" eaLnBrk="1" latinLnBrk="0" hangingPunct="1">
+      <a:defRPr sz="1200" kern="1200">
+        <a:solidFill>
+          <a:schemeClr val="tx1"/>
+        </a:solidFill>
+        <a:latin typeface="+mn-lt"/>
+        <a:ea typeface="+mn-ea"/>
+        <a:cs typeface="+mn-cs"/>
+      </a:defRPr>
+    </a:lvl7pPr>
+    <a:lvl8pPr marL="3200400" algn="l" defTabSz="914400" rtl="0" eaLnBrk="1" latinLnBrk="0" hangingPunct="1">
+      <a:defRPr sz="1200" kern="1200">
+        <a:solidFill>
+          <a:schemeClr val="tx1"/>
+        </a:solidFill>
+        <a:latin typeface="+mn-lt"/>
+        <a:ea typeface="+mn-ea"/>
+        <a:cs typeface="+mn-cs"/>
+      </a:defRPr>
+    </a:lvl8pPr>
+    <a:lvl9pPr marL="3657600" algn="l" defTabSz="914400" rtl="0" eaLnBrk="1" latinLnBrk="0" hangingPunct="1">
+      <a:defRPr sz="1200" kern="1200">
+        <a:solidFill>
+          <a:schemeClr val="tx1"/>
+        </a:solidFill>
+        <a:latin typeface="+mn-lt"/>
+        <a:ea typeface="+mn-ea"/>
+        <a:cs typeface="+mn-cs"/>
+      </a:defRPr>
+    </a:lvl9pPr>
+  </p:notesStyle>
+</p:notesMaster>
+</file>
+
+<file path=ppt/notesSlides/notesSlide1.xml><?xml version="1.0" encoding="utf-8"?>
+<p:notes xmlns:a="http://schemas.openxmlformats.org/drawingml/2006/main" xmlns:r="http://schemas.openxmlformats.org/officeDocument/2006/relationships" xmlns:p="http://schemas.openxmlformats.org/presentationml/2006/main">
+  <p:cSld>
+    <p:spTree>
+      <p:nvGrpSpPr>
+        <p:cNvPr id="1" name=""/>
+        <p:cNvGrpSpPr/>
+        <p:nvPr/>
+      </p:nvGrpSpPr>
+      <p:grpSpPr>
+        <a:xfrm>
+          <a:off x="0" y="0"/>
+          <a:ext cx="0" cy="0"/>
+          <a:chOff x="0" y="0"/>
+          <a:chExt cx="0" cy="0"/>
+        </a:xfrm>
+      </p:grpSpPr>
+      <p:sp>
+        <p:nvSpPr>
+          <p:cNvPr id="2" name="Slide Image Placeholder 1"/>
+          <p:cNvSpPr>
+            <a:spLocks noGrp="1" noRot="1" noChangeAspect="1"/>
+          </p:cNvSpPr>
+          <p:nvPr>
+            <p:ph type="sldImg"/>
+          </p:nvPr>
+        </p:nvSpPr>
+        <p:spPr/>
+      </p:sp>
+      <p:sp>
+        <p:nvSpPr>
+          <p:cNvPr id="3" name="Notes Placeholder 2"/>
+          <p:cNvSpPr>
+            <a:spLocks noGrp="1"/>
+          </p:cNvSpPr>
+          <p:nvPr>
+            <p:ph type="body" idx="1"/>
+          </p:nvPr>
+        </p:nvSpPr>
+        <p:spPr/>
+        <p:txBody>
+          <a:bodyPr/>
+          <a:lstStyle/>
+          <a:p>
+            <a:r>
+              <a:rPr lang="EN-US" dirty="0"/>
+              <a:t>I specifically don't cover string interpolation here to allow it to be covered in Ruby, then when going back to C# show it then.</a:t>
+            </a:r>
+          </a:p>
+        </p:txBody>
+      </p:sp>
+      <p:sp>
+        <p:nvSpPr>
+          <p:cNvPr id="4" name="Slide Number Placeholder 3"/>
+          <p:cNvSpPr>
+            <a:spLocks noGrp="1"/>
+          </p:cNvSpPr>
+          <p:nvPr>
+            <p:ph type="sldNum" sz="quarter" idx="10"/>
+          </p:nvPr>
+        </p:nvSpPr>
+        <p:spPr/>
+        <p:txBody>
+          <a:bodyPr/>
+          <a:lstStyle/>
+          <a:p>
+            <a:fld id="{B329B12C-377E-4E21-8AE2-D4755D32B594}" type="slidenum">
+              <a:rPr lang="en-US"/>
+              <a:t>42</a:t>
+            </a:fld>
+            <a:endParaRPr lang="en-US"/>
+          </a:p>
+        </p:txBody>
+      </p:sp>
+    </p:spTree>
+    <p:extLst>
+      <p:ext uri="{BB962C8B-B14F-4D97-AF65-F5344CB8AC3E}">
+        <p14:creationId xmlns:p14="http://schemas.microsoft.com/office/powerpoint/2010/main" val="166080004"/>
+      </p:ext>
+    </p:extLst>
+  </p:cSld>
+  <p:clrMapOvr>
+    <a:masterClrMapping/>
+  </p:clrMapOvr>
+</p:notes>
+</file>
+
 <file path=ppt/slideLayouts/slideLayout1.xml><?xml version="1.0" encoding="utf-8"?>
 <p:sldLayout xmlns:a="http://schemas.openxmlformats.org/drawingml/2006/main" xmlns:r="http://schemas.openxmlformats.org/officeDocument/2006/relationships" xmlns:p="http://schemas.openxmlformats.org/presentationml/2006/main" type="title" preserve="1">
   <p:cSld name="Title Slide">
@@ -384,7 +825,7 @@
           <a:p>
             <a:fld id="{A0D5A457-80BB-4542-9113-D0F48A70DEEA}" type="datetimeFigureOut">
               <a:rPr lang="en-US" smtClean="0"/>
-              <a:t>9/18/2016</a:t>
+              <a:t>9/18/2017</a:t>
             </a:fld>
             <a:endParaRPr lang="en-US"/>
           </a:p>
@@ -552,7 +993,7 @@
           <a:p>
             <a:fld id="{A0D5A457-80BB-4542-9113-D0F48A70DEEA}" type="datetimeFigureOut">
               <a:rPr lang="en-US" smtClean="0"/>
-              <a:t>9/18/2016</a:t>
+              <a:t>9/18/2017</a:t>
             </a:fld>
             <a:endParaRPr lang="en-US"/>
           </a:p>
@@ -730,7 +1171,7 @@
           <a:p>
             <a:fld id="{A0D5A457-80BB-4542-9113-D0F48A70DEEA}" type="datetimeFigureOut">
               <a:rPr lang="en-US" smtClean="0"/>
-              <a:t>9/18/2016</a:t>
+              <a:t>9/18/2017</a:t>
             </a:fld>
             <a:endParaRPr lang="en-US"/>
           </a:p>
@@ -898,7 +1339,7 @@
           <a:p>
             <a:fld id="{A0D5A457-80BB-4542-9113-D0F48A70DEEA}" type="datetimeFigureOut">
               <a:rPr lang="en-US" smtClean="0"/>
-              <a:t>9/18/2016</a:t>
+              <a:t>9/18/2017</a:t>
             </a:fld>
             <a:endParaRPr lang="en-US"/>
           </a:p>
@@ -1143,7 +1584,7 @@
           <a:p>
             <a:fld id="{A0D5A457-80BB-4542-9113-D0F48A70DEEA}" type="datetimeFigureOut">
               <a:rPr lang="en-US" smtClean="0"/>
-              <a:t>9/18/2016</a:t>
+              <a:t>9/18/2017</a:t>
             </a:fld>
             <a:endParaRPr lang="en-US"/>
           </a:p>
@@ -1372,7 +1813,7 @@
           <a:p>
             <a:fld id="{A0D5A457-80BB-4542-9113-D0F48A70DEEA}" type="datetimeFigureOut">
               <a:rPr lang="en-US" smtClean="0"/>
-              <a:t>9/18/2016</a:t>
+              <a:t>9/18/2017</a:t>
             </a:fld>
             <a:endParaRPr lang="en-US"/>
           </a:p>
@@ -1736,7 +2177,7 @@
           <a:p>
             <a:fld id="{A0D5A457-80BB-4542-9113-D0F48A70DEEA}" type="datetimeFigureOut">
               <a:rPr lang="en-US" smtClean="0"/>
-              <a:t>9/18/2016</a:t>
+              <a:t>9/18/2017</a:t>
             </a:fld>
             <a:endParaRPr lang="en-US"/>
           </a:p>
@@ -1853,7 +2294,7 @@
           <a:p>
             <a:fld id="{A0D5A457-80BB-4542-9113-D0F48A70DEEA}" type="datetimeFigureOut">
               <a:rPr lang="en-US" smtClean="0"/>
-              <a:t>9/18/2016</a:t>
+              <a:t>9/18/2017</a:t>
             </a:fld>
             <a:endParaRPr lang="en-US"/>
           </a:p>
@@ -1948,7 +2389,7 @@
           <a:p>
             <a:fld id="{A0D5A457-80BB-4542-9113-D0F48A70DEEA}" type="datetimeFigureOut">
               <a:rPr lang="en-US" smtClean="0"/>
-              <a:t>9/18/2016</a:t>
+              <a:t>9/18/2017</a:t>
             </a:fld>
             <a:endParaRPr lang="en-US"/>
           </a:p>
@@ -2223,7 +2664,7 @@
           <a:p>
             <a:fld id="{A0D5A457-80BB-4542-9113-D0F48A70DEEA}" type="datetimeFigureOut">
               <a:rPr lang="en-US" smtClean="0"/>
-              <a:t>9/18/2016</a:t>
+              <a:t>9/18/2017</a:t>
             </a:fld>
             <a:endParaRPr lang="en-US"/>
           </a:p>
@@ -2475,7 +2916,7 @@
           <a:p>
             <a:fld id="{A0D5A457-80BB-4542-9113-D0F48A70DEEA}" type="datetimeFigureOut">
               <a:rPr lang="en-US" smtClean="0"/>
-              <a:t>9/18/2016</a:t>
+              <a:t>9/18/2017</a:t>
             </a:fld>
             <a:endParaRPr lang="en-US"/>
           </a:p>
@@ -2686,7 +3127,7 @@
           <a:p>
             <a:fld id="{A0D5A457-80BB-4542-9113-D0F48A70DEEA}" type="datetimeFigureOut">
               <a:rPr lang="en-US" smtClean="0"/>
-              <a:t>9/18/2016</a:t>
+              <a:t>9/18/2017</a:t>
             </a:fld>
             <a:endParaRPr lang="en-US"/>
           </a:p>
@@ -3108,7 +3549,7 @@
           <a:p>
             <a:r>
               <a:rPr lang="en-US" dirty="0"/>
-              <a:t>Academy PGH Session 2!</a:t>
+              <a:t>Academy PGH Session 4!</a:t>
             </a:r>
           </a:p>
         </p:txBody>
@@ -3125,7 +3566,9 @@
         </p:nvSpPr>
         <p:spPr/>
         <p:txBody>
-          <a:bodyPr/>
+          <a:bodyPr vert="horz" lIns="91440" tIns="45720" rIns="91440" bIns="45720" rtlCol="0" anchor="t">
+            <a:normAutofit/>
+          </a:bodyPr>
           <a:lstStyle/>
           <a:p>
             <a:r>
@@ -3136,7 +3579,7 @@
           <a:p>
             <a:r>
               <a:rPr lang="en-US" dirty="0"/>
-              <a:t>#AcademyPgh2 if you want to do the twitter things</a:t>
+              <a:t>#AcademyPgh4 if you want to do the twitter things</a:t>
             </a:r>
           </a:p>
         </p:txBody>
@@ -3188,7 +3631,7 @@
           <a:p>
             <a:r>
               <a:rPr lang="en-US" dirty="0"/>
-              <a:t>Math in Programming</a:t>
+              <a:t>And now…</a:t>
             </a:r>
           </a:p>
         </p:txBody>
@@ -3210,56 +3653,7 @@
           <a:p>
             <a:r>
               <a:rPr lang="en-US" dirty="0"/>
-              <a:t>Uses the normal mathematical symbols</a:t>
-            </a:r>
-          </a:p>
-          <a:p>
-            <a:pPr lvl="1"/>
-            <a:r>
-              <a:rPr lang="en-US" dirty="0"/>
-              <a:t>+, -, * (multiply), / (divide), ^ (exponent), % (modulus)</a:t>
-            </a:r>
-          </a:p>
-          <a:p>
-            <a:pPr lvl="1"/>
-            <a:r>
-              <a:rPr lang="en-US" dirty="0"/>
-              <a:t>= is the assignment operator, we will talk about it in the next section</a:t>
-            </a:r>
-          </a:p>
-          <a:p>
-            <a:pPr lvl="1"/>
-            <a:r>
-              <a:rPr lang="en-US" dirty="0"/>
-              <a:t>There are a few special operators, ++, +=, --, -=, *= and /= which are used in the next section as well</a:t>
-            </a:r>
-          </a:p>
-          <a:p>
-            <a:r>
-              <a:rPr lang="en-US" dirty="0"/>
-              <a:t>Uses the normal order of operations</a:t>
-            </a:r>
-          </a:p>
-          <a:p>
-            <a:pPr lvl="1"/>
-            <a:r>
-              <a:rPr lang="en-US" dirty="0"/>
-              <a:t>(</a:t>
-            </a:r>
-            <a:r>
-              <a:rPr lang="en-US" dirty="0" err="1"/>
-              <a:t>parens</a:t>
-            </a:r>
-            <a:r>
-              <a:rPr lang="en-US" dirty="0"/>
-              <a:t>) first, then multiply/divide, finally add/subtract</a:t>
-            </a:r>
-          </a:p>
-          <a:p>
-            <a:pPr lvl="1"/>
-            <a:r>
-              <a:rPr lang="en-US" dirty="0"/>
-              <a:t>While it will normally not matter, if everything else is equal, each symbol will be evaluated left to right (2 + 2 – 2) the + will happen first, then the -.</a:t>
+              <a:t>To the IDE!</a:t>
             </a:r>
           </a:p>
         </p:txBody>
@@ -3267,7 +3661,7 @@
     </p:spTree>
     <p:extLst>
       <p:ext uri="{BB962C8B-B14F-4D97-AF65-F5344CB8AC3E}">
-        <p14:creationId xmlns:p14="http://schemas.microsoft.com/office/powerpoint/2010/main" val="684662386"/>
+        <p14:creationId xmlns:p14="http://schemas.microsoft.com/office/powerpoint/2010/main" val="3691190770"/>
       </p:ext>
     </p:extLst>
   </p:cSld>
@@ -3311,55 +3705,78 @@
           <a:p>
             <a:r>
               <a:rPr lang="en-US" dirty="0"/>
-              <a:t>Exercise - </a:t>
+              <a:t>Math in Programming</a:t>
+            </a:r>
+          </a:p>
+        </p:txBody>
+      </p:sp>
+      <p:sp>
+        <p:nvSpPr>
+          <p:cNvPr id="3" name="Content Placeholder 2"/>
+          <p:cNvSpPr>
+            <a:spLocks noGrp="1"/>
+          </p:cNvSpPr>
+          <p:nvPr>
+            <p:ph idx="1"/>
+          </p:nvPr>
+        </p:nvSpPr>
+        <p:spPr/>
+        <p:txBody>
+          <a:bodyPr/>
+          <a:lstStyle/>
+          <a:p>
+            <a:r>
+              <a:rPr lang="en-US" dirty="0"/>
+              <a:t>Uses the normal mathematical symbols</a:t>
+            </a:r>
+          </a:p>
+          <a:p>
+            <a:pPr lvl="1"/>
+            <a:r>
+              <a:rPr lang="en-US" dirty="0"/>
+              <a:t>+, -, * (multiply), / (divide), % (modulus)</a:t>
+            </a:r>
+          </a:p>
+          <a:p>
+            <a:pPr lvl="1"/>
+            <a:r>
+              <a:rPr lang="en-US" dirty="0"/>
+              <a:t>= is the assignment operator, we will talk about it in the next section</a:t>
+            </a:r>
+          </a:p>
+          <a:p>
+            <a:pPr lvl="1"/>
+            <a:r>
+              <a:rPr lang="en-US" dirty="0"/>
+              <a:t>There are a few special operators, ++, +=, --, -=, *= and /= which are used in the next section as well</a:t>
+            </a:r>
+          </a:p>
+          <a:p>
+            <a:r>
+              <a:rPr lang="en-US" dirty="0"/>
+              <a:t>Uses the normal order of operations</a:t>
+            </a:r>
+          </a:p>
+          <a:p>
+            <a:pPr lvl="1"/>
+            <a:r>
+              <a:rPr lang="en-US" dirty="0"/>
+              <a:t>(</a:t>
             </a:r>
             <a:r>
               <a:rPr lang="en-US" dirty="0" err="1"/>
-              <a:t>Maths</a:t>
-            </a:r>
-            <a:endParaRPr lang="en-US" dirty="0"/>
-          </a:p>
-        </p:txBody>
-      </p:sp>
-      <p:sp>
-        <p:nvSpPr>
-          <p:cNvPr id="3" name="Content Placeholder 2"/>
-          <p:cNvSpPr>
-            <a:spLocks noGrp="1"/>
-          </p:cNvSpPr>
-          <p:nvPr>
-            <p:ph idx="1"/>
-          </p:nvPr>
-        </p:nvSpPr>
-        <p:spPr/>
-        <p:txBody>
-          <a:bodyPr/>
-          <a:lstStyle/>
-          <a:p>
-            <a:r>
-              <a:rPr lang="en-US" dirty="0"/>
-              <a:t>Write down some common math formulas you may remember from school or have used before</a:t>
+              <a:t>parens</a:t>
+            </a:r>
+            <a:r>
+              <a:rPr lang="en-US" dirty="0"/>
+              <a:t>) first, then multiply/divide, finally add/subtract</a:t>
             </a:r>
           </a:p>
           <a:p>
             <a:pPr lvl="1"/>
             <a:r>
               <a:rPr lang="en-US" dirty="0"/>
-              <a:t>You may use things like Pi</a:t>
-            </a:r>
-          </a:p>
-          <a:p>
-            <a:pPr lvl="1"/>
-            <a:r>
-              <a:rPr lang="en-US" dirty="0"/>
-              <a:t>It’s ok if you don’t remember exact formulas for things</a:t>
-            </a:r>
-          </a:p>
-          <a:p>
-            <a:pPr lvl="1"/>
-            <a:r>
-              <a:rPr lang="en-US" dirty="0"/>
-              <a:t>Make some up</a:t>
+              <a:t>While it will normally not matter, if everything else is equal, each symbol will be evaluated left to right (2 + 2 – 2) the + will happen first, then the -.</a:t>
             </a:r>
           </a:p>
         </p:txBody>
@@ -3367,7 +3784,7 @@
     </p:spTree>
     <p:extLst>
       <p:ext uri="{BB962C8B-B14F-4D97-AF65-F5344CB8AC3E}">
-        <p14:creationId xmlns:p14="http://schemas.microsoft.com/office/powerpoint/2010/main" val="2295995555"/>
+        <p14:creationId xmlns:p14="http://schemas.microsoft.com/office/powerpoint/2010/main" val="684662386"/>
       </p:ext>
     </p:extLst>
   </p:cSld>
@@ -3411,8 +3828,13 @@
           <a:p>
             <a:r>
               <a:rPr lang="en-US" dirty="0"/>
-              <a:t>More Advanced Topics</a:t>
-            </a:r>
+              <a:t>Exercise - </a:t>
+            </a:r>
+            <a:r>
+              <a:rPr lang="en-US" dirty="0" err="1"/>
+              <a:t>Maths</a:t>
+            </a:r>
+            <a:endParaRPr lang="en-US" dirty="0"/>
           </a:p>
         </p:txBody>
       </p:sp>
@@ -3433,31 +3855,28 @@
           <a:p>
             <a:r>
               <a:rPr lang="en-US" dirty="0"/>
-              <a:t>Variables</a:t>
-            </a:r>
-          </a:p>
-          <a:p>
-            <a:r>
-              <a:rPr lang="en-US" dirty="0"/>
-              <a:t>Conditionals</a:t>
-            </a:r>
-          </a:p>
-          <a:p>
-            <a:r>
-              <a:rPr lang="en-US" dirty="0"/>
-              <a:t>Loops</a:t>
-            </a:r>
-          </a:p>
-          <a:p>
-            <a:r>
-              <a:rPr lang="en-US" dirty="0"/>
-              <a:t>Arrays</a:t>
-            </a:r>
-          </a:p>
-          <a:p>
-            <a:r>
-              <a:rPr lang="en-US" dirty="0"/>
-              <a:t>Even More Advanced Topics</a:t>
+              <a:t>Write down some common math formulas you may remember from school or have used before</a:t>
+            </a:r>
+          </a:p>
+          <a:p>
+            <a:pPr lvl="1"/>
+            <a:r>
+              <a:rPr lang="en-US" dirty="0"/>
+              <a:t>You may use things like Pi</a:t>
+            </a:r>
+          </a:p>
+          <a:p>
+            <a:pPr lvl="1"/>
+            <a:r>
+              <a:rPr lang="en-US" dirty="0"/>
+              <a:t>It’s ok if you don’t remember exact formulas for things</a:t>
+            </a:r>
+          </a:p>
+          <a:p>
+            <a:pPr lvl="1"/>
+            <a:r>
+              <a:rPr lang="en-US" dirty="0"/>
+              <a:t>Make some up</a:t>
             </a:r>
           </a:p>
         </p:txBody>
@@ -3465,7 +3884,7 @@
     </p:spTree>
     <p:extLst>
       <p:ext uri="{BB962C8B-B14F-4D97-AF65-F5344CB8AC3E}">
-        <p14:creationId xmlns:p14="http://schemas.microsoft.com/office/powerpoint/2010/main" val="2538538351"/>
+        <p14:creationId xmlns:p14="http://schemas.microsoft.com/office/powerpoint/2010/main" val="2295995555"/>
       </p:ext>
     </p:extLst>
   </p:cSld>
@@ -3509,60 +3928,53 @@
           <a:p>
             <a:r>
               <a:rPr lang="en-US" dirty="0"/>
+              <a:t>More Advanced Topics</a:t>
+            </a:r>
+          </a:p>
+        </p:txBody>
+      </p:sp>
+      <p:sp>
+        <p:nvSpPr>
+          <p:cNvPr id="3" name="Content Placeholder 2"/>
+          <p:cNvSpPr>
+            <a:spLocks noGrp="1"/>
+          </p:cNvSpPr>
+          <p:nvPr>
+            <p:ph idx="1"/>
+          </p:nvPr>
+        </p:nvSpPr>
+        <p:spPr/>
+        <p:txBody>
+          <a:bodyPr/>
+          <a:lstStyle/>
+          <a:p>
+            <a:r>
+              <a:rPr lang="en-US" dirty="0"/>
               <a:t>Variables</a:t>
             </a:r>
           </a:p>
-        </p:txBody>
-      </p:sp>
-      <p:sp>
-        <p:nvSpPr>
-          <p:cNvPr id="3" name="Content Placeholder 2"/>
-          <p:cNvSpPr>
-            <a:spLocks noGrp="1"/>
-          </p:cNvSpPr>
-          <p:nvPr>
-            <p:ph idx="1"/>
-          </p:nvPr>
-        </p:nvSpPr>
-        <p:spPr/>
-        <p:txBody>
-          <a:bodyPr/>
-          <a:lstStyle/>
-          <a:p>
-            <a:r>
-              <a:rPr lang="en-US" dirty="0"/>
-              <a:t>Variables are a name for a value or object</a:t>
-            </a:r>
-          </a:p>
-          <a:p>
-            <a:r>
-              <a:rPr lang="en-US" dirty="0"/>
-              <a:t>In C#, a variable can only have one type in its lifetime</a:t>
-            </a:r>
-          </a:p>
-          <a:p>
-            <a:pPr lvl="1"/>
-            <a:r>
-              <a:rPr lang="en-US" dirty="0"/>
-              <a:t>If you say variable x is a string, x will always be a string</a:t>
-            </a:r>
-          </a:p>
-          <a:p>
-            <a:r>
-              <a:rPr lang="en-US" dirty="0"/>
-              <a:t>C# requires you to declare what variables you are going to use</a:t>
-            </a:r>
-          </a:p>
-          <a:p>
-            <a:r>
-              <a:rPr lang="en-US" dirty="0"/>
-              <a:t>Variables can (normally) be assigned new values</a:t>
-            </a:r>
-          </a:p>
-          <a:p>
-            <a:r>
-              <a:rPr lang="en-US" dirty="0"/>
-              <a:t>To the IDE!</a:t>
+          <a:p>
+            <a:r>
+              <a:rPr lang="en-US" dirty="0"/>
+              <a:t>Conditionals</a:t>
+            </a:r>
+          </a:p>
+          <a:p>
+            <a:r>
+              <a:rPr lang="en-US" dirty="0"/>
+              <a:t>Loops</a:t>
+            </a:r>
+          </a:p>
+          <a:p>
+            <a:r>
+              <a:rPr lang="en-US" dirty="0"/>
+              <a:t>Arrays</a:t>
+            </a:r>
+          </a:p>
+          <a:p>
+            <a:r>
+              <a:rPr lang="en-US" dirty="0"/>
+              <a:t>Even More Advanced Topics</a:t>
             </a:r>
           </a:p>
         </p:txBody>
@@ -3570,7 +3982,7 @@
     </p:spTree>
     <p:extLst>
       <p:ext uri="{BB962C8B-B14F-4D97-AF65-F5344CB8AC3E}">
-        <p14:creationId xmlns:p14="http://schemas.microsoft.com/office/powerpoint/2010/main" val="2366292587"/>
+        <p14:creationId xmlns:p14="http://schemas.microsoft.com/office/powerpoint/2010/main" val="2538538351"/>
       </p:ext>
     </p:extLst>
   </p:cSld>
@@ -3614,7 +4026,7 @@
           <a:p>
             <a:r>
               <a:rPr lang="en-US" dirty="0"/>
-              <a:t>Exercises</a:t>
+              <a:t>Variables</a:t>
             </a:r>
           </a:p>
         </p:txBody>
@@ -3634,46 +4046,40 @@
           <a:bodyPr/>
           <a:lstStyle/>
           <a:p>
-            <a:pPr fontAlgn="ctr"/>
-            <a:r>
-              <a:rPr lang="en-US" dirty="0"/>
-              <a:t>Can you read in someone's name and print it back to them?</a:t>
-            </a:r>
-          </a:p>
-          <a:p>
-            <a:pPr fontAlgn="ctr"/>
-            <a:r>
-              <a:rPr lang="en-US" dirty="0"/>
-              <a:t>What about adding their age?</a:t>
-            </a:r>
-          </a:p>
-          <a:p>
-            <a:pPr fontAlgn="ctr"/>
-            <a:r>
-              <a:rPr lang="en-US" dirty="0"/>
-              <a:t>What happens when you try to ask for an age and do </a:t>
-            </a:r>
-            <a:r>
-              <a:rPr lang="en-US" dirty="0" err="1"/>
-              <a:t>int</a:t>
-            </a:r>
-            <a:r>
-              <a:rPr lang="en-US" dirty="0"/>
-              <a:t> age = </a:t>
-            </a:r>
-            <a:r>
-              <a:rPr lang="en-US" dirty="0" err="1"/>
-              <a:t>Console.ReadLine</a:t>
-            </a:r>
-            <a:r>
-              <a:rPr lang="en-US" dirty="0"/>
-              <a:t>()?</a:t>
-            </a:r>
-          </a:p>
-          <a:p>
-            <a:r>
-              <a:rPr lang="en-US" dirty="0"/>
-              <a:t>Extra – Tell them how old they’ll be in 5 years</a:t>
+            <a:r>
+              <a:rPr lang="en-US" dirty="0"/>
+              <a:t>Variables are a name for a value or object</a:t>
+            </a:r>
+          </a:p>
+          <a:p>
+            <a:r>
+              <a:rPr lang="en-US" dirty="0"/>
+              <a:t>In C#, a variable can only have one type in its lifetime</a:t>
+            </a:r>
+          </a:p>
+          <a:p>
+            <a:pPr lvl="1"/>
+            <a:r>
+              <a:rPr lang="en-US" dirty="0"/>
+              <a:t>If you say variable x is a string, x will always be a string</a:t>
+            </a:r>
+          </a:p>
+          <a:p>
+            <a:r>
+              <a:rPr lang="en-US" dirty="0"/>
+              <a:t>C# requires you to declare what variables you are going to use</a:t>
+            </a:r>
+          </a:p>
+          <a:p>
+            <a:r>
+              <a:rPr lang="en-US" dirty="0"/>
+              <a:t>Variables can (normally) be assigned new values</a:t>
+            </a:r>
+          </a:p>
+          <a:p>
+            <a:r>
+              <a:rPr lang="en-US" dirty="0"/>
+              <a:t>To the IDE!</a:t>
             </a:r>
           </a:p>
         </p:txBody>
@@ -3681,7 +4087,7 @@
     </p:spTree>
     <p:extLst>
       <p:ext uri="{BB962C8B-B14F-4D97-AF65-F5344CB8AC3E}">
-        <p14:creationId xmlns:p14="http://schemas.microsoft.com/office/powerpoint/2010/main" val="1405807983"/>
+        <p14:creationId xmlns:p14="http://schemas.microsoft.com/office/powerpoint/2010/main" val="2366292587"/>
       </p:ext>
     </p:extLst>
   </p:cSld>
@@ -3725,7 +4131,7 @@
           <a:p>
             <a:r>
               <a:rPr lang="en-US" dirty="0"/>
-              <a:t>Second Exercise</a:t>
+              <a:t>Exercises</a:t>
             </a:r>
           </a:p>
         </p:txBody>
@@ -3745,56 +4151,46 @@
           <a:bodyPr/>
           <a:lstStyle/>
           <a:p>
-            <a:r>
-              <a:rPr lang="en-US" dirty="0"/>
-              <a:t>Ask a user for the length and width of their garden box</a:t>
-            </a:r>
-          </a:p>
-          <a:p>
-            <a:r>
-              <a:rPr lang="en-US" dirty="0"/>
-              <a:t>Tell them the area of the box</a:t>
-            </a:r>
-          </a:p>
-          <a:p>
-            <a:r>
-              <a:rPr lang="en-US" dirty="0"/>
-              <a:t>Tell them the perimeter of the box</a:t>
-            </a:r>
-          </a:p>
-          <a:p>
-            <a:r>
-              <a:rPr lang="en-US" dirty="0"/>
-              <a:t>Tell them how many carrots/beets/corn they can plant</a:t>
-            </a:r>
-          </a:p>
-          <a:p>
-            <a:pPr lvl="1"/>
-            <a:r>
-              <a:rPr lang="en-US" dirty="0"/>
-              <a:t>Carrots = 16 per 4x4 square (1 per </a:t>
+            <a:pPr fontAlgn="ctr"/>
+            <a:r>
+              <a:rPr lang="en-US" dirty="0"/>
+              <a:t>Can you read in someone's name and print it back to them?</a:t>
+            </a:r>
+          </a:p>
+          <a:p>
+            <a:pPr fontAlgn="ctr"/>
+            <a:r>
+              <a:rPr lang="en-US" dirty="0"/>
+              <a:t>What about adding their age?</a:t>
+            </a:r>
+          </a:p>
+          <a:p>
+            <a:pPr fontAlgn="ctr"/>
+            <a:r>
+              <a:rPr lang="en-US" dirty="0"/>
+              <a:t>What happens when you try to ask for an age and do </a:t>
             </a:r>
             <a:r>
               <a:rPr lang="en-US" dirty="0" err="1"/>
-              <a:t>sq</a:t>
-            </a:r>
-            <a:r>
-              <a:rPr lang="en-US" dirty="0"/>
-              <a:t> foot)</a:t>
-            </a:r>
-          </a:p>
-          <a:p>
-            <a:pPr lvl="1"/>
-            <a:r>
-              <a:rPr lang="en-US" dirty="0"/>
-              <a:t>Corn = 3 per 4x4 square</a:t>
-            </a:r>
-          </a:p>
-          <a:p>
-            <a:pPr lvl="1"/>
-            <a:r>
-              <a:rPr lang="en-US" dirty="0"/>
-              <a:t>Beets = 9 per 4x4 square</a:t>
+              <a:t>int</a:t>
+            </a:r>
+            <a:r>
+              <a:rPr lang="en-US" dirty="0"/>
+              <a:t> age = </a:t>
+            </a:r>
+            <a:r>
+              <a:rPr lang="en-US" dirty="0" err="1"/>
+              <a:t>Console.ReadLine</a:t>
+            </a:r>
+            <a:r>
+              <a:rPr lang="en-US" dirty="0"/>
+              <a:t>()?</a:t>
+            </a:r>
+          </a:p>
+          <a:p>
+            <a:r>
+              <a:rPr lang="en-US" dirty="0"/>
+              <a:t>Extra – Tell them how old they’ll be in 5 years</a:t>
             </a:r>
           </a:p>
         </p:txBody>
@@ -3802,7 +4198,7 @@
     </p:spTree>
     <p:extLst>
       <p:ext uri="{BB962C8B-B14F-4D97-AF65-F5344CB8AC3E}">
-        <p14:creationId xmlns:p14="http://schemas.microsoft.com/office/powerpoint/2010/main" val="503862978"/>
+        <p14:creationId xmlns:p14="http://schemas.microsoft.com/office/powerpoint/2010/main" val="1405807983"/>
       </p:ext>
     </p:extLst>
   </p:cSld>
@@ -3846,7 +4242,7 @@
           <a:p>
             <a:r>
               <a:rPr lang="en-US" dirty="0"/>
-              <a:t>Conditionals</a:t>
+              <a:t>Second Exercise</a:t>
             </a:r>
           </a:p>
         </p:txBody>
@@ -3868,38 +4264,54 @@
           <a:p>
             <a:r>
               <a:rPr lang="en-US" dirty="0"/>
-              <a:t>Conditionals let you make blocks of code optional, based on a condition that you put on that code</a:t>
-            </a:r>
-          </a:p>
-          <a:p>
-            <a:r>
-              <a:rPr lang="en-US" dirty="0"/>
-              <a:t>The condition must be TRUE or FALSE</a:t>
-            </a:r>
-          </a:p>
-          <a:p>
-            <a:r>
-              <a:rPr lang="en-US" dirty="0"/>
-              <a:t>Our first bit of flow control</a:t>
+              <a:t>Ask a user for the length and width of their garden box</a:t>
+            </a:r>
+          </a:p>
+          <a:p>
+            <a:r>
+              <a:rPr lang="en-US" dirty="0"/>
+              <a:t>Tell them the area of the box</a:t>
+            </a:r>
+          </a:p>
+          <a:p>
+            <a:r>
+              <a:rPr lang="en-US" dirty="0"/>
+              <a:t>Tell them the perimeter of the box</a:t>
+            </a:r>
+          </a:p>
+          <a:p>
+            <a:r>
+              <a:rPr lang="en-US" dirty="0"/>
+              <a:t>Tell them how many carrots/beets/corn they can plant</a:t>
             </a:r>
           </a:p>
           <a:p>
             <a:pPr lvl="1"/>
             <a:r>
               <a:rPr lang="en-US" dirty="0"/>
-              <a:t>Until now, all of our programs have been going straight from the top to bottom, this doesn’t always have to happen</a:t>
-            </a:r>
-          </a:p>
-          <a:p>
-            <a:r>
-              <a:rPr lang="en-US" dirty="0"/>
-              <a:t>Basic Syntax:  If (conditional is true) { // do this code }</a:t>
-            </a:r>
-          </a:p>
-          <a:p>
-            <a:r>
-              <a:rPr lang="en-US" dirty="0"/>
-              <a:t>To the IDE for a basic example!</a:t>
+              <a:t>Carrots = 16 per 4x4 square (1 per </a:t>
+            </a:r>
+            <a:r>
+              <a:rPr lang="en-US" dirty="0" err="1"/>
+              <a:t>sq</a:t>
+            </a:r>
+            <a:r>
+              <a:rPr lang="en-US" dirty="0"/>
+              <a:t> foot)</a:t>
+            </a:r>
+          </a:p>
+          <a:p>
+            <a:pPr lvl="1"/>
+            <a:r>
+              <a:rPr lang="en-US" dirty="0"/>
+              <a:t>Corn = 3 per 4x4 square</a:t>
+            </a:r>
+          </a:p>
+          <a:p>
+            <a:pPr lvl="1"/>
+            <a:r>
+              <a:rPr lang="en-US" dirty="0"/>
+              <a:t>Beets = 9 per 4x4 square</a:t>
             </a:r>
           </a:p>
         </p:txBody>
@@ -3907,7 +4319,7 @@
     </p:spTree>
     <p:extLst>
       <p:ext uri="{BB962C8B-B14F-4D97-AF65-F5344CB8AC3E}">
-        <p14:creationId xmlns:p14="http://schemas.microsoft.com/office/powerpoint/2010/main" val="1313797817"/>
+        <p14:creationId xmlns:p14="http://schemas.microsoft.com/office/powerpoint/2010/main" val="503862978"/>
       </p:ext>
     </p:extLst>
   </p:cSld>
@@ -3951,7 +4363,7 @@
           <a:p>
             <a:r>
               <a:rPr lang="en-US" dirty="0"/>
-              <a:t>Conditional Operators</a:t>
+              <a:t>Conditionals</a:t>
             </a:r>
           </a:p>
         </p:txBody>
@@ -3973,55 +4385,38 @@
           <a:p>
             <a:r>
               <a:rPr lang="en-US" dirty="0"/>
-              <a:t>There are a series of conditional operators for comparing values</a:t>
+              <a:t>Conditionals let you make blocks of code optional, based on a condition that you put on that code</a:t>
+            </a:r>
+          </a:p>
+          <a:p>
+            <a:r>
+              <a:rPr lang="en-US" dirty="0"/>
+              <a:t>The condition must be TRUE or FALSE</a:t>
+            </a:r>
+          </a:p>
+          <a:p>
+            <a:r>
+              <a:rPr lang="en-US" dirty="0"/>
+              <a:t>Our first bit of flow control</a:t>
             </a:r>
           </a:p>
           <a:p>
             <a:pPr lvl="1"/>
             <a:r>
               <a:rPr lang="en-US" dirty="0"/>
-              <a:t>&lt; (is less than)</a:t>
-            </a:r>
-          </a:p>
-          <a:p>
-            <a:pPr lvl="1"/>
-            <a:r>
-              <a:rPr lang="en-US" dirty="0"/>
-              <a:t>&gt; (is greater than)</a:t>
-            </a:r>
-          </a:p>
-          <a:p>
-            <a:pPr lvl="1"/>
-            <a:r>
-              <a:rPr lang="en-US" dirty="0"/>
-              <a:t>&lt;= (is less than or equal to)</a:t>
-            </a:r>
-          </a:p>
-          <a:p>
-            <a:pPr lvl="1"/>
-            <a:r>
-              <a:rPr lang="en-US" dirty="0"/>
-              <a:t>&gt;= (is greater than or equal to)</a:t>
-            </a:r>
-          </a:p>
-          <a:p>
-            <a:pPr lvl="1"/>
-            <a:r>
-              <a:rPr lang="en-US" dirty="0"/>
-              <a:t>== (is equal to)</a:t>
-            </a:r>
-          </a:p>
-          <a:p>
-            <a:pPr lvl="1"/>
-            <a:r>
-              <a:rPr lang="en-US" dirty="0"/>
-              <a:t>!= (is not equal to)</a:t>
-            </a:r>
-          </a:p>
-          <a:p>
-            <a:r>
-              <a:rPr lang="en-US" dirty="0"/>
-              <a:t>These are the same as you expect from your math classes you’ve taken before: x &lt;= y, 5 &gt; 2, “hello” == “hello”, “A” != “a”</a:t>
+              <a:t>Until now, all of our programs have been going straight from the top to bottom, this doesn’t always have to happen</a:t>
+            </a:r>
+          </a:p>
+          <a:p>
+            <a:r>
+              <a:rPr lang="en-US" dirty="0"/>
+              <a:t>Basic Syntax:  If (conditional is true) { // do this code }</a:t>
+            </a:r>
+          </a:p>
+          <a:p>
+            <a:r>
+              <a:rPr lang="en-US" dirty="0"/>
+              <a:t>To the IDE for a basic example!</a:t>
             </a:r>
           </a:p>
         </p:txBody>
@@ -4029,7 +4424,7 @@
     </p:spTree>
     <p:extLst>
       <p:ext uri="{BB962C8B-B14F-4D97-AF65-F5344CB8AC3E}">
-        <p14:creationId xmlns:p14="http://schemas.microsoft.com/office/powerpoint/2010/main" val="3135880666"/>
+        <p14:creationId xmlns:p14="http://schemas.microsoft.com/office/powerpoint/2010/main" val="1313797817"/>
       </p:ext>
     </p:extLst>
   </p:cSld>
@@ -4073,7 +4468,7 @@
           <a:p>
             <a:r>
               <a:rPr lang="en-US" dirty="0"/>
-              <a:t>Boolean Logic</a:t>
+              <a:t>Conditional Operators</a:t>
             </a:r>
           </a:p>
         </p:txBody>
@@ -4095,73 +4490,63 @@
           <a:p>
             <a:r>
               <a:rPr lang="en-US" dirty="0"/>
-              <a:t>Conditionals work by using true/false conditions.</a:t>
-            </a:r>
-          </a:p>
-          <a:p>
-            <a:r>
-              <a:rPr lang="en-US" dirty="0"/>
-              <a:t>There are ways to combine conditions with terms like and, or, and not</a:t>
-            </a:r>
-          </a:p>
-          <a:p>
-            <a:r>
-              <a:rPr lang="en-US" dirty="0"/>
-              <a:t>C# uses special characters for these</a:t>
+              <a:t>There are a series of conditional operators for comparing values</a:t>
             </a:r>
           </a:p>
           <a:p>
             <a:pPr lvl="1"/>
             <a:r>
               <a:rPr lang="en-US" dirty="0"/>
-              <a:t>== is Equal To</a:t>
+              <a:t>&lt; (is less than)</a:t>
             </a:r>
           </a:p>
           <a:p>
             <a:pPr lvl="1"/>
             <a:r>
               <a:rPr lang="en-US" dirty="0"/>
-              <a:t>&amp;&amp; is And</a:t>
+              <a:t>&gt; (is greater than)</a:t>
             </a:r>
           </a:p>
           <a:p>
             <a:pPr lvl="1"/>
             <a:r>
               <a:rPr lang="en-US" dirty="0"/>
-              <a:t>|| is Or</a:t>
+              <a:t>&lt;= (is less than or equal to)</a:t>
             </a:r>
           </a:p>
           <a:p>
             <a:pPr lvl="1"/>
             <a:r>
               <a:rPr lang="en-US" dirty="0"/>
-              <a:t>! is Not</a:t>
-            </a:r>
-          </a:p>
-          <a:p>
-            <a:r>
-              <a:rPr lang="en-US" dirty="0"/>
-              <a:t>These combined conditionals are resolved with (</a:t>
-            </a:r>
-            <a:r>
-              <a:rPr lang="en-US" dirty="0" err="1"/>
-              <a:t>parens</a:t>
-            </a:r>
-            <a:r>
-              <a:rPr lang="en-US" dirty="0"/>
-              <a:t>) first then left to right</a:t>
+              <a:t>&gt;= (is greater than or equal to)</a:t>
             </a:r>
           </a:p>
           <a:p>
             <a:pPr lvl="1"/>
-            <a:endParaRPr lang="en-US" dirty="0"/>
+            <a:r>
+              <a:rPr lang="en-US" dirty="0"/>
+              <a:t>== (is equal to)</a:t>
+            </a:r>
+          </a:p>
+          <a:p>
+            <a:pPr lvl="1"/>
+            <a:r>
+              <a:rPr lang="en-US" dirty="0"/>
+              <a:t>!= (is not equal to)</a:t>
+            </a:r>
+          </a:p>
+          <a:p>
+            <a:r>
+              <a:rPr lang="en-US" dirty="0"/>
+              <a:t>These are the same as you expect from your math classes you’ve taken before: x &lt;= y, 5 &gt; 2, “hello” == “hello”, “A” != “a”</a:t>
+            </a:r>
           </a:p>
         </p:txBody>
       </p:sp>
     </p:spTree>
     <p:extLst>
       <p:ext uri="{BB962C8B-B14F-4D97-AF65-F5344CB8AC3E}">
-        <p14:creationId xmlns:p14="http://schemas.microsoft.com/office/powerpoint/2010/main" val="3655090119"/>
+        <p14:creationId xmlns:p14="http://schemas.microsoft.com/office/powerpoint/2010/main" val="3135880666"/>
       </p:ext>
     </p:extLst>
   </p:cSld>
@@ -4205,7 +4590,7 @@
           <a:p>
             <a:r>
               <a:rPr lang="en-US" dirty="0"/>
-              <a:t>Exercises</a:t>
+              <a:t>Boolean Logic</a:t>
             </a:r>
           </a:p>
         </p:txBody>
@@ -4225,53 +4610,75 @@
           <a:bodyPr/>
           <a:lstStyle/>
           <a:p>
-            <a:pPr fontAlgn="ctr"/>
-            <a:r>
-              <a:rPr lang="en-US" dirty="0"/>
-              <a:t>Can we take conditionals and update our previous program that took in someone's name and do something specific with it?</a:t>
-            </a:r>
-          </a:p>
-          <a:p>
-            <a:pPr lvl="1" fontAlgn="ctr"/>
-            <a:r>
-              <a:rPr lang="en-US" dirty="0"/>
-              <a:t>Does their name contain a certain letter?</a:t>
-            </a:r>
-          </a:p>
-          <a:p>
-            <a:pPr lvl="1" fontAlgn="ctr"/>
-            <a:r>
-              <a:rPr lang="en-US" dirty="0"/>
-              <a:t>Is their name more than 10 characters long?</a:t>
-            </a:r>
-          </a:p>
-          <a:p>
-            <a:pPr fontAlgn="ctr"/>
-            <a:r>
-              <a:rPr lang="en-US" dirty="0"/>
-              <a:t>Can you make something more complex with what you have?</a:t>
-            </a:r>
-          </a:p>
-          <a:p>
-            <a:pPr fontAlgn="ctr"/>
-            <a:r>
-              <a:rPr lang="en-US" dirty="0"/>
-              <a:t>Garden Boxes:</a:t>
-            </a:r>
-          </a:p>
-          <a:p>
-            <a:pPr lvl="1" fontAlgn="ctr"/>
-            <a:r>
-              <a:rPr lang="en-US" dirty="0"/>
-              <a:t>Ask the user what they want to plant and only show that option</a:t>
-            </a:r>
+            <a:r>
+              <a:rPr lang="en-US" dirty="0"/>
+              <a:t>Conditionals work by using true/false conditions.</a:t>
+            </a:r>
+          </a:p>
+          <a:p>
+            <a:r>
+              <a:rPr lang="en-US" dirty="0"/>
+              <a:t>There are ways to combine conditions with terms like and, or, and not</a:t>
+            </a:r>
+          </a:p>
+          <a:p>
+            <a:r>
+              <a:rPr lang="en-US" dirty="0"/>
+              <a:t>C# uses special characters for these</a:t>
+            </a:r>
+          </a:p>
+          <a:p>
+            <a:pPr lvl="1"/>
+            <a:r>
+              <a:rPr lang="en-US" dirty="0"/>
+              <a:t>== is Equal To</a:t>
+            </a:r>
+          </a:p>
+          <a:p>
+            <a:pPr lvl="1"/>
+            <a:r>
+              <a:rPr lang="en-US" dirty="0"/>
+              <a:t>&amp;&amp; is And</a:t>
+            </a:r>
+          </a:p>
+          <a:p>
+            <a:pPr lvl="1"/>
+            <a:r>
+              <a:rPr lang="en-US" dirty="0"/>
+              <a:t>|| is Or</a:t>
+            </a:r>
+          </a:p>
+          <a:p>
+            <a:pPr lvl="1"/>
+            <a:r>
+              <a:rPr lang="en-US" dirty="0"/>
+              <a:t>! is Not</a:t>
+            </a:r>
+          </a:p>
+          <a:p>
+            <a:r>
+              <a:rPr lang="en-US" dirty="0"/>
+              <a:t>These combined conditionals are resolved with (</a:t>
+            </a:r>
+            <a:r>
+              <a:rPr lang="en-US" dirty="0" err="1"/>
+              <a:t>parens</a:t>
+            </a:r>
+            <a:r>
+              <a:rPr lang="en-US" dirty="0"/>
+              <a:t>) first then left to right</a:t>
+            </a:r>
+          </a:p>
+          <a:p>
+            <a:pPr lvl="1"/>
+            <a:endParaRPr lang="en-US" dirty="0"/>
           </a:p>
         </p:txBody>
       </p:sp>
     </p:spTree>
     <p:extLst>
       <p:ext uri="{BB962C8B-B14F-4D97-AF65-F5344CB8AC3E}">
-        <p14:creationId xmlns:p14="http://schemas.microsoft.com/office/powerpoint/2010/main" val="3877207781"/>
+        <p14:creationId xmlns:p14="http://schemas.microsoft.com/office/powerpoint/2010/main" val="3655090119"/>
       </p:ext>
     </p:extLst>
   </p:cSld>
@@ -4332,7 +4739,9 @@
         </p:nvSpPr>
         <p:spPr/>
         <p:txBody>
-          <a:bodyPr/>
+          <a:bodyPr vert="horz" lIns="91440" tIns="45720" rIns="91440" bIns="45720" rtlCol="0" anchor="t">
+            <a:normAutofit/>
+          </a:bodyPr>
           <a:lstStyle/>
           <a:p>
             <a:r>
@@ -4375,7 +4784,7 @@
           <a:p>
             <a:r>
               <a:rPr lang="en-US" dirty="0"/>
-              <a:t>Bagels</a:t>
+              <a:t>Snacks</a:t>
             </a:r>
           </a:p>
           <a:p>
@@ -4433,7 +4842,7 @@
           <a:p>
             <a:r>
               <a:rPr lang="en-US" dirty="0"/>
-              <a:t>An Aside: Scope</a:t>
+              <a:t>Exercises</a:t>
             </a:r>
           </a:p>
         </p:txBody>
@@ -4453,27 +4862,45 @@
           <a:bodyPr/>
           <a:lstStyle/>
           <a:p>
-            <a:r>
-              <a:rPr lang="en-US" dirty="0"/>
-              <a:t>A conditional contains a block of code inside a larger block of code</a:t>
-            </a:r>
-          </a:p>
-          <a:p>
-            <a:r>
-              <a:rPr lang="en-US" dirty="0"/>
-              <a:t>Inner blocks of code have access to all of the variables within the parent scope</a:t>
-            </a:r>
-          </a:p>
-          <a:p>
-            <a:r>
-              <a:rPr lang="en-US" dirty="0"/>
-              <a:t>Variables declared in an inner scope are only available to that scope and child scopes</a:t>
-            </a:r>
-          </a:p>
-          <a:p>
-            <a:r>
-              <a:rPr lang="en-US" dirty="0"/>
-              <a:t>IDE Example</a:t>
+            <a:pPr fontAlgn="ctr"/>
+            <a:r>
+              <a:rPr lang="en-US" dirty="0"/>
+              <a:t>Can we take conditionals and update our previous program that took in someone's name and do something specific with it?</a:t>
+            </a:r>
+          </a:p>
+          <a:p>
+            <a:pPr lvl="1" fontAlgn="ctr"/>
+            <a:r>
+              <a:rPr lang="en-US" dirty="0"/>
+              <a:t>Does their name contain a certain letter?</a:t>
+            </a:r>
+          </a:p>
+          <a:p>
+            <a:pPr lvl="1" fontAlgn="ctr"/>
+            <a:r>
+              <a:rPr lang="en-US" dirty="0"/>
+              <a:t>Is their name more than 10 characters long?</a:t>
+            </a:r>
+          </a:p>
+          <a:p>
+            <a:pPr fontAlgn="ctr"/>
+            <a:r>
+              <a:rPr lang="en-US" dirty="0"/>
+              <a:t>Can you make something more complex with what you have?</a:t>
+            </a:r>
+          </a:p>
+          <a:p>
+            <a:pPr fontAlgn="ctr"/>
+            <a:r>
+              <a:rPr lang="en-US" dirty="0"/>
+              <a:t>Garden Boxes:</a:t>
+            </a:r>
+          </a:p>
+          <a:p>
+            <a:pPr lvl="1" fontAlgn="ctr"/>
+            <a:r>
+              <a:rPr lang="en-US" dirty="0"/>
+              <a:t>Ask the user what they want to plant and only show that option</a:t>
             </a:r>
           </a:p>
         </p:txBody>
@@ -4481,7 +4908,7 @@
     </p:spTree>
     <p:extLst>
       <p:ext uri="{BB962C8B-B14F-4D97-AF65-F5344CB8AC3E}">
-        <p14:creationId xmlns:p14="http://schemas.microsoft.com/office/powerpoint/2010/main" val="3886521494"/>
+        <p14:creationId xmlns:p14="http://schemas.microsoft.com/office/powerpoint/2010/main" val="3877207781"/>
       </p:ext>
     </p:extLst>
   </p:cSld>
@@ -4525,7 +4952,7 @@
           <a:p>
             <a:r>
               <a:rPr lang="en-US" dirty="0"/>
-              <a:t>If, Else If, Else</a:t>
+              <a:t>An Aside: Scope</a:t>
             </a:r>
           </a:p>
         </p:txBody>
@@ -4542,80 +4969,30 @@
         </p:nvSpPr>
         <p:spPr/>
         <p:txBody>
-          <a:bodyPr>
-            <a:normAutofit/>
-          </a:bodyPr>
-          <a:lstStyle/>
-          <a:p>
-            <a:r>
-              <a:rPr lang="en-US" dirty="0"/>
-              <a:t>If statements can be strung together logically</a:t>
-            </a:r>
-          </a:p>
-          <a:p>
-            <a:pPr marL="457200" lvl="1" indent="0">
-              <a:buNone/>
-            </a:pPr>
-            <a:r>
-              <a:rPr lang="en-US" dirty="0"/>
-              <a:t>If (condition is true) { // do this }</a:t>
-            </a:r>
-          </a:p>
-          <a:p>
-            <a:pPr marL="457200" lvl="1" indent="0">
-              <a:buNone/>
-            </a:pPr>
-            <a:r>
-              <a:rPr lang="en-US" dirty="0"/>
-              <a:t>Else { // do this if the original condition is false }</a:t>
-            </a:r>
-          </a:p>
-          <a:p>
-            <a:pPr marL="457200" lvl="1" indent="0">
-              <a:buNone/>
-            </a:pPr>
-            <a:endParaRPr lang="en-US" dirty="0"/>
-          </a:p>
-          <a:p>
-            <a:r>
-              <a:rPr lang="en-US" dirty="0"/>
-              <a:t>Multiple If statements can be strung together, the first one that is true is executed</a:t>
-            </a:r>
-          </a:p>
-          <a:p>
-            <a:pPr marL="457200" lvl="1" indent="0">
-              <a:buNone/>
-            </a:pPr>
-            <a:r>
-              <a:rPr lang="en-US" dirty="0"/>
-              <a:t>If (condition is true) { // do this }</a:t>
-            </a:r>
-          </a:p>
-          <a:p>
-            <a:pPr marL="457200" lvl="1" indent="0">
-              <a:buNone/>
-            </a:pPr>
-            <a:r>
-              <a:rPr lang="en-US" dirty="0"/>
-              <a:t>Else if (first condition is false, this condition is true) { // do this instead }</a:t>
-            </a:r>
-          </a:p>
-          <a:p>
-            <a:pPr marL="457200" lvl="1" indent="0">
-              <a:buNone/>
-            </a:pPr>
-            <a:r>
-              <a:rPr lang="en-US" dirty="0"/>
-              <a:t>Else if (previous conditions are false, this condition is true) { // do this instead }</a:t>
-            </a:r>
-          </a:p>
-          <a:p>
-            <a:pPr marL="457200" lvl="1" indent="0">
-              <a:buNone/>
-            </a:pPr>
-            <a:r>
-              <a:rPr lang="en-US" dirty="0"/>
-              <a:t>Else { // do this if all previous conditions are false }</a:t>
+          <a:bodyPr/>
+          <a:lstStyle/>
+          <a:p>
+            <a:r>
+              <a:rPr lang="en-US" dirty="0"/>
+              <a:t>A conditional contains a block of code inside a larger block of code</a:t>
+            </a:r>
+          </a:p>
+          <a:p>
+            <a:r>
+              <a:rPr lang="en-US" dirty="0"/>
+              <a:t>Inner blocks of code have access to all of the variables within the parent scope</a:t>
+            </a:r>
+          </a:p>
+          <a:p>
+            <a:r>
+              <a:rPr lang="en-US" dirty="0"/>
+              <a:t>Variables declared in an inner scope are only available to that scope and child scopes</a:t>
+            </a:r>
+          </a:p>
+          <a:p>
+            <a:r>
+              <a:rPr lang="en-US" dirty="0"/>
+              <a:t>IDE Example</a:t>
             </a:r>
           </a:p>
         </p:txBody>
@@ -4623,7 +5000,7 @@
     </p:spTree>
     <p:extLst>
       <p:ext uri="{BB962C8B-B14F-4D97-AF65-F5344CB8AC3E}">
-        <p14:creationId xmlns:p14="http://schemas.microsoft.com/office/powerpoint/2010/main" val="1980659546"/>
+        <p14:creationId xmlns:p14="http://schemas.microsoft.com/office/powerpoint/2010/main" val="3886521494"/>
       </p:ext>
     </p:extLst>
   </p:cSld>
@@ -4667,7 +5044,7 @@
           <a:p>
             <a:r>
               <a:rPr lang="en-US" dirty="0"/>
-              <a:t>Case/Switch</a:t>
+              <a:t>If, Else If, Else</a:t>
             </a:r>
           </a:p>
         </p:txBody>
@@ -4685,19 +5062,13 @@
         <p:spPr/>
         <p:txBody>
           <a:bodyPr>
-            <a:normAutofit fontScale="92500"/>
+            <a:normAutofit/>
           </a:bodyPr>
           <a:lstStyle/>
           <a:p>
             <a:r>
               <a:rPr lang="en-US" dirty="0"/>
-              <a:t>Case/Switch is another way to show a long series of if/else if statements.</a:t>
-            </a:r>
-          </a:p>
-          <a:p>
-            <a:r>
-              <a:rPr lang="en-US" dirty="0"/>
-              <a:t>Syntax:</a:t>
+              <a:t>If statements can be strung together logically</a:t>
             </a:r>
           </a:p>
           <a:p>
@@ -4706,7 +5077,7 @@
             </a:pPr>
             <a:r>
               <a:rPr lang="en-US" dirty="0"/>
-              <a:t>Switch (value)</a:t>
+              <a:t>If (condition is true) { // do this }</a:t>
             </a:r>
           </a:p>
           <a:p>
@@ -4715,16 +5086,19 @@
             </a:pPr>
             <a:r>
               <a:rPr lang="en-US" dirty="0"/>
-              <a:t>{</a:t>
+              <a:t>Else { // do this if the original condition is false }</a:t>
             </a:r>
           </a:p>
           <a:p>
             <a:pPr marL="457200" lvl="1" indent="0">
               <a:buNone/>
             </a:pPr>
-            <a:r>
-              <a:rPr lang="en-US" dirty="0"/>
-              <a:t>	case 1: // do something if value == 1</a:t>
+            <a:endParaRPr lang="en-US" dirty="0"/>
+          </a:p>
+          <a:p>
+            <a:r>
+              <a:rPr lang="en-US" dirty="0"/>
+              <a:t>Multiple If statements can be strung together, the first one that is true is executed</a:t>
             </a:r>
           </a:p>
           <a:p>
@@ -4733,7 +5107,7 @@
             </a:pPr>
             <a:r>
               <a:rPr lang="en-US" dirty="0"/>
-              <a:t>		break;</a:t>
+              <a:t>If (condition is true) { // do this }</a:t>
             </a:r>
           </a:p>
           <a:p>
@@ -4742,7 +5116,7 @@
             </a:pPr>
             <a:r>
               <a:rPr lang="en-US" dirty="0"/>
-              <a:t>	case 2: // do something if value == 2</a:t>
+              <a:t>Else if (first condition is false, this condition is true) { // do this instead }</a:t>
             </a:r>
           </a:p>
           <a:p>
@@ -4751,7 +5125,7 @@
             </a:pPr>
             <a:r>
               <a:rPr lang="en-US" dirty="0"/>
-              <a:t>		break;</a:t>
+              <a:t>Else if (previous conditions are false, this condition is true) { // do this instead }</a:t>
             </a:r>
           </a:p>
           <a:p>
@@ -4760,25 +5134,7 @@
             </a:pPr>
             <a:r>
               <a:rPr lang="en-US" dirty="0"/>
-              <a:t>	default: // do something if none of the previous ones are true</a:t>
-            </a:r>
-          </a:p>
-          <a:p>
-            <a:pPr marL="457200" lvl="1" indent="0">
-              <a:buNone/>
-            </a:pPr>
-            <a:r>
-              <a:rPr lang="en-US" dirty="0"/>
-              <a:t>		break;</a:t>
-            </a:r>
-          </a:p>
-          <a:p>
-            <a:pPr marL="457200" lvl="1" indent="0">
-              <a:buNone/>
-            </a:pPr>
-            <a:r>
-              <a:rPr lang="en-US" dirty="0"/>
-              <a:t>}</a:t>
+              <a:t>Else { // do this if all previous conditions are false }</a:t>
             </a:r>
           </a:p>
         </p:txBody>
@@ -4786,7 +5142,7 @@
     </p:spTree>
     <p:extLst>
       <p:ext uri="{BB962C8B-B14F-4D97-AF65-F5344CB8AC3E}">
-        <p14:creationId xmlns:p14="http://schemas.microsoft.com/office/powerpoint/2010/main" val="180814205"/>
+        <p14:creationId xmlns:p14="http://schemas.microsoft.com/office/powerpoint/2010/main" val="1980659546"/>
       </p:ext>
     </p:extLst>
   </p:cSld>
@@ -4830,7 +5186,7 @@
           <a:p>
             <a:r>
               <a:rPr lang="en-US" dirty="0"/>
-              <a:t>Switch Specifics</a:t>
+              <a:t>Case/Switch</a:t>
             </a:r>
           </a:p>
         </p:txBody>
@@ -4847,17 +5203,24 @@
         </p:nvSpPr>
         <p:spPr/>
         <p:txBody>
-          <a:bodyPr/>
-          <a:lstStyle/>
-          <a:p>
-            <a:pPr fontAlgn="ctr"/>
-            <a:r>
-              <a:rPr lang="en-US" dirty="0"/>
-              <a:t>Switch statements allow for “fall through”</a:t>
-            </a:r>
-          </a:p>
-          <a:p>
-            <a:pPr marL="457200" lvl="1" indent="0" fontAlgn="ctr">
+          <a:bodyPr>
+            <a:normAutofit fontScale="92500"/>
+          </a:bodyPr>
+          <a:lstStyle/>
+          <a:p>
+            <a:r>
+              <a:rPr lang="en-US" dirty="0"/>
+              <a:t>Case/Switch is another way to show a long series of if/else if statements.</a:t>
+            </a:r>
+          </a:p>
+          <a:p>
+            <a:r>
+              <a:rPr lang="en-US" dirty="0"/>
+              <a:t>Syntax:</a:t>
+            </a:r>
+          </a:p>
+          <a:p>
+            <a:pPr marL="457200" lvl="1" indent="0">
               <a:buNone/>
             </a:pPr>
             <a:r>
@@ -4866,7 +5229,7 @@
             </a:r>
           </a:p>
           <a:p>
-            <a:pPr marL="457200" lvl="1" indent="0" fontAlgn="ctr">
+            <a:pPr marL="457200" lvl="1" indent="0">
               <a:buNone/>
             </a:pPr>
             <a:r>
@@ -4875,75 +5238,74 @@
             </a:r>
           </a:p>
           <a:p>
-            <a:pPr marL="457200" lvl="1" indent="0" fontAlgn="ctr">
+            <a:pPr marL="457200" lvl="1" indent="0">
               <a:buNone/>
             </a:pPr>
             <a:r>
               <a:rPr lang="en-US" dirty="0"/>
-              <a:t>	case 1:</a:t>
-            </a:r>
-          </a:p>
-          <a:p>
-            <a:pPr marL="457200" lvl="1" indent="0" fontAlgn="ctr">
+              <a:t>	case 1: // do something if value == 1</a:t>
+            </a:r>
+          </a:p>
+          <a:p>
+            <a:pPr marL="457200" lvl="1" indent="0">
               <a:buNone/>
             </a:pPr>
             <a:r>
               <a:rPr lang="en-US" dirty="0"/>
-              <a:t>	case 2: // some code that will run for 1 or 2</a:t>
-            </a:r>
-          </a:p>
-          <a:p>
-            <a:pPr marL="457200" lvl="1" indent="0" fontAlgn="ctr">
+              <a:t>		break;</a:t>
+            </a:r>
+          </a:p>
+          <a:p>
+            <a:pPr marL="457200" lvl="1" indent="0">
               <a:buNone/>
             </a:pPr>
             <a:r>
               <a:rPr lang="en-US" dirty="0"/>
-              <a:t>		break;</a:t>
-            </a:r>
-          </a:p>
-          <a:p>
-            <a:pPr marL="457200" lvl="1" indent="0" fontAlgn="ctr">
+              <a:t>	case 2: // do something if value == 2</a:t>
+            </a:r>
+          </a:p>
+          <a:p>
+            <a:pPr marL="457200" lvl="1" indent="0">
               <a:buNone/>
             </a:pPr>
             <a:r>
               <a:rPr lang="en-US" dirty="0"/>
-              <a:t>	default: // code that will run for anything not 1 or 2</a:t>
-            </a:r>
-          </a:p>
-          <a:p>
-            <a:pPr marL="457200" lvl="1" indent="0" fontAlgn="ctr">
+              <a:t>		break;</a:t>
+            </a:r>
+          </a:p>
+          <a:p>
+            <a:pPr marL="457200" lvl="1" indent="0">
               <a:buNone/>
             </a:pPr>
             <a:r>
               <a:rPr lang="en-US" dirty="0"/>
-              <a:t>		break;</a:t>
-            </a:r>
-          </a:p>
-          <a:p>
-            <a:pPr marL="457200" lvl="1" indent="0" fontAlgn="ctr">
+              <a:t>	default: // do something if none of the previous ones are true</a:t>
+            </a:r>
+          </a:p>
+          <a:p>
+            <a:pPr marL="457200" lvl="1" indent="0">
               <a:buNone/>
             </a:pPr>
             <a:r>
               <a:rPr lang="en-US" dirty="0"/>
+              <a:t>		break;</a:t>
+            </a:r>
+          </a:p>
+          <a:p>
+            <a:pPr marL="457200" lvl="1" indent="0">
+              <a:buNone/>
+            </a:pPr>
+            <a:r>
+              <a:rPr lang="en-US" dirty="0"/>
               <a:t>}</a:t>
             </a:r>
-          </a:p>
-          <a:p>
-            <a:pPr fontAlgn="ctr"/>
-            <a:r>
-              <a:rPr lang="en-US" dirty="0"/>
-              <a:t>Keep your switch (and if statements) short and readable</a:t>
-            </a:r>
-          </a:p>
-          <a:p>
-            <a:endParaRPr lang="en-US" dirty="0"/>
           </a:p>
         </p:txBody>
       </p:sp>
     </p:spTree>
     <p:extLst>
       <p:ext uri="{BB962C8B-B14F-4D97-AF65-F5344CB8AC3E}">
-        <p14:creationId xmlns:p14="http://schemas.microsoft.com/office/powerpoint/2010/main" val="3711762067"/>
+        <p14:creationId xmlns:p14="http://schemas.microsoft.com/office/powerpoint/2010/main" val="180814205"/>
       </p:ext>
     </p:extLst>
   </p:cSld>
@@ -4987,7 +5349,7 @@
           <a:p>
             <a:r>
               <a:rPr lang="en-US" dirty="0"/>
-              <a:t>Recap</a:t>
+              <a:t>Switch Specifics</a:t>
             </a:r>
           </a:p>
         </p:txBody>
@@ -5007,72 +5369,100 @@
           <a:bodyPr/>
           <a:lstStyle/>
           <a:p>
-            <a:r>
-              <a:rPr lang="en-US" dirty="0"/>
-              <a:t>We currently know how to:</a:t>
-            </a:r>
-          </a:p>
-          <a:p>
-            <a:pPr lvl="1"/>
-            <a:r>
-              <a:rPr lang="en-US" dirty="0"/>
-              <a:t>take in input from the console</a:t>
-            </a:r>
-          </a:p>
-          <a:p>
-            <a:pPr lvl="1"/>
-            <a:r>
-              <a:rPr lang="en-US" dirty="0"/>
-              <a:t>write info to the console</a:t>
-            </a:r>
-          </a:p>
-          <a:p>
-            <a:pPr lvl="1"/>
-            <a:r>
-              <a:rPr lang="en-US" dirty="0"/>
-              <a:t>test for string length (and find more info about strings)</a:t>
-            </a:r>
-          </a:p>
-          <a:p>
-            <a:pPr lvl="1"/>
-            <a:r>
-              <a:rPr lang="en-US" dirty="0"/>
-              <a:t>perform certain code in certain conditions</a:t>
-            </a:r>
-          </a:p>
-          <a:p>
-            <a:pPr lvl="1"/>
-            <a:r>
-              <a:rPr lang="en-US" dirty="0"/>
-              <a:t>save values in named variables</a:t>
-            </a:r>
-          </a:p>
-          <a:p>
-            <a:pPr lvl="1"/>
-            <a:r>
-              <a:rPr lang="en-US" dirty="0"/>
-              <a:t>put together complex strings</a:t>
-            </a:r>
-          </a:p>
-          <a:p>
-            <a:pPr lvl="1"/>
-            <a:r>
-              <a:rPr lang="en-US" dirty="0"/>
-              <a:t>More</a:t>
-            </a:r>
-          </a:p>
-          <a:p>
-            <a:r>
-              <a:rPr lang="en-US" dirty="0"/>
-              <a:t>This is enough to do nearly anything we want to do in a program, once.</a:t>
-            </a:r>
+            <a:pPr fontAlgn="ctr"/>
+            <a:r>
+              <a:rPr lang="en-US" dirty="0"/>
+              <a:t>Switch statements allow for “fall through”</a:t>
+            </a:r>
+          </a:p>
+          <a:p>
+            <a:pPr marL="457200" lvl="1" indent="0" fontAlgn="ctr">
+              <a:buNone/>
+            </a:pPr>
+            <a:r>
+              <a:rPr lang="en-US" dirty="0"/>
+              <a:t>Switch (value)</a:t>
+            </a:r>
+          </a:p>
+          <a:p>
+            <a:pPr marL="457200" lvl="1" indent="0" fontAlgn="ctr">
+              <a:buNone/>
+            </a:pPr>
+            <a:r>
+              <a:rPr lang="en-US" dirty="0"/>
+              <a:t>{</a:t>
+            </a:r>
+          </a:p>
+          <a:p>
+            <a:pPr marL="457200" lvl="1" indent="0" fontAlgn="ctr">
+              <a:buNone/>
+            </a:pPr>
+            <a:r>
+              <a:rPr lang="en-US" dirty="0"/>
+              <a:t>	case 1:</a:t>
+            </a:r>
+          </a:p>
+          <a:p>
+            <a:pPr marL="457200" lvl="1" indent="0" fontAlgn="ctr">
+              <a:buNone/>
+            </a:pPr>
+            <a:r>
+              <a:rPr lang="en-US" dirty="0"/>
+              <a:t>	case 2: // some code that will run for 1 or 2</a:t>
+            </a:r>
+          </a:p>
+          <a:p>
+            <a:pPr marL="457200" lvl="1" indent="0" fontAlgn="ctr">
+              <a:buNone/>
+            </a:pPr>
+            <a:r>
+              <a:rPr lang="en-US" dirty="0"/>
+              <a:t>		break;</a:t>
+            </a:r>
+          </a:p>
+          <a:p>
+            <a:pPr marL="457200" lvl="1" indent="0" fontAlgn="ctr">
+              <a:buNone/>
+            </a:pPr>
+            <a:r>
+              <a:rPr lang="en-US" dirty="0"/>
+              <a:t>	default: // code that will run for anything not 1 or 2</a:t>
+            </a:r>
+          </a:p>
+          <a:p>
+            <a:pPr marL="457200" lvl="1" indent="0" fontAlgn="ctr">
+              <a:buNone/>
+            </a:pPr>
+            <a:r>
+              <a:rPr lang="en-US" dirty="0"/>
+              <a:t>		break;</a:t>
+            </a:r>
+          </a:p>
+          <a:p>
+            <a:pPr marL="457200" lvl="1" indent="0" fontAlgn="ctr">
+              <a:buNone/>
+            </a:pPr>
+            <a:r>
+              <a:rPr lang="en-US" dirty="0"/>
+              <a:t>}</a:t>
+            </a:r>
+          </a:p>
+          <a:p>
+            <a:pPr fontAlgn="ctr"/>
+            <a:r>
+              <a:rPr lang="en-US" dirty="0"/>
+              <a:t>Keep your switch (and if statements) short and readable</a:t>
+            </a:r>
+          </a:p>
+          <a:p>
+            <a:endParaRPr lang="en-US" dirty="0"/>
           </a:p>
         </p:txBody>
       </p:sp>
     </p:spTree>
     <p:extLst>
       <p:ext uri="{BB962C8B-B14F-4D97-AF65-F5344CB8AC3E}">
-        <p14:creationId xmlns:p14="http://schemas.microsoft.com/office/powerpoint/2010/main" val="665086064"/>
+        <p14:creationId xmlns:p14="http://schemas.microsoft.com/office/powerpoint/2010/main" val="3711762067"/>
       </p:ext>
     </p:extLst>
   </p:cSld>
@@ -5116,7 +5506,7 @@
           <a:p>
             <a:r>
               <a:rPr lang="en-US" dirty="0"/>
-              <a:t>Exercise</a:t>
+              <a:t>Recap</a:t>
             </a:r>
           </a:p>
         </p:txBody>
@@ -5138,13 +5528,62 @@
           <a:p>
             <a:r>
               <a:rPr lang="en-US" dirty="0"/>
-              <a:t>Write a program that asks a person for the month they were born and tell them what season they were born in.</a:t>
-            </a:r>
-          </a:p>
-          <a:p>
-            <a:r>
-              <a:rPr lang="en-US" dirty="0"/>
-              <a:t>Questions?</a:t>
+              <a:t>We currently know how to:</a:t>
+            </a:r>
+          </a:p>
+          <a:p>
+            <a:pPr lvl="1"/>
+            <a:r>
+              <a:rPr lang="en-US" dirty="0"/>
+              <a:t>take in input from the console</a:t>
+            </a:r>
+          </a:p>
+          <a:p>
+            <a:pPr lvl="1"/>
+            <a:r>
+              <a:rPr lang="en-US" dirty="0"/>
+              <a:t>write info to the console</a:t>
+            </a:r>
+          </a:p>
+          <a:p>
+            <a:pPr lvl="1"/>
+            <a:r>
+              <a:rPr lang="en-US" dirty="0"/>
+              <a:t>test for string length (and find more info about strings)</a:t>
+            </a:r>
+          </a:p>
+          <a:p>
+            <a:pPr lvl="1"/>
+            <a:r>
+              <a:rPr lang="en-US" dirty="0"/>
+              <a:t>perform certain code in certain conditions</a:t>
+            </a:r>
+          </a:p>
+          <a:p>
+            <a:pPr lvl="1"/>
+            <a:r>
+              <a:rPr lang="en-US" dirty="0"/>
+              <a:t>save values in named variables</a:t>
+            </a:r>
+          </a:p>
+          <a:p>
+            <a:pPr lvl="1"/>
+            <a:r>
+              <a:rPr lang="en-US" dirty="0"/>
+              <a:t>put together complex strings</a:t>
+            </a:r>
+          </a:p>
+          <a:p>
+            <a:pPr lvl="1"/>
+            <a:r>
+              <a:rPr lang="en-US" dirty="0"/>
+              <a:t>More</a:t>
+            </a:r>
+          </a:p>
+          <a:p>
+            <a:r>
+              <a:rPr lang="en-US" dirty="0"/>
+              <a:t>This is enough to do nearly anything we want to do in a program, once.</a:t>
             </a:r>
           </a:p>
         </p:txBody>
@@ -5152,7 +5591,7 @@
     </p:spTree>
     <p:extLst>
       <p:ext uri="{BB962C8B-B14F-4D97-AF65-F5344CB8AC3E}">
-        <p14:creationId xmlns:p14="http://schemas.microsoft.com/office/powerpoint/2010/main" val="600274619"/>
+        <p14:creationId xmlns:p14="http://schemas.microsoft.com/office/powerpoint/2010/main" val="665086064"/>
       </p:ext>
     </p:extLst>
   </p:cSld>
@@ -5216,42 +5655,23 @@
           <a:bodyPr/>
           <a:lstStyle/>
           <a:p>
-            <a:pPr fontAlgn="ctr"/>
-            <a:r>
-              <a:rPr lang="en-US" dirty="0"/>
-              <a:t>Can you write a program that asks a person for the month they were born and tell them what season they were born in?</a:t>
-            </a:r>
-          </a:p>
-          <a:p>
-            <a:pPr lvl="1" fontAlgn="ctr"/>
-            <a:r>
-              <a:rPr lang="en-US" dirty="0"/>
-              <a:t>Is month enough to know this?</a:t>
-            </a:r>
-          </a:p>
-          <a:p>
-            <a:pPr lvl="1" fontAlgn="ctr"/>
-            <a:r>
-              <a:rPr lang="en-US" dirty="0"/>
-              <a:t>What if you wanted to check based on day?</a:t>
-            </a:r>
-          </a:p>
-          <a:p>
-            <a:pPr lvl="1" fontAlgn="ctr"/>
-            <a:r>
-              <a:rPr lang="en-US" dirty="0"/>
-              <a:t>Is there a type that would make this easier? Is an integer easier to work with than a string? Is there something even easier for this problem than an integer?</a:t>
-            </a:r>
-          </a:p>
-          <a:p>
-            <a:endParaRPr lang="en-US" dirty="0"/>
+            <a:r>
+              <a:rPr lang="en-US" dirty="0"/>
+              <a:t>Write a program that asks a person for the month they were born and tell them what season they were born in.</a:t>
+            </a:r>
+          </a:p>
+          <a:p>
+            <a:r>
+              <a:rPr lang="en-US" dirty="0"/>
+              <a:t>Questions?</a:t>
+            </a:r>
           </a:p>
         </p:txBody>
       </p:sp>
     </p:spTree>
     <p:extLst>
       <p:ext uri="{BB962C8B-B14F-4D97-AF65-F5344CB8AC3E}">
-        <p14:creationId xmlns:p14="http://schemas.microsoft.com/office/powerpoint/2010/main" val="1851446555"/>
+        <p14:creationId xmlns:p14="http://schemas.microsoft.com/office/powerpoint/2010/main" val="600274619"/>
       </p:ext>
     </p:extLst>
   </p:cSld>
@@ -5295,7 +5715,7 @@
           <a:p>
             <a:r>
               <a:rPr lang="en-US" dirty="0"/>
-              <a:t>Loops</a:t>
+              <a:t>Exercise</a:t>
             </a:r>
           </a:p>
         </p:txBody>
@@ -5315,42 +5735,34 @@
           <a:bodyPr/>
           <a:lstStyle/>
           <a:p>
-            <a:r>
-              <a:rPr lang="en-US" dirty="0"/>
-              <a:t>A loop is a block of code that has a conditional wrapped around it and will repeat as long as that condition is true</a:t>
-            </a:r>
-          </a:p>
-          <a:p>
-            <a:r>
-              <a:rPr lang="en-US" dirty="0"/>
-              <a:t>At its most basic, it is just an if statement that repeats</a:t>
-            </a:r>
-          </a:p>
-          <a:p>
-            <a:endParaRPr lang="en-US" dirty="0"/>
-          </a:p>
-          <a:p>
-            <a:pPr marL="457200" lvl="1" indent="0">
-              <a:buNone/>
-            </a:pPr>
-            <a:r>
-              <a:rPr lang="en-US" dirty="0"/>
-              <a:t>If (true) { // do some code }</a:t>
-            </a:r>
-          </a:p>
-          <a:p>
-            <a:pPr marL="457200" lvl="1" indent="0">
-              <a:buNone/>
-            </a:pPr>
-            <a:r>
-              <a:rPr lang="en-US" dirty="0"/>
-              <a:t>While (true) { // repeat this code forever }</a:t>
-            </a:r>
-          </a:p>
-          <a:p>
-            <a:pPr marL="0" indent="0">
-              <a:buNone/>
-            </a:pPr>
+            <a:pPr fontAlgn="ctr"/>
+            <a:r>
+              <a:rPr lang="en-US" dirty="0"/>
+              <a:t>Can you write a program that asks a person for the month they were born and tell them what season they were born in?</a:t>
+            </a:r>
+          </a:p>
+          <a:p>
+            <a:pPr lvl="1" fontAlgn="ctr"/>
+            <a:r>
+              <a:rPr lang="en-US" dirty="0"/>
+              <a:t>Is month enough to know this?</a:t>
+            </a:r>
+          </a:p>
+          <a:p>
+            <a:pPr lvl="1" fontAlgn="ctr"/>
+            <a:r>
+              <a:rPr lang="en-US" dirty="0"/>
+              <a:t>What if you wanted to check based on day?</a:t>
+            </a:r>
+          </a:p>
+          <a:p>
+            <a:pPr lvl="1" fontAlgn="ctr"/>
+            <a:r>
+              <a:rPr lang="en-US" dirty="0"/>
+              <a:t>Is there a type that would make this easier? Is an integer easier to work with than a string? Is there something even easier for this problem than an integer?</a:t>
+            </a:r>
+          </a:p>
+          <a:p>
             <a:endParaRPr lang="en-US" dirty="0"/>
           </a:p>
         </p:txBody>
@@ -5358,7 +5770,7 @@
     </p:spTree>
     <p:extLst>
       <p:ext uri="{BB962C8B-B14F-4D97-AF65-F5344CB8AC3E}">
-        <p14:creationId xmlns:p14="http://schemas.microsoft.com/office/powerpoint/2010/main" val="3236788663"/>
+        <p14:creationId xmlns:p14="http://schemas.microsoft.com/office/powerpoint/2010/main" val="1851446555"/>
       </p:ext>
     </p:extLst>
   </p:cSld>
@@ -5402,7 +5814,7 @@
           <a:p>
             <a:r>
               <a:rPr lang="en-US" dirty="0"/>
-              <a:t>While Loop</a:t>
+              <a:t>Loops</a:t>
             </a:r>
           </a:p>
         </p:txBody>
@@ -5422,34 +5834,42 @@
           <a:bodyPr/>
           <a:lstStyle/>
           <a:p>
-            <a:pPr fontAlgn="ctr"/>
-            <a:r>
-              <a:rPr lang="en-US" dirty="0"/>
-              <a:t>While (conditional) { // perform this code }</a:t>
-            </a:r>
-          </a:p>
-          <a:p>
-            <a:pPr fontAlgn="ctr"/>
-            <a:r>
-              <a:rPr lang="en-US" dirty="0"/>
-              <a:t>This code will repeat over and over again until the conditional is false</a:t>
-            </a:r>
-          </a:p>
-          <a:p>
-            <a:pPr fontAlgn="ctr"/>
-            <a:r>
-              <a:rPr lang="en-US" dirty="0"/>
-              <a:t>You should probably have something in the {} code block that will eventually end up with the conditional becoming false</a:t>
-            </a:r>
-          </a:p>
-          <a:p>
-            <a:pPr fontAlgn="ctr"/>
-            <a:r>
-              <a:rPr lang="en-US" dirty="0"/>
-              <a:t>If you don't do that, you have an infinite loop which should be avoided at all times (seriously, always have an out, even if it is hitting alt+f4)</a:t>
-            </a:r>
-          </a:p>
-          <a:p>
+            <a:r>
+              <a:rPr lang="en-US" dirty="0"/>
+              <a:t>A loop is a block of code that has a conditional wrapped around it and will repeat as long as that condition is true</a:t>
+            </a:r>
+          </a:p>
+          <a:p>
+            <a:r>
+              <a:rPr lang="en-US" dirty="0"/>
+              <a:t>At its most basic, it is just an if statement that repeats</a:t>
+            </a:r>
+          </a:p>
+          <a:p>
+            <a:endParaRPr lang="en-US" dirty="0"/>
+          </a:p>
+          <a:p>
+            <a:pPr marL="457200" lvl="1" indent="0">
+              <a:buNone/>
+            </a:pPr>
+            <a:r>
+              <a:rPr lang="en-US" dirty="0"/>
+              <a:t>If (true) { // do some code }</a:t>
+            </a:r>
+          </a:p>
+          <a:p>
+            <a:pPr marL="457200" lvl="1" indent="0">
+              <a:buNone/>
+            </a:pPr>
+            <a:r>
+              <a:rPr lang="en-US" dirty="0"/>
+              <a:t>While (true) { // repeat this code forever }</a:t>
+            </a:r>
+          </a:p>
+          <a:p>
+            <a:pPr marL="0" indent="0">
+              <a:buNone/>
+            </a:pPr>
             <a:endParaRPr lang="en-US" dirty="0"/>
           </a:p>
         </p:txBody>
@@ -5457,7 +5877,7 @@
     </p:spTree>
     <p:extLst>
       <p:ext uri="{BB962C8B-B14F-4D97-AF65-F5344CB8AC3E}">
-        <p14:creationId xmlns:p14="http://schemas.microsoft.com/office/powerpoint/2010/main" val="1866306954"/>
+        <p14:creationId xmlns:p14="http://schemas.microsoft.com/office/powerpoint/2010/main" val="3236788663"/>
       </p:ext>
     </p:extLst>
   </p:cSld>
@@ -5501,7 +5921,7 @@
           <a:p>
             <a:r>
               <a:rPr lang="en-US" dirty="0"/>
-              <a:t>While Exercise</a:t>
+              <a:t>While Loop</a:t>
             </a:r>
           </a:p>
         </p:txBody>
@@ -5524,28 +5944,28 @@
             <a:pPr fontAlgn="ctr"/>
             <a:r>
               <a:rPr lang="en-US" dirty="0"/>
-              <a:t>Let's go back to our previous problem with the birthday - can you put it into a loop that will ask the question over and over again until they enter certain text?</a:t>
+              <a:t>While (conditional) { // perform this code }</a:t>
             </a:r>
           </a:p>
           <a:p>
             <a:pPr fontAlgn="ctr"/>
             <a:r>
               <a:rPr lang="en-US" dirty="0"/>
-              <a:t>What if you wanted to have it run 10 times only? How would you do that?</a:t>
-            </a:r>
-          </a:p>
-          <a:p>
-            <a:pPr lvl="1" fontAlgn="ctr"/>
-            <a:r>
-              <a:rPr lang="en-US" dirty="0"/>
-              <a:t>Can you print out how many times they've gone through so far?</a:t>
+              <a:t>This code will repeat over and over again until the conditional is false</a:t>
             </a:r>
           </a:p>
           <a:p>
             <a:pPr fontAlgn="ctr"/>
             <a:r>
               <a:rPr lang="en-US" dirty="0"/>
-              <a:t>What about a yes/no option to let the person exit?</a:t>
+              <a:t>You should probably have something in the {} code block that will eventually end up with the conditional becoming false</a:t>
+            </a:r>
+          </a:p>
+          <a:p>
+            <a:pPr fontAlgn="ctr"/>
+            <a:r>
+              <a:rPr lang="en-US" dirty="0"/>
+              <a:t>If you don't do that, you have an infinite loop which should be avoided at all times (seriously, always have an out, even if it is hitting alt+f4)</a:t>
             </a:r>
           </a:p>
           <a:p>
@@ -5556,7 +5976,7 @@
     </p:spTree>
     <p:extLst>
       <p:ext uri="{BB962C8B-B14F-4D97-AF65-F5344CB8AC3E}">
-        <p14:creationId xmlns:p14="http://schemas.microsoft.com/office/powerpoint/2010/main" val="3515779852"/>
+        <p14:creationId xmlns:p14="http://schemas.microsoft.com/office/powerpoint/2010/main" val="1866306954"/>
       </p:ext>
     </p:extLst>
   </p:cSld>
@@ -5625,7 +6045,9 @@
         </p:nvSpPr>
         <p:spPr/>
         <p:txBody>
-          <a:bodyPr/>
+          <a:bodyPr vert="horz" lIns="91440" tIns="45720" rIns="91440" bIns="45720" rtlCol="0" anchor="t">
+            <a:normAutofit/>
+          </a:bodyPr>
           <a:lstStyle/>
           <a:p>
             <a:r>
@@ -5668,7 +6090,7 @@
           <a:p>
             <a:r>
               <a:rPr lang="en-US" dirty="0"/>
-              <a:t>Our first session has been successful for our students, many of whom you will meet</a:t>
+              <a:t>Our previous sessions have been successful for our students, many of whom you will meet</a:t>
             </a:r>
           </a:p>
           <a:p>
@@ -5726,7 +6148,7 @@
           <a:p>
             <a:r>
               <a:rPr lang="en-US" dirty="0"/>
-              <a:t>For Loop</a:t>
+              <a:t>While Exercise</a:t>
             </a:r>
           </a:p>
         </p:txBody>
@@ -5746,132 +6168,42 @@
           <a:bodyPr/>
           <a:lstStyle/>
           <a:p>
-            <a:r>
-              <a:rPr lang="en-US" dirty="0"/>
-              <a:t>For Loops are a loop that has a bit of special formatting at the beginning that lets you easily set up a counting conditional</a:t>
-            </a:r>
-          </a:p>
-          <a:p>
-            <a:pPr marL="457200" lvl="1" indent="0" fontAlgn="ctr">
-              <a:buNone/>
-            </a:pPr>
-            <a:r>
-              <a:rPr lang="en-US" dirty="0"/>
-              <a:t>for (</a:t>
-            </a:r>
-            <a:r>
-              <a:rPr lang="en-US" dirty="0" err="1"/>
-              <a:t>int</a:t>
-            </a:r>
-            <a:r>
-              <a:rPr lang="en-US" dirty="0"/>
-              <a:t> </a:t>
-            </a:r>
-            <a:r>
-              <a:rPr lang="en-US" dirty="0" err="1"/>
-              <a:t>i</a:t>
-            </a:r>
-            <a:r>
-              <a:rPr lang="en-US" dirty="0"/>
-              <a:t>; </a:t>
-            </a:r>
-            <a:r>
-              <a:rPr lang="en-US" dirty="0" err="1"/>
-              <a:t>i</a:t>
-            </a:r>
-            <a:r>
-              <a:rPr lang="en-US" dirty="0"/>
-              <a:t> &lt; 10; </a:t>
-            </a:r>
-            <a:r>
-              <a:rPr lang="en-US" dirty="0" err="1"/>
-              <a:t>i</a:t>
-            </a:r>
-            <a:r>
-              <a:rPr lang="en-US" dirty="0"/>
-              <a:t>++)</a:t>
-            </a:r>
-          </a:p>
-          <a:p>
-            <a:pPr marL="457200" lvl="1" indent="0" fontAlgn="ctr">
-              <a:buNone/>
-            </a:pPr>
-            <a:r>
-              <a:rPr lang="en-US" dirty="0"/>
-              <a:t>{ // perform this code }</a:t>
-            </a:r>
-          </a:p>
-          <a:p>
-            <a:r>
-              <a:rPr lang="en-US" dirty="0"/>
-              <a:t>There are three parts to the for statement. The setup (</a:t>
-            </a:r>
-            <a:r>
-              <a:rPr lang="en-US" dirty="0" err="1"/>
-              <a:t>int</a:t>
-            </a:r>
-            <a:r>
-              <a:rPr lang="en-US" dirty="0"/>
-              <a:t> </a:t>
-            </a:r>
-            <a:r>
-              <a:rPr lang="en-US" dirty="0" err="1"/>
-              <a:t>i</a:t>
-            </a:r>
-            <a:r>
-              <a:rPr lang="en-US" dirty="0"/>
-              <a:t>), the conditional (</a:t>
-            </a:r>
-            <a:r>
-              <a:rPr lang="en-US" dirty="0" err="1"/>
-              <a:t>i</a:t>
-            </a:r>
-            <a:r>
-              <a:rPr lang="en-US" dirty="0"/>
-              <a:t> &lt; 10) and the iterator (</a:t>
-            </a:r>
-            <a:r>
-              <a:rPr lang="en-US" dirty="0" err="1"/>
-              <a:t>i</a:t>
-            </a:r>
-            <a:r>
-              <a:rPr lang="en-US" dirty="0"/>
-              <a:t>++)</a:t>
-            </a:r>
-          </a:p>
-          <a:p>
-            <a:pPr lvl="1"/>
-            <a:r>
-              <a:rPr lang="en-US" dirty="0"/>
-              <a:t>The setup is run once at the beginning of the statement</a:t>
-            </a:r>
-          </a:p>
-          <a:p>
-            <a:pPr lvl="1"/>
-            <a:r>
-              <a:rPr lang="en-US" dirty="0"/>
-              <a:t>The conditional is checked before the block is run</a:t>
-            </a:r>
-          </a:p>
-          <a:p>
-            <a:pPr lvl="1"/>
-            <a:r>
-              <a:rPr lang="en-US" dirty="0"/>
-              <a:t>The iterator runs each time the block of code is completed</a:t>
-            </a:r>
-          </a:p>
-          <a:p>
-            <a:r>
-              <a:rPr lang="en-US" dirty="0"/>
-              <a:t>This is a little cleaner than using a while loop for everything</a:t>
-            </a:r>
+            <a:pPr fontAlgn="ctr"/>
+            <a:r>
+              <a:rPr lang="en-US" dirty="0"/>
+              <a:t>Let's go back to our previous problem with the birthday - can you put it into a loop that will ask the question over and over again until they enter certain text?</a:t>
+            </a:r>
+          </a:p>
+          <a:p>
+            <a:pPr fontAlgn="ctr"/>
+            <a:r>
+              <a:rPr lang="en-US" dirty="0"/>
+              <a:t>What if you wanted to have it run 10 times only? How would you do that?</a:t>
+            </a:r>
+          </a:p>
+          <a:p>
+            <a:pPr lvl="1" fontAlgn="ctr"/>
+            <a:r>
+              <a:rPr lang="en-US" dirty="0"/>
+              <a:t>Can you print out how many times they've gone through so far?</a:t>
+            </a:r>
+          </a:p>
+          <a:p>
+            <a:pPr fontAlgn="ctr"/>
+            <a:r>
+              <a:rPr lang="en-US" dirty="0"/>
+              <a:t>What about a yes/no option to let the person exit?</a:t>
+            </a:r>
+          </a:p>
+          <a:p>
+            <a:endParaRPr lang="en-US" dirty="0"/>
           </a:p>
         </p:txBody>
       </p:sp>
     </p:spTree>
     <p:extLst>
       <p:ext uri="{BB962C8B-B14F-4D97-AF65-F5344CB8AC3E}">
-        <p14:creationId xmlns:p14="http://schemas.microsoft.com/office/powerpoint/2010/main" val="1213380622"/>
+        <p14:creationId xmlns:p14="http://schemas.microsoft.com/office/powerpoint/2010/main" val="3515779852"/>
       </p:ext>
     </p:extLst>
   </p:cSld>
@@ -5915,7 +6247,7 @@
           <a:p>
             <a:r>
               <a:rPr lang="en-US" dirty="0"/>
-              <a:t>Exercise</a:t>
+              <a:t>For Loop</a:t>
             </a:r>
           </a:p>
         </p:txBody>
@@ -5932,101 +6264,135 @@
         </p:nvSpPr>
         <p:spPr/>
         <p:txBody>
-          <a:bodyPr>
-            <a:normAutofit/>
-          </a:bodyPr>
-          <a:lstStyle/>
-          <a:p>
-            <a:pPr fontAlgn="ctr"/>
-            <a:r>
-              <a:rPr lang="en-US" dirty="0"/>
-              <a:t>Can you write a loop that doesn't count by ones?</a:t>
-            </a:r>
-          </a:p>
-          <a:p>
-            <a:pPr fontAlgn="ctr"/>
-            <a:r>
-              <a:rPr lang="en-US" dirty="0"/>
-              <a:t>What about one that loops backward?</a:t>
-            </a:r>
-          </a:p>
-          <a:p>
+          <a:bodyPr/>
+          <a:lstStyle/>
+          <a:p>
+            <a:r>
+              <a:rPr lang="en-US" dirty="0"/>
+              <a:t>For Loops are a loop that has a bit of special formatting at the beginning that lets you easily set up a counting conditional</a:t>
+            </a:r>
+          </a:p>
+          <a:p>
+            <a:pPr marL="457200" lvl="1" indent="0" fontAlgn="ctr">
+              <a:buNone/>
+            </a:pPr>
+            <a:r>
+              <a:rPr lang="en-US" dirty="0"/>
+              <a:t>for (</a:t>
+            </a:r>
             <a:r>
               <a:rPr lang="en-US" dirty="0" err="1"/>
-              <a:t>FizzBuzz</a:t>
-            </a:r>
-            <a:r>
-              <a:rPr lang="en-US" dirty="0"/>
-              <a:t>:</a:t>
-            </a:r>
-          </a:p>
-          <a:p>
-            <a:pPr lvl="1" fontAlgn="ctr"/>
-            <a:r>
-              <a:rPr lang="en-US" dirty="0"/>
-              <a:t>Print the numbers 1-100</a:t>
-            </a:r>
-          </a:p>
-          <a:p>
-            <a:pPr lvl="1" fontAlgn="ctr"/>
-            <a:r>
-              <a:rPr lang="en-US" dirty="0"/>
-              <a:t>If the number is a multiple of 3, instead of the number, print “fizz”</a:t>
-            </a:r>
-          </a:p>
-          <a:p>
-            <a:pPr lvl="1" fontAlgn="ctr"/>
-            <a:r>
-              <a:rPr lang="en-US" dirty="0"/>
-              <a:t>If the number is a multiple of 5, instead of the number, print “buzz”</a:t>
-            </a:r>
-          </a:p>
-          <a:p>
-            <a:pPr lvl="1" fontAlgn="ctr"/>
-            <a:r>
-              <a:rPr lang="en-US" dirty="0"/>
-              <a:t>If the number is a multiple of both, print “</a:t>
+              <a:t>int</a:t>
+            </a:r>
+            <a:r>
+              <a:rPr lang="en-US" dirty="0"/>
+              <a:t> </a:t>
             </a:r>
             <a:r>
               <a:rPr lang="en-US" dirty="0" err="1"/>
-              <a:t>fizzbuzz</a:t>
-            </a:r>
-            <a:r>
-              <a:rPr lang="en-US" dirty="0"/>
-              <a:t>”</a:t>
-            </a:r>
-          </a:p>
-          <a:p>
-            <a:pPr fontAlgn="ctr"/>
-            <a:r>
-              <a:rPr lang="en-US" dirty="0"/>
-              <a:t>Let's do </a:t>
+              <a:t>i</a:t>
+            </a:r>
+            <a:r>
+              <a:rPr lang="en-US" dirty="0"/>
+              <a:t>; </a:t>
             </a:r>
             <a:r>
               <a:rPr lang="en-US" dirty="0" err="1"/>
-              <a:t>fizzbuzz</a:t>
-            </a:r>
-            <a:r>
-              <a:rPr lang="en-US" dirty="0"/>
-              <a:t> and make it work</a:t>
-            </a:r>
-          </a:p>
-          <a:p>
-            <a:pPr fontAlgn="ctr"/>
-            <a:r>
-              <a:rPr lang="en-US" dirty="0"/>
-              <a:t>This is a test that is still regularly used in programming tests</a:t>
-            </a:r>
-          </a:p>
-          <a:p>
-            <a:endParaRPr lang="en-US" dirty="0"/>
+              <a:t>i</a:t>
+            </a:r>
+            <a:r>
+              <a:rPr lang="en-US" dirty="0"/>
+              <a:t> &lt; 10; </a:t>
+            </a:r>
+            <a:r>
+              <a:rPr lang="en-US" dirty="0" err="1"/>
+              <a:t>i</a:t>
+            </a:r>
+            <a:r>
+              <a:rPr lang="en-US" dirty="0"/>
+              <a:t>++)</a:t>
+            </a:r>
+          </a:p>
+          <a:p>
+            <a:pPr marL="457200" lvl="1" indent="0" fontAlgn="ctr">
+              <a:buNone/>
+            </a:pPr>
+            <a:r>
+              <a:rPr lang="en-US" dirty="0"/>
+              <a:t>{ // perform this code }</a:t>
+            </a:r>
+          </a:p>
+          <a:p>
+            <a:r>
+              <a:rPr lang="en-US" dirty="0"/>
+              <a:t>There are three parts to the for statement. The setup (</a:t>
+            </a:r>
+            <a:r>
+              <a:rPr lang="en-US" dirty="0" err="1"/>
+              <a:t>int</a:t>
+            </a:r>
+            <a:r>
+              <a:rPr lang="en-US" dirty="0"/>
+              <a:t> </a:t>
+            </a:r>
+            <a:r>
+              <a:rPr lang="en-US" dirty="0" err="1"/>
+              <a:t>i</a:t>
+            </a:r>
+            <a:r>
+              <a:rPr lang="en-US" dirty="0"/>
+              <a:t>), the conditional (</a:t>
+            </a:r>
+            <a:r>
+              <a:rPr lang="en-US" dirty="0" err="1"/>
+              <a:t>i</a:t>
+            </a:r>
+            <a:r>
+              <a:rPr lang="en-US" dirty="0"/>
+              <a:t> &lt; 10) and the iterator (</a:t>
+            </a:r>
+            <a:r>
+              <a:rPr lang="en-US" dirty="0" err="1"/>
+              <a:t>i</a:t>
+            </a:r>
+            <a:r>
+              <a:rPr lang="en-US" dirty="0"/>
+              <a:t>++)</a:t>
+            </a:r>
+          </a:p>
+          <a:p>
+            <a:pPr lvl="1"/>
+            <a:r>
+              <a:rPr lang="en-US" dirty="0"/>
+              <a:t>The setup is run once at the beginning of the statement</a:t>
+            </a:r>
+          </a:p>
+          <a:p>
+            <a:pPr lvl="1"/>
+            <a:r>
+              <a:rPr lang="en-US" dirty="0"/>
+              <a:t>The conditional is checked before the block is run</a:t>
+            </a:r>
+          </a:p>
+          <a:p>
+            <a:pPr lvl="1"/>
+            <a:r>
+              <a:rPr lang="en-US" dirty="0"/>
+              <a:t>The iterator runs each time the block of code is completed</a:t>
+            </a:r>
+          </a:p>
+          <a:p>
+            <a:r>
+              <a:rPr lang="en-US" dirty="0"/>
+              <a:t>This is a little cleaner than using a while loop for everything</a:t>
+            </a:r>
           </a:p>
         </p:txBody>
       </p:sp>
     </p:spTree>
     <p:extLst>
       <p:ext uri="{BB962C8B-B14F-4D97-AF65-F5344CB8AC3E}">
-        <p14:creationId xmlns:p14="http://schemas.microsoft.com/office/powerpoint/2010/main" val="1613013352"/>
+        <p14:creationId xmlns:p14="http://schemas.microsoft.com/office/powerpoint/2010/main" val="1213380622"/>
       </p:ext>
     </p:extLst>
   </p:cSld>
@@ -6070,7 +6436,7 @@
           <a:p>
             <a:r>
               <a:rPr lang="en-US" dirty="0"/>
-              <a:t>More Exercise</a:t>
+              <a:t>Exercise</a:t>
             </a:r>
           </a:p>
         </p:txBody>
@@ -6087,36 +6453,93 @@
         </p:nvSpPr>
         <p:spPr/>
         <p:txBody>
-          <a:bodyPr/>
-          <a:lstStyle/>
-          <a:p>
-            <a:pPr marL="0" indent="0">
-              <a:buNone/>
-            </a:pPr>
-            <a:r>
-              <a:rPr lang="en-US" dirty="0"/>
-              <a:t>Return to the birthday problem. Can you make it work for 2 users? 3?</a:t>
-            </a:r>
-          </a:p>
-          <a:p>
-            <a:r>
-              <a:rPr lang="en-US" dirty="0"/>
-              <a:t>“Person 1 was born in ____ “ and “Person 2 was born in _____”</a:t>
-            </a:r>
-          </a:p>
-          <a:p>
-            <a:pPr marL="0" indent="0">
-              <a:buNone/>
-            </a:pPr>
-            <a:r>
-              <a:rPr lang="en-US" dirty="0"/>
-              <a:t>What about 50?</a:t>
-            </a:r>
-          </a:p>
-          <a:p>
-            <a:pPr marL="0" indent="0">
-              <a:buNone/>
-            </a:pPr>
+          <a:bodyPr>
+            <a:normAutofit/>
+          </a:bodyPr>
+          <a:lstStyle/>
+          <a:p>
+            <a:pPr fontAlgn="ctr"/>
+            <a:r>
+              <a:rPr lang="en-US" dirty="0"/>
+              <a:t>Can you write a loop that doesn't count by ones?</a:t>
+            </a:r>
+          </a:p>
+          <a:p>
+            <a:pPr fontAlgn="ctr"/>
+            <a:r>
+              <a:rPr lang="en-US" dirty="0"/>
+              <a:t>What about one that loops backward?</a:t>
+            </a:r>
+          </a:p>
+          <a:p>
+            <a:r>
+              <a:rPr lang="en-US" dirty="0" err="1"/>
+              <a:t>FizzBuzz</a:t>
+            </a:r>
+            <a:r>
+              <a:rPr lang="en-US" dirty="0"/>
+              <a:t>:</a:t>
+            </a:r>
+          </a:p>
+          <a:p>
+            <a:pPr lvl="1" fontAlgn="ctr"/>
+            <a:r>
+              <a:rPr lang="en-US" dirty="0"/>
+              <a:t>Print the numbers 1-100</a:t>
+            </a:r>
+          </a:p>
+          <a:p>
+            <a:pPr lvl="1" fontAlgn="ctr"/>
+            <a:r>
+              <a:rPr lang="en-US" dirty="0"/>
+              <a:t>If the number is a multiple of 3, instead of the number, print “fizz”</a:t>
+            </a:r>
+          </a:p>
+          <a:p>
+            <a:pPr lvl="1" fontAlgn="ctr"/>
+            <a:r>
+              <a:rPr lang="en-US" dirty="0"/>
+              <a:t>If the number is a multiple of 5, instead of the number, print “buzz”</a:t>
+            </a:r>
+          </a:p>
+          <a:p>
+            <a:pPr lvl="1" fontAlgn="ctr"/>
+            <a:r>
+              <a:rPr lang="en-US" dirty="0"/>
+              <a:t>If the number is a multiple of both, print “</a:t>
+            </a:r>
+            <a:r>
+              <a:rPr lang="en-US" dirty="0" err="1"/>
+              <a:t>fizzbuzz</a:t>
+            </a:r>
+            <a:r>
+              <a:rPr lang="en-US" dirty="0"/>
+              <a:t>”</a:t>
+            </a:r>
+          </a:p>
+          <a:p>
+            <a:pPr fontAlgn="ctr"/>
+            <a:r>
+              <a:rPr lang="en-US" dirty="0"/>
+              <a:t>Let's do </a:t>
+            </a:r>
+            <a:r>
+              <a:rPr lang="en-US" dirty="0" err="1"/>
+              <a:t>fizzbuzz</a:t>
+            </a:r>
+            <a:r>
+              <a:rPr lang="en-US" dirty="0"/>
+              <a:t> and make it work</a:t>
+            </a:r>
+          </a:p>
+          <a:p>
+            <a:pPr fontAlgn="ctr"/>
+            <a:r>
+              <a:rPr lang="en-US" dirty="0"/>
+              <a:t>This is a test that is still regularly used in programming tests</a:t>
+            </a:r>
+          </a:p>
+          <a:p>
             <a:endParaRPr lang="en-US" dirty="0"/>
           </a:p>
         </p:txBody>
@@ -6124,7 +6547,7 @@
     </p:spTree>
     <p:extLst>
       <p:ext uri="{BB962C8B-B14F-4D97-AF65-F5344CB8AC3E}">
-        <p14:creationId xmlns:p14="http://schemas.microsoft.com/office/powerpoint/2010/main" val="2405895386"/>
+        <p14:creationId xmlns:p14="http://schemas.microsoft.com/office/powerpoint/2010/main" val="1613013352"/>
       </p:ext>
     </p:extLst>
   </p:cSld>
@@ -6168,7 +6591,7 @@
           <a:p>
             <a:r>
               <a:rPr lang="en-US" dirty="0"/>
-              <a:t>Well…that wasn’t pretty</a:t>
+              <a:t>More Exercise</a:t>
             </a:r>
           </a:p>
         </p:txBody>
@@ -6188,83 +6611,41 @@
           <a:bodyPr/>
           <a:lstStyle/>
           <a:p>
-            <a:r>
-              <a:rPr lang="en-US" dirty="0"/>
-              <a:t>For limited numbers of items, you can do things like this</a:t>
-            </a:r>
-          </a:p>
-          <a:p>
-            <a:pPr lvl="1"/>
-            <a:r>
-              <a:rPr lang="en-US" dirty="0" err="1"/>
-              <a:t>Var</a:t>
-            </a:r>
-            <a:r>
-              <a:rPr lang="en-US" dirty="0"/>
-              <a:t> Person1</a:t>
-            </a:r>
-          </a:p>
-          <a:p>
-            <a:pPr lvl="1"/>
-            <a:r>
-              <a:rPr lang="en-US" dirty="0" err="1"/>
-              <a:t>Var</a:t>
-            </a:r>
-            <a:r>
-              <a:rPr lang="en-US" dirty="0"/>
-              <a:t> Person2</a:t>
-            </a:r>
-          </a:p>
-          <a:p>
-            <a:pPr lvl="1"/>
-            <a:r>
-              <a:rPr lang="en-US" dirty="0" err="1"/>
-              <a:t>Var</a:t>
-            </a:r>
-            <a:r>
-              <a:rPr lang="en-US" dirty="0"/>
-              <a:t> Person3</a:t>
-            </a:r>
-          </a:p>
-          <a:p>
-            <a:r>
-              <a:rPr lang="en-US" dirty="0"/>
-              <a:t>There are some inherent issues here:</a:t>
-            </a:r>
-          </a:p>
-          <a:p>
-            <a:pPr lvl="1"/>
-            <a:r>
-              <a:rPr lang="en-US" dirty="0"/>
-              <a:t>Scaling – your program can only do as many as you hard code in</a:t>
-            </a:r>
-          </a:p>
-          <a:p>
-            <a:pPr lvl="1"/>
-            <a:r>
-              <a:rPr lang="en-US" dirty="0"/>
-              <a:t>As you add more, code becomes harder to read and fix</a:t>
-            </a:r>
-          </a:p>
-          <a:p>
-            <a:pPr lvl="1"/>
-            <a:r>
-              <a:rPr lang="en-US" dirty="0"/>
-              <a:t>Non-Dry Code: each block of code must be copied for each individual variable</a:t>
-            </a:r>
-          </a:p>
-          <a:p>
-            <a:r>
-              <a:rPr lang="en-US" dirty="0"/>
-              <a:t>Obviously there is a better way</a:t>
-            </a:r>
+            <a:pPr marL="0" indent="0">
+              <a:buNone/>
+            </a:pPr>
+            <a:r>
+              <a:rPr lang="en-US" dirty="0"/>
+              <a:t>Return to the birthday problem. Can you make it work for 2 users? 3?</a:t>
+            </a:r>
+          </a:p>
+          <a:p>
+            <a:r>
+              <a:rPr lang="en-US" dirty="0"/>
+              <a:t>“Person 1 was born in ____ “ and “Person 2 was born in _____”</a:t>
+            </a:r>
+          </a:p>
+          <a:p>
+            <a:pPr marL="0" indent="0">
+              <a:buNone/>
+            </a:pPr>
+            <a:r>
+              <a:rPr lang="en-US" dirty="0"/>
+              <a:t>What about 50?</a:t>
+            </a:r>
+          </a:p>
+          <a:p>
+            <a:pPr marL="0" indent="0">
+              <a:buNone/>
+            </a:pPr>
+            <a:endParaRPr lang="en-US" dirty="0"/>
           </a:p>
         </p:txBody>
       </p:sp>
     </p:spTree>
     <p:extLst>
       <p:ext uri="{BB962C8B-B14F-4D97-AF65-F5344CB8AC3E}">
-        <p14:creationId xmlns:p14="http://schemas.microsoft.com/office/powerpoint/2010/main" val="2768694916"/>
+        <p14:creationId xmlns:p14="http://schemas.microsoft.com/office/powerpoint/2010/main" val="2405895386"/>
       </p:ext>
     </p:extLst>
   </p:cSld>
@@ -6308,7 +6689,7 @@
           <a:p>
             <a:r>
               <a:rPr lang="en-US" dirty="0"/>
-              <a:t>Arrays</a:t>
+              <a:t>How do we scale?</a:t>
             </a:r>
           </a:p>
         </p:txBody>
@@ -6330,69 +6711,61 @@
           <a:p>
             <a:r>
               <a:rPr lang="en-US" dirty="0"/>
-              <a:t>Arrays allow for a list or collection of items to be named under the </a:t>
-            </a:r>
-            <a:r>
-              <a:rPr lang="en-US"/>
-              <a:t>same identifier. </a:t>
-            </a:r>
-            <a:r>
-              <a:rPr lang="en-US" dirty="0"/>
-              <a:t>Each item in the list is then referenced by number.</a:t>
+              <a:t>For limited numbers of items, you can do things like this</a:t>
             </a:r>
           </a:p>
           <a:p>
             <a:pPr lvl="1"/>
             <a:r>
               <a:rPr lang="en-US" dirty="0"/>
-              <a:t>String[] </a:t>
-            </a:r>
-            <a:r>
-              <a:rPr lang="en-US" dirty="0" err="1"/>
-              <a:t>someString</a:t>
-            </a:r>
-            <a:r>
-              <a:rPr lang="en-US" dirty="0"/>
-              <a:t> = { “First one”, “Second One”, “Third One” }</a:t>
+              <a:t>Var Color1</a:t>
             </a:r>
           </a:p>
           <a:p>
             <a:pPr lvl="1"/>
             <a:r>
-              <a:rPr lang="en-US" dirty="0" err="1"/>
-              <a:t>Console.WriteLine</a:t>
-            </a:r>
-            <a:r>
-              <a:rPr lang="en-US" dirty="0"/>
-              <a:t>(</a:t>
-            </a:r>
-            <a:r>
-              <a:rPr lang="en-US" dirty="0" err="1"/>
-              <a:t>someString</a:t>
-            </a:r>
-            <a:r>
-              <a:rPr lang="en-US" dirty="0"/>
-              <a:t>[1]); // what will print? (semi-trick question)</a:t>
-            </a:r>
-          </a:p>
-          <a:p>
-            <a:r>
-              <a:rPr lang="en-US" dirty="0"/>
-              <a:t>The references can be a separate variable, such as the </a:t>
-            </a:r>
-            <a:r>
-              <a:rPr lang="en-US" dirty="0" err="1"/>
-              <a:t>i</a:t>
-            </a:r>
-            <a:r>
-              <a:rPr lang="en-US" dirty="0"/>
-              <a:t> you are using to go through a for loop.</a:t>
-            </a:r>
-          </a:p>
-          <a:p>
-            <a:r>
-              <a:rPr lang="en-US" dirty="0"/>
-              <a:t>Now, you can loop through a lot of variables with the exact same code</a:t>
+              <a:rPr lang="en-US" dirty="0"/>
+              <a:t>Var Color2</a:t>
+            </a:r>
+          </a:p>
+          <a:p>
+            <a:pPr lvl="1"/>
+            <a:r>
+              <a:rPr lang="en-US" dirty="0"/>
+              <a:t>Var Color3</a:t>
+            </a:r>
+          </a:p>
+          <a:p>
+            <a:r>
+              <a:rPr lang="en-US" dirty="0"/>
+              <a:t>There are some inherent issues here:</a:t>
+            </a:r>
+          </a:p>
+          <a:p>
+            <a:pPr lvl="1"/>
+            <a:r>
+              <a:rPr lang="en-US" dirty="0"/>
+              <a:t>Scaling – your program can only do as many as you hard code in</a:t>
+            </a:r>
+          </a:p>
+          <a:p>
+            <a:pPr lvl="1"/>
+            <a:r>
+              <a:rPr lang="en-US" dirty="0"/>
+              <a:t>As you add more, code becomes harder to read and fix</a:t>
+            </a:r>
+          </a:p>
+          <a:p>
+            <a:pPr lvl="1"/>
+            <a:r>
+              <a:rPr lang="en-US" dirty="0"/>
+              <a:t>Non-Dry Code: each block of code must be copied for each individual variable</a:t>
+            </a:r>
+          </a:p>
+          <a:p>
+            <a:r>
+              <a:rPr lang="en-US" dirty="0"/>
+              <a:t>Obviously there is a better way</a:t>
             </a:r>
           </a:p>
         </p:txBody>
@@ -6400,7 +6773,7 @@
     </p:spTree>
     <p:extLst>
       <p:ext uri="{BB962C8B-B14F-4D97-AF65-F5344CB8AC3E}">
-        <p14:creationId xmlns:p14="http://schemas.microsoft.com/office/powerpoint/2010/main" val="3306674978"/>
+        <p14:creationId xmlns:p14="http://schemas.microsoft.com/office/powerpoint/2010/main" val="2768694916"/>
       </p:ext>
     </p:extLst>
   </p:cSld>
@@ -6444,7 +6817,7 @@
           <a:p>
             <a:r>
               <a:rPr lang="en-US" dirty="0"/>
-              <a:t>Visual Concept of Arrays</a:t>
+              <a:t>Arrays</a:t>
             </a:r>
           </a:p>
         </p:txBody>
@@ -6466,7 +6839,69 @@
           <a:p>
             <a:r>
               <a:rPr lang="en-US" dirty="0"/>
-              <a:t>Let’s go play with some blocks for a moment</a:t>
+              <a:t>Arrays allow for a list or collection of items to be named under the </a:t>
+            </a:r>
+            <a:r>
+              <a:rPr lang="en-US"/>
+              <a:t>same identifier. </a:t>
+            </a:r>
+            <a:r>
+              <a:rPr lang="en-US" dirty="0"/>
+              <a:t>Each item in the list is then referenced by number.</a:t>
+            </a:r>
+          </a:p>
+          <a:p>
+            <a:pPr lvl="1"/>
+            <a:r>
+              <a:rPr lang="en-US" dirty="0"/>
+              <a:t>String[] </a:t>
+            </a:r>
+            <a:r>
+              <a:rPr lang="en-US" dirty="0" err="1"/>
+              <a:t>someString</a:t>
+            </a:r>
+            <a:r>
+              <a:rPr lang="en-US" dirty="0"/>
+              <a:t> = { “First one”, “Second One”, “Third One” }</a:t>
+            </a:r>
+          </a:p>
+          <a:p>
+            <a:pPr lvl="1"/>
+            <a:r>
+              <a:rPr lang="en-US" dirty="0" err="1"/>
+              <a:t>Console.WriteLine</a:t>
+            </a:r>
+            <a:r>
+              <a:rPr lang="en-US" dirty="0"/>
+              <a:t>(</a:t>
+            </a:r>
+            <a:r>
+              <a:rPr lang="en-US" dirty="0" err="1"/>
+              <a:t>someString</a:t>
+            </a:r>
+            <a:r>
+              <a:rPr lang="en-US" dirty="0"/>
+              <a:t>[1]); // what will print? (semi-trick question)</a:t>
+            </a:r>
+          </a:p>
+          <a:p>
+            <a:r>
+              <a:rPr lang="en-US" dirty="0"/>
+              <a:t>The references can be a separate variable, such as the </a:t>
+            </a:r>
+            <a:r>
+              <a:rPr lang="en-US" dirty="0" err="1"/>
+              <a:t>i</a:t>
+            </a:r>
+            <a:r>
+              <a:rPr lang="en-US" dirty="0"/>
+              <a:t> you are using to go through a for loop.</a:t>
+            </a:r>
+          </a:p>
+          <a:p>
+            <a:r>
+              <a:rPr lang="en-US" dirty="0"/>
+              <a:t>Now, you can loop through a lot of variables with the exact same code</a:t>
             </a:r>
           </a:p>
         </p:txBody>
@@ -6474,7 +6909,7 @@
     </p:spTree>
     <p:extLst>
       <p:ext uri="{BB962C8B-B14F-4D97-AF65-F5344CB8AC3E}">
-        <p14:creationId xmlns:p14="http://schemas.microsoft.com/office/powerpoint/2010/main" val="1651731348"/>
+        <p14:creationId xmlns:p14="http://schemas.microsoft.com/office/powerpoint/2010/main" val="3306674978"/>
       </p:ext>
     </p:extLst>
   </p:cSld>
@@ -6518,7 +6953,7 @@
           <a:p>
             <a:r>
               <a:rPr lang="en-US" dirty="0"/>
-              <a:t>Other Array Bits</a:t>
+              <a:t>Visual Concept of Arrays</a:t>
             </a:r>
           </a:p>
         </p:txBody>
@@ -6540,44 +6975,15 @@
           <a:p>
             <a:r>
               <a:rPr lang="en-US" dirty="0"/>
-              <a:t>Arrays can be multi-dimensional: string[][]</a:t>
-            </a:r>
-          </a:p>
-          <a:p>
-            <a:r>
-              <a:rPr lang="en-US" dirty="0"/>
-              <a:t>When using the [] notation, you are telling C# that this array will only have a single type</a:t>
-            </a:r>
-          </a:p>
-          <a:p>
-            <a:pPr lvl="1"/>
-            <a:r>
-              <a:rPr lang="en-US" dirty="0"/>
-              <a:t>It is possible to have mixed arrays/collections</a:t>
-            </a:r>
-          </a:p>
-          <a:p>
-            <a:pPr lvl="1"/>
-            <a:r>
-              <a:rPr lang="en-US" dirty="0"/>
-              <a:t>We will cover this but not yet</a:t>
-            </a:r>
-          </a:p>
-          <a:p>
-            <a:r>
-              <a:rPr lang="en-US" dirty="0"/>
-              <a:t>There are other objects that work enough like arrays as to be mostly interchangeable – we will cover these soon</a:t>
-            </a:r>
-          </a:p>
-          <a:p>
-            <a:endParaRPr lang="en-US" dirty="0"/>
+              <a:t>Let’s go play with some blocks for a moment</a:t>
+            </a:r>
           </a:p>
         </p:txBody>
       </p:sp>
     </p:spTree>
     <p:extLst>
       <p:ext uri="{BB962C8B-B14F-4D97-AF65-F5344CB8AC3E}">
-        <p14:creationId xmlns:p14="http://schemas.microsoft.com/office/powerpoint/2010/main" val="2886529965"/>
+        <p14:creationId xmlns:p14="http://schemas.microsoft.com/office/powerpoint/2010/main" val="1651731348"/>
       </p:ext>
     </p:extLst>
   </p:cSld>
@@ -6621,7 +7027,7 @@
           <a:p>
             <a:r>
               <a:rPr lang="en-US" dirty="0"/>
-              <a:t>Exercises</a:t>
+              <a:t>Other Array Bits</a:t>
             </a:r>
           </a:p>
         </p:txBody>
@@ -6643,36 +7049,44 @@
           <a:p>
             <a:r>
               <a:rPr lang="en-US" dirty="0"/>
-              <a:t>Messaging System</a:t>
+              <a:t>Arrays can be multi-dimensional: string[][]</a:t>
+            </a:r>
+          </a:p>
+          <a:p>
+            <a:r>
+              <a:rPr lang="en-US" dirty="0"/>
+              <a:t>When using the [] notation, you are telling C# that this array will only have a single type</a:t>
             </a:r>
           </a:p>
           <a:p>
             <a:pPr lvl="1"/>
             <a:r>
               <a:rPr lang="en-US" dirty="0"/>
-              <a:t>Make a system that allows you to either a) save a message or b) retrieve a message</a:t>
-            </a:r>
-          </a:p>
-          <a:p>
-            <a:pPr lvl="2"/>
-            <a:r>
-              <a:rPr lang="en-US" dirty="0"/>
-              <a:t>When saving, return a # that the user can use to retrieve a message</a:t>
-            </a:r>
-          </a:p>
-          <a:p>
-            <a:pPr lvl="2"/>
-            <a:r>
-              <a:rPr lang="en-US" dirty="0"/>
-              <a:t>When retrieving, allow a user to put in a # to see the message saved</a:t>
-            </a:r>
+              <a:t>It is possible to have mixed arrays/collections</a:t>
+            </a:r>
+          </a:p>
+          <a:p>
+            <a:pPr lvl="1"/>
+            <a:r>
+              <a:rPr lang="en-US" dirty="0"/>
+              <a:t>We will cover this but not yet</a:t>
+            </a:r>
+          </a:p>
+          <a:p>
+            <a:r>
+              <a:rPr lang="en-US" dirty="0"/>
+              <a:t>There are other objects that work enough like arrays as to be mostly interchangeable – we will cover these soon</a:t>
+            </a:r>
+          </a:p>
+          <a:p>
+            <a:endParaRPr lang="en-US" dirty="0"/>
           </a:p>
         </p:txBody>
       </p:sp>
     </p:spTree>
     <p:extLst>
       <p:ext uri="{BB962C8B-B14F-4D97-AF65-F5344CB8AC3E}">
-        <p14:creationId xmlns:p14="http://schemas.microsoft.com/office/powerpoint/2010/main" val="1674474070"/>
+        <p14:creationId xmlns:p14="http://schemas.microsoft.com/office/powerpoint/2010/main" val="2886529965"/>
       </p:ext>
     </p:extLst>
   </p:cSld>
@@ -6716,7 +7130,7 @@
           <a:p>
             <a:r>
               <a:rPr lang="en-US" dirty="0"/>
-              <a:t>Functions</a:t>
+              <a:t>Exercises</a:t>
             </a:r>
           </a:p>
         </p:txBody>
@@ -6738,30 +7152,36 @@
           <a:p>
             <a:r>
               <a:rPr lang="en-US" dirty="0"/>
-              <a:t>A function is a block of code that can be called with a single line from another block of code. </a:t>
-            </a:r>
-          </a:p>
-          <a:p>
-            <a:r>
-              <a:rPr lang="en-US" dirty="0"/>
-              <a:t>Functions can take in a number of parameters (including none) and can but doesn't have to return a value. </a:t>
-            </a:r>
-          </a:p>
-          <a:p>
-            <a:r>
-              <a:rPr lang="en-US" dirty="0"/>
-              <a:t>Within C#, you must declare the function before using it.</a:t>
-            </a:r>
-          </a:p>
-          <a:p>
-            <a:endParaRPr lang="en-US" dirty="0"/>
+              <a:t>Messaging System</a:t>
+            </a:r>
+          </a:p>
+          <a:p>
+            <a:pPr lvl="1"/>
+            <a:r>
+              <a:rPr lang="en-US" dirty="0"/>
+              <a:t>Make a system that allows you to either a) save a message or b) retrieve a message</a:t>
+            </a:r>
+          </a:p>
+          <a:p>
+            <a:pPr lvl="2"/>
+            <a:r>
+              <a:rPr lang="en-US" dirty="0"/>
+              <a:t>When saving, return a # that the user can use to retrieve a message</a:t>
+            </a:r>
+          </a:p>
+          <a:p>
+            <a:pPr lvl="2"/>
+            <a:r>
+              <a:rPr lang="en-US" dirty="0"/>
+              <a:t>When retrieving, allow a user to put in a # to see the message saved</a:t>
+            </a:r>
           </a:p>
         </p:txBody>
       </p:sp>
     </p:spTree>
     <p:extLst>
       <p:ext uri="{BB962C8B-B14F-4D97-AF65-F5344CB8AC3E}">
-        <p14:creationId xmlns:p14="http://schemas.microsoft.com/office/powerpoint/2010/main" val="4013525080"/>
+        <p14:creationId xmlns:p14="http://schemas.microsoft.com/office/powerpoint/2010/main" val="1674474070"/>
       </p:ext>
     </p:extLst>
   </p:cSld>
@@ -6805,7 +7225,7 @@
           <a:p>
             <a:r>
               <a:rPr lang="en-US" dirty="0"/>
-              <a:t>Syntax</a:t>
+              <a:t>Functions</a:t>
             </a:r>
           </a:p>
         </p:txBody>
@@ -6827,81 +7247,30 @@
           <a:p>
             <a:r>
               <a:rPr lang="en-US" dirty="0"/>
-              <a:t>To declare:</a:t>
-            </a:r>
-          </a:p>
-          <a:p>
-            <a:pPr lvl="1"/>
-            <a:r>
-              <a:rPr lang="en-US" dirty="0"/>
-              <a:t>String </a:t>
-            </a:r>
-            <a:r>
-              <a:rPr lang="en-US" dirty="0" err="1"/>
-              <a:t>SomeFunction</a:t>
-            </a:r>
-            <a:r>
-              <a:rPr lang="en-US" dirty="0"/>
-              <a:t>(string a, string b) { // code }</a:t>
-            </a:r>
-          </a:p>
-          <a:p>
-            <a:r>
-              <a:rPr lang="en-US" dirty="0"/>
-              <a:t>To Use:</a:t>
-            </a:r>
-          </a:p>
-          <a:p>
-            <a:pPr lvl="1"/>
-            <a:r>
-              <a:rPr lang="en-US" dirty="0" err="1"/>
-              <a:t>SomeFunction</a:t>
-            </a:r>
-            <a:r>
-              <a:rPr lang="en-US" dirty="0"/>
-              <a:t>(x, y);</a:t>
-            </a:r>
-          </a:p>
-          <a:p>
-            <a:pPr lvl="1"/>
-            <a:r>
-              <a:rPr lang="en-US" dirty="0"/>
-              <a:t>Z = </a:t>
-            </a:r>
-            <a:r>
-              <a:rPr lang="en-US" dirty="0" err="1"/>
-              <a:t>SomeFunction</a:t>
-            </a:r>
-            <a:r>
-              <a:rPr lang="en-US" dirty="0"/>
-              <a:t>(x, y);</a:t>
-            </a:r>
-          </a:p>
-          <a:p>
-            <a:pPr lvl="1"/>
-            <a:r>
-              <a:rPr lang="en-US" dirty="0" err="1"/>
-              <a:t>Console.WriteLine</a:t>
-            </a:r>
-            <a:r>
-              <a:rPr lang="en-US" dirty="0"/>
-              <a:t>(</a:t>
-            </a:r>
-            <a:r>
-              <a:rPr lang="en-US" dirty="0" err="1"/>
-              <a:t>SomeFunction</a:t>
-            </a:r>
-            <a:r>
-              <a:rPr lang="en-US" dirty="0"/>
-              <a:t>(x, y));</a:t>
-            </a:r>
+              <a:t>A function is a block of code that can be called with a single line from another block of code. </a:t>
+            </a:r>
+          </a:p>
+          <a:p>
+            <a:r>
+              <a:rPr lang="en-US" dirty="0"/>
+              <a:t>Functions can take in a number of parameters (including none) and can but doesn't have to return a value. </a:t>
+            </a:r>
+          </a:p>
+          <a:p>
+            <a:r>
+              <a:rPr lang="en-US" dirty="0"/>
+              <a:t>Within C#, you must declare the function before using it.</a:t>
+            </a:r>
+          </a:p>
+          <a:p>
+            <a:endParaRPr lang="en-US" dirty="0"/>
           </a:p>
         </p:txBody>
       </p:sp>
     </p:spTree>
     <p:extLst>
       <p:ext uri="{BB962C8B-B14F-4D97-AF65-F5344CB8AC3E}">
-        <p14:creationId xmlns:p14="http://schemas.microsoft.com/office/powerpoint/2010/main" val="221460350"/>
+        <p14:creationId xmlns:p14="http://schemas.microsoft.com/office/powerpoint/2010/main" val="4013525080"/>
       </p:ext>
     </p:extLst>
   </p:cSld>
@@ -6945,7 +7314,7 @@
           <a:p>
             <a:r>
               <a:rPr lang="en-US" dirty="0"/>
-              <a:t>Last Session</a:t>
+              <a:t>First Session</a:t>
             </a:r>
           </a:p>
         </p:txBody>
@@ -7040,7 +7409,7 @@
           <a:p>
             <a:r>
               <a:rPr lang="en-US" dirty="0"/>
-              <a:t>Built In Functions</a:t>
+              <a:t>Syntax</a:t>
             </a:r>
           </a:p>
         </p:txBody>
@@ -7062,106 +7431,73 @@
           <a:p>
             <a:r>
               <a:rPr lang="en-US" dirty="0"/>
-              <a:t>Reading in a file:</a:t>
+              <a:t>To declare:</a:t>
             </a:r>
           </a:p>
           <a:p>
             <a:pPr lvl="1"/>
             <a:r>
               <a:rPr lang="en-US" dirty="0"/>
-              <a:t>All of a file, all at once:</a:t>
-            </a:r>
-          </a:p>
-          <a:p>
-            <a:pPr lvl="2"/>
-            <a:r>
-              <a:rPr lang="en-US" dirty="0"/>
-              <a:t>string text = </a:t>
+              <a:t>String </a:t>
             </a:r>
             <a:r>
               <a:rPr lang="en-US" dirty="0" err="1"/>
-              <a:t>System.IO.File.ReadAllText</a:t>
-            </a:r>
-            <a:r>
-              <a:rPr lang="en-US" dirty="0"/>
-              <a:t>(@"C:\WriteText.txt");</a:t>
+              <a:t>SomeFunction</a:t>
+            </a:r>
+            <a:r>
+              <a:rPr lang="en-US" dirty="0"/>
+              <a:t>(string a, string b) { // code }</a:t>
+            </a:r>
+          </a:p>
+          <a:p>
+            <a:r>
+              <a:rPr lang="en-US" dirty="0"/>
+              <a:t>To Use:</a:t>
             </a:r>
           </a:p>
           <a:p>
             <a:pPr lvl="1"/>
             <a:r>
-              <a:rPr lang="en-US" dirty="0"/>
-              <a:t>One line at a time:</a:t>
-            </a:r>
-          </a:p>
-          <a:p>
-            <a:pPr lvl="2"/>
-            <a:r>
               <a:rPr lang="en-US" dirty="0" err="1"/>
-              <a:t>System.IO.StreamReader</a:t>
-            </a:r>
-            <a:r>
-              <a:rPr lang="en-US" dirty="0"/>
-              <a:t> file = </a:t>
-            </a:r>
-          </a:p>
-          <a:p>
-            <a:pPr lvl="2"/>
-            <a:r>
-              <a:rPr lang="en-US" dirty="0"/>
-              <a:t>   new </a:t>
+              <a:t>SomeFunction</a:t>
+            </a:r>
+            <a:r>
+              <a:rPr lang="en-US" dirty="0"/>
+              <a:t>(x, y);</a:t>
+            </a:r>
+          </a:p>
+          <a:p>
+            <a:pPr lvl="1"/>
+            <a:r>
+              <a:rPr lang="en-US" dirty="0"/>
+              <a:t>Z = </a:t>
             </a:r>
             <a:r>
               <a:rPr lang="en-US" dirty="0" err="1"/>
-              <a:t>System.IO.StreamReader</a:t>
-            </a:r>
-            <a:r>
-              <a:rPr lang="en-US" dirty="0"/>
-              <a:t>("c:\\test.txt");</a:t>
-            </a:r>
-          </a:p>
-          <a:p>
-            <a:pPr lvl="2"/>
-            <a:r>
-              <a:rPr lang="en-US" dirty="0"/>
-              <a:t>while((line = </a:t>
-            </a:r>
-            <a:r>
-              <a:rPr lang="en-US" dirty="0" err="1"/>
-              <a:t>file.ReadLine</a:t>
-            </a:r>
-            <a:r>
-              <a:rPr lang="en-US" dirty="0"/>
-              <a:t>()) != null)</a:t>
-            </a:r>
-          </a:p>
-          <a:p>
-            <a:pPr lvl="2"/>
-            <a:r>
-              <a:rPr lang="en-US" dirty="0"/>
-              <a:t>{</a:t>
-            </a:r>
-          </a:p>
-          <a:p>
-            <a:pPr lvl="2"/>
-            <a:r>
-              <a:rPr lang="en-US" dirty="0"/>
-              <a:t>   // your code such as </a:t>
-            </a:r>
+              <a:t>SomeFunction</a:t>
+            </a:r>
+            <a:r>
+              <a:rPr lang="en-US" dirty="0"/>
+              <a:t>(x, y);</a:t>
+            </a:r>
+          </a:p>
+          <a:p>
+            <a:pPr lvl="1"/>
             <a:r>
               <a:rPr lang="en-US" dirty="0" err="1"/>
               <a:t>Console.WriteLine</a:t>
             </a:r>
             <a:r>
               <a:rPr lang="en-US" dirty="0"/>
-              <a:t>(line);</a:t>
-            </a:r>
-          </a:p>
-          <a:p>
-            <a:pPr lvl="2"/>
-            <a:r>
-              <a:rPr lang="en-US" dirty="0"/>
-              <a:t>}</a:t>
+              <a:t>(</a:t>
+            </a:r>
+            <a:r>
+              <a:rPr lang="en-US" dirty="0" err="1"/>
+              <a:t>SomeFunction</a:t>
+            </a:r>
+            <a:r>
+              <a:rPr lang="en-US" dirty="0"/>
+              <a:t>(x, y));</a:t>
             </a:r>
           </a:p>
         </p:txBody>
@@ -7169,7 +7505,7 @@
     </p:spTree>
     <p:extLst>
       <p:ext uri="{BB962C8B-B14F-4D97-AF65-F5344CB8AC3E}">
-        <p14:creationId xmlns:p14="http://schemas.microsoft.com/office/powerpoint/2010/main" val="23507557"/>
+        <p14:creationId xmlns:p14="http://schemas.microsoft.com/office/powerpoint/2010/main" val="221460350"/>
       </p:ext>
     </p:extLst>
   </p:cSld>
@@ -7213,7 +7549,7 @@
           <a:p>
             <a:r>
               <a:rPr lang="en-US" dirty="0"/>
-              <a:t>String Formatting</a:t>
+              <a:t>Built In Functions</a:t>
             </a:r>
           </a:p>
         </p:txBody>
@@ -7235,63 +7571,114 @@
           <a:p>
             <a:r>
               <a:rPr lang="en-US" dirty="0"/>
-              <a:t>Sometimes there is a better way than doing “string 1” + “string 2”</a:t>
-            </a:r>
-          </a:p>
-          <a:p>
-            <a:r>
-              <a:rPr lang="en-US" dirty="0"/>
-              <a:t>And there are way better ways than having a line of code that looks like this:</a:t>
+              <a:t>Reading in a file:</a:t>
             </a:r>
           </a:p>
           <a:p>
             <a:pPr lvl="1"/>
+            <a:r>
+              <a:rPr lang="en-US" dirty="0"/>
+              <a:t>All of a file, all at once:</a:t>
+            </a:r>
+          </a:p>
+          <a:p>
+            <a:pPr lvl="2"/>
+            <a:r>
+              <a:rPr lang="en-US" dirty="0"/>
+              <a:t>string text = </a:t>
+            </a:r>
+            <a:r>
+              <a:rPr lang="en-US" dirty="0" err="1"/>
+              <a:t>System.IO.File.ReadAllText</a:t>
+            </a:r>
+            <a:r>
+              <a:rPr lang="en-US" dirty="0"/>
+              <a:t>(@"C:\WriteText.txt");</a:t>
+            </a:r>
+          </a:p>
+          <a:p>
+            <a:pPr lvl="1"/>
+            <a:r>
+              <a:rPr lang="en-US" dirty="0"/>
+              <a:t>One line at a time:</a:t>
+            </a:r>
+          </a:p>
+          <a:p>
+            <a:pPr lvl="2"/>
+            <a:r>
+              <a:rPr lang="en-US" dirty="0" err="1"/>
+              <a:t>System.IO.StreamReader</a:t>
+            </a:r>
+            <a:r>
+              <a:rPr lang="en-US" dirty="0"/>
+              <a:t> file = </a:t>
+            </a:r>
+          </a:p>
+          <a:p>
+            <a:pPr lvl="2"/>
+            <a:r>
+              <a:rPr lang="en-US" dirty="0"/>
+              <a:t>   new </a:t>
+            </a:r>
+            <a:r>
+              <a:rPr lang="en-US" dirty="0" err="1"/>
+              <a:t>System.IO.StreamReader</a:t>
+            </a:r>
+            <a:r>
+              <a:rPr lang="en-US" dirty="0"/>
+              <a:t>("c:\\test.txt");</a:t>
+            </a:r>
+          </a:p>
+          <a:p>
+            <a:pPr lvl="2"/>
+            <a:r>
+              <a:rPr lang="en-US" dirty="0"/>
+              <a:t>while((line = </a:t>
+            </a:r>
+            <a:r>
+              <a:rPr lang="en-US" dirty="0" err="1"/>
+              <a:t>file.ReadLine</a:t>
+            </a:r>
+            <a:r>
+              <a:rPr lang="en-US" dirty="0"/>
+              <a:t>()) != null)</a:t>
+            </a:r>
+          </a:p>
+          <a:p>
+            <a:pPr lvl="2"/>
+            <a:r>
+              <a:rPr lang="en-US" dirty="0"/>
+              <a:t>{</a:t>
+            </a:r>
+          </a:p>
+          <a:p>
+            <a:pPr lvl="2"/>
+            <a:r>
+              <a:rPr lang="en-US" dirty="0"/>
+              <a:t>   // your code such as </a:t>
+            </a:r>
             <a:r>
               <a:rPr lang="en-US" dirty="0" err="1"/>
               <a:t>Console.WriteLine</a:t>
             </a:r>
             <a:r>
               <a:rPr lang="en-US" dirty="0"/>
-              <a:t>(“The length is “ + length + “ and the width is “ + width + “ so the area is “ + length * width “.”);</a:t>
-            </a:r>
-          </a:p>
-          <a:p>
-            <a:r>
-              <a:rPr lang="en-US" dirty="0"/>
-              <a:t>You can rewrite that line as:</a:t>
-            </a:r>
-          </a:p>
-          <a:p>
-            <a:pPr lvl="1"/>
-            <a:r>
-              <a:rPr lang="en-US" dirty="0" err="1"/>
-              <a:t>Console.WriteLine</a:t>
-            </a:r>
-            <a:r>
-              <a:rPr lang="en-US" dirty="0"/>
-              <a:t>(“The length is {0} and the width is {1} so the area is {2}”, width, length, length * width);</a:t>
-            </a:r>
-          </a:p>
-          <a:p>
-            <a:r>
-              <a:rPr lang="en-US" dirty="0"/>
-              <a:t>There are other formatting options in strings, such as \n creating a </a:t>
-            </a:r>
-            <a:r>
-              <a:rPr lang="en-US"/>
-              <a:t>new line</a:t>
-            </a:r>
-            <a:endParaRPr lang="en-US" dirty="0"/>
-          </a:p>
-          <a:p>
-            <a:endParaRPr lang="en-US" dirty="0"/>
+              <a:t>(line);</a:t>
+            </a:r>
+          </a:p>
+          <a:p>
+            <a:pPr lvl="2"/>
+            <a:r>
+              <a:rPr lang="en-US" dirty="0"/>
+              <a:t>}</a:t>
+            </a:r>
           </a:p>
         </p:txBody>
       </p:sp>
     </p:spTree>
     <p:extLst>
       <p:ext uri="{BB962C8B-B14F-4D97-AF65-F5344CB8AC3E}">
-        <p14:creationId xmlns:p14="http://schemas.microsoft.com/office/powerpoint/2010/main" val="3548428133"/>
+        <p14:creationId xmlns:p14="http://schemas.microsoft.com/office/powerpoint/2010/main" val="23507557"/>
       </p:ext>
     </p:extLst>
   </p:cSld>
@@ -7335,7 +7722,7 @@
           <a:p>
             <a:r>
               <a:rPr lang="en-US" dirty="0"/>
-              <a:t>Classes</a:t>
+              <a:t>String Formatting</a:t>
             </a:r>
           </a:p>
         </p:txBody>
@@ -7352,73 +7739,57 @@
         </p:nvSpPr>
         <p:spPr/>
         <p:txBody>
-          <a:bodyPr/>
-          <a:lstStyle/>
-          <a:p>
-            <a:r>
-              <a:rPr lang="en-US" dirty="0"/>
-              <a:t>A logical arrangement of variables and/or functions</a:t>
-            </a:r>
-          </a:p>
-          <a:p>
-            <a:r>
-              <a:rPr lang="en-US" dirty="0"/>
-              <a:t>Self Contained</a:t>
-            </a:r>
-          </a:p>
-          <a:p>
-            <a:r>
-              <a:rPr lang="en-US" dirty="0"/>
-              <a:t>(somewhat) make sense together</a:t>
-            </a:r>
-          </a:p>
-          <a:p>
-            <a:r>
-              <a:rPr lang="en-US" dirty="0"/>
-              <a:t>Useful for</a:t>
+          <a:bodyPr vert="horz" lIns="91440" tIns="45720" rIns="91440" bIns="45720" rtlCol="0" anchor="t">
+            <a:normAutofit/>
+          </a:bodyPr>
+          <a:lstStyle/>
+          <a:p>
+            <a:r>
+              <a:rPr lang="EN-US" dirty="0"/>
+              <a:t>Sometimes there is a better way than doing “string 1” + “string 2”</a:t>
+            </a:r>
+          </a:p>
+          <a:p>
+            <a:r>
+              <a:rPr lang="EN-US" dirty="0"/>
+              <a:t>And there are way better ways than having a line of code that looks like this:</a:t>
             </a:r>
           </a:p>
           <a:p>
             <a:pPr lvl="1"/>
             <a:r>
-              <a:rPr lang="en-US" dirty="0"/>
-              <a:t>Structuring data together</a:t>
+              <a:rPr lang="EN-US" dirty="0"/>
+              <a:t>Console.WriteLine(“The length is “ + length + “ and the width is “ + width + “ so the area is “ + length * width “.”);</a:t>
+            </a:r>
+          </a:p>
+          <a:p>
+            <a:r>
+              <a:rPr lang="EN-US" dirty="0"/>
+              <a:t>You can rewrite that line as:</a:t>
             </a:r>
           </a:p>
           <a:p>
             <a:pPr lvl="1"/>
             <a:r>
-              <a:rPr lang="en-US" dirty="0"/>
-              <a:t>Doing complex work behind function calls</a:t>
-            </a:r>
-          </a:p>
-          <a:p>
-            <a:pPr lvl="1"/>
-            <a:r>
-              <a:rPr lang="en-US" dirty="0"/>
-              <a:t>Organizing code</a:t>
-            </a:r>
-          </a:p>
-          <a:p>
-            <a:pPr lvl="1"/>
-            <a:r>
-              <a:rPr lang="en-US" dirty="0"/>
-              <a:t>Sharing code/functionality</a:t>
-            </a:r>
-          </a:p>
-          <a:p>
-            <a:pPr lvl="1"/>
-            <a:r>
-              <a:rPr lang="en-US" dirty="0"/>
-              <a:t>Reusing code (very easy to copy a class to a new project)</a:t>
-            </a:r>
+              <a:rPr lang="EN-US" dirty="0"/>
+              <a:t>Console.WriteLine(“The length is {0} and the width is {1} so the area is {2}”, width, length, length * width);</a:t>
+            </a:r>
+          </a:p>
+          <a:p>
+            <a:r>
+              <a:rPr lang="EN-US" dirty="0"/>
+              <a:t>There are other formatting options in strings, such as \n creating a new line</a:t>
+            </a:r>
+          </a:p>
+          <a:p>
+            <a:endParaRPr lang="en-US" dirty="0"/>
           </a:p>
         </p:txBody>
       </p:sp>
     </p:spTree>
     <p:extLst>
       <p:ext uri="{BB962C8B-B14F-4D97-AF65-F5344CB8AC3E}">
-        <p14:creationId xmlns:p14="http://schemas.microsoft.com/office/powerpoint/2010/main" val="2400996428"/>
+        <p14:creationId xmlns:p14="http://schemas.microsoft.com/office/powerpoint/2010/main" val="3548428133"/>
       </p:ext>
     </p:extLst>
   </p:cSld>
@@ -7462,7 +7833,7 @@
           <a:p>
             <a:r>
               <a:rPr lang="en-US" dirty="0"/>
-              <a:t>Sections of a Class</a:t>
+              <a:t>Classes</a:t>
             </a:r>
           </a:p>
         </p:txBody>
@@ -7484,50 +7855,68 @@
           <a:p>
             <a:r>
               <a:rPr lang="en-US" dirty="0"/>
-              <a:t>Variables (aka Members)</a:t>
-            </a:r>
-          </a:p>
-          <a:p>
-            <a:r>
-              <a:rPr lang="en-US" dirty="0"/>
-              <a:t>Functions(aka Methods)</a:t>
-            </a:r>
-          </a:p>
-          <a:p>
-            <a:r>
-              <a:rPr lang="en-US" dirty="0"/>
-              <a:t>Members/Methods can be public or private (or protected, not used as much)</a:t>
-            </a:r>
-          </a:p>
-          <a:p>
-            <a:r>
-              <a:rPr lang="en-US" dirty="0"/>
-              <a:t>Special Function – Constructor</a:t>
+              <a:t>A logical arrangement of variables and/or functions</a:t>
+            </a:r>
+          </a:p>
+          <a:p>
+            <a:r>
+              <a:rPr lang="en-US" dirty="0"/>
+              <a:t>Self Contained</a:t>
+            </a:r>
+          </a:p>
+          <a:p>
+            <a:r>
+              <a:rPr lang="en-US" dirty="0"/>
+              <a:t>(somewhat) make sense together</a:t>
+            </a:r>
+          </a:p>
+          <a:p>
+            <a:r>
+              <a:rPr lang="en-US" dirty="0"/>
+              <a:t>Useful for</a:t>
             </a:r>
           </a:p>
           <a:p>
             <a:pPr lvl="1"/>
             <a:r>
               <a:rPr lang="en-US" dirty="0"/>
-              <a:t>Used to initialize a class so it is ready to use</a:t>
+              <a:t>Structuring data together</a:t>
             </a:r>
           </a:p>
           <a:p>
             <a:pPr lvl="1"/>
             <a:r>
               <a:rPr lang="en-US" dirty="0"/>
-              <a:t>This is what is called when you say class something = new class();</a:t>
-            </a:r>
-          </a:p>
-          <a:p>
-            <a:endParaRPr lang="en-US" dirty="0"/>
+              <a:t>Doing complex work behind function calls</a:t>
+            </a:r>
+          </a:p>
+          <a:p>
+            <a:pPr lvl="1"/>
+            <a:r>
+              <a:rPr lang="en-US" dirty="0"/>
+              <a:t>Organizing code</a:t>
+            </a:r>
+          </a:p>
+          <a:p>
+            <a:pPr lvl="1"/>
+            <a:r>
+              <a:rPr lang="en-US" dirty="0"/>
+              <a:t>Sharing code/functionality</a:t>
+            </a:r>
+          </a:p>
+          <a:p>
+            <a:pPr lvl="1"/>
+            <a:r>
+              <a:rPr lang="en-US" dirty="0"/>
+              <a:t>Reusing code (very easy to copy a class to a new project)</a:t>
+            </a:r>
           </a:p>
         </p:txBody>
       </p:sp>
     </p:spTree>
     <p:extLst>
       <p:ext uri="{BB962C8B-B14F-4D97-AF65-F5344CB8AC3E}">
-        <p14:creationId xmlns:p14="http://schemas.microsoft.com/office/powerpoint/2010/main" val="3293854445"/>
+        <p14:creationId xmlns:p14="http://schemas.microsoft.com/office/powerpoint/2010/main" val="2400996428"/>
       </p:ext>
     </p:extLst>
   </p:cSld>
@@ -7571,7 +7960,7 @@
           <a:p>
             <a:r>
               <a:rPr lang="en-US" dirty="0"/>
-              <a:t>Syntax</a:t>
+              <a:t>Sections of a Class</a:t>
             </a:r>
           </a:p>
         </p:txBody>
@@ -7593,80 +7982,50 @@
           <a:p>
             <a:r>
               <a:rPr lang="en-US" dirty="0"/>
-              <a:t>class Name</a:t>
-            </a:r>
-          </a:p>
-          <a:p>
-            <a:r>
-              <a:rPr lang="en-US" dirty="0"/>
-              <a:t>{</a:t>
+              <a:t>Variables (aka Members)</a:t>
+            </a:r>
+          </a:p>
+          <a:p>
+            <a:r>
+              <a:rPr lang="en-US" dirty="0"/>
+              <a:t>Functions(aka Methods)</a:t>
+            </a:r>
+          </a:p>
+          <a:p>
+            <a:r>
+              <a:rPr lang="en-US" dirty="0"/>
+              <a:t>Members/Methods can be public or private (or protected, not used as much)</a:t>
+            </a:r>
+          </a:p>
+          <a:p>
+            <a:r>
+              <a:rPr lang="en-US" dirty="0"/>
+              <a:t>Special Function – Constructor</a:t>
             </a:r>
           </a:p>
           <a:p>
             <a:pPr lvl="1"/>
             <a:r>
               <a:rPr lang="en-US" dirty="0"/>
-              <a:t>public </a:t>
-            </a:r>
-            <a:r>
-              <a:rPr lang="en-US" dirty="0" err="1"/>
-              <a:t>int</a:t>
-            </a:r>
-            <a:r>
-              <a:rPr lang="en-US" dirty="0"/>
-              <a:t> </a:t>
-            </a:r>
-            <a:r>
-              <a:rPr lang="en-US" dirty="0" err="1"/>
-              <a:t>someVariables</a:t>
-            </a:r>
-            <a:r>
-              <a:rPr lang="en-US" dirty="0"/>
-              <a:t>;</a:t>
+              <a:t>Used to initialize a class so it is ready to use</a:t>
             </a:r>
           </a:p>
           <a:p>
             <a:pPr lvl="1"/>
             <a:r>
               <a:rPr lang="en-US" dirty="0"/>
-              <a:t>public </a:t>
-            </a:r>
-            <a:r>
-              <a:rPr lang="en-US" dirty="0" err="1"/>
-              <a:t>int</a:t>
-            </a:r>
-            <a:r>
-              <a:rPr lang="en-US" dirty="0"/>
-              <a:t> </a:t>
-            </a:r>
-            <a:r>
-              <a:rPr lang="en-US" dirty="0" err="1"/>
-              <a:t>someFunction</a:t>
-            </a:r>
-            <a:r>
-              <a:rPr lang="en-US" dirty="0"/>
-              <a:t>() { return 0; }</a:t>
-            </a:r>
-          </a:p>
-          <a:p>
-            <a:pPr lvl="1"/>
-            <a:r>
-              <a:rPr lang="en-US" dirty="0"/>
-              <a:t>Public Name() { //I am the constructor }</a:t>
-            </a:r>
-          </a:p>
-          <a:p>
-            <a:r>
-              <a:rPr lang="en-US" dirty="0"/>
-              <a:t>}</a:t>
-            </a:r>
+              <a:t>This is what is called when you say class something = new class();</a:t>
+            </a:r>
+          </a:p>
+          <a:p>
+            <a:endParaRPr lang="en-US" dirty="0"/>
           </a:p>
         </p:txBody>
       </p:sp>
     </p:spTree>
     <p:extLst>
       <p:ext uri="{BB962C8B-B14F-4D97-AF65-F5344CB8AC3E}">
-        <p14:creationId xmlns:p14="http://schemas.microsoft.com/office/powerpoint/2010/main" val="2340521166"/>
+        <p14:creationId xmlns:p14="http://schemas.microsoft.com/office/powerpoint/2010/main" val="3293854445"/>
       </p:ext>
     </p:extLst>
   </p:cSld>
@@ -7710,6 +8069,145 @@
           <a:p>
             <a:r>
               <a:rPr lang="en-US" dirty="0"/>
+              <a:t>Syntax</a:t>
+            </a:r>
+          </a:p>
+        </p:txBody>
+      </p:sp>
+      <p:sp>
+        <p:nvSpPr>
+          <p:cNvPr id="3" name="Content Placeholder 2"/>
+          <p:cNvSpPr>
+            <a:spLocks noGrp="1"/>
+          </p:cNvSpPr>
+          <p:nvPr>
+            <p:ph idx="1"/>
+          </p:nvPr>
+        </p:nvSpPr>
+        <p:spPr/>
+        <p:txBody>
+          <a:bodyPr/>
+          <a:lstStyle/>
+          <a:p>
+            <a:r>
+              <a:rPr lang="en-US" dirty="0"/>
+              <a:t>class Name</a:t>
+            </a:r>
+          </a:p>
+          <a:p>
+            <a:r>
+              <a:rPr lang="en-US" dirty="0"/>
+              <a:t>{</a:t>
+            </a:r>
+          </a:p>
+          <a:p>
+            <a:pPr lvl="1"/>
+            <a:r>
+              <a:rPr lang="en-US" dirty="0"/>
+              <a:t>public </a:t>
+            </a:r>
+            <a:r>
+              <a:rPr lang="en-US" dirty="0" err="1"/>
+              <a:t>int</a:t>
+            </a:r>
+            <a:r>
+              <a:rPr lang="en-US" dirty="0"/>
+              <a:t> </a:t>
+            </a:r>
+            <a:r>
+              <a:rPr lang="en-US" dirty="0" err="1"/>
+              <a:t>someVariables</a:t>
+            </a:r>
+            <a:r>
+              <a:rPr lang="en-US" dirty="0"/>
+              <a:t>;</a:t>
+            </a:r>
+          </a:p>
+          <a:p>
+            <a:pPr lvl="1"/>
+            <a:r>
+              <a:rPr lang="en-US" dirty="0"/>
+              <a:t>public </a:t>
+            </a:r>
+            <a:r>
+              <a:rPr lang="en-US" dirty="0" err="1"/>
+              <a:t>int</a:t>
+            </a:r>
+            <a:r>
+              <a:rPr lang="en-US" dirty="0"/>
+              <a:t> </a:t>
+            </a:r>
+            <a:r>
+              <a:rPr lang="en-US" dirty="0" err="1"/>
+              <a:t>someFunction</a:t>
+            </a:r>
+            <a:r>
+              <a:rPr lang="en-US" dirty="0"/>
+              <a:t>() { return 0; }</a:t>
+            </a:r>
+          </a:p>
+          <a:p>
+            <a:pPr lvl="1"/>
+            <a:r>
+              <a:rPr lang="en-US" dirty="0"/>
+              <a:t>Public Name() { //I am the constructor }</a:t>
+            </a:r>
+          </a:p>
+          <a:p>
+            <a:r>
+              <a:rPr lang="en-US" dirty="0"/>
+              <a:t>}</a:t>
+            </a:r>
+          </a:p>
+        </p:txBody>
+      </p:sp>
+    </p:spTree>
+    <p:extLst>
+      <p:ext uri="{BB962C8B-B14F-4D97-AF65-F5344CB8AC3E}">
+        <p14:creationId xmlns:p14="http://schemas.microsoft.com/office/powerpoint/2010/main" val="2340521166"/>
+      </p:ext>
+    </p:extLst>
+  </p:cSld>
+  <p:clrMapOvr>
+    <a:masterClrMapping/>
+  </p:clrMapOvr>
+</p:sld>
+</file>
+
+<file path=ppt/slides/slide46.xml><?xml version="1.0" encoding="utf-8"?>
+<p:sld xmlns:a="http://schemas.openxmlformats.org/drawingml/2006/main" xmlns:r="http://schemas.openxmlformats.org/officeDocument/2006/relationships" xmlns:p="http://schemas.openxmlformats.org/presentationml/2006/main">
+  <p:cSld>
+    <p:spTree>
+      <p:nvGrpSpPr>
+        <p:cNvPr id="1" name=""/>
+        <p:cNvGrpSpPr/>
+        <p:nvPr/>
+      </p:nvGrpSpPr>
+      <p:grpSpPr>
+        <a:xfrm>
+          <a:off x="0" y="0"/>
+          <a:ext cx="0" cy="0"/>
+          <a:chOff x="0" y="0"/>
+          <a:chExt cx="0" cy="0"/>
+        </a:xfrm>
+      </p:grpSpPr>
+      <p:sp>
+        <p:nvSpPr>
+          <p:cNvPr id="2" name="Title 1"/>
+          <p:cNvSpPr>
+            <a:spLocks noGrp="1"/>
+          </p:cNvSpPr>
+          <p:nvPr>
+            <p:ph type="title"/>
+          </p:nvPr>
+        </p:nvSpPr>
+        <p:spPr/>
+        <p:txBody>
+          <a:bodyPr/>
+          <a:lstStyle/>
+          <a:p>
+            <a:r>
+              <a:rPr lang="en-US" dirty="0"/>
               <a:t>To Use</a:t>
             </a:r>
           </a:p>
@@ -7806,7 +8304,7 @@
 </p:sld>
 </file>
 
-<file path=ppt/slides/slide46.xml><?xml version="1.0" encoding="utf-8"?>
+<file path=ppt/slides/slide47.xml><?xml version="1.0" encoding="utf-8"?>
 <p:sld xmlns:a="http://schemas.openxmlformats.org/drawingml/2006/main" xmlns:r="http://schemas.openxmlformats.org/officeDocument/2006/relationships" xmlns:p="http://schemas.openxmlformats.org/presentationml/2006/main">
   <p:cSld>
     <p:spTree>
@@ -7958,77 +8456,39 @@
           <a:p>
             <a:r>
               <a:rPr lang="en-US" dirty="0"/>
-              <a:t>12 Week Roadmap</a:t>
-            </a:r>
-          </a:p>
-        </p:txBody>
-      </p:sp>
-      <p:sp>
-        <p:nvSpPr>
-          <p:cNvPr id="3" name="Content Placeholder 2"/>
-          <p:cNvSpPr>
-            <a:spLocks noGrp="1"/>
-          </p:cNvSpPr>
-          <p:nvPr>
-            <p:ph idx="1"/>
-          </p:nvPr>
-        </p:nvSpPr>
-        <p:spPr/>
-        <p:txBody>
-          <a:bodyPr/>
-          <a:lstStyle/>
-          <a:p>
-            <a:r>
-              <a:rPr lang="en-US" dirty="0"/>
-              <a:t>C# and beginning programming</a:t>
-            </a:r>
-          </a:p>
-          <a:p>
-            <a:r>
-              <a:rPr lang="en-US" dirty="0"/>
-              <a:t>Ruby and TDD</a:t>
-            </a:r>
-          </a:p>
-          <a:p>
-            <a:r>
-              <a:rPr lang="en-US" dirty="0"/>
-              <a:t>Data Structures and DBs</a:t>
-            </a:r>
-          </a:p>
-          <a:p>
-            <a:r>
-              <a:rPr lang="en-US" dirty="0"/>
-              <a:t>Beginning Web Sites</a:t>
-            </a:r>
-          </a:p>
-          <a:p>
-            <a:r>
-              <a:rPr lang="en-US" dirty="0"/>
-              <a:t>HTML/CSS</a:t>
-            </a:r>
-          </a:p>
-          <a:p>
-            <a:r>
-              <a:rPr lang="en-US" dirty="0" err="1"/>
-              <a:t>Javascript</a:t>
-            </a:r>
-            <a:r>
-              <a:rPr lang="en-US" dirty="0"/>
-              <a:t> and Angular</a:t>
-            </a:r>
-          </a:p>
-          <a:p>
-            <a:r>
-              <a:rPr lang="en-US" dirty="0"/>
-              <a:t>Projects</a:t>
-            </a:r>
-          </a:p>
-        </p:txBody>
-      </p:sp>
+              <a:t>Second Session</a:t>
+            </a:r>
+          </a:p>
+        </p:txBody>
+      </p:sp>
+      <p:pic>
+        <p:nvPicPr>
+          <p:cNvPr id="5" name="Picture 4"/>
+          <p:cNvPicPr>
+            <a:picLocks noChangeAspect="1"/>
+          </p:cNvPicPr>
+          <p:nvPr/>
+        </p:nvPicPr>
+        <p:blipFill>
+          <a:blip r:embed="rId2"/>
+          <a:stretch>
+            <a:fillRect/>
+          </a:stretch>
+        </p:blipFill>
+        <p:spPr>
+          <a:xfrm>
+            <a:off x="3784079" y="1434517"/>
+            <a:ext cx="4289050" cy="5025006"/>
+          </a:xfrm>
+          <a:prstGeom prst="rect">
+            <a:avLst/>
+          </a:prstGeom>
+        </p:spPr>
+      </p:pic>
     </p:spTree>
     <p:extLst>
       <p:ext uri="{BB962C8B-B14F-4D97-AF65-F5344CB8AC3E}">
-        <p14:creationId xmlns:p14="http://schemas.microsoft.com/office/powerpoint/2010/main" val="4273971886"/>
+        <p14:creationId xmlns:p14="http://schemas.microsoft.com/office/powerpoint/2010/main" val="3590741015"/>
       </p:ext>
     </p:extLst>
   </p:cSld>
@@ -8072,7 +8532,7 @@
           <a:p>
             <a:r>
               <a:rPr lang="en-US" dirty="0"/>
-              <a:t>Today’s Roadmap</a:t>
+              <a:t>12 Week Roadmap</a:t>
             </a:r>
           </a:p>
         </p:txBody>
@@ -8094,46 +8554,47 @@
           <a:p>
             <a:r>
               <a:rPr lang="en-US" dirty="0"/>
-              <a:t>Get the IDE up and running</a:t>
-            </a:r>
-          </a:p>
-          <a:p>
-            <a:r>
-              <a:rPr lang="en-US" dirty="0"/>
-              <a:t>Perform a Kata</a:t>
-            </a:r>
-          </a:p>
-          <a:p>
-            <a:r>
-              <a:rPr lang="en-US" dirty="0"/>
-              <a:t>Learn the basics of programming</a:t>
-            </a:r>
-          </a:p>
-          <a:p>
-            <a:pPr lvl="1"/>
-            <a:r>
-              <a:rPr lang="en-US" dirty="0"/>
-              <a:t>Commands</a:t>
-            </a:r>
-          </a:p>
-          <a:p>
-            <a:pPr lvl="1"/>
-            <a:r>
-              <a:rPr lang="en-US" dirty="0"/>
-              <a:t>Basic math</a:t>
-            </a:r>
-          </a:p>
-          <a:p>
-            <a:pPr lvl="1"/>
-            <a:r>
-              <a:rPr lang="en-US" dirty="0"/>
-              <a:t>Basic string manipulation</a:t>
-            </a:r>
-          </a:p>
-          <a:p>
-            <a:r>
-              <a:rPr lang="en-US" dirty="0"/>
-              <a:t>Move to more advanced subjects</a:t>
+              <a:t>C# and beginning programming</a:t>
+            </a:r>
+          </a:p>
+          <a:p>
+            <a:r>
+              <a:rPr lang="en-US" dirty="0"/>
+              <a:t>Ruby and TDD</a:t>
+            </a:r>
+          </a:p>
+          <a:p>
+            <a:r>
+              <a:rPr lang="en-US" dirty="0"/>
+              <a:t>Data Structures and DBs</a:t>
+            </a:r>
+          </a:p>
+          <a:p>
+            <a:r>
+              <a:rPr lang="en-US" dirty="0"/>
+              <a:t>Beginning Web Sites</a:t>
+            </a:r>
+          </a:p>
+          <a:p>
+            <a:r>
+              <a:rPr lang="en-US" dirty="0"/>
+              <a:t>HTML/CSS</a:t>
+            </a:r>
+          </a:p>
+          <a:p>
+            <a:r>
+              <a:rPr lang="en-US" dirty="0" err="1"/>
+              <a:t>Javascript</a:t>
+            </a:r>
+            <a:r>
+              <a:rPr lang="en-US" dirty="0"/>
+              <a:t> and probably React</a:t>
+            </a:r>
+          </a:p>
+          <a:p>
+            <a:r>
+              <a:rPr lang="en-US" dirty="0"/>
+              <a:t>Projects</a:t>
             </a:r>
           </a:p>
         </p:txBody>
@@ -8141,7 +8602,7 @@
     </p:spTree>
     <p:extLst>
       <p:ext uri="{BB962C8B-B14F-4D97-AF65-F5344CB8AC3E}">
-        <p14:creationId xmlns:p14="http://schemas.microsoft.com/office/powerpoint/2010/main" val="2525517531"/>
+        <p14:creationId xmlns:p14="http://schemas.microsoft.com/office/powerpoint/2010/main" val="4273971886"/>
       </p:ext>
     </p:extLst>
   </p:cSld>
@@ -8185,7 +8646,7 @@
           <a:p>
             <a:r>
               <a:rPr lang="en-US" dirty="0"/>
-              <a:t>Getting your IDE</a:t>
+              <a:t>Today’s Roadmap</a:t>
             </a:r>
           </a:p>
         </p:txBody>
@@ -8207,21 +8668,40 @@
           <a:p>
             <a:r>
               <a:rPr lang="en-US" dirty="0"/>
-              <a:t>See instructions on how to download Visual Studio 2015 Community edition and </a:t>
-            </a:r>
-            <a:r>
-              <a:rPr lang="en-US" dirty="0" err="1"/>
-              <a:t>Git</a:t>
-            </a:r>
-            <a:r>
-              <a:rPr lang="en-US" dirty="0"/>
-              <a:t>.</a:t>
-            </a:r>
-          </a:p>
-          <a:p>
-            <a:r>
-              <a:rPr lang="en-US" dirty="0"/>
-              <a:t>Let’s get it up and running and make sure everyone can open the IDE, you’ll need it for the next section</a:t>
+              <a:t>Get the IDE up and running</a:t>
+            </a:r>
+          </a:p>
+          <a:p>
+            <a:r>
+              <a:rPr lang="en-US" dirty="0"/>
+              <a:t>Learn the basics of programming</a:t>
+            </a:r>
+          </a:p>
+          <a:p>
+            <a:pPr lvl="1"/>
+            <a:r>
+              <a:rPr lang="en-US" dirty="0"/>
+              <a:t>Commands</a:t>
+            </a:r>
+          </a:p>
+          <a:p>
+            <a:pPr lvl="1"/>
+            <a:r>
+              <a:rPr lang="en-US" dirty="0"/>
+              <a:t>Basic math</a:t>
+            </a:r>
+          </a:p>
+          <a:p>
+            <a:pPr lvl="1"/>
+            <a:r>
+              <a:rPr lang="en-US" dirty="0"/>
+              <a:t>Basic string manipulation</a:t>
+            </a:r>
+          </a:p>
+          <a:p>
+            <a:r>
+              <a:rPr lang="en-US" dirty="0"/>
+              <a:t>Move to more advanced subjects</a:t>
             </a:r>
           </a:p>
         </p:txBody>
@@ -8229,7 +8709,7 @@
     </p:spTree>
     <p:extLst>
       <p:ext uri="{BB962C8B-B14F-4D97-AF65-F5344CB8AC3E}">
-        <p14:creationId xmlns:p14="http://schemas.microsoft.com/office/powerpoint/2010/main" val="2531107031"/>
+        <p14:creationId xmlns:p14="http://schemas.microsoft.com/office/powerpoint/2010/main" val="2525517531"/>
       </p:ext>
     </p:extLst>
   </p:cSld>
@@ -8273,7 +8753,7 @@
           <a:p>
             <a:r>
               <a:rPr lang="en-US" dirty="0"/>
-              <a:t>What is Programming?</a:t>
+              <a:t>Getting your IDE</a:t>
             </a:r>
           </a:p>
         </p:txBody>
@@ -8290,31 +8770,28 @@
         </p:nvSpPr>
         <p:spPr/>
         <p:txBody>
-          <a:bodyPr/>
-          <a:lstStyle/>
-          <a:p>
-            <a:pPr fontAlgn="base"/>
-            <a:r>
-              <a:rPr lang="en-US" dirty="0"/>
-              <a:t>How to solve problems using specific, repeatable instructions </a:t>
-            </a:r>
-          </a:p>
-          <a:p>
-            <a:pPr fontAlgn="base"/>
-            <a:r>
-              <a:rPr lang="en-US" dirty="0"/>
-              <a:t>How to take the complex, abstract real world and represent it in concrete ways in code</a:t>
-            </a:r>
-          </a:p>
-          <a:p>
-            <a:endParaRPr lang="en-US" dirty="0"/>
+          <a:bodyPr vert="horz" lIns="91440" tIns="45720" rIns="91440" bIns="45720" rtlCol="0" anchor="t">
+            <a:normAutofit/>
+          </a:bodyPr>
+          <a:lstStyle/>
+          <a:p>
+            <a:r>
+              <a:rPr lang="en-US" dirty="0"/>
+              <a:t>You should already have Visual Studio, if not, it is time to get it</a:t>
+            </a:r>
+          </a:p>
+          <a:p>
+            <a:r>
+              <a:rPr lang="en-US" dirty="0"/>
+              <a:t>Let’s get it up and running and make sure everyone can open the IDE, you’ll need it for the next section</a:t>
+            </a:r>
           </a:p>
         </p:txBody>
       </p:sp>
     </p:spTree>
     <p:extLst>
       <p:ext uri="{BB962C8B-B14F-4D97-AF65-F5344CB8AC3E}">
-        <p14:creationId xmlns:p14="http://schemas.microsoft.com/office/powerpoint/2010/main" val="2758694795"/>
+        <p14:creationId xmlns:p14="http://schemas.microsoft.com/office/powerpoint/2010/main" val="2531107031"/>
       </p:ext>
     </p:extLst>
   </p:cSld>
@@ -8358,7 +8835,7 @@
           <a:p>
             <a:r>
               <a:rPr lang="en-US" dirty="0"/>
-              <a:t>And now…</a:t>
+              <a:t>What is Programming?</a:t>
             </a:r>
           </a:p>
         </p:txBody>
@@ -8378,17 +8855,28 @@
           <a:bodyPr/>
           <a:lstStyle/>
           <a:p>
-            <a:r>
-              <a:rPr lang="en-US" dirty="0"/>
-              <a:t>To the IDE!</a:t>
-            </a:r>
+            <a:pPr fontAlgn="base"/>
+            <a:r>
+              <a:rPr lang="en-US" dirty="0"/>
+              <a:t>How to solve problems using specific, repeatable instructions </a:t>
+            </a:r>
+          </a:p>
+          <a:p>
+            <a:pPr fontAlgn="base"/>
+            <a:r>
+              <a:rPr lang="en-US" dirty="0"/>
+              <a:t>How to take the complex, abstract real world and represent it in concrete ways in code</a:t>
+            </a:r>
+          </a:p>
+          <a:p>
+            <a:endParaRPr lang="en-US" dirty="0"/>
           </a:p>
         </p:txBody>
       </p:sp>
     </p:spTree>
     <p:extLst>
       <p:ext uri="{BB962C8B-B14F-4D97-AF65-F5344CB8AC3E}">
-        <p14:creationId xmlns:p14="http://schemas.microsoft.com/office/powerpoint/2010/main" val="3691190770"/>
+        <p14:creationId xmlns:p14="http://schemas.microsoft.com/office/powerpoint/2010/main" val="2758694795"/>
       </p:ext>
     </p:extLst>
   </p:cSld>
@@ -8657,4 +9145,299 @@
     </a:ext>
   </a:extLst>
 </a:theme>
+</file>
+
+<file path=ppt/theme/theme2.xml><?xml version="1.0" encoding="utf-8"?>
+<a:theme xmlns:a="http://schemas.openxmlformats.org/drawingml/2006/main" name="Office Theme">
+  <a:themeElements>
+    <a:clrScheme name="Office">
+      <a:dk1>
+        <a:sysClr val="windowText" lastClr="000000"/>
+      </a:dk1>
+      <a:lt1>
+        <a:sysClr val="window" lastClr="FFFFFF"/>
+      </a:lt1>
+      <a:dk2>
+        <a:srgbClr val="44546A"/>
+      </a:dk2>
+      <a:lt2>
+        <a:srgbClr val="E7E6E6"/>
+      </a:lt2>
+      <a:accent1>
+        <a:srgbClr val="4472C4"/>
+      </a:accent1>
+      <a:accent2>
+        <a:srgbClr val="ED7D31"/>
+      </a:accent2>
+      <a:accent3>
+        <a:srgbClr val="A5A5A5"/>
+      </a:accent3>
+      <a:accent4>
+        <a:srgbClr val="FFC000"/>
+      </a:accent4>
+      <a:accent5>
+        <a:srgbClr val="5B9BD5"/>
+      </a:accent5>
+      <a:accent6>
+        <a:srgbClr val="70AD47"/>
+      </a:accent6>
+      <a:hlink>
+        <a:srgbClr val="0563C1"/>
+      </a:hlink>
+      <a:folHlink>
+        <a:srgbClr val="954F72"/>
+      </a:folHlink>
+    </a:clrScheme>
+    <a:fontScheme name="Office">
+      <a:majorFont>
+        <a:latin typeface="Calibri Light" panose="020F0302020204030204"/>
+        <a:ea typeface=""/>
+        <a:cs typeface=""/>
+        <a:font script="Jpan" typeface="游ゴシック Light"/>
+        <a:font script="Hang" typeface="맑은 고딕"/>
+        <a:font script="Hans" typeface="等线 Light"/>
+        <a:font script="Hant" typeface="新細明體"/>
+        <a:font script="Arab" typeface="Times New Roman"/>
+        <a:font script="Hebr" typeface="Times New Roman"/>
+        <a:font script="Thai" typeface="Angsana New"/>
+        <a:font script="Ethi" typeface="Nyala"/>
+        <a:font script="Beng" typeface="Vrinda"/>
+        <a:font script="Gujr" typeface="Shruti"/>
+        <a:font script="Khmr" typeface="MoolBoran"/>
+        <a:font script="Knda" typeface="Tunga"/>
+        <a:font script="Guru" typeface="Raavi"/>
+        <a:font script="Cans" typeface="Euphemia"/>
+        <a:font script="Cher" typeface="Plantagenet Cherokee"/>
+        <a:font script="Yiii" typeface="Microsoft Yi Baiti"/>
+        <a:font script="Tibt" typeface="Microsoft Himalaya"/>
+        <a:font script="Thaa" typeface="MV Boli"/>
+        <a:font script="Deva" typeface="Mangal"/>
+        <a:font script="Telu" typeface="Gautami"/>
+        <a:font script="Taml" typeface="Latha"/>
+        <a:font script="Syrc" typeface="Estrangelo Edessa"/>
+        <a:font script="Orya" typeface="Kalinga"/>
+        <a:font script="Mlym" typeface="Kartika"/>
+        <a:font script="Laoo" typeface="DokChampa"/>
+        <a:font script="Sinh" typeface="Iskoola Pota"/>
+        <a:font script="Mong" typeface="Mongolian Baiti"/>
+        <a:font script="Viet" typeface="Times New Roman"/>
+        <a:font script="Uigh" typeface="Microsoft Uighur"/>
+        <a:font script="Geor" typeface="Sylfaen"/>
+        <a:font script="Armn" typeface="Arial"/>
+        <a:font script="Bugi" typeface="Leelawadee UI"/>
+        <a:font script="Bopo" typeface="Microsoft JhengHei"/>
+        <a:font script="Java" typeface="Javanese Text"/>
+        <a:font script="Lisu" typeface="Segoe UI"/>
+        <a:font script="Mymr" typeface="Myanmar Text"/>
+        <a:font script="Nkoo" typeface="Ebrima"/>
+        <a:font script="Olck" typeface="Nirmala UI"/>
+        <a:font script="Osma" typeface="Ebrima"/>
+        <a:font script="Phag" typeface="Phagspa"/>
+        <a:font script="Syrn" typeface="Estrangelo Edessa"/>
+        <a:font script="Syrj" typeface="Estrangelo Edessa"/>
+        <a:font script="Syre" typeface="Estrangelo Edessa"/>
+        <a:font script="Sora" typeface="Nirmala UI"/>
+        <a:font script="Tale" typeface="Microsoft Tai Le"/>
+        <a:font script="Talu" typeface="Microsoft New Tai Lue"/>
+        <a:font script="Tfng" typeface="Ebrima"/>
+      </a:majorFont>
+      <a:minorFont>
+        <a:latin typeface="Calibri" panose="020F0502020204030204"/>
+        <a:ea typeface=""/>
+        <a:cs typeface=""/>
+        <a:font script="Jpan" typeface="游ゴシック"/>
+        <a:font script="Hang" typeface="맑은 고딕"/>
+        <a:font script="Hans" typeface="等线"/>
+        <a:font script="Hant" typeface="新細明體"/>
+        <a:font script="Arab" typeface="Arial"/>
+        <a:font script="Hebr" typeface="Arial"/>
+        <a:font script="Thai" typeface="Cordia New"/>
+        <a:font script="Ethi" typeface="Nyala"/>
+        <a:font script="Beng" typeface="Vrinda"/>
+        <a:font script="Gujr" typeface="Shruti"/>
+        <a:font script="Khmr" typeface="DaunPenh"/>
+        <a:font script="Knda" typeface="Tunga"/>
+        <a:font script="Guru" typeface="Raavi"/>
+        <a:font script="Cans" typeface="Euphemia"/>
+        <a:font script="Cher" typeface="Plantagenet Cherokee"/>
+        <a:font script="Yiii" typeface="Microsoft Yi Baiti"/>
+        <a:font script="Tibt" typeface="Microsoft Himalaya"/>
+        <a:font script="Thaa" typeface="MV Boli"/>
+        <a:font script="Deva" typeface="Mangal"/>
+        <a:font script="Telu" typeface="Gautami"/>
+        <a:font script="Taml" typeface="Latha"/>
+        <a:font script="Syrc" typeface="Estrangelo Edessa"/>
+        <a:font script="Orya" typeface="Kalinga"/>
+        <a:font script="Mlym" typeface="Kartika"/>
+        <a:font script="Laoo" typeface="DokChampa"/>
+        <a:font script="Sinh" typeface="Iskoola Pota"/>
+        <a:font script="Mong" typeface="Mongolian Baiti"/>
+        <a:font script="Viet" typeface="Arial"/>
+        <a:font script="Uigh" typeface="Microsoft Uighur"/>
+        <a:font script="Geor" typeface="Sylfaen"/>
+        <a:font script="Armn" typeface="Arial"/>
+        <a:font script="Bugi" typeface="Leelawadee UI"/>
+        <a:font script="Bopo" typeface="Microsoft JhengHei"/>
+        <a:font script="Java" typeface="Javanese Text"/>
+        <a:font script="Lisu" typeface="Segoe UI"/>
+        <a:font script="Mymr" typeface="Myanmar Text"/>
+        <a:font script="Nkoo" typeface="Ebrima"/>
+        <a:font script="Olck" typeface="Nirmala UI"/>
+        <a:font script="Osma" typeface="Ebrima"/>
+        <a:font script="Phag" typeface="Phagspa"/>
+        <a:font script="Syrn" typeface="Estrangelo Edessa"/>
+        <a:font script="Syrj" typeface="Estrangelo Edessa"/>
+        <a:font script="Syre" typeface="Estrangelo Edessa"/>
+        <a:font script="Sora" typeface="Nirmala UI"/>
+        <a:font script="Tale" typeface="Microsoft Tai Le"/>
+        <a:font script="Talu" typeface="Microsoft New Tai Lue"/>
+        <a:font script="Tfng" typeface="Ebrima"/>
+      </a:minorFont>
+    </a:fontScheme>
+    <a:fmtScheme name="Office">
+      <a:fillStyleLst>
+        <a:solidFill>
+          <a:schemeClr val="phClr"/>
+        </a:solidFill>
+        <a:gradFill rotWithShape="1">
+          <a:gsLst>
+            <a:gs pos="0">
+              <a:schemeClr val="phClr">
+                <a:lumMod val="110000"/>
+                <a:satMod val="105000"/>
+                <a:tint val="67000"/>
+              </a:schemeClr>
+            </a:gs>
+            <a:gs pos="50000">
+              <a:schemeClr val="phClr">
+                <a:lumMod val="105000"/>
+                <a:satMod val="103000"/>
+                <a:tint val="73000"/>
+              </a:schemeClr>
+            </a:gs>
+            <a:gs pos="100000">
+              <a:schemeClr val="phClr">
+                <a:lumMod val="105000"/>
+                <a:satMod val="109000"/>
+                <a:tint val="81000"/>
+              </a:schemeClr>
+            </a:gs>
+          </a:gsLst>
+          <a:lin ang="5400000" scaled="0"/>
+        </a:gradFill>
+        <a:gradFill rotWithShape="1">
+          <a:gsLst>
+            <a:gs pos="0">
+              <a:schemeClr val="phClr">
+                <a:satMod val="103000"/>
+                <a:lumMod val="102000"/>
+                <a:tint val="94000"/>
+              </a:schemeClr>
+            </a:gs>
+            <a:gs pos="50000">
+              <a:schemeClr val="phClr">
+                <a:satMod val="110000"/>
+                <a:lumMod val="100000"/>
+                <a:shade val="100000"/>
+              </a:schemeClr>
+            </a:gs>
+            <a:gs pos="100000">
+              <a:schemeClr val="phClr">
+                <a:lumMod val="99000"/>
+                <a:satMod val="120000"/>
+                <a:shade val="78000"/>
+              </a:schemeClr>
+            </a:gs>
+          </a:gsLst>
+          <a:lin ang="5400000" scaled="0"/>
+        </a:gradFill>
+      </a:fillStyleLst>
+      <a:lnStyleLst>
+        <a:ln w="6350" cap="flat" cmpd="sng" algn="ctr">
+          <a:solidFill>
+            <a:schemeClr val="phClr"/>
+          </a:solidFill>
+          <a:prstDash val="solid"/>
+          <a:miter lim="800000"/>
+        </a:ln>
+        <a:ln w="12700" cap="flat" cmpd="sng" algn="ctr">
+          <a:solidFill>
+            <a:schemeClr val="phClr"/>
+          </a:solidFill>
+          <a:prstDash val="solid"/>
+          <a:miter lim="800000"/>
+        </a:ln>
+        <a:ln w="19050" cap="flat" cmpd="sng" algn="ctr">
+          <a:solidFill>
+            <a:schemeClr val="phClr"/>
+          </a:solidFill>
+          <a:prstDash val="solid"/>
+          <a:miter lim="800000"/>
+        </a:ln>
+      </a:lnStyleLst>
+      <a:effectStyleLst>
+        <a:effectStyle>
+          <a:effectLst/>
+        </a:effectStyle>
+        <a:effectStyle>
+          <a:effectLst/>
+        </a:effectStyle>
+        <a:effectStyle>
+          <a:effectLst>
+            <a:outerShdw blurRad="57150" dist="19050" dir="5400000" algn="ctr" rotWithShape="0">
+              <a:srgbClr val="000000">
+                <a:alpha val="63000"/>
+              </a:srgbClr>
+            </a:outerShdw>
+          </a:effectLst>
+        </a:effectStyle>
+      </a:effectStyleLst>
+      <a:bgFillStyleLst>
+        <a:solidFill>
+          <a:schemeClr val="phClr"/>
+        </a:solidFill>
+        <a:solidFill>
+          <a:schemeClr val="phClr">
+            <a:tint val="95000"/>
+            <a:satMod val="170000"/>
+          </a:schemeClr>
+        </a:solidFill>
+        <a:gradFill rotWithShape="1">
+          <a:gsLst>
+            <a:gs pos="0">
+              <a:schemeClr val="phClr">
+                <a:tint val="93000"/>
+                <a:satMod val="150000"/>
+                <a:shade val="98000"/>
+                <a:lumMod val="102000"/>
+              </a:schemeClr>
+            </a:gs>
+            <a:gs pos="50000">
+              <a:schemeClr val="phClr">
+                <a:tint val="98000"/>
+                <a:satMod val="130000"/>
+                <a:shade val="90000"/>
+                <a:lumMod val="103000"/>
+              </a:schemeClr>
+            </a:gs>
+            <a:gs pos="100000">
+              <a:schemeClr val="phClr">
+                <a:shade val="63000"/>
+                <a:satMod val="120000"/>
+              </a:schemeClr>
+            </a:gs>
+          </a:gsLst>
+          <a:lin ang="5400000" scaled="0"/>
+        </a:gradFill>
+      </a:bgFillStyleLst>
+    </a:fmtScheme>
+  </a:themeElements>
+  <a:objectDefaults/>
+  <a:extraClrSchemeLst/>
+  <a:extLst>
+    <a:ext uri="{05A4C25C-085E-4340-85A3-A5531E510DB2}">
+      <thm15:themeFamily xmlns:thm15="http://schemas.microsoft.com/office/thememl/2012/main" name="Office Theme" id="{62F939B6-93AF-4DB8-9C6B-D6C7DFDC589F}" vid="{4A3C46E8-61CC-4603-A589-7422A47A8E4A}"/>
+    </a:ext>
+  </a:extLst>
+</a:theme>
 </file>